--- a/2012013297_钟仰新_毕设论文答辩.pptx
+++ b/2012013297_钟仰新_毕设论文答辩.pptx
@@ -227,7 +227,7 @@
             <a:fld id="{354D145D-813C-48A6-BC01-53AC533A4D03}" type="datetimeFigureOut">
               <a:rPr lang="en-US" smtClean="0"/>
               <a:pPr/>
-              <a:t>6/9/2016</a:t>
+              <a:t>6/11/2016</a:t>
             </a:fld>
             <a:endParaRPr lang="en-US"/>
           </a:p>
@@ -540,6 +540,18 @@
           <a:bodyPr/>
           <a:lstStyle/>
           <a:p>
+            <a:r>
+              <a:rPr lang="zh-CN" altLang="en-US" dirty="0" smtClean="0"/>
+              <a:t>各位老师早上好，我即将开始我的论文答辩。由于本文的实验内容比较多，答辩预计会占用</a:t>
+            </a:r>
+            <a:r>
+              <a:rPr lang="en-US" altLang="zh-CN" dirty="0" smtClean="0"/>
+              <a:t>12</a:t>
+            </a:r>
+            <a:r>
+              <a:rPr lang="zh-CN" altLang="en-US" dirty="0" smtClean="0"/>
+              <a:t>分钟，恳请各位老师能耐心听完。我的论文题目是“社交网络中的谣言检测”，指导老师是刘世霞老师。答辩将按照论文的章节顺序逐步展开。</a:t>
+            </a:r>
             <a:endParaRPr lang="en-US" dirty="0" smtClean="0"/>
           </a:p>
         </p:txBody>
@@ -634,28 +646,8 @@
                 <a:ea typeface="+mn-ea"/>
                 <a:cs typeface="+mn-cs"/>
               </a:rPr>
-              <a:t>做这一步的动机是，在进行谣言判定时，原系统仅考虑了种类很少的十几个特征输入分类器，由于特征多样性不足，直接影响了系统的谣言检测准确率，使其不高。而本文的改进方案是，向原系统引进更多谣言检测中常用的特征；但由于输入太多特征，会导致训练容易走向过拟合，而且一些噪声的、冗余的特征会影响分类器的训练。因此，本文引入特征选择技术，这类技术能自动化地选择出有效的特征子集。</a:t>
-            </a:r>
-            <a:endParaRPr lang="en-US" altLang="zh-CN" sz="1200" b="0" i="0" kern="1200" dirty="0" smtClean="0">
-              <a:solidFill>
-                <a:schemeClr val="tx1"/>
-              </a:solidFill>
-              <a:latin typeface="+mn-lt"/>
-              <a:ea typeface="+mn-ea"/>
-              <a:cs typeface="+mn-cs"/>
-            </a:endParaRPr>
-          </a:p>
-          <a:p>
-            <a:endParaRPr lang="en-US" sz="1200" b="0" i="0" kern="1200" dirty="0" smtClean="0">
-              <a:solidFill>
-                <a:schemeClr val="tx1"/>
-              </a:solidFill>
-              <a:latin typeface="+mn-lt"/>
-              <a:ea typeface="+mn-ea"/>
-              <a:cs typeface="+mn-cs"/>
-            </a:endParaRPr>
-          </a:p>
-          <a:p>
+              <a:t>（点）第四章阐述了改进方案第二部分的特征选择技术。在</a:t>
+            </a:r>
             <a:r>
               <a:rPr lang="zh-CN" altLang="en-US" sz="1200" b="0" i="0" kern="1200" dirty="0" smtClean="0">
                 <a:solidFill>
@@ -665,10 +657,10 @@
                 <a:ea typeface="+mn-ea"/>
                 <a:cs typeface="+mn-cs"/>
               </a:rPr>
-              <a:t>实验放在第</a:t>
-            </a:r>
-            <a:r>
-              <a:rPr lang="en-US" altLang="zh-CN" sz="1200" b="0" i="0" kern="1200" dirty="0" smtClean="0">
+              <a:t>进行谣言判定时，原系统仅考虑了种类很少的十几个</a:t>
+            </a:r>
+            <a:r>
+              <a:rPr lang="zh-CN" altLang="en-US" sz="1200" b="0" i="0" kern="1200" dirty="0" smtClean="0">
                 <a:solidFill>
                   <a:schemeClr val="tx1"/>
                 </a:solidFill>
@@ -676,7 +668,7 @@
                 <a:ea typeface="+mn-ea"/>
                 <a:cs typeface="+mn-cs"/>
               </a:rPr>
-              <a:t>5</a:t>
+              <a:t>特征，由于多样性</a:t>
             </a:r>
             <a:r>
               <a:rPr lang="zh-CN" altLang="en-US" sz="1200" b="0" i="0" kern="1200" dirty="0" smtClean="0">
@@ -687,7 +679,172 @@
                 <a:ea typeface="+mn-ea"/>
                 <a:cs typeface="+mn-cs"/>
               </a:rPr>
-              <a:t>章中。</a:t>
+              <a:t>不足，直接影响了系统</a:t>
+            </a:r>
+            <a:r>
+              <a:rPr lang="zh-CN" altLang="en-US" sz="1200" b="0" i="0" kern="1200" dirty="0" smtClean="0">
+                <a:solidFill>
+                  <a:schemeClr val="tx1"/>
+                </a:solidFill>
+                <a:latin typeface="+mn-lt"/>
+                <a:ea typeface="+mn-ea"/>
+                <a:cs typeface="+mn-cs"/>
+              </a:rPr>
+              <a:t>的检测准确率。而本文</a:t>
+            </a:r>
+            <a:r>
+              <a:rPr lang="zh-CN" altLang="en-US" sz="1200" b="0" i="0" kern="1200" dirty="0" smtClean="0">
+                <a:solidFill>
+                  <a:schemeClr val="tx1"/>
+                </a:solidFill>
+                <a:latin typeface="+mn-lt"/>
+                <a:ea typeface="+mn-ea"/>
+                <a:cs typeface="+mn-cs"/>
+              </a:rPr>
+              <a:t>的改进方案是，向原系统引进</a:t>
+            </a:r>
+            <a:r>
+              <a:rPr lang="zh-CN" altLang="en-US" sz="1200" b="0" i="0" kern="1200" dirty="0" smtClean="0">
+                <a:solidFill>
+                  <a:schemeClr val="tx1"/>
+                </a:solidFill>
+                <a:latin typeface="+mn-lt"/>
+                <a:ea typeface="+mn-ea"/>
+                <a:cs typeface="+mn-cs"/>
+              </a:rPr>
+              <a:t>更多特征</a:t>
+            </a:r>
+            <a:r>
+              <a:rPr lang="zh-CN" altLang="en-US" sz="1200" b="0" i="0" kern="1200" dirty="0" smtClean="0">
+                <a:solidFill>
+                  <a:schemeClr val="tx1"/>
+                </a:solidFill>
+                <a:latin typeface="+mn-lt"/>
+                <a:ea typeface="+mn-ea"/>
+                <a:cs typeface="+mn-cs"/>
+              </a:rPr>
+              <a:t>；</a:t>
+            </a:r>
+            <a:r>
+              <a:rPr lang="zh-CN" altLang="en-US" sz="1200" b="0" i="0" kern="1200" dirty="0" smtClean="0">
+                <a:solidFill>
+                  <a:schemeClr val="tx1"/>
+                </a:solidFill>
+                <a:latin typeface="+mn-lt"/>
+                <a:ea typeface="+mn-ea"/>
+                <a:cs typeface="+mn-cs"/>
+              </a:rPr>
+              <a:t>但如果输入</a:t>
+            </a:r>
+            <a:r>
+              <a:rPr lang="zh-CN" altLang="en-US" sz="1200" b="0" i="0" kern="1200" dirty="0" smtClean="0">
+                <a:solidFill>
+                  <a:schemeClr val="tx1"/>
+                </a:solidFill>
+                <a:latin typeface="+mn-lt"/>
+                <a:ea typeface="+mn-ea"/>
+                <a:cs typeface="+mn-cs"/>
+              </a:rPr>
+              <a:t>太多特征，会导致</a:t>
+            </a:r>
+            <a:r>
+              <a:rPr lang="zh-CN" altLang="en-US" sz="1200" b="0" i="0" kern="1200" dirty="0" smtClean="0">
+                <a:solidFill>
+                  <a:schemeClr val="tx1"/>
+                </a:solidFill>
+                <a:latin typeface="+mn-lt"/>
+                <a:ea typeface="+mn-ea"/>
+                <a:cs typeface="+mn-cs"/>
+              </a:rPr>
+              <a:t>训练过</a:t>
+            </a:r>
+            <a:r>
+              <a:rPr lang="zh-CN" altLang="en-US" sz="1200" b="0" i="0" kern="1200" dirty="0" smtClean="0">
+                <a:solidFill>
+                  <a:schemeClr val="tx1"/>
+                </a:solidFill>
+                <a:latin typeface="+mn-lt"/>
+                <a:ea typeface="+mn-ea"/>
+                <a:cs typeface="+mn-cs"/>
+              </a:rPr>
+              <a:t>拟合</a:t>
+            </a:r>
+            <a:r>
+              <a:rPr lang="zh-CN" altLang="en-US" sz="1200" b="0" i="0" kern="1200" dirty="0" smtClean="0">
+                <a:solidFill>
+                  <a:schemeClr val="tx1"/>
+                </a:solidFill>
+                <a:latin typeface="+mn-lt"/>
+                <a:ea typeface="+mn-ea"/>
+                <a:cs typeface="+mn-cs"/>
+              </a:rPr>
+              <a:t>，因此需要特征选择技术来去除噪声</a:t>
+            </a:r>
+            <a:r>
+              <a:rPr lang="zh-CN" altLang="en-US" sz="1200" b="0" i="0" kern="1200" dirty="0" smtClean="0">
+                <a:solidFill>
+                  <a:schemeClr val="tx1"/>
+                </a:solidFill>
+                <a:latin typeface="+mn-lt"/>
+                <a:ea typeface="+mn-ea"/>
+                <a:cs typeface="+mn-cs"/>
+              </a:rPr>
+              <a:t>的、冗余的</a:t>
+            </a:r>
+            <a:r>
+              <a:rPr lang="zh-CN" altLang="en-US" sz="1200" b="0" i="0" kern="1200" dirty="0" smtClean="0">
+                <a:solidFill>
+                  <a:schemeClr val="tx1"/>
+                </a:solidFill>
+                <a:latin typeface="+mn-lt"/>
+                <a:ea typeface="+mn-ea"/>
+                <a:cs typeface="+mn-cs"/>
+              </a:rPr>
+              <a:t>特征。（点四下）本章介绍了系统采用的两类特征选择技术：过滤器和包装器，前者基于相关度分析，后者基于启发式搜索。（点三下）本文提出了一种将两者结合在一起的特征选择方法：以过滤器指导包装器的搜索起点，并且其搜索路径不同于传统的前向和后向搜索，是一个将两者结合的浮动式搜索。（点两下）而特征数量上，本文将原系统的</a:t>
+            </a:r>
+            <a:r>
+              <a:rPr lang="en-US" altLang="zh-CN" sz="1200" b="0" i="0" kern="1200" dirty="0" smtClean="0">
+                <a:solidFill>
+                  <a:schemeClr val="tx1"/>
+                </a:solidFill>
+                <a:latin typeface="+mn-lt"/>
+                <a:ea typeface="+mn-ea"/>
+                <a:cs typeface="+mn-cs"/>
+              </a:rPr>
+              <a:t>15</a:t>
+            </a:r>
+            <a:r>
+              <a:rPr lang="zh-CN" altLang="en-US" sz="1200" b="0" i="0" kern="1200" dirty="0" smtClean="0">
+                <a:solidFill>
+                  <a:schemeClr val="tx1"/>
+                </a:solidFill>
+                <a:latin typeface="+mn-lt"/>
+                <a:ea typeface="+mn-ea"/>
+                <a:cs typeface="+mn-cs"/>
+              </a:rPr>
+              <a:t>类特征拓展成</a:t>
+            </a:r>
+            <a:r>
+              <a:rPr lang="en-US" altLang="zh-CN" sz="1200" b="0" i="0" kern="1200" dirty="0" smtClean="0">
+                <a:solidFill>
+                  <a:schemeClr val="tx1"/>
+                </a:solidFill>
+                <a:latin typeface="+mn-lt"/>
+                <a:ea typeface="+mn-ea"/>
+                <a:cs typeface="+mn-cs"/>
+              </a:rPr>
+              <a:t>45</a:t>
+            </a:r>
+            <a:r>
+              <a:rPr lang="zh-CN" altLang="en-US" sz="1200" b="0" i="0" kern="1200" dirty="0" smtClean="0">
+                <a:solidFill>
+                  <a:schemeClr val="tx1"/>
+                </a:solidFill>
+                <a:latin typeface="+mn-lt"/>
+                <a:ea typeface="+mn-ea"/>
+                <a:cs typeface="+mn-cs"/>
+              </a:rPr>
+              <a:t>类，包括谣言检测常用的消息、用户和传播特征。</a:t>
             </a:r>
             <a:endParaRPr lang="en-US" sz="1200" b="0" i="0" kern="1200" dirty="0" smtClean="0">
               <a:solidFill>
@@ -789,6 +946,83 @@
           <a:bodyPr/>
           <a:lstStyle/>
           <a:p>
+            <a:r>
+              <a:rPr lang="zh-CN" altLang="en-US" sz="1200" b="0" i="0" kern="1200" dirty="0" smtClean="0">
+                <a:solidFill>
+                  <a:schemeClr val="tx1"/>
+                </a:solidFill>
+                <a:latin typeface="+mn-lt"/>
+                <a:ea typeface="+mn-ea"/>
+                <a:cs typeface="+mn-cs"/>
+              </a:rPr>
+              <a:t>（点三下）第五章阐述改进方案中使用到的分类器，包括决策树和朴素贝叶斯。（点四下）并提出了对可疑度排名的改进方案，基于多分类器投票的排名方案。做法是，如果要排出前</a:t>
+            </a:r>
+            <a:r>
+              <a:rPr lang="en-US" altLang="zh-CN" sz="1200" b="0" i="0" kern="1200" dirty="0" smtClean="0">
+                <a:solidFill>
+                  <a:schemeClr val="tx1"/>
+                </a:solidFill>
+                <a:latin typeface="+mn-lt"/>
+                <a:ea typeface="+mn-ea"/>
+                <a:cs typeface="+mn-cs"/>
+              </a:rPr>
+              <a:t>100</a:t>
+            </a:r>
+            <a:r>
+              <a:rPr lang="zh-CN" altLang="en-US" sz="1200" b="0" i="0" kern="1200" dirty="0" smtClean="0">
+                <a:solidFill>
+                  <a:schemeClr val="tx1"/>
+                </a:solidFill>
+                <a:latin typeface="+mn-lt"/>
+                <a:ea typeface="+mn-ea"/>
+                <a:cs typeface="+mn-cs"/>
+              </a:rPr>
+              <a:t>，则先让各分类器独自选出比较可疑的前</a:t>
+            </a:r>
+            <a:r>
+              <a:rPr lang="en-US" altLang="zh-CN" sz="1200" b="0" i="0" kern="1200" dirty="0" smtClean="0">
+                <a:solidFill>
+                  <a:schemeClr val="tx1"/>
+                </a:solidFill>
+                <a:latin typeface="+mn-lt"/>
+                <a:ea typeface="+mn-ea"/>
+                <a:cs typeface="+mn-cs"/>
+              </a:rPr>
+              <a:t>200</a:t>
+            </a:r>
+            <a:r>
+              <a:rPr lang="zh-CN" altLang="en-US" sz="1200" b="0" i="0" kern="1200" dirty="0" smtClean="0">
+                <a:solidFill>
+                  <a:schemeClr val="tx1"/>
+                </a:solidFill>
+                <a:latin typeface="+mn-lt"/>
+                <a:ea typeface="+mn-ea"/>
+                <a:cs typeface="+mn-cs"/>
+              </a:rPr>
+              <a:t>个候选消息，对它们各投一票，最后按多分类器的总票数高低重新排出得票最高的前</a:t>
+            </a:r>
+            <a:r>
+              <a:rPr lang="en-US" altLang="zh-CN" sz="1200" b="0" i="0" kern="1200" dirty="0" smtClean="0">
+                <a:solidFill>
+                  <a:schemeClr val="tx1"/>
+                </a:solidFill>
+                <a:latin typeface="+mn-lt"/>
+                <a:ea typeface="+mn-ea"/>
+                <a:cs typeface="+mn-cs"/>
+              </a:rPr>
+              <a:t>100</a:t>
+            </a:r>
+            <a:r>
+              <a:rPr lang="zh-CN" altLang="en-US" sz="1200" b="0" i="0" kern="1200" dirty="0" smtClean="0">
+                <a:solidFill>
+                  <a:schemeClr val="tx1"/>
+                </a:solidFill>
+                <a:latin typeface="+mn-lt"/>
+                <a:ea typeface="+mn-ea"/>
+                <a:cs typeface="+mn-cs"/>
+              </a:rPr>
+              <a:t>个候选。其优点在于用“集体决策”的方式，抹去了个别分类器的“偏见”，能将典型的谣言消息集中排在最前面。</a:t>
+            </a:r>
             <a:endParaRPr lang="en-US" sz="1200" b="0" i="0" kern="1200" dirty="0" smtClean="0">
               <a:solidFill>
                 <a:schemeClr val="tx1"/>
@@ -898,10 +1132,10 @@
                 <a:ea typeface="+mn-ea"/>
                 <a:cs typeface="+mn-cs"/>
               </a:rPr>
-              <a:t>此实验基本任务是分类。表中，分类器一列，</a:t>
-            </a:r>
-            <a:r>
-              <a:rPr lang="en-US" altLang="zh-CN" sz="1200" b="0" i="0" kern="1200" dirty="0" smtClean="0">
+              <a:t>（点）本章共两个实验。（点三下）实验一的基本</a:t>
+            </a:r>
+            <a:r>
+              <a:rPr lang="zh-CN" altLang="en-US" sz="1200" b="0" i="0" kern="1200" dirty="0" smtClean="0">
                 <a:solidFill>
                   <a:schemeClr val="tx1"/>
                 </a:solidFill>
@@ -909,7 +1143,7 @@
                 <a:ea typeface="+mn-ea"/>
                 <a:cs typeface="+mn-cs"/>
               </a:rPr>
-              <a:t>DT</a:t>
+              <a:t>任务是</a:t>
             </a:r>
             <a:r>
               <a:rPr lang="zh-CN" altLang="en-US" sz="1200" b="0" i="0" kern="1200" dirty="0" smtClean="0">
@@ -920,7 +1154,7 @@
                 <a:ea typeface="+mn-ea"/>
                 <a:cs typeface="+mn-cs"/>
               </a:rPr>
-              <a:t>是决策树，</a:t>
+              <a:t>分类，使用数据集</a:t>
             </a:r>
             <a:r>
               <a:rPr lang="en-US" altLang="zh-CN" sz="1200" b="0" i="0" kern="1200" dirty="0" smtClean="0">
@@ -931,7 +1165,7 @@
                 <a:ea typeface="+mn-ea"/>
                 <a:cs typeface="+mn-cs"/>
               </a:rPr>
-              <a:t>NB</a:t>
+              <a:t>A</a:t>
             </a:r>
             <a:r>
               <a:rPr lang="zh-CN" altLang="en-US" sz="1200" b="0" i="0" kern="1200" dirty="0" smtClean="0">
@@ -942,7 +1176,7 @@
                 <a:ea typeface="+mn-ea"/>
                 <a:cs typeface="+mn-cs"/>
               </a:rPr>
-              <a:t>是朴素贝叶斯，加了</a:t>
+              <a:t>，评估指标是全类别准确率</a:t>
             </a:r>
             <a:r>
               <a:rPr lang="en-US" altLang="zh-CN" sz="1200" b="0" i="0" kern="1200" dirty="0" smtClean="0">
@@ -953,7 +1187,7 @@
                 <a:ea typeface="+mn-ea"/>
                 <a:cs typeface="+mn-cs"/>
               </a:rPr>
-              <a:t>-V</a:t>
+              <a:t>accuracy</a:t>
             </a:r>
             <a:r>
               <a:rPr lang="zh-CN" altLang="en-US" sz="1200" b="0" i="0" kern="1200" dirty="0" smtClean="0">
@@ -964,7 +1198,7 @@
                 <a:ea typeface="+mn-ea"/>
                 <a:cs typeface="+mn-cs"/>
               </a:rPr>
-              <a:t>的是采用了多分类器共同投票判定谣言的复合分类器。特征选择一列，有仅使用原系统</a:t>
+              <a:t>，谣言准确率</a:t>
             </a:r>
             <a:r>
               <a:rPr lang="en-US" altLang="zh-CN" sz="1200" b="0" i="0" kern="1200" dirty="0" smtClean="0">
@@ -975,7 +1209,7 @@
                 <a:ea typeface="+mn-ea"/>
                 <a:cs typeface="+mn-cs"/>
               </a:rPr>
-              <a:t>15</a:t>
+              <a:t>precision</a:t>
             </a:r>
             <a:r>
               <a:rPr lang="zh-CN" altLang="en-US" sz="1200" b="0" i="0" kern="1200" dirty="0" smtClean="0">
@@ -986,7 +1220,7 @@
                 <a:ea typeface="+mn-ea"/>
                 <a:cs typeface="+mn-cs"/>
               </a:rPr>
-              <a:t>类特征的方案，有使用新系统全</a:t>
+              <a:t>和谣言</a:t>
             </a:r>
             <a:r>
               <a:rPr lang="en-US" altLang="zh-CN" sz="1200" b="0" i="0" kern="1200" dirty="0" smtClean="0">
@@ -997,7 +1231,7 @@
                 <a:ea typeface="+mn-ea"/>
                 <a:cs typeface="+mn-cs"/>
               </a:rPr>
-              <a:t>45</a:t>
+              <a:t>F1</a:t>
             </a:r>
             <a:r>
               <a:rPr lang="zh-CN" altLang="en-US" sz="1200" b="0" i="0" kern="1200" dirty="0" smtClean="0">
@@ -1008,7 +1242,7 @@
                 <a:ea typeface="+mn-ea"/>
                 <a:cs typeface="+mn-cs"/>
               </a:rPr>
-              <a:t>类特征的方案，</a:t>
+              <a:t>度量，评估方法是</a:t>
             </a:r>
             <a:r>
               <a:rPr lang="en-US" altLang="zh-CN" sz="1200" b="0" i="0" kern="1200" dirty="0" smtClean="0">
@@ -1019,7 +1253,7 @@
                 <a:ea typeface="+mn-ea"/>
                 <a:cs typeface="+mn-cs"/>
               </a:rPr>
-              <a:t>Filter</a:t>
+              <a:t>10</a:t>
             </a:r>
             <a:r>
               <a:rPr lang="zh-CN" altLang="en-US" sz="1200" b="0" i="0" kern="1200" dirty="0" smtClean="0">
@@ -1030,7 +1264,7 @@
                 <a:ea typeface="+mn-ea"/>
                 <a:cs typeface="+mn-cs"/>
               </a:rPr>
-              <a:t>打头的是各类过滤器特征选择技术，</a:t>
+              <a:t>折交叉验证。（点）表中最左边一列是分类器，</a:t>
             </a:r>
             <a:r>
               <a:rPr lang="en-US" altLang="zh-CN" sz="1200" b="0" i="0" kern="1200" dirty="0" smtClean="0">
@@ -1041,7 +1275,7 @@
                 <a:ea typeface="+mn-ea"/>
                 <a:cs typeface="+mn-cs"/>
               </a:rPr>
-              <a:t>Wrapper</a:t>
+              <a:t>DT</a:t>
             </a:r>
             <a:r>
               <a:rPr lang="zh-CN" altLang="en-US" sz="1200" b="0" i="0" kern="1200" dirty="0" smtClean="0">
@@ -1052,7 +1286,7 @@
                 <a:ea typeface="+mn-ea"/>
                 <a:cs typeface="+mn-cs"/>
               </a:rPr>
-              <a:t>打头的是各类包装器特征选择技术，其中</a:t>
+              <a:t>是决策树，</a:t>
             </a:r>
             <a:r>
               <a:rPr lang="en-US" altLang="zh-CN" sz="1200" b="0" i="0" kern="1200" dirty="0" smtClean="0">
@@ -1063,7 +1297,7 @@
                 <a:ea typeface="+mn-ea"/>
                 <a:cs typeface="+mn-cs"/>
               </a:rPr>
-              <a:t>Wrapper-Float</a:t>
+              <a:t>NB</a:t>
             </a:r>
             <a:r>
               <a:rPr lang="zh-CN" altLang="en-US" sz="1200" b="0" i="0" kern="1200" dirty="0" smtClean="0">
@@ -1074,30 +1308,10 @@
                 <a:ea typeface="+mn-ea"/>
                 <a:cs typeface="+mn-cs"/>
               </a:rPr>
-              <a:t>是本文提出的以过滤器指导起点的浮动包装器。</a:t>
-            </a:r>
-            <a:endParaRPr lang="en-US" altLang="zh-CN" sz="1200" b="0" i="0" kern="1200" dirty="0" smtClean="0">
-              <a:solidFill>
-                <a:schemeClr val="tx1"/>
-              </a:solidFill>
-              <a:latin typeface="+mn-lt"/>
-              <a:ea typeface="+mn-ea"/>
-              <a:cs typeface="+mn-cs"/>
-            </a:endParaRPr>
-          </a:p>
-          <a:p>
-            <a:endParaRPr lang="en-US" altLang="zh-CN" sz="1200" b="0" i="0" kern="1200" dirty="0" smtClean="0">
-              <a:solidFill>
-                <a:schemeClr val="tx1"/>
-              </a:solidFill>
-              <a:latin typeface="+mn-lt"/>
-              <a:ea typeface="+mn-ea"/>
-              <a:cs typeface="+mn-cs"/>
-            </a:endParaRPr>
-          </a:p>
-          <a:p>
-            <a:r>
-              <a:rPr lang="zh-CN" altLang="en-US" sz="1200" b="0" i="0" kern="1200" dirty="0" smtClean="0">
+              <a:t>是朴素贝叶斯，加了</a:t>
+            </a:r>
+            <a:r>
+              <a:rPr lang="en-US" altLang="zh-CN" sz="1200" b="0" i="0" kern="1200" dirty="0" smtClean="0">
                 <a:solidFill>
                   <a:schemeClr val="tx1"/>
                 </a:solidFill>
@@ -1105,10 +1319,10 @@
                 <a:ea typeface="+mn-ea"/>
                 <a:cs typeface="+mn-cs"/>
               </a:rPr>
-              <a:t>对于谣言检测系统，主要看的指标是对谣言的</a:t>
-            </a:r>
-            <a:r>
-              <a:rPr lang="en-US" altLang="zh-CN" sz="1200" b="0" i="0" kern="1200" dirty="0" smtClean="0">
+              <a:t>-V</a:t>
+            </a:r>
+            <a:r>
+              <a:rPr lang="zh-CN" altLang="en-US" sz="1200" b="0" i="0" kern="1200" dirty="0" smtClean="0">
                 <a:solidFill>
                   <a:schemeClr val="tx1"/>
                 </a:solidFill>
@@ -1116,10 +1330,10 @@
                 <a:ea typeface="+mn-ea"/>
                 <a:cs typeface="+mn-cs"/>
               </a:rPr>
-              <a:t>F1</a:t>
-            </a:r>
-            <a:r>
-              <a:rPr lang="zh-CN" altLang="en-US" sz="1200" b="0" i="0" kern="1200" dirty="0" smtClean="0">
+              <a:t>的是采用了多分类器共同投票的复合分类器。对于谣言检测系统，主要看的指标是最后一列的谣言</a:t>
+            </a:r>
+            <a:r>
+              <a:rPr lang="en-US" altLang="zh-CN" sz="1200" b="0" i="0" kern="1200" dirty="0" smtClean="0">
                 <a:solidFill>
                   <a:schemeClr val="tx1"/>
                 </a:solidFill>
@@ -1127,10 +1341,10 @@
                 <a:ea typeface="+mn-ea"/>
                 <a:cs typeface="+mn-cs"/>
               </a:rPr>
-              <a:t>度量。表中可以看到，使用</a:t>
-            </a:r>
-            <a:r>
-              <a:rPr lang="en-US" altLang="zh-CN" sz="1200" b="0" i="0" kern="1200" dirty="0" smtClean="0">
+              <a:t>F1</a:t>
+            </a:r>
+            <a:r>
+              <a:rPr lang="zh-CN" altLang="en-US" sz="1200" b="0" i="0" kern="1200" dirty="0" smtClean="0">
                 <a:solidFill>
                   <a:schemeClr val="tx1"/>
                 </a:solidFill>
@@ -1138,10 +1352,10 @@
                 <a:ea typeface="+mn-ea"/>
                 <a:cs typeface="+mn-cs"/>
               </a:rPr>
-              <a:t>15</a:t>
-            </a:r>
-            <a:r>
-              <a:rPr lang="zh-CN" altLang="en-US" sz="1200" b="0" i="0" kern="1200" dirty="0" smtClean="0">
+              <a:t>度量。（点）表中可以看到，使用原系统</a:t>
+            </a:r>
+            <a:r>
+              <a:rPr lang="en-US" altLang="zh-CN" sz="1200" b="0" i="0" kern="1200" dirty="0" smtClean="0">
                 <a:solidFill>
                   <a:schemeClr val="tx1"/>
                 </a:solidFill>
@@ -1149,10 +1363,10 @@
                 <a:ea typeface="+mn-ea"/>
                 <a:cs typeface="+mn-cs"/>
               </a:rPr>
-              <a:t>类或</a:t>
-            </a:r>
-            <a:r>
-              <a:rPr lang="en-US" altLang="zh-CN" sz="1200" b="0" i="0" kern="1200" dirty="0" smtClean="0">
+              <a:t>15</a:t>
+            </a:r>
+            <a:r>
+              <a:rPr lang="zh-CN" altLang="en-US" sz="1200" b="0" i="0" kern="1200" dirty="0" smtClean="0">
                 <a:solidFill>
                   <a:schemeClr val="tx1"/>
                 </a:solidFill>
@@ -1160,10 +1374,10 @@
                 <a:ea typeface="+mn-ea"/>
                 <a:cs typeface="+mn-cs"/>
               </a:rPr>
-              <a:t>45</a:t>
-            </a:r>
-            <a:r>
-              <a:rPr lang="zh-CN" altLang="en-US" sz="1200" b="0" i="0" kern="1200" dirty="0" smtClean="0">
+              <a:t>类或新系统全</a:t>
+            </a:r>
+            <a:r>
+              <a:rPr lang="en-US" altLang="zh-CN" sz="1200" b="0" i="0" kern="1200" dirty="0" smtClean="0">
                 <a:solidFill>
                   <a:schemeClr val="tx1"/>
                 </a:solidFill>
@@ -1171,10 +1385,10 @@
                 <a:ea typeface="+mn-ea"/>
                 <a:cs typeface="+mn-cs"/>
               </a:rPr>
-              <a:t>类特征的表现都不好，而引入了各类特征选择技术后，</a:t>
-            </a:r>
-            <a:r>
-              <a:rPr lang="en-US" altLang="zh-CN" sz="1200" b="0" i="0" kern="1200" dirty="0" smtClean="0">
+              <a:t>45</a:t>
+            </a:r>
+            <a:r>
+              <a:rPr lang="zh-CN" altLang="en-US" sz="1200" b="0" i="0" kern="1200" dirty="0" smtClean="0">
                 <a:solidFill>
                   <a:schemeClr val="tx1"/>
                 </a:solidFill>
@@ -1182,10 +1396,10 @@
                 <a:ea typeface="+mn-ea"/>
                 <a:cs typeface="+mn-cs"/>
               </a:rPr>
-              <a:t>F1</a:t>
-            </a:r>
-            <a:r>
-              <a:rPr lang="zh-CN" altLang="en-US" sz="1200" b="0" i="0" kern="1200" dirty="0" smtClean="0">
+              <a:t>类特征的表现都不好，而引入了各类特征选择技术后，</a:t>
+            </a:r>
+            <a:r>
+              <a:rPr lang="en-US" altLang="zh-CN" sz="1200" b="0" i="0" kern="1200" dirty="0" smtClean="0">
                 <a:solidFill>
                   <a:schemeClr val="tx1"/>
                 </a:solidFill>
@@ -1193,28 +1407,8 @@
                 <a:ea typeface="+mn-ea"/>
                 <a:cs typeface="+mn-cs"/>
               </a:rPr>
-              <a:t>度量有了明显的提高，说明改进方案的有效性。而实验中可以印证，过滤器的特征选择总体不如进行迭代搜索的包装器有效，虽然有时会获得很好的效果，但也仅是极少数情况，其稳定性不高。</a:t>
-            </a:r>
-            <a:endParaRPr lang="en-US" altLang="zh-CN" sz="1200" b="0" i="0" kern="1200" dirty="0" smtClean="0">
-              <a:solidFill>
-                <a:schemeClr val="tx1"/>
-              </a:solidFill>
-              <a:latin typeface="+mn-lt"/>
-              <a:ea typeface="+mn-ea"/>
-              <a:cs typeface="+mn-cs"/>
-            </a:endParaRPr>
-          </a:p>
-          <a:p>
-            <a:endParaRPr lang="en-US" altLang="zh-CN" sz="1200" b="0" i="0" kern="1200" dirty="0" smtClean="0">
-              <a:solidFill>
-                <a:schemeClr val="tx1"/>
-              </a:solidFill>
-              <a:latin typeface="+mn-lt"/>
-              <a:ea typeface="+mn-ea"/>
-              <a:cs typeface="+mn-cs"/>
-            </a:endParaRPr>
-          </a:p>
-          <a:p>
+              <a:t>F1</a:t>
+            </a:r>
             <a:r>
               <a:rPr lang="zh-CN" altLang="en-US" sz="1200" b="0" i="0" kern="1200" dirty="0" smtClean="0">
                 <a:solidFill>
@@ -1224,201 +1418,8 @@
                 <a:ea typeface="+mn-ea"/>
                 <a:cs typeface="+mn-cs"/>
               </a:rPr>
-              <a:t>至于本文提出的浮动包装器，可以看到其表现在两类分类器中都是前三，朴素分类器下排第一，比第二名反向搜索的包装器还要高不少，证明浮动包装器有一定在分类任务中有一定的优势。</a:t>
-            </a:r>
-            <a:endParaRPr lang="en-US" altLang="zh-CN" sz="1200" b="0" i="0" kern="1200" dirty="0" smtClean="0">
-              <a:solidFill>
-                <a:schemeClr val="tx1"/>
-              </a:solidFill>
-              <a:latin typeface="+mn-lt"/>
-              <a:ea typeface="+mn-ea"/>
-              <a:cs typeface="+mn-cs"/>
-            </a:endParaRPr>
-          </a:p>
-          <a:p>
-            <a:endParaRPr lang="en-US" altLang="zh-CN" sz="1200" b="0" i="0" kern="1200" dirty="0" smtClean="0">
-              <a:solidFill>
-                <a:schemeClr val="tx1"/>
-              </a:solidFill>
-              <a:latin typeface="+mn-lt"/>
-              <a:ea typeface="+mn-ea"/>
-              <a:cs typeface="+mn-cs"/>
-            </a:endParaRPr>
-          </a:p>
-          <a:p>
-            <a:r>
-              <a:rPr lang="zh-CN" altLang="en-US" sz="1200" b="0" i="0" kern="1200" dirty="0" smtClean="0">
-                <a:solidFill>
-                  <a:schemeClr val="tx1"/>
-                </a:solidFill>
-                <a:latin typeface="+mn-lt"/>
-                <a:ea typeface="+mn-ea"/>
-                <a:cs typeface="+mn-cs"/>
-              </a:rPr>
-              <a:t>而多分类器共同投票的复合分类器中，上面这项是使用了不同特征选择训练而成的</a:t>
-            </a:r>
-            <a:r>
-              <a:rPr lang="en-US" altLang="zh-CN" sz="1200" b="0" i="0" kern="1200" dirty="0" smtClean="0">
-                <a:solidFill>
-                  <a:schemeClr val="tx1"/>
-                </a:solidFill>
-                <a:latin typeface="+mn-lt"/>
-                <a:ea typeface="+mn-ea"/>
-                <a:cs typeface="+mn-cs"/>
-              </a:rPr>
-              <a:t>6</a:t>
-            </a:r>
-            <a:r>
-              <a:rPr lang="zh-CN" altLang="en-US" sz="1200" b="0" i="0" kern="1200" dirty="0" smtClean="0">
-                <a:solidFill>
-                  <a:schemeClr val="tx1"/>
-                </a:solidFill>
-                <a:latin typeface="+mn-lt"/>
-                <a:ea typeface="+mn-ea"/>
-                <a:cs typeface="+mn-cs"/>
-              </a:rPr>
-              <a:t>棵决策树，其谣言</a:t>
-            </a:r>
-            <a:r>
-              <a:rPr lang="en-US" altLang="zh-CN" sz="1200" b="0" i="0" kern="1200" dirty="0" smtClean="0">
-                <a:solidFill>
-                  <a:schemeClr val="tx1"/>
-                </a:solidFill>
-                <a:latin typeface="+mn-lt"/>
-                <a:ea typeface="+mn-ea"/>
-                <a:cs typeface="+mn-cs"/>
-              </a:rPr>
-              <a:t>F1</a:t>
-            </a:r>
-            <a:r>
-              <a:rPr lang="zh-CN" altLang="en-US" sz="1200" b="0" i="0" kern="1200" dirty="0" smtClean="0">
-                <a:solidFill>
-                  <a:schemeClr val="tx1"/>
-                </a:solidFill>
-                <a:latin typeface="+mn-lt"/>
-                <a:ea typeface="+mn-ea"/>
-                <a:cs typeface="+mn-cs"/>
-              </a:rPr>
-              <a:t>度量表现远高于所有决策树分类器；而下面这项使用</a:t>
-            </a:r>
-            <a:r>
-              <a:rPr lang="zh-CN" altLang="en-US" sz="1200" b="0" i="0" kern="1200" baseline="0" dirty="0" smtClean="0">
-                <a:solidFill>
-                  <a:schemeClr val="tx1"/>
-                </a:solidFill>
-                <a:latin typeface="+mn-lt"/>
-                <a:ea typeface="+mn-ea"/>
-                <a:cs typeface="+mn-cs"/>
-              </a:rPr>
-              <a:t>了</a:t>
-            </a:r>
-            <a:r>
-              <a:rPr lang="en-US" altLang="zh-CN" sz="1200" b="0" i="0" kern="1200" baseline="0" dirty="0" smtClean="0">
-                <a:solidFill>
-                  <a:schemeClr val="tx1"/>
-                </a:solidFill>
-                <a:latin typeface="+mn-lt"/>
-                <a:ea typeface="+mn-ea"/>
-                <a:cs typeface="+mn-cs"/>
-              </a:rPr>
-              <a:t>6</a:t>
-            </a:r>
-            <a:r>
-              <a:rPr lang="zh-CN" altLang="en-US" sz="1200" b="0" i="0" kern="1200" baseline="0" dirty="0" smtClean="0">
-                <a:solidFill>
-                  <a:schemeClr val="tx1"/>
-                </a:solidFill>
-                <a:latin typeface="+mn-lt"/>
-                <a:ea typeface="+mn-ea"/>
-                <a:cs typeface="+mn-cs"/>
-              </a:rPr>
-              <a:t>个朴素贝叶斯的分类器，其表现也很高，仅此于最高的浮动包装器生成的子分类器，但没有超过它。而使用了</a:t>
-            </a:r>
-            <a:r>
-              <a:rPr lang="en-US" altLang="zh-CN" sz="1200" b="0" i="0" kern="1200" baseline="0" dirty="0" smtClean="0">
-                <a:solidFill>
-                  <a:schemeClr val="tx1"/>
-                </a:solidFill>
-                <a:latin typeface="+mn-lt"/>
-                <a:ea typeface="+mn-ea"/>
-                <a:cs typeface="+mn-cs"/>
-              </a:rPr>
-              <a:t>6</a:t>
-            </a:r>
-            <a:r>
-              <a:rPr lang="zh-CN" altLang="en-US" sz="1200" b="0" i="0" kern="1200" baseline="0" dirty="0" smtClean="0">
-                <a:solidFill>
-                  <a:schemeClr val="tx1"/>
-                </a:solidFill>
-                <a:latin typeface="+mn-lt"/>
-                <a:ea typeface="+mn-ea"/>
-                <a:cs typeface="+mn-cs"/>
-              </a:rPr>
-              <a:t>决策树加</a:t>
-            </a:r>
-            <a:r>
-              <a:rPr lang="en-US" altLang="zh-CN" sz="1200" b="0" i="0" kern="1200" baseline="0" dirty="0" smtClean="0">
-                <a:solidFill>
-                  <a:schemeClr val="tx1"/>
-                </a:solidFill>
-                <a:latin typeface="+mn-lt"/>
-                <a:ea typeface="+mn-ea"/>
-                <a:cs typeface="+mn-cs"/>
-              </a:rPr>
-              <a:t>6</a:t>
-            </a:r>
-            <a:r>
-              <a:rPr lang="zh-CN" altLang="en-US" sz="1200" b="0" i="0" kern="1200" baseline="0" dirty="0" smtClean="0">
-                <a:solidFill>
-                  <a:schemeClr val="tx1"/>
-                </a:solidFill>
-                <a:latin typeface="+mn-lt"/>
-                <a:ea typeface="+mn-ea"/>
-                <a:cs typeface="+mn-cs"/>
-              </a:rPr>
-              <a:t>分类器的复合分类器，其分类结果位于两者之间，结果不让人满意。这说明，对于分类任务而言，多分类器共同投票有时效果很好，有时并不怎么有效。</a:t>
-            </a:r>
-            <a:endParaRPr lang="en-US" altLang="zh-CN" sz="1200" b="0" i="0" kern="1200" baseline="0" dirty="0" smtClean="0">
-              <a:solidFill>
-                <a:schemeClr val="tx1"/>
-              </a:solidFill>
-              <a:latin typeface="+mn-lt"/>
-              <a:ea typeface="+mn-ea"/>
-              <a:cs typeface="+mn-cs"/>
-            </a:endParaRPr>
-          </a:p>
-          <a:p>
-            <a:endParaRPr lang="en-US" altLang="zh-CN" sz="1200" b="0" i="0" kern="1200" baseline="0" dirty="0" smtClean="0">
-              <a:solidFill>
-                <a:schemeClr val="tx1"/>
-              </a:solidFill>
-              <a:latin typeface="+mn-lt"/>
-              <a:ea typeface="+mn-ea"/>
-              <a:cs typeface="+mn-cs"/>
-            </a:endParaRPr>
-          </a:p>
-          <a:p>
-            <a:r>
-              <a:rPr lang="zh-CN" altLang="en-US" sz="1200" b="0" i="0" kern="1200" baseline="0" dirty="0" smtClean="0">
-                <a:solidFill>
-                  <a:schemeClr val="tx1"/>
-                </a:solidFill>
-                <a:latin typeface="+mn-lt"/>
-                <a:ea typeface="+mn-ea"/>
-                <a:cs typeface="+mn-cs"/>
-              </a:rPr>
-              <a:t>但本文的谣言检测系统并不是分类，而是要进行排名，可疑度的排名，两者区别很大。下一个实验将论证本文提出的多分类器投票排名方案的有效性。</a:t>
-            </a:r>
-            <a:endParaRPr lang="en-US" altLang="zh-CN" sz="1200" b="0" i="0" kern="1200" dirty="0" smtClean="0">
-              <a:solidFill>
-                <a:schemeClr val="tx1"/>
-              </a:solidFill>
-              <a:latin typeface="+mn-lt"/>
-              <a:ea typeface="+mn-ea"/>
-              <a:cs typeface="+mn-cs"/>
-            </a:endParaRPr>
-          </a:p>
-          <a:p>
+              <a:t>度量有了明显的提高，说明改进方案的有效性。（点）而本文提出的浮动包装器特征选择技术，其表现在两类分类器中排名第一和第三，（点）排名第一时比第二名反向搜索的包装器还要高不少，证明浮动包装器在分类任务中有一定的优势。（点）而多分类器共同投票技术，在分类任务下表现很好，虽然有时不如极少数优秀的子分类器，但比绝大部分子分类器准确率更高，而且高很多。</a:t>
+            </a:r>
             <a:endParaRPr lang="en-US" altLang="zh-CN" sz="1200" b="0" i="0" kern="1200" dirty="0" smtClean="0">
               <a:solidFill>
                 <a:schemeClr val="tx1"/>
@@ -1528,7 +1529,7 @@
                 <a:ea typeface="+mn-ea"/>
                 <a:cs typeface="+mn-cs"/>
               </a:rPr>
-              <a:t>此实验数据集大，且评估的是可疑度排名后的</a:t>
+              <a:t>而实验二更贴近真实应用场景，其任务是可疑度排名。（点三下）使用的数据集是完整的埃博拉数据集。评估指标是</a:t>
             </a:r>
             <a:r>
               <a:rPr lang="en-US" altLang="zh-CN" sz="1200" b="0" i="0" kern="1200" dirty="0" smtClean="0">
@@ -1550,30 +1551,10 @@
                 <a:ea typeface="+mn-ea"/>
                 <a:cs typeface="+mn-cs"/>
               </a:rPr>
-              <a:t>的谣言准确率，更贴近系统的真实应用场景。</a:t>
-            </a:r>
-            <a:endParaRPr lang="en-US" altLang="zh-CN" sz="1200" b="0" i="0" kern="1200" dirty="0" smtClean="0">
-              <a:solidFill>
-                <a:schemeClr val="tx1"/>
-              </a:solidFill>
-              <a:latin typeface="+mn-lt"/>
-              <a:ea typeface="+mn-ea"/>
-              <a:cs typeface="+mn-cs"/>
-            </a:endParaRPr>
-          </a:p>
-          <a:p>
-            <a:endParaRPr lang="en-US" altLang="zh-CN" sz="1200" b="0" i="0" kern="1200" dirty="0" smtClean="0">
-              <a:solidFill>
-                <a:schemeClr val="tx1"/>
-              </a:solidFill>
-              <a:latin typeface="+mn-lt"/>
-              <a:ea typeface="+mn-ea"/>
-              <a:cs typeface="+mn-cs"/>
-            </a:endParaRPr>
-          </a:p>
-          <a:p>
-            <a:r>
-              <a:rPr lang="zh-CN" altLang="en-US" sz="1200" b="0" i="0" kern="1200" dirty="0" smtClean="0">
+              <a:t>准确率。（点）对实验表格我们可以先直接关注最后一列的</a:t>
+            </a:r>
+            <a:r>
+              <a:rPr lang="en-US" altLang="zh-CN" sz="1200" b="0" i="0" kern="1200" dirty="0" smtClean="0">
                 <a:solidFill>
                   <a:schemeClr val="tx1"/>
                 </a:solidFill>
@@ -1581,10 +1562,10 @@
                 <a:ea typeface="+mn-ea"/>
                 <a:cs typeface="+mn-cs"/>
               </a:rPr>
-              <a:t>实验数据可以直接关注</a:t>
-            </a:r>
-            <a:r>
-              <a:rPr lang="en-US" altLang="zh-CN" sz="1200" b="0" i="0" kern="1200" dirty="0" smtClean="0">
+              <a:t>Top-100</a:t>
+            </a:r>
+            <a:r>
+              <a:rPr lang="zh-CN" altLang="en-US" sz="1200" b="0" i="0" kern="1200" dirty="0" smtClean="0">
                 <a:solidFill>
                   <a:schemeClr val="tx1"/>
                 </a:solidFill>
@@ -1592,10 +1573,10 @@
                 <a:ea typeface="+mn-ea"/>
                 <a:cs typeface="+mn-cs"/>
               </a:rPr>
-              <a:t>Top-100</a:t>
-            </a:r>
-            <a:r>
-              <a:rPr lang="zh-CN" altLang="en-US" sz="1200" b="0" i="0" kern="1200" dirty="0" smtClean="0">
+              <a:t>准确率。（点）同样，使用原系统</a:t>
+            </a:r>
+            <a:r>
+              <a:rPr lang="en-US" altLang="zh-CN" sz="1200" b="0" i="0" kern="1200" dirty="0" smtClean="0">
                 <a:solidFill>
                   <a:schemeClr val="tx1"/>
                 </a:solidFill>
@@ -1603,10 +1584,10 @@
                 <a:ea typeface="+mn-ea"/>
                 <a:cs typeface="+mn-cs"/>
               </a:rPr>
-              <a:t>准确率，原系统</a:t>
-            </a:r>
-            <a:r>
-              <a:rPr lang="en-US" altLang="zh-CN" sz="1200" b="0" i="0" kern="1200" dirty="0" smtClean="0">
+              <a:t>15</a:t>
+            </a:r>
+            <a:r>
+              <a:rPr lang="zh-CN" altLang="en-US" sz="1200" b="0" i="0" kern="1200" dirty="0" smtClean="0">
                 <a:solidFill>
                   <a:schemeClr val="tx1"/>
                 </a:solidFill>
@@ -1614,10 +1595,10 @@
                 <a:ea typeface="+mn-ea"/>
                 <a:cs typeface="+mn-cs"/>
               </a:rPr>
-              <a:t>15</a:t>
-            </a:r>
-            <a:r>
-              <a:rPr lang="zh-CN" altLang="en-US" sz="1200" b="0" i="0" kern="1200" dirty="0" smtClean="0">
+              <a:t>类或新系统全</a:t>
+            </a:r>
+            <a:r>
+              <a:rPr lang="en-US" altLang="zh-CN" sz="1200" b="0" i="0" kern="1200" dirty="0" smtClean="0">
                 <a:solidFill>
                   <a:schemeClr val="tx1"/>
                 </a:solidFill>
@@ -1625,10 +1606,10 @@
                 <a:ea typeface="+mn-ea"/>
                 <a:cs typeface="+mn-cs"/>
               </a:rPr>
-              <a:t>类或新系统全</a:t>
-            </a:r>
-            <a:r>
-              <a:rPr lang="en-US" altLang="zh-CN" sz="1200" b="0" i="0" kern="1200" dirty="0" smtClean="0">
+              <a:t>45</a:t>
+            </a:r>
+            <a:r>
+              <a:rPr lang="zh-CN" altLang="en-US" sz="1200" b="0" i="0" kern="1200" dirty="0" smtClean="0">
                 <a:solidFill>
                   <a:schemeClr val="tx1"/>
                 </a:solidFill>
@@ -1636,7 +1617,7 @@
                 <a:ea typeface="+mn-ea"/>
                 <a:cs typeface="+mn-cs"/>
               </a:rPr>
-              <a:t>45</a:t>
+              <a:t>类特征的</a:t>
             </a:r>
             <a:r>
               <a:rPr lang="zh-CN" altLang="en-US" sz="1200" b="0" i="0" kern="1200" dirty="0" smtClean="0">
@@ -1647,7 +1628,7 @@
                 <a:ea typeface="+mn-ea"/>
                 <a:cs typeface="+mn-cs"/>
               </a:rPr>
-              <a:t>类的表现都不好，而加入了各类特征选择技术后，</a:t>
+              <a:t>表现都不好，而加入了各类特征选择技术后，</a:t>
             </a:r>
             <a:r>
               <a:rPr lang="en-US" altLang="zh-CN" sz="1200" b="0" i="0" kern="1200" dirty="0" smtClean="0">
@@ -1669,28 +1650,8 @@
                 <a:ea typeface="+mn-ea"/>
                 <a:cs typeface="+mn-cs"/>
               </a:rPr>
-              <a:t>准确率有了一定提高，朴素贝叶斯中更是提高得非常明显，这说明改进方案引入特征选择技术的必要性。</a:t>
-            </a:r>
-            <a:endParaRPr lang="en-US" altLang="zh-CN" sz="1200" b="0" i="0" kern="1200" dirty="0" smtClean="0">
-              <a:solidFill>
-                <a:schemeClr val="tx1"/>
-              </a:solidFill>
-              <a:latin typeface="+mn-lt"/>
-              <a:ea typeface="+mn-ea"/>
-              <a:cs typeface="+mn-cs"/>
-            </a:endParaRPr>
-          </a:p>
-          <a:p>
-            <a:endParaRPr lang="en-US" altLang="zh-CN" sz="1200" b="0" i="0" kern="1200" dirty="0" smtClean="0">
-              <a:solidFill>
-                <a:schemeClr val="tx1"/>
-              </a:solidFill>
-              <a:latin typeface="+mn-lt"/>
-              <a:ea typeface="+mn-ea"/>
-              <a:cs typeface="+mn-cs"/>
-            </a:endParaRPr>
-          </a:p>
-          <a:p>
+              <a:t>准确率</a:t>
+            </a:r>
             <a:r>
               <a:rPr lang="zh-CN" altLang="en-US" sz="1200" b="0" i="0" kern="1200" dirty="0" smtClean="0">
                 <a:solidFill>
@@ -1700,10 +1661,10 @@
                 <a:ea typeface="+mn-ea"/>
                 <a:cs typeface="+mn-cs"/>
               </a:rPr>
-              <a:t>而本文提出的以过滤器指导起点的浮动包装器，在两类分类器中排名第一和第二，表现非常好，并且都比落后他们的分类器的</a:t>
-            </a:r>
-            <a:r>
-              <a:rPr lang="en-US" altLang="zh-CN" sz="1200" b="0" i="0" kern="1200" dirty="0" smtClean="0">
+              <a:t>有了明显提高。（点）而本文提出的浮动包装器特征选择技术，在两种分类器下分别排名第一和第二，并且比落后于它的其它特征选择技术高不少。至于</a:t>
+            </a:r>
+            <a:r>
+              <a:rPr lang="zh-CN" altLang="en-US" sz="1200" b="0" i="0" kern="1200" dirty="0" smtClean="0">
                 <a:solidFill>
                   <a:schemeClr val="tx1"/>
                 </a:solidFill>
@@ -1711,7 +1672,7 @@
                 <a:ea typeface="+mn-ea"/>
                 <a:cs typeface="+mn-cs"/>
               </a:rPr>
-              <a:t>Top-100</a:t>
+              <a:t>多分类器投票排名方案，本实验充分显示</a:t>
             </a:r>
             <a:r>
               <a:rPr lang="zh-CN" altLang="en-US" sz="1200" b="0" i="0" kern="1200" dirty="0" smtClean="0">
@@ -1722,30 +1683,10 @@
                 <a:ea typeface="+mn-ea"/>
                 <a:cs typeface="+mn-cs"/>
               </a:rPr>
-              <a:t>准确率高出很多，充分说明了其有效性。</a:t>
-            </a:r>
-            <a:endParaRPr lang="en-US" altLang="zh-CN" sz="1200" b="0" i="0" kern="1200" dirty="0" smtClean="0">
-              <a:solidFill>
-                <a:schemeClr val="tx1"/>
-              </a:solidFill>
-              <a:latin typeface="+mn-lt"/>
-              <a:ea typeface="+mn-ea"/>
-              <a:cs typeface="+mn-cs"/>
-            </a:endParaRPr>
-          </a:p>
-          <a:p>
-            <a:endParaRPr lang="en-US" altLang="zh-CN" sz="1200" b="0" i="0" kern="1200" dirty="0" smtClean="0">
-              <a:solidFill>
-                <a:schemeClr val="tx1"/>
-              </a:solidFill>
-              <a:latin typeface="+mn-lt"/>
-              <a:ea typeface="+mn-ea"/>
-              <a:cs typeface="+mn-cs"/>
-            </a:endParaRPr>
-          </a:p>
-          <a:p>
-            <a:r>
-              <a:rPr lang="zh-CN" altLang="en-US" sz="1200" b="0" i="0" kern="1200" dirty="0" smtClean="0">
+              <a:t>了其优越性。（点）无论是利用了</a:t>
+            </a:r>
+            <a:r>
+              <a:rPr lang="en-US" altLang="zh-CN" sz="1200" b="0" i="0" kern="1200" dirty="0" smtClean="0">
                 <a:solidFill>
                   <a:schemeClr val="tx1"/>
                 </a:solidFill>
@@ -1753,10 +1694,10 @@
                 <a:ea typeface="+mn-ea"/>
                 <a:cs typeface="+mn-cs"/>
               </a:rPr>
-              <a:t>至于多分类器投票排名方案，本实验充分显示了其有效性。无论是</a:t>
-            </a:r>
-            <a:r>
-              <a:rPr lang="en-US" altLang="zh-CN" sz="1200" b="0" i="0" kern="1200" dirty="0" smtClean="0">
+              <a:t>6</a:t>
+            </a:r>
+            <a:r>
+              <a:rPr lang="zh-CN" altLang="en-US" sz="1200" b="0" i="0" kern="1200" dirty="0" smtClean="0">
                 <a:solidFill>
                   <a:schemeClr val="tx1"/>
                 </a:solidFill>
@@ -1764,7 +1705,7 @@
                 <a:ea typeface="+mn-ea"/>
                 <a:cs typeface="+mn-cs"/>
               </a:rPr>
-              <a:t>6</a:t>
+              <a:t>决策树共同排名，</a:t>
             </a:r>
             <a:r>
               <a:rPr lang="zh-CN" altLang="en-US" sz="1200" b="0" i="0" kern="1200" dirty="0" smtClean="0">
@@ -1775,7 +1716,7 @@
                 <a:ea typeface="+mn-ea"/>
                 <a:cs typeface="+mn-cs"/>
               </a:rPr>
-              <a:t>决策树的复合分类器，还是</a:t>
+              <a:t>还是</a:t>
             </a:r>
             <a:r>
               <a:rPr lang="en-US" altLang="zh-CN" sz="1200" b="0" i="0" kern="1200" dirty="0" smtClean="0">
@@ -1797,10 +1738,10 @@
                 <a:ea typeface="+mn-ea"/>
                 <a:cs typeface="+mn-cs"/>
               </a:rPr>
-              <a:t>朴素贝叶斯的复合分类器，他们都比各自的子分类器</a:t>
-            </a:r>
-            <a:r>
-              <a:rPr lang="en-US" altLang="zh-CN" sz="1200" b="0" i="0" kern="1200" dirty="0" smtClean="0">
+              <a:t>朴素贝</a:t>
+            </a:r>
+            <a:r>
+              <a:rPr lang="zh-CN" altLang="en-US" sz="1200" b="0" i="0" kern="1200" dirty="0" smtClean="0">
                 <a:solidFill>
                   <a:schemeClr val="tx1"/>
                 </a:solidFill>
@@ -1808,10 +1749,10 @@
                 <a:ea typeface="+mn-ea"/>
                 <a:cs typeface="+mn-cs"/>
               </a:rPr>
-              <a:t>Top-100</a:t>
-            </a:r>
-            <a:r>
-              <a:rPr lang="zh-CN" altLang="en-US" sz="1200" b="0" i="0" kern="1200" dirty="0" smtClean="0">
+              <a:t>叶斯共同排名，他们比其它方案的</a:t>
+            </a:r>
+            <a:r>
+              <a:rPr lang="en-US" altLang="zh-CN" sz="1200" b="0" i="0" kern="1200" dirty="0" smtClean="0">
                 <a:solidFill>
                   <a:schemeClr val="tx1"/>
                 </a:solidFill>
@@ -1819,10 +1760,10 @@
                 <a:ea typeface="+mn-ea"/>
                 <a:cs typeface="+mn-cs"/>
               </a:rPr>
-              <a:t>准确率都要高，而且高出幅度不小。另外值得注意的是他们的</a:t>
-            </a:r>
-            <a:r>
-              <a:rPr lang="en-US" altLang="zh-CN" sz="1200" b="0" i="0" kern="1200" dirty="0" smtClean="0">
+              <a:t>Top-100</a:t>
+            </a:r>
+            <a:r>
+              <a:rPr lang="zh-CN" altLang="en-US" sz="1200" b="0" i="0" kern="1200" dirty="0" smtClean="0">
                 <a:solidFill>
                   <a:schemeClr val="tx1"/>
                 </a:solidFill>
@@ -1830,7 +1771,7 @@
                 <a:ea typeface="+mn-ea"/>
                 <a:cs typeface="+mn-cs"/>
               </a:rPr>
-              <a:t>Top-20</a:t>
+              <a:t>准确率都要</a:t>
             </a:r>
             <a:r>
               <a:rPr lang="zh-CN" altLang="en-US" sz="1200" b="0" i="0" kern="1200" dirty="0" smtClean="0">
@@ -1841,10 +1782,10 @@
                 <a:ea typeface="+mn-ea"/>
                 <a:cs typeface="+mn-cs"/>
               </a:rPr>
-              <a:t>准确率都很高，而</a:t>
-            </a:r>
-            <a:r>
-              <a:rPr lang="en-US" altLang="zh-CN" sz="1200" b="0" i="0" kern="1200" dirty="0" smtClean="0">
+              <a:t>高很多。（点）另外</a:t>
+            </a:r>
+            <a:r>
+              <a:rPr lang="zh-CN" altLang="en-US" sz="1200" b="0" i="0" kern="1200" dirty="0" smtClean="0">
                 <a:solidFill>
                   <a:schemeClr val="tx1"/>
                 </a:solidFill>
@@ -1852,10 +1793,10 @@
                 <a:ea typeface="+mn-ea"/>
                 <a:cs typeface="+mn-cs"/>
               </a:rPr>
-              <a:t>6</a:t>
-            </a:r>
-            <a:r>
-              <a:rPr lang="zh-CN" altLang="en-US" sz="1200" b="0" i="0" kern="1200" dirty="0" smtClean="0">
+              <a:t>值得注意的是他们的</a:t>
+            </a:r>
+            <a:r>
+              <a:rPr lang="en-US" altLang="zh-CN" sz="1200" b="0" i="0" kern="1200" dirty="0" smtClean="0">
                 <a:solidFill>
                   <a:schemeClr val="tx1"/>
                 </a:solidFill>
@@ -1863,10 +1804,10 @@
                 <a:ea typeface="+mn-ea"/>
                 <a:cs typeface="+mn-cs"/>
               </a:rPr>
-              <a:t>决策树</a:t>
-            </a:r>
-            <a:r>
-              <a:rPr lang="en-US" altLang="zh-CN" sz="1200" b="0" i="0" kern="1200" dirty="0" smtClean="0">
+              <a:t>Top-20</a:t>
+            </a:r>
+            <a:r>
+              <a:rPr lang="zh-CN" altLang="en-US" sz="1200" b="0" i="0" kern="1200" dirty="0" smtClean="0">
                 <a:solidFill>
                   <a:schemeClr val="tx1"/>
                 </a:solidFill>
@@ -1874,7 +1815,7 @@
                 <a:ea typeface="+mn-ea"/>
                 <a:cs typeface="+mn-cs"/>
               </a:rPr>
-              <a:t>+6</a:t>
+              <a:t>准确率都很高</a:t>
             </a:r>
             <a:r>
               <a:rPr lang="zh-CN" altLang="en-US" sz="1200" b="0" i="0" kern="1200" dirty="0" smtClean="0">
@@ -1885,7 +1826,7 @@
                 <a:ea typeface="+mn-ea"/>
                 <a:cs typeface="+mn-cs"/>
               </a:rPr>
-              <a:t>朴素贝叶斯的复合分类器</a:t>
+              <a:t>，其中使用了</a:t>
             </a:r>
             <a:r>
               <a:rPr lang="en-US" altLang="zh-CN" sz="1200" b="0" i="0" kern="1200" dirty="0" smtClean="0">
@@ -1896,7 +1837,7 @@
                 <a:ea typeface="+mn-ea"/>
                 <a:cs typeface="+mn-cs"/>
               </a:rPr>
-              <a:t>Top-20</a:t>
+              <a:t>6</a:t>
             </a:r>
             <a:r>
               <a:rPr lang="zh-CN" altLang="en-US" sz="1200" b="0" i="0" kern="1200" dirty="0" smtClean="0">
@@ -1907,7 +1848,7 @@
                 <a:ea typeface="+mn-ea"/>
                 <a:cs typeface="+mn-cs"/>
               </a:rPr>
-              <a:t>谣言准确率更是高达</a:t>
+              <a:t>决策树</a:t>
             </a:r>
             <a:r>
               <a:rPr lang="en-US" altLang="zh-CN" sz="1200" b="0" i="0" kern="1200" dirty="0" smtClean="0">
@@ -1918,7 +1859,7 @@
                 <a:ea typeface="+mn-ea"/>
                 <a:cs typeface="+mn-cs"/>
               </a:rPr>
-              <a:t>90%</a:t>
+              <a:t>+6</a:t>
             </a:r>
             <a:r>
               <a:rPr lang="zh-CN" altLang="en-US" sz="1200" b="0" i="0" kern="1200" dirty="0" smtClean="0">
@@ -1929,7 +1870,216 @@
                 <a:ea typeface="+mn-ea"/>
                 <a:cs typeface="+mn-cs"/>
               </a:rPr>
-              <a:t>。这并不是偶然，而是多分类器投票排名方案有助于将典型的可疑度较高的谣言通过重新排名排在最前面，这与“集体决策”和“抹消偏见”有关，在文章中有更多的解释。这种改变候选谣言分布的特性非常有利于系统的真实应用场景，因为人力有限，只能人工审核排在最前面的候选消息，因此这部分消息的准确率越高，越能降低人力成本。因此新的排名方案将有利于提高系统的实用性。</a:t>
+              <a:t>朴素贝叶斯</a:t>
+            </a:r>
+            <a:r>
+              <a:rPr lang="zh-CN" altLang="en-US" sz="1200" b="0" i="0" kern="1200" dirty="0" smtClean="0">
+                <a:solidFill>
+                  <a:schemeClr val="tx1"/>
+                </a:solidFill>
+                <a:latin typeface="+mn-lt"/>
+                <a:ea typeface="+mn-ea"/>
+                <a:cs typeface="+mn-cs"/>
+              </a:rPr>
+              <a:t>的排名方案，</a:t>
+            </a:r>
+            <a:r>
+              <a:rPr lang="en-US" altLang="zh-CN" sz="1200" b="0" i="0" kern="1200" dirty="0" smtClean="0">
+                <a:solidFill>
+                  <a:schemeClr val="tx1"/>
+                </a:solidFill>
+                <a:latin typeface="+mn-lt"/>
+                <a:ea typeface="+mn-ea"/>
+                <a:cs typeface="+mn-cs"/>
+              </a:rPr>
+              <a:t>Top-20</a:t>
+            </a:r>
+            <a:r>
+              <a:rPr lang="zh-CN" altLang="en-US" sz="1200" b="0" i="0" kern="1200" dirty="0" smtClean="0">
+                <a:solidFill>
+                  <a:schemeClr val="tx1"/>
+                </a:solidFill>
+                <a:latin typeface="+mn-lt"/>
+                <a:ea typeface="+mn-ea"/>
+                <a:cs typeface="+mn-cs"/>
+              </a:rPr>
+              <a:t>谣言准确率更是高达</a:t>
+            </a:r>
+            <a:r>
+              <a:rPr lang="en-US" altLang="zh-CN" sz="1200" b="0" i="0" kern="1200" dirty="0" smtClean="0">
+                <a:solidFill>
+                  <a:schemeClr val="tx1"/>
+                </a:solidFill>
+                <a:latin typeface="+mn-lt"/>
+                <a:ea typeface="+mn-ea"/>
+                <a:cs typeface="+mn-cs"/>
+              </a:rPr>
+              <a:t>90%</a:t>
+            </a:r>
+            <a:r>
+              <a:rPr lang="zh-CN" altLang="en-US" sz="1200" b="0" i="0" kern="1200" dirty="0" smtClean="0">
+                <a:solidFill>
+                  <a:schemeClr val="tx1"/>
+                </a:solidFill>
+                <a:latin typeface="+mn-lt"/>
+                <a:ea typeface="+mn-ea"/>
+                <a:cs typeface="+mn-cs"/>
+              </a:rPr>
+              <a:t>。这并不是偶然，而是多分类器投票排名方案有助于</a:t>
+            </a:r>
+            <a:r>
+              <a:rPr lang="zh-CN" altLang="en-US" sz="1200" b="0" i="0" kern="1200" dirty="0" smtClean="0">
+                <a:solidFill>
+                  <a:schemeClr val="tx1"/>
+                </a:solidFill>
+                <a:latin typeface="+mn-lt"/>
+                <a:ea typeface="+mn-ea"/>
+                <a:cs typeface="+mn-cs"/>
+              </a:rPr>
+              <a:t>将可疑</a:t>
+            </a:r>
+            <a:r>
+              <a:rPr lang="zh-CN" altLang="en-US" sz="1200" b="0" i="0" kern="1200" dirty="0" smtClean="0">
+                <a:solidFill>
+                  <a:schemeClr val="tx1"/>
+                </a:solidFill>
+                <a:latin typeface="+mn-lt"/>
+                <a:ea typeface="+mn-ea"/>
+                <a:cs typeface="+mn-cs"/>
+              </a:rPr>
+              <a:t>度较高</a:t>
+            </a:r>
+            <a:r>
+              <a:rPr lang="zh-CN" altLang="en-US" sz="1200" b="0" i="0" kern="1200" dirty="0" smtClean="0">
+                <a:solidFill>
+                  <a:schemeClr val="tx1"/>
+                </a:solidFill>
+                <a:latin typeface="+mn-lt"/>
+                <a:ea typeface="+mn-ea"/>
+                <a:cs typeface="+mn-cs"/>
+              </a:rPr>
+              <a:t>的真谣言，通过投票重新排</a:t>
+            </a:r>
+            <a:r>
+              <a:rPr lang="zh-CN" altLang="en-US" sz="1200" b="0" i="0" kern="1200" dirty="0" smtClean="0">
+                <a:solidFill>
+                  <a:schemeClr val="tx1"/>
+                </a:solidFill>
+                <a:latin typeface="+mn-lt"/>
+                <a:ea typeface="+mn-ea"/>
+                <a:cs typeface="+mn-cs"/>
+              </a:rPr>
+              <a:t>在最前面，</a:t>
+            </a:r>
+            <a:r>
+              <a:rPr lang="zh-CN" altLang="en-US" sz="1200" b="0" i="0" kern="1200" dirty="0" smtClean="0">
+                <a:solidFill>
+                  <a:schemeClr val="tx1"/>
+                </a:solidFill>
+                <a:latin typeface="+mn-lt"/>
+                <a:ea typeface="+mn-ea"/>
+                <a:cs typeface="+mn-cs"/>
+              </a:rPr>
+              <a:t>这与“集体决策”</a:t>
+            </a:r>
+            <a:r>
+              <a:rPr lang="zh-CN" altLang="en-US" sz="1200" b="0" i="0" kern="1200" dirty="0" smtClean="0">
+                <a:solidFill>
+                  <a:schemeClr val="tx1"/>
+                </a:solidFill>
+                <a:latin typeface="+mn-lt"/>
+                <a:ea typeface="+mn-ea"/>
+                <a:cs typeface="+mn-cs"/>
+              </a:rPr>
+              <a:t>和“抹消偏见”</a:t>
+            </a:r>
+            <a:r>
+              <a:rPr lang="zh-CN" altLang="en-US" sz="1200" b="0" i="0" kern="1200" dirty="0" smtClean="0">
+                <a:solidFill>
+                  <a:schemeClr val="tx1"/>
+                </a:solidFill>
+                <a:latin typeface="+mn-lt"/>
+                <a:ea typeface="+mn-ea"/>
+                <a:cs typeface="+mn-cs"/>
+              </a:rPr>
+              <a:t>有关。</a:t>
+            </a:r>
+            <a:r>
+              <a:rPr lang="zh-CN" altLang="en-US" sz="1200" b="0" i="0" kern="1200" dirty="0" smtClean="0">
+                <a:solidFill>
+                  <a:schemeClr val="tx1"/>
+                </a:solidFill>
+                <a:latin typeface="+mn-lt"/>
+                <a:ea typeface="+mn-ea"/>
+                <a:cs typeface="+mn-cs"/>
+              </a:rPr>
+              <a:t>这种改变候选谣言分布的特性非常有利于系统的真实应用</a:t>
+            </a:r>
+            <a:r>
+              <a:rPr lang="zh-CN" altLang="en-US" sz="1200" b="0" i="0" kern="1200" dirty="0" smtClean="0">
+                <a:solidFill>
+                  <a:schemeClr val="tx1"/>
+                </a:solidFill>
+                <a:latin typeface="+mn-lt"/>
+                <a:ea typeface="+mn-ea"/>
+                <a:cs typeface="+mn-cs"/>
+              </a:rPr>
+              <a:t>场景：由于人力、时间有限，对候选消息仅能人工审核排</a:t>
+            </a:r>
+            <a:r>
+              <a:rPr lang="zh-CN" altLang="en-US" sz="1200" b="0" i="0" kern="1200" dirty="0" smtClean="0">
+                <a:solidFill>
+                  <a:schemeClr val="tx1"/>
+                </a:solidFill>
+                <a:latin typeface="+mn-lt"/>
+                <a:ea typeface="+mn-ea"/>
+                <a:cs typeface="+mn-cs"/>
+              </a:rPr>
+              <a:t>在最前面</a:t>
+            </a:r>
+            <a:r>
+              <a:rPr lang="zh-CN" altLang="en-US" sz="1200" b="0" i="0" kern="1200" dirty="0" smtClean="0">
+                <a:solidFill>
+                  <a:schemeClr val="tx1"/>
+                </a:solidFill>
+                <a:latin typeface="+mn-lt"/>
+                <a:ea typeface="+mn-ea"/>
+                <a:cs typeface="+mn-cs"/>
+              </a:rPr>
+              <a:t>的一些，</a:t>
+            </a:r>
+            <a:r>
+              <a:rPr lang="zh-CN" altLang="en-US" sz="1200" b="0" i="0" kern="1200" dirty="0" smtClean="0">
+                <a:solidFill>
+                  <a:schemeClr val="tx1"/>
+                </a:solidFill>
+                <a:latin typeface="+mn-lt"/>
+                <a:ea typeface="+mn-ea"/>
+                <a:cs typeface="+mn-cs"/>
+              </a:rPr>
+              <a:t>因此这部分消息的准确率越高</a:t>
+            </a:r>
+            <a:r>
+              <a:rPr lang="zh-CN" altLang="en-US" sz="1200" b="0" i="0" kern="1200" dirty="0" smtClean="0">
+                <a:solidFill>
+                  <a:schemeClr val="tx1"/>
+                </a:solidFill>
+                <a:latin typeface="+mn-lt"/>
+                <a:ea typeface="+mn-ea"/>
+                <a:cs typeface="+mn-cs"/>
+              </a:rPr>
+              <a:t>，越能提高审核效率。所以说新的排名方法有利于</a:t>
+            </a:r>
+            <a:r>
+              <a:rPr lang="zh-CN" altLang="en-US" sz="1200" b="0" i="0" kern="1200" dirty="0" smtClean="0">
+                <a:solidFill>
+                  <a:schemeClr val="tx1"/>
+                </a:solidFill>
+                <a:latin typeface="+mn-lt"/>
+                <a:ea typeface="+mn-ea"/>
+                <a:cs typeface="+mn-cs"/>
+              </a:rPr>
+              <a:t>提高系统的实用性。</a:t>
             </a:r>
             <a:endParaRPr lang="en-US" altLang="zh-CN" sz="1200" b="0" i="0" kern="1200" dirty="0" smtClean="0">
               <a:solidFill>
@@ -2040,7 +2190,7 @@
                 <a:ea typeface="+mn-ea"/>
                 <a:cs typeface="+mn-cs"/>
               </a:rPr>
-              <a:t>这些实例的</a:t>
+              <a:t>（点三下）最后，本文检查了系统检测出的谣言实例。这些谣言的</a:t>
             </a:r>
             <a:r>
               <a:rPr lang="zh-CN" altLang="en-US" sz="1200" b="0" i="0" kern="1200" baseline="0" dirty="0" smtClean="0">
@@ -2063,10 +2213,10 @@
                 <a:ea typeface="+mn-ea"/>
                 <a:cs typeface="+mn-cs"/>
               </a:rPr>
-              <a:t>广阔：有关于谣传体育明星感染埃博拉病毒的话题，有关于某地区出现埃博拉病例的话题，有埃博拉是美国虚构出来的阴谋的谣言，还有称埃博拉疫苗只对白人有效的谣言。</a:t>
-            </a:r>
-            <a:r>
-              <a:rPr lang="zh-CN" altLang="en-US" sz="1200" kern="1200" dirty="0" smtClean="0">
+              <a:t>广阔：</a:t>
+            </a:r>
+            <a:r>
+              <a:rPr lang="zh-CN" altLang="zh-CN" sz="1200" kern="1200" dirty="0" smtClean="0">
                 <a:solidFill>
                   <a:schemeClr val="tx1"/>
                 </a:solidFill>
@@ -2075,7 +2225,7 @@
                 <a:ea typeface="+mn-ea"/>
                 <a:cs typeface="+mn-cs"/>
               </a:rPr>
-              <a:t>大部分检测出来的消息</a:t>
+              <a:t>有关于体育</a:t>
             </a:r>
             <a:r>
               <a:rPr lang="zh-CN" altLang="zh-CN" sz="1200" kern="1200" dirty="0" smtClean="0">
@@ -2087,10 +2237,10 @@
                 <a:ea typeface="+mn-ea"/>
                 <a:cs typeface="+mn-cs"/>
               </a:rPr>
-              <a:t>都带有</a:t>
-            </a:r>
-            <a:r>
-              <a:rPr lang="zh-CN" altLang="en-US" sz="1200" kern="1200" dirty="0" smtClean="0">
+              <a:t>明星感染埃博拉</a:t>
+            </a:r>
+            <a:r>
+              <a:rPr lang="zh-CN" altLang="zh-CN" sz="1200" kern="1200" dirty="0" smtClean="0">
                 <a:solidFill>
                   <a:schemeClr val="tx1"/>
                 </a:solidFill>
@@ -2099,10 +2249,10 @@
                 <a:ea typeface="+mn-ea"/>
                 <a:cs typeface="+mn-cs"/>
               </a:rPr>
-              <a:t>对谣言</a:t>
-            </a:r>
-            <a:r>
-              <a:rPr lang="zh-CN" altLang="zh-CN" sz="1200" kern="1200" dirty="0" smtClean="0">
+              <a:t>病毒</a:t>
+            </a:r>
+            <a:r>
+              <a:rPr lang="zh-CN" altLang="en-US" sz="1200" kern="1200" dirty="0" smtClean="0">
                 <a:solidFill>
                   <a:schemeClr val="tx1"/>
                 </a:solidFill>
@@ -2111,10 +2261,10 @@
                 <a:ea typeface="+mn-ea"/>
                 <a:cs typeface="+mn-cs"/>
               </a:rPr>
-              <a:t>强烈的惊讶、不确定、怀疑、质疑</a:t>
-            </a:r>
-            <a:r>
-              <a:rPr lang="zh-CN" altLang="en-US" sz="1200" kern="1200" dirty="0" smtClean="0">
+              <a:t>的谣言</a:t>
+            </a:r>
+            <a:r>
+              <a:rPr lang="zh-CN" altLang="zh-CN" sz="1200" kern="1200" dirty="0" smtClean="0">
                 <a:solidFill>
                   <a:schemeClr val="tx1"/>
                 </a:solidFill>
@@ -2123,7 +2273,67 @@
                 <a:ea typeface="+mn-ea"/>
                 <a:cs typeface="+mn-cs"/>
               </a:rPr>
-              <a:t>，这是原系统的设计，将这些怀疑和质疑的文本作为快速筛选的线索，实用性很高。</a:t>
+              <a:t>，</a:t>
+            </a:r>
+            <a:r>
+              <a:rPr lang="zh-CN" altLang="zh-CN" sz="1200" kern="1200" dirty="0" smtClean="0">
+                <a:solidFill>
+                  <a:schemeClr val="tx1"/>
+                </a:solidFill>
+                <a:effectLst/>
+                <a:latin typeface="+mn-lt"/>
+                <a:ea typeface="+mn-ea"/>
+                <a:cs typeface="+mn-cs"/>
+              </a:rPr>
+              <a:t>有关于某地区出现埃博拉病例</a:t>
+            </a:r>
+            <a:r>
+              <a:rPr lang="zh-CN" altLang="zh-CN" sz="1200" kern="1200" dirty="0" smtClean="0">
+                <a:solidFill>
+                  <a:schemeClr val="tx1"/>
+                </a:solidFill>
+                <a:effectLst/>
+                <a:latin typeface="+mn-lt"/>
+                <a:ea typeface="+mn-ea"/>
+                <a:cs typeface="+mn-cs"/>
+              </a:rPr>
+              <a:t>的</a:t>
+            </a:r>
+            <a:r>
+              <a:rPr lang="zh-CN" altLang="en-US" sz="1200" kern="1200" dirty="0" smtClean="0">
+                <a:solidFill>
+                  <a:schemeClr val="tx1"/>
+                </a:solidFill>
+                <a:effectLst/>
+                <a:latin typeface="+mn-lt"/>
+                <a:ea typeface="+mn-ea"/>
+                <a:cs typeface="+mn-cs"/>
+              </a:rPr>
+              <a:t>谣言等等</a:t>
+            </a:r>
+            <a:r>
+              <a:rPr lang="zh-CN" altLang="zh-CN" sz="1200" kern="1200" dirty="0" smtClean="0">
+                <a:solidFill>
+                  <a:schemeClr val="tx1"/>
+                </a:solidFill>
+                <a:effectLst/>
+                <a:latin typeface="+mn-lt"/>
+                <a:ea typeface="+mn-ea"/>
+                <a:cs typeface="+mn-cs"/>
+              </a:rPr>
+              <a:t>。</a:t>
+            </a:r>
+            <a:r>
+              <a:rPr lang="zh-CN" altLang="en-US" sz="1200" kern="1200" dirty="0" smtClean="0">
+                <a:solidFill>
+                  <a:schemeClr val="tx1"/>
+                </a:solidFill>
+                <a:effectLst/>
+                <a:latin typeface="+mn-lt"/>
+                <a:ea typeface="+mn-ea"/>
+                <a:cs typeface="+mn-cs"/>
+              </a:rPr>
+              <a:t>检测范围的广阔进一步说明本系统是一项相当实用的谣言检测技术。以上是第五章的全部。</a:t>
             </a:r>
             <a:endParaRPr lang="en-US" altLang="zh-CN" sz="1200" b="0" i="0" kern="1200" dirty="0" smtClean="0">
               <a:solidFill>
@@ -2225,6 +2435,62 @@
           <a:bodyPr/>
           <a:lstStyle/>
           <a:p>
+            <a:r>
+              <a:rPr lang="zh-CN" altLang="en-US" sz="1200" b="0" i="0" kern="1200" dirty="0" smtClean="0">
+                <a:solidFill>
+                  <a:schemeClr val="tx1"/>
+                </a:solidFill>
+                <a:latin typeface="+mn-lt"/>
+                <a:ea typeface="+mn-ea"/>
+                <a:cs typeface="+mn-cs"/>
+              </a:rPr>
+              <a:t>（点）第六章，总结与展望。这里仅进行总结</a:t>
+            </a:r>
+            <a:r>
+              <a:rPr lang="zh-CN" altLang="en-US" sz="1200" b="0" i="0" kern="1200" dirty="0" smtClean="0">
+                <a:solidFill>
+                  <a:schemeClr val="tx1"/>
+                </a:solidFill>
+                <a:latin typeface="+mn-lt"/>
+                <a:ea typeface="+mn-ea"/>
+                <a:cs typeface="+mn-cs"/>
+                <a:sym typeface="Wingdings" panose="05000000000000000000" pitchFamily="2" charset="2"/>
+              </a:rPr>
+              <a:t>（点）</a:t>
+            </a:r>
+            <a:r>
+              <a:rPr lang="zh-CN" altLang="en-US" sz="1200" b="0" i="0" kern="1200" dirty="0" smtClean="0">
+                <a:solidFill>
+                  <a:schemeClr val="tx1"/>
+                </a:solidFill>
+                <a:latin typeface="+mn-lt"/>
+                <a:ea typeface="+mn-ea"/>
+                <a:cs typeface="+mn-cs"/>
+              </a:rPr>
+              <a:t>本文基于一个已有的谣言检测系统，对它的两点不足进行改进，（点）改进方案第一部分，话题聚类中讨论了</a:t>
+            </a:r>
+            <a:r>
+              <a:rPr lang="en-US" altLang="zh-CN" sz="1200" b="0" i="0" kern="1200" dirty="0" smtClean="0">
+                <a:solidFill>
+                  <a:schemeClr val="tx1"/>
+                </a:solidFill>
+                <a:latin typeface="+mn-lt"/>
+                <a:ea typeface="+mn-ea"/>
+                <a:cs typeface="+mn-cs"/>
+              </a:rPr>
+              <a:t>6</a:t>
+            </a:r>
+            <a:r>
+              <a:rPr lang="zh-CN" altLang="en-US" sz="1200" b="0" i="0" kern="1200" dirty="0" smtClean="0">
+                <a:solidFill>
+                  <a:schemeClr val="tx1"/>
+                </a:solidFill>
+                <a:latin typeface="+mn-lt"/>
+                <a:ea typeface="+mn-ea"/>
+                <a:cs typeface="+mn-cs"/>
+              </a:rPr>
+              <a:t>种相似度度量，引入了加权相似度，讨论了权重配比方案；（点）方案第二部分在可疑度排名上引入了更多特征和特征选择技术，提出了一种新的特征选择方法和一种新的可疑度排名方法。（点）大量实验论证了本文改进方案和新方法的有效性与实用性。</a:t>
+            </a:r>
             <a:endParaRPr lang="en-US" sz="1200" b="0" i="0" kern="1200" dirty="0" smtClean="0">
               <a:solidFill>
                 <a:schemeClr val="tx1"/>
@@ -2319,6 +2585,10 @@
           </a:bodyPr>
           <a:lstStyle/>
           <a:p>
+            <a:r>
+              <a:rPr lang="zh-CN" altLang="en-US" dirty="0" smtClean="0"/>
+              <a:t>以上就是我答辩的全部内容，欢迎提问。</a:t>
+            </a:r>
             <a:endParaRPr lang="zh-CN" altLang="en-US" dirty="0"/>
           </a:p>
         </p:txBody>
@@ -2404,6 +2674,17 @@
           <a:bodyPr/>
           <a:lstStyle/>
           <a:p>
+            <a:r>
+              <a:rPr lang="zh-CN" altLang="en-US" sz="1200" b="0" i="0" kern="1200" dirty="0" smtClean="0">
+                <a:solidFill>
+                  <a:schemeClr val="tx1"/>
+                </a:solidFill>
+                <a:latin typeface="+mn-lt"/>
+                <a:ea typeface="+mn-ea"/>
+                <a:cs typeface="+mn-cs"/>
+              </a:rPr>
+              <a:t>第一章，引言。在这一章，本文主要介绍了社交网络中的谣言和谣言检测技术，以及此类技术面临的两个挑战。第一，此类技术检测出的谣言候选消息，它们讨论相同话题的重复率过高。由于实际应用中检测出来的候选消息还需要人工审核，看是不是真谣言，然后才能进行辟谣或者追责。如果检测出来的很多候选消息讨论的是一个谣言话题，那么审查员将重复审核这些话题，这将大大增加审核的时间成本。因此，理想的情况是检测出的每一类候选消息代表一个候选的话题。而第二个挑战，就是谣言检测技术的准确率不高。</a:t>
+            </a:r>
             <a:endParaRPr lang="en-US" sz="1200" b="0" i="0" kern="1200" dirty="0" smtClean="0">
               <a:solidFill>
                 <a:schemeClr val="tx1"/>
@@ -2496,6 +2777,17 @@
           <a:bodyPr/>
           <a:lstStyle/>
           <a:p>
+            <a:r>
+              <a:rPr lang="zh-CN" altLang="en-US" sz="1200" b="0" i="0" kern="1200" dirty="0" smtClean="0">
+                <a:solidFill>
+                  <a:schemeClr val="tx1"/>
+                </a:solidFill>
+                <a:latin typeface="+mn-lt"/>
+                <a:ea typeface="+mn-ea"/>
+                <a:cs typeface="+mn-cs"/>
+              </a:rPr>
+              <a:t>第二章介绍了本文的检测方法。本文基于一个已有工作的谣言检测系统对其进行了提高和改进。经过分析，原系统在设计原理上就不可避免地会引起刚刚我谈到的两个问题。本文针对这两个问题分别提出了改进方案：对候选消息重复率过高这个问题，本文的改进是对检测出的候选进行重新的话题聚类；对检测准确率不高的问题，本文的改进是引入更多的消息特征，并使用特征选择技术挑选出有用的特征组合，提高分类器的准确率，另外原系统是基于可疑度排名的方法检测出最可疑的消息，将它们作为谣言候选消息，对此本文提出了新的可疑度排名方案来提高系统的检测准确率。</a:t>
+            </a:r>
             <a:endParaRPr lang="en-US" sz="1200" b="0" i="0" kern="1200" dirty="0" smtClean="0">
               <a:solidFill>
                 <a:schemeClr val="tx1"/>
@@ -2596,7 +2888,238 @@
           <a:bodyPr/>
           <a:lstStyle/>
           <a:p>
-            <a:endParaRPr lang="en-US" sz="1200" b="0" i="0" kern="1200" dirty="0" smtClean="0">
+            <a:r>
+              <a:rPr lang="zh-CN" altLang="en-US" sz="1200" b="0" i="0" kern="1200" dirty="0" smtClean="0">
+                <a:solidFill>
+                  <a:schemeClr val="tx1"/>
+                </a:solidFill>
+                <a:latin typeface="+mn-lt"/>
+                <a:ea typeface="+mn-ea"/>
+                <a:cs typeface="+mn-cs"/>
+              </a:rPr>
+              <a:t>第三章，阐述了本文第一个改进方案，话题聚类。（点）本文尝试了</a:t>
+            </a:r>
+            <a:r>
+              <a:rPr lang="en-US" altLang="zh-CN" sz="1200" b="0" i="0" kern="1200" dirty="0" smtClean="0">
+                <a:solidFill>
+                  <a:schemeClr val="tx1"/>
+                </a:solidFill>
+                <a:latin typeface="+mn-lt"/>
+                <a:ea typeface="+mn-ea"/>
+                <a:cs typeface="+mn-cs"/>
+              </a:rPr>
+              <a:t>4</a:t>
+            </a:r>
+            <a:r>
+              <a:rPr lang="zh-CN" altLang="en-US" sz="1200" b="0" i="0" kern="1200" dirty="0" smtClean="0">
+                <a:solidFill>
+                  <a:schemeClr val="tx1"/>
+                </a:solidFill>
+                <a:latin typeface="+mn-lt"/>
+                <a:ea typeface="+mn-ea"/>
+                <a:cs typeface="+mn-cs"/>
+              </a:rPr>
+              <a:t>种聚类方法，并从原理和实验的角度论证了层级聚类法在社交网络中的话题聚类的优越性。（点）聚类算法依赖于消息的相似度度量，本文探讨了什么样的相似度度量适合于社交网络的话题聚类，并讨论了</a:t>
+            </a:r>
+            <a:r>
+              <a:rPr lang="en-US" altLang="zh-CN" sz="1200" b="0" i="0" kern="1200" dirty="0" smtClean="0">
+                <a:solidFill>
+                  <a:schemeClr val="tx1"/>
+                </a:solidFill>
+                <a:latin typeface="+mn-lt"/>
+                <a:ea typeface="+mn-ea"/>
+                <a:cs typeface="+mn-cs"/>
+              </a:rPr>
+              <a:t>6</a:t>
+            </a:r>
+            <a:r>
+              <a:rPr lang="zh-CN" altLang="en-US" sz="1200" b="0" i="0" kern="1200" dirty="0" smtClean="0">
+                <a:solidFill>
+                  <a:schemeClr val="tx1"/>
+                </a:solidFill>
+                <a:latin typeface="+mn-lt"/>
+                <a:ea typeface="+mn-ea"/>
+                <a:cs typeface="+mn-cs"/>
+              </a:rPr>
+              <a:t>种相似度。（点两下）第一，本文提出了时间相似度，公式如右，</a:t>
+            </a:r>
+            <a:r>
+              <a:rPr lang="en-US" altLang="zh-CN" sz="1200" b="0" i="0" kern="1200" dirty="0" smtClean="0">
+                <a:solidFill>
+                  <a:schemeClr val="tx1"/>
+                </a:solidFill>
+                <a:latin typeface="+mn-lt"/>
+                <a:ea typeface="+mn-ea"/>
+                <a:cs typeface="+mn-cs"/>
+              </a:rPr>
+              <a:t>delta t</a:t>
+            </a:r>
+            <a:r>
+              <a:rPr lang="zh-CN" altLang="en-US" sz="1200" b="0" i="0" kern="1200" dirty="0" smtClean="0">
+                <a:solidFill>
+                  <a:schemeClr val="tx1"/>
+                </a:solidFill>
+                <a:latin typeface="+mn-lt"/>
+                <a:ea typeface="+mn-ea"/>
+                <a:cs typeface="+mn-cs"/>
+              </a:rPr>
+              <a:t>是两消息的发布时间间隔，</a:t>
+            </a:r>
+            <a:r>
+              <a:rPr lang="en-US" altLang="zh-CN" sz="1200" b="0" i="0" kern="1200" dirty="0" err="1" smtClean="0">
+                <a:solidFill>
+                  <a:schemeClr val="tx1"/>
+                </a:solidFill>
+                <a:latin typeface="+mn-lt"/>
+                <a:ea typeface="+mn-ea"/>
+                <a:cs typeface="+mn-cs"/>
+              </a:rPr>
+              <a:t>tao</a:t>
+            </a:r>
+            <a:r>
+              <a:rPr lang="zh-CN" altLang="en-US" sz="1200" b="0" i="0" kern="1200" dirty="0" smtClean="0">
+                <a:solidFill>
+                  <a:schemeClr val="tx1"/>
+                </a:solidFill>
+                <a:latin typeface="+mn-lt"/>
+                <a:ea typeface="+mn-ea"/>
+                <a:cs typeface="+mn-cs"/>
+              </a:rPr>
+              <a:t>是相似度半衰期，指数衰减的设计思想是，社交网络中讨论同一个谣言话题的消息应该是集中爆发的，发布时间应该非常接近。（点两下）第二，本文提出了用户互动的相似度，当两则消息</a:t>
+            </a:r>
+            <a:r>
+              <a:rPr lang="en-US" altLang="zh-CN" sz="1200" b="0" i="0" kern="1200" dirty="0" smtClean="0">
+                <a:solidFill>
+                  <a:schemeClr val="tx1"/>
+                </a:solidFill>
+                <a:latin typeface="+mn-lt"/>
+                <a:ea typeface="+mn-ea"/>
+                <a:cs typeface="+mn-cs"/>
+              </a:rPr>
+              <a:t>@</a:t>
+            </a:r>
+            <a:r>
+              <a:rPr lang="zh-CN" altLang="en-US" sz="1200" b="0" i="0" kern="1200" dirty="0" smtClean="0">
+                <a:solidFill>
+                  <a:schemeClr val="tx1"/>
+                </a:solidFill>
+                <a:latin typeface="+mn-lt"/>
+                <a:ea typeface="+mn-ea"/>
+                <a:cs typeface="+mn-cs"/>
+              </a:rPr>
+              <a:t>了同一个用户，或者它们一个消息</a:t>
+            </a:r>
+            <a:r>
+              <a:rPr lang="en-US" altLang="zh-CN" sz="1200" b="0" i="0" kern="1200" dirty="0" smtClean="0">
+                <a:solidFill>
+                  <a:schemeClr val="tx1"/>
+                </a:solidFill>
+                <a:latin typeface="+mn-lt"/>
+                <a:ea typeface="+mn-ea"/>
+                <a:cs typeface="+mn-cs"/>
+              </a:rPr>
+              <a:t>@</a:t>
+            </a:r>
+            <a:r>
+              <a:rPr lang="zh-CN" altLang="en-US" sz="1200" b="0" i="0" kern="1200" dirty="0" smtClean="0">
+                <a:solidFill>
+                  <a:schemeClr val="tx1"/>
+                </a:solidFill>
+                <a:latin typeface="+mn-lt"/>
+                <a:ea typeface="+mn-ea"/>
+                <a:cs typeface="+mn-cs"/>
+              </a:rPr>
+              <a:t>另一个消息的作者，认为他们的消息间产生了互动，消息相似度较高。除此以外，本文提出还应该考虑消息的话题标签</a:t>
+            </a:r>
+            <a:r>
+              <a:rPr lang="en-US" altLang="zh-CN" sz="1200" b="0" i="0" kern="1200" dirty="0" smtClean="0">
+                <a:solidFill>
+                  <a:schemeClr val="tx1"/>
+                </a:solidFill>
+                <a:latin typeface="+mn-lt"/>
+                <a:ea typeface="+mn-ea"/>
+                <a:cs typeface="+mn-cs"/>
+              </a:rPr>
+              <a:t>hashtag</a:t>
+            </a:r>
+            <a:r>
+              <a:rPr lang="zh-CN" altLang="en-US" sz="1200" b="0" i="0" kern="1200" dirty="0" smtClean="0">
+                <a:solidFill>
+                  <a:schemeClr val="tx1"/>
+                </a:solidFill>
+                <a:latin typeface="+mn-lt"/>
+                <a:ea typeface="+mn-ea"/>
+                <a:cs typeface="+mn-cs"/>
+              </a:rPr>
+              <a:t>相似度（点四下），命名实体的相似度，单词集合的</a:t>
+            </a:r>
+            <a:r>
+              <a:rPr lang="en-US" altLang="zh-CN" sz="1200" b="0" i="0" kern="1200" dirty="0" err="1" smtClean="0">
+                <a:solidFill>
+                  <a:schemeClr val="tx1"/>
+                </a:solidFill>
+                <a:latin typeface="+mn-lt"/>
+                <a:ea typeface="+mn-ea"/>
+                <a:cs typeface="+mn-cs"/>
+              </a:rPr>
+              <a:t>jaccard</a:t>
+            </a:r>
+            <a:r>
+              <a:rPr lang="zh-CN" altLang="en-US" sz="1200" b="0" i="0" kern="1200" dirty="0" smtClean="0">
+                <a:solidFill>
+                  <a:schemeClr val="tx1"/>
+                </a:solidFill>
+                <a:latin typeface="+mn-lt"/>
+                <a:ea typeface="+mn-ea"/>
+                <a:cs typeface="+mn-cs"/>
+              </a:rPr>
+              <a:t>相似度，和</a:t>
+            </a:r>
+            <a:r>
+              <a:rPr lang="en-US" altLang="zh-CN" sz="1200" b="0" i="0" kern="1200" dirty="0" err="1" smtClean="0">
+                <a:solidFill>
+                  <a:schemeClr val="tx1"/>
+                </a:solidFill>
+                <a:latin typeface="+mn-lt"/>
+                <a:ea typeface="+mn-ea"/>
+                <a:cs typeface="+mn-cs"/>
+              </a:rPr>
+              <a:t>tf-idf</a:t>
+            </a:r>
+            <a:r>
+              <a:rPr lang="zh-CN" altLang="en-US" sz="1200" b="0" i="0" kern="1200" dirty="0" smtClean="0">
+                <a:solidFill>
+                  <a:schemeClr val="tx1"/>
+                </a:solidFill>
+                <a:latin typeface="+mn-lt"/>
+                <a:ea typeface="+mn-ea"/>
+                <a:cs typeface="+mn-cs"/>
+              </a:rPr>
+              <a:t>这个比较有效的文本相似度。（点两下）最终本文提出应当使用加权平均的方式，将这</a:t>
+            </a:r>
+            <a:r>
+              <a:rPr lang="en-US" altLang="zh-CN" sz="1200" b="0" i="0" kern="1200" dirty="0" smtClean="0">
+                <a:solidFill>
+                  <a:schemeClr val="tx1"/>
+                </a:solidFill>
+                <a:latin typeface="+mn-lt"/>
+                <a:ea typeface="+mn-ea"/>
+                <a:cs typeface="+mn-cs"/>
+              </a:rPr>
+              <a:t>6</a:t>
+            </a:r>
+            <a:r>
+              <a:rPr lang="zh-CN" altLang="en-US" sz="1200" b="0" i="0" kern="1200" dirty="0" smtClean="0">
+                <a:solidFill>
+                  <a:schemeClr val="tx1"/>
+                </a:solidFill>
+                <a:latin typeface="+mn-lt"/>
+                <a:ea typeface="+mn-ea"/>
+                <a:cs typeface="+mn-cs"/>
+              </a:rPr>
+              <a:t>种因素结合考虑，成为加权相似度。</a:t>
+            </a:r>
+            <a:endParaRPr lang="en-US" altLang="zh-CN" sz="1200" b="0" i="0" kern="1200" dirty="0" smtClean="0">
               <a:solidFill>
                 <a:schemeClr val="tx1"/>
               </a:solidFill>
@@ -2696,6 +3219,193 @@
           <a:bodyPr/>
           <a:lstStyle/>
           <a:p>
+            <a:r>
+              <a:rPr lang="zh-CN" altLang="en-US" sz="1200" b="0" i="0" kern="1200" dirty="0" smtClean="0">
+                <a:solidFill>
+                  <a:schemeClr val="tx1"/>
+                </a:solidFill>
+                <a:latin typeface="+mn-lt"/>
+                <a:ea typeface="+mn-ea"/>
+                <a:cs typeface="+mn-cs"/>
+              </a:rPr>
+              <a:t>（点两下）本文实验使用的是推特埃博拉病毒相关的消息集，共有</a:t>
+            </a:r>
+            <a:r>
+              <a:rPr lang="en-US" altLang="zh-CN" sz="1200" b="0" i="0" kern="1200" dirty="0" smtClean="0">
+                <a:solidFill>
+                  <a:schemeClr val="tx1"/>
+                </a:solidFill>
+                <a:latin typeface="+mn-lt"/>
+                <a:ea typeface="+mn-ea"/>
+                <a:cs typeface="+mn-cs"/>
+              </a:rPr>
+              <a:t>1700</a:t>
+            </a:r>
+            <a:r>
+              <a:rPr lang="zh-CN" altLang="en-US" sz="1200" b="0" i="0" kern="1200" dirty="0" smtClean="0">
+                <a:solidFill>
+                  <a:schemeClr val="tx1"/>
+                </a:solidFill>
+                <a:latin typeface="+mn-lt"/>
+                <a:ea typeface="+mn-ea"/>
+                <a:cs typeface="+mn-cs"/>
+              </a:rPr>
+              <a:t>万条消息，时间跨度为</a:t>
+            </a:r>
+            <a:r>
+              <a:rPr lang="en-US" altLang="zh-CN" sz="1200" b="0" i="0" kern="1200" dirty="0" smtClean="0">
+                <a:solidFill>
+                  <a:schemeClr val="tx1"/>
+                </a:solidFill>
+                <a:latin typeface="+mn-lt"/>
+                <a:ea typeface="+mn-ea"/>
+                <a:cs typeface="+mn-cs"/>
+              </a:rPr>
+              <a:t>06</a:t>
+            </a:r>
+            <a:r>
+              <a:rPr lang="zh-CN" altLang="en-US" sz="1200" b="0" i="0" kern="1200" dirty="0" smtClean="0">
+                <a:solidFill>
+                  <a:schemeClr val="tx1"/>
+                </a:solidFill>
+                <a:latin typeface="+mn-lt"/>
+                <a:ea typeface="+mn-ea"/>
+                <a:cs typeface="+mn-cs"/>
+              </a:rPr>
+              <a:t>年到</a:t>
+            </a:r>
+            <a:r>
+              <a:rPr lang="en-US" altLang="zh-CN" sz="1200" b="0" i="0" kern="1200" dirty="0" smtClean="0">
+                <a:solidFill>
+                  <a:schemeClr val="tx1"/>
+                </a:solidFill>
+                <a:latin typeface="+mn-lt"/>
+                <a:ea typeface="+mn-ea"/>
+                <a:cs typeface="+mn-cs"/>
+              </a:rPr>
+              <a:t>16</a:t>
+            </a:r>
+            <a:r>
+              <a:rPr lang="zh-CN" altLang="en-US" sz="1200" b="0" i="0" kern="1200" dirty="0" smtClean="0">
+                <a:solidFill>
+                  <a:schemeClr val="tx1"/>
+                </a:solidFill>
+                <a:latin typeface="+mn-lt"/>
+                <a:ea typeface="+mn-ea"/>
+                <a:cs typeface="+mn-cs"/>
+              </a:rPr>
+              <a:t>年的十年。（点）由于消息比较集中于</a:t>
+            </a:r>
+            <a:r>
+              <a:rPr lang="en-US" altLang="zh-CN" sz="1200" b="0" i="0" kern="1200" dirty="0" smtClean="0">
+                <a:solidFill>
+                  <a:schemeClr val="tx1"/>
+                </a:solidFill>
+                <a:latin typeface="+mn-lt"/>
+                <a:ea typeface="+mn-ea"/>
+                <a:cs typeface="+mn-cs"/>
+              </a:rPr>
+              <a:t>2014</a:t>
+            </a:r>
+            <a:r>
+              <a:rPr lang="zh-CN" altLang="en-US" sz="1200" b="0" i="0" kern="1200" dirty="0" smtClean="0">
+                <a:solidFill>
+                  <a:schemeClr val="tx1"/>
+                </a:solidFill>
+                <a:latin typeface="+mn-lt"/>
+                <a:ea typeface="+mn-ea"/>
+                <a:cs typeface="+mn-cs"/>
+              </a:rPr>
+              <a:t>年</a:t>
+            </a:r>
+            <a:r>
+              <a:rPr lang="en-US" altLang="zh-CN" sz="1200" b="0" i="0" kern="1200" dirty="0" smtClean="0">
+                <a:solidFill>
+                  <a:schemeClr val="tx1"/>
+                </a:solidFill>
+                <a:latin typeface="+mn-lt"/>
+                <a:ea typeface="+mn-ea"/>
+                <a:cs typeface="+mn-cs"/>
+              </a:rPr>
+              <a:t>11</a:t>
+            </a:r>
+            <a:r>
+              <a:rPr lang="zh-CN" altLang="en-US" sz="1200" b="0" i="0" kern="1200" dirty="0" smtClean="0">
+                <a:solidFill>
+                  <a:schemeClr val="tx1"/>
+                </a:solidFill>
+                <a:latin typeface="+mn-lt"/>
+                <a:ea typeface="+mn-ea"/>
+                <a:cs typeface="+mn-cs"/>
+              </a:rPr>
+              <a:t>月，因此这个月的消息子集被用在聚类实验中，作为数据集</a:t>
+            </a:r>
+            <a:r>
+              <a:rPr lang="en-US" altLang="zh-CN" sz="1200" b="0" i="0" kern="1200" dirty="0" smtClean="0">
+                <a:solidFill>
+                  <a:schemeClr val="tx1"/>
+                </a:solidFill>
+                <a:latin typeface="+mn-lt"/>
+                <a:ea typeface="+mn-ea"/>
+                <a:cs typeface="+mn-cs"/>
+              </a:rPr>
+              <a:t>A</a:t>
+            </a:r>
+            <a:r>
+              <a:rPr lang="zh-CN" altLang="en-US" sz="1200" b="0" i="0" kern="1200" dirty="0" smtClean="0">
+                <a:solidFill>
+                  <a:schemeClr val="tx1"/>
+                </a:solidFill>
+                <a:latin typeface="+mn-lt"/>
+                <a:ea typeface="+mn-ea"/>
+                <a:cs typeface="+mn-cs"/>
+              </a:rPr>
+              <a:t>。（点）而数据集</a:t>
+            </a:r>
+            <a:r>
+              <a:rPr lang="en-US" altLang="zh-CN" sz="1200" b="0" i="0" kern="1200" dirty="0" smtClean="0">
+                <a:solidFill>
+                  <a:schemeClr val="tx1"/>
+                </a:solidFill>
+                <a:latin typeface="+mn-lt"/>
+                <a:ea typeface="+mn-ea"/>
+                <a:cs typeface="+mn-cs"/>
+              </a:rPr>
+              <a:t>B</a:t>
+            </a:r>
+            <a:r>
+              <a:rPr lang="zh-CN" altLang="en-US" sz="1200" b="0" i="0" kern="1200" dirty="0" smtClean="0">
+                <a:solidFill>
+                  <a:schemeClr val="tx1"/>
+                </a:solidFill>
+                <a:latin typeface="+mn-lt"/>
+                <a:ea typeface="+mn-ea"/>
+                <a:cs typeface="+mn-cs"/>
+              </a:rPr>
+              <a:t>则是它去除传播不广的冷门话题，也即去除噪声后，产生的数据集。（点）聚类的评价指标是广泛使用的归一化互信息，</a:t>
+            </a:r>
+            <a:r>
+              <a:rPr lang="en-US" altLang="zh-CN" sz="1200" b="0" i="0" kern="1200" dirty="0" smtClean="0">
+                <a:solidFill>
+                  <a:schemeClr val="tx1"/>
+                </a:solidFill>
+                <a:latin typeface="+mn-lt"/>
+                <a:ea typeface="+mn-ea"/>
+                <a:cs typeface="+mn-cs"/>
+              </a:rPr>
+              <a:t>NMI</a:t>
+            </a:r>
+            <a:r>
+              <a:rPr lang="zh-CN" altLang="en-US" sz="1200" b="0" i="0" kern="1200" dirty="0" smtClean="0">
+                <a:solidFill>
+                  <a:schemeClr val="tx1"/>
+                </a:solidFill>
+                <a:latin typeface="+mn-lt"/>
+                <a:ea typeface="+mn-ea"/>
+                <a:cs typeface="+mn-cs"/>
+              </a:rPr>
+              <a:t>。</a:t>
+            </a:r>
             <a:endParaRPr lang="en-US" sz="1200" b="0" i="0" kern="1200" dirty="0" smtClean="0">
               <a:solidFill>
                 <a:schemeClr val="tx1"/>
@@ -2805,7 +3515,7 @@
                 <a:ea typeface="+mn-ea"/>
                 <a:cs typeface="+mn-cs"/>
               </a:rPr>
-              <a:t>最左边是聚类方法，然后是</a:t>
+              <a:t>（点两下）实验在数据集</a:t>
             </a:r>
             <a:r>
               <a:rPr lang="en-US" altLang="zh-CN" sz="1200" b="0" i="0" kern="1200" dirty="0" smtClean="0">
@@ -2816,7 +3526,7 @@
                 <a:ea typeface="+mn-ea"/>
                 <a:cs typeface="+mn-cs"/>
               </a:rPr>
-              <a:t>6</a:t>
+              <a:t>A</a:t>
             </a:r>
             <a:r>
               <a:rPr lang="zh-CN" altLang="en-US" sz="1200" b="0" i="0" kern="1200" dirty="0" smtClean="0">
@@ -2827,7 +3537,7 @@
                 <a:ea typeface="+mn-ea"/>
                 <a:cs typeface="+mn-cs"/>
               </a:rPr>
-              <a:t>种因素的相似度矩阵作为内核，然后是加权相似度，接着是两个</a:t>
+              <a:t>、</a:t>
             </a:r>
             <a:r>
               <a:rPr lang="en-US" altLang="zh-CN" sz="1200" b="0" i="0" kern="1200" dirty="0" smtClean="0">
@@ -2838,7 +3548,7 @@
                 <a:ea typeface="+mn-ea"/>
                 <a:cs typeface="+mn-cs"/>
               </a:rPr>
-              <a:t>baseline</a:t>
+              <a:t>B</a:t>
             </a:r>
             <a:r>
               <a:rPr lang="zh-CN" altLang="en-US" sz="1200" b="0" i="0" kern="1200" dirty="0" smtClean="0">
@@ -2849,30 +3559,10 @@
                 <a:ea typeface="+mn-ea"/>
                 <a:cs typeface="+mn-cs"/>
               </a:rPr>
-              <a:t>算法，语义相似度。</a:t>
-            </a:r>
-            <a:endParaRPr lang="en-US" altLang="zh-CN" sz="1200" b="0" i="0" kern="1200" dirty="0" smtClean="0">
-              <a:solidFill>
-                <a:schemeClr val="tx1"/>
-              </a:solidFill>
-              <a:latin typeface="+mn-lt"/>
-              <a:ea typeface="+mn-ea"/>
-              <a:cs typeface="+mn-cs"/>
-            </a:endParaRPr>
-          </a:p>
-          <a:p>
-            <a:endParaRPr lang="en-US" altLang="zh-CN" sz="1200" b="0" i="0" kern="1200" dirty="0" smtClean="0">
-              <a:solidFill>
-                <a:schemeClr val="tx1"/>
-              </a:solidFill>
-              <a:latin typeface="+mn-lt"/>
-              <a:ea typeface="+mn-ea"/>
-              <a:cs typeface="+mn-cs"/>
-            </a:endParaRPr>
-          </a:p>
-          <a:p>
-            <a:r>
-              <a:rPr lang="zh-CN" altLang="en-US" sz="1200" b="0" i="0" kern="1200" dirty="0" smtClean="0">
+              <a:t>分别展开，先是数据集</a:t>
+            </a:r>
+            <a:r>
+              <a:rPr lang="en-US" altLang="zh-CN" sz="1200" b="0" i="0" kern="1200" dirty="0" smtClean="0">
                 <a:solidFill>
                   <a:schemeClr val="tx1"/>
                 </a:solidFill>
@@ -2880,10 +3570,10 @@
                 <a:ea typeface="+mn-ea"/>
                 <a:cs typeface="+mn-cs"/>
               </a:rPr>
-              <a:t>加权相似度表现最好，因为考虑了</a:t>
-            </a:r>
-            <a:r>
-              <a:rPr lang="en-US" altLang="zh-CN" sz="1200" b="0" i="0" kern="1200" dirty="0" smtClean="0">
+              <a:t>A</a:t>
+            </a:r>
+            <a:r>
+              <a:rPr lang="zh-CN" altLang="en-US" sz="1200" b="0" i="0" kern="1200" dirty="0" smtClean="0">
                 <a:solidFill>
                   <a:schemeClr val="tx1"/>
                 </a:solidFill>
@@ -2891,10 +3581,10 @@
                 <a:ea typeface="+mn-ea"/>
                 <a:cs typeface="+mn-cs"/>
               </a:rPr>
-              <a:t>6</a:t>
-            </a:r>
-            <a:r>
-              <a:rPr lang="zh-CN" altLang="en-US" sz="1200" b="0" i="0" kern="1200" dirty="0" smtClean="0">
+              <a:t>，（点）实验可以看到加权相似度在各聚类算法中的聚类表现都最好，因为其综合考虑了</a:t>
+            </a:r>
+            <a:r>
+              <a:rPr lang="en-US" altLang="zh-CN" sz="1200" b="0" i="0" kern="1200" dirty="0" smtClean="0">
                 <a:solidFill>
                   <a:schemeClr val="tx1"/>
                 </a:solidFill>
@@ -2902,28 +3592,8 @@
                 <a:ea typeface="+mn-ea"/>
                 <a:cs typeface="+mn-cs"/>
               </a:rPr>
-              <a:t>种因素。</a:t>
-            </a:r>
-            <a:endParaRPr lang="en-US" altLang="zh-CN" sz="1200" b="0" i="0" kern="1200" dirty="0" smtClean="0">
-              <a:solidFill>
-                <a:schemeClr val="tx1"/>
-              </a:solidFill>
-              <a:latin typeface="+mn-lt"/>
-              <a:ea typeface="+mn-ea"/>
-              <a:cs typeface="+mn-cs"/>
-            </a:endParaRPr>
-          </a:p>
-          <a:p>
-            <a:endParaRPr lang="en-US" altLang="zh-CN" sz="1200" b="0" i="0" kern="1200" dirty="0" smtClean="0">
-              <a:solidFill>
-                <a:schemeClr val="tx1"/>
-              </a:solidFill>
-              <a:latin typeface="+mn-lt"/>
-              <a:ea typeface="+mn-ea"/>
-              <a:cs typeface="+mn-cs"/>
-            </a:endParaRPr>
-          </a:p>
-          <a:p>
+              <a:t>6</a:t>
+            </a:r>
             <a:r>
               <a:rPr lang="zh-CN" altLang="en-US" sz="1200" b="0" i="0" kern="1200" dirty="0" smtClean="0">
                 <a:solidFill>
@@ -2933,7 +3603,95 @@
                 <a:ea typeface="+mn-ea"/>
                 <a:cs typeface="+mn-cs"/>
               </a:rPr>
-              <a:t>层级聚类法最好，因为用户经常是看了某个好友的消息后转发他的消息，因此对大部分消息，至少有一个同类的消息与他高度相似，符合层级聚类法的贪心原理。</a:t>
+              <a:t>种相似度因素。（点）而聚类算法中是层级</a:t>
+            </a:r>
+            <a:r>
+              <a:rPr lang="zh-CN" altLang="en-US" sz="1200" b="0" i="0" kern="1200" dirty="0" smtClean="0">
+                <a:solidFill>
+                  <a:schemeClr val="tx1"/>
+                </a:solidFill>
+                <a:latin typeface="+mn-lt"/>
+                <a:ea typeface="+mn-ea"/>
+                <a:cs typeface="+mn-cs"/>
+              </a:rPr>
+              <a:t>聚类法最好，因为用户经常是看了某个好友的消息后</a:t>
+            </a:r>
+            <a:r>
+              <a:rPr lang="zh-CN" altLang="en-US" sz="1200" b="0" i="0" kern="1200" dirty="0" smtClean="0">
+                <a:solidFill>
+                  <a:schemeClr val="tx1"/>
+                </a:solidFill>
+                <a:latin typeface="+mn-lt"/>
+                <a:ea typeface="+mn-ea"/>
+                <a:cs typeface="+mn-cs"/>
+              </a:rPr>
+              <a:t>转发评论了他</a:t>
+            </a:r>
+            <a:r>
+              <a:rPr lang="zh-CN" altLang="en-US" sz="1200" b="0" i="0" kern="1200" dirty="0" smtClean="0">
+                <a:solidFill>
+                  <a:schemeClr val="tx1"/>
+                </a:solidFill>
+                <a:latin typeface="+mn-lt"/>
+                <a:ea typeface="+mn-ea"/>
+                <a:cs typeface="+mn-cs"/>
+              </a:rPr>
+              <a:t>的消息，因此对大部分</a:t>
+            </a:r>
+            <a:r>
+              <a:rPr lang="zh-CN" altLang="en-US" sz="1200" b="0" i="0" kern="1200" dirty="0" smtClean="0">
+                <a:solidFill>
+                  <a:schemeClr val="tx1"/>
+                </a:solidFill>
+                <a:latin typeface="+mn-lt"/>
+                <a:ea typeface="+mn-ea"/>
+                <a:cs typeface="+mn-cs"/>
+              </a:rPr>
+              <a:t>消息而言，</a:t>
+            </a:r>
+            <a:r>
+              <a:rPr lang="zh-CN" altLang="en-US" sz="1200" b="0" i="0" kern="1200" dirty="0" smtClean="0">
+                <a:solidFill>
+                  <a:schemeClr val="tx1"/>
+                </a:solidFill>
+                <a:latin typeface="+mn-lt"/>
+                <a:ea typeface="+mn-ea"/>
+                <a:cs typeface="+mn-cs"/>
+              </a:rPr>
+              <a:t>至少有一个同类的消息与他高度相似</a:t>
+            </a:r>
+            <a:r>
+              <a:rPr lang="zh-CN" altLang="en-US" sz="1200" b="0" i="0" kern="1200" dirty="0" smtClean="0">
+                <a:solidFill>
+                  <a:schemeClr val="tx1"/>
+                </a:solidFill>
+                <a:latin typeface="+mn-lt"/>
+                <a:ea typeface="+mn-ea"/>
+                <a:cs typeface="+mn-cs"/>
+              </a:rPr>
+              <a:t>，因此使用层级</a:t>
+            </a:r>
+            <a:r>
+              <a:rPr lang="zh-CN" altLang="en-US" sz="1200" b="0" i="0" kern="1200" dirty="0" smtClean="0">
+                <a:solidFill>
+                  <a:schemeClr val="tx1"/>
+                </a:solidFill>
+                <a:latin typeface="+mn-lt"/>
+                <a:ea typeface="+mn-ea"/>
+                <a:cs typeface="+mn-cs"/>
+              </a:rPr>
+              <a:t>聚类法的贪心</a:t>
+            </a:r>
+            <a:r>
+              <a:rPr lang="zh-CN" altLang="en-US" sz="1200" b="0" i="0" kern="1200" dirty="0" smtClean="0">
+                <a:solidFill>
+                  <a:schemeClr val="tx1"/>
+                </a:solidFill>
+                <a:latin typeface="+mn-lt"/>
+                <a:ea typeface="+mn-ea"/>
+                <a:cs typeface="+mn-cs"/>
+              </a:rPr>
+              <a:t>原理很适合社交网络中的话题聚类。</a:t>
             </a:r>
             <a:endParaRPr lang="en-US" altLang="zh-CN" sz="1200" b="0" i="0" kern="1200" dirty="0" smtClean="0">
               <a:solidFill>
@@ -3054,10 +3812,10 @@
                 <a:ea typeface="+mn-ea"/>
                 <a:cs typeface="+mn-cs"/>
               </a:rPr>
-              <a:t>单个相似度中，</a:t>
-            </a:r>
-            <a:r>
-              <a:rPr lang="en-US" altLang="zh-CN" sz="1200" b="0" i="0" kern="1200" dirty="0" err="1" smtClean="0">
+              <a:t>（点）数据集</a:t>
+            </a:r>
+            <a:r>
+              <a:rPr lang="en-US" altLang="zh-CN" sz="1200" b="0" i="0" kern="1200" dirty="0" smtClean="0">
                 <a:solidFill>
                   <a:schemeClr val="tx1"/>
                 </a:solidFill>
@@ -3065,7 +3823,7 @@
                 <a:ea typeface="+mn-ea"/>
                 <a:cs typeface="+mn-cs"/>
               </a:rPr>
-              <a:t>tf-idf</a:t>
+              <a:t>B</a:t>
             </a:r>
             <a:r>
               <a:rPr lang="zh-CN" altLang="en-US" sz="1200" b="0" i="0" kern="1200" dirty="0" smtClean="0">
@@ -3076,10 +3834,10 @@
                 <a:ea typeface="+mn-ea"/>
                 <a:cs typeface="+mn-cs"/>
               </a:rPr>
-              <a:t>、单词</a:t>
-            </a:r>
-            <a:r>
-              <a:rPr lang="en-US" altLang="zh-CN" sz="1200" b="0" i="0" kern="1200" dirty="0" err="1" smtClean="0">
+              <a:t>的实验结果也是类似的，加权相似度和层级聚类的效果也是最好。而</a:t>
+            </a:r>
+            <a:r>
+              <a:rPr lang="en-US" altLang="zh-CN" sz="1200" b="0" i="0" kern="1200" dirty="0" smtClean="0">
                 <a:solidFill>
                   <a:schemeClr val="tx1"/>
                 </a:solidFill>
@@ -3087,7 +3845,7 @@
                 <a:ea typeface="+mn-ea"/>
                 <a:cs typeface="+mn-cs"/>
               </a:rPr>
-              <a:t>jaccard</a:t>
+              <a:t>6</a:t>
             </a:r>
             <a:r>
               <a:rPr lang="zh-CN" altLang="en-US" sz="1200" b="0" i="0" kern="1200" dirty="0" smtClean="0">
@@ -3098,10 +3856,10 @@
                 <a:ea typeface="+mn-ea"/>
                 <a:cs typeface="+mn-cs"/>
               </a:rPr>
-              <a:t>、时间相似度排名前三，</a:t>
-            </a:r>
-            <a:r>
-              <a:rPr lang="en-US" altLang="zh-CN" sz="1200" b="0" i="0" kern="1200" dirty="0" smtClean="0">
+              <a:t>种相似度如果单独使用，（点两下）则</a:t>
+            </a:r>
+            <a:r>
+              <a:rPr lang="en-US" altLang="zh-CN" sz="1200" b="0" i="0" kern="1200" dirty="0" err="1" smtClean="0">
                 <a:solidFill>
                   <a:schemeClr val="tx1"/>
                 </a:solidFill>
@@ -3109,7 +3867,7 @@
                 <a:ea typeface="+mn-ea"/>
                 <a:cs typeface="+mn-cs"/>
               </a:rPr>
-              <a:t>hashtag</a:t>
+              <a:t>tf-idf</a:t>
             </a:r>
             <a:r>
               <a:rPr lang="zh-CN" altLang="en-US" sz="1200" b="0" i="0" kern="1200" dirty="0" smtClean="0">
@@ -3120,10 +3878,10 @@
                 <a:ea typeface="+mn-ea"/>
                 <a:cs typeface="+mn-cs"/>
               </a:rPr>
-              <a:t>、</a:t>
-            </a:r>
-            <a:r>
-              <a:rPr lang="en-US" altLang="zh-CN" sz="1200" b="0" i="0" kern="1200" dirty="0" smtClean="0">
+              <a:t>、单词</a:t>
+            </a:r>
+            <a:r>
+              <a:rPr lang="en-US" altLang="zh-CN" sz="1200" b="0" i="0" kern="1200" dirty="0" err="1" smtClean="0">
                 <a:solidFill>
                   <a:schemeClr val="tx1"/>
                 </a:solidFill>
@@ -3131,10 +3889,10 @@
                 <a:ea typeface="+mn-ea"/>
                 <a:cs typeface="+mn-cs"/>
               </a:rPr>
-              <a:t>name</a:t>
-            </a:r>
-            <a:r>
-              <a:rPr lang="en-US" altLang="zh-CN" sz="1200" b="0" i="0" kern="1200" baseline="0" dirty="0" smtClean="0">
+              <a:t>jaccard</a:t>
+            </a:r>
+            <a:r>
+              <a:rPr lang="zh-CN" altLang="en-US" sz="1200" b="0" i="0" kern="1200" dirty="0" smtClean="0">
                 <a:solidFill>
                   <a:schemeClr val="tx1"/>
                 </a:solidFill>
@@ -3142,10 +3900,10 @@
                 <a:ea typeface="+mn-ea"/>
                 <a:cs typeface="+mn-cs"/>
               </a:rPr>
-              <a:t> entity</a:t>
-            </a:r>
-            <a:r>
-              <a:rPr lang="zh-CN" altLang="en-US" sz="1200" b="0" i="0" kern="1200" baseline="0" dirty="0" smtClean="0">
+              <a:t>与时间相似度表现最好，（点）但</a:t>
+            </a:r>
+            <a:r>
+              <a:rPr lang="en-US" altLang="zh-CN" sz="1200" b="0" i="0" kern="1200" dirty="0" smtClean="0">
                 <a:solidFill>
                   <a:schemeClr val="tx1"/>
                 </a:solidFill>
@@ -3153,10 +3911,10 @@
                 <a:ea typeface="+mn-ea"/>
                 <a:cs typeface="+mn-cs"/>
               </a:rPr>
-              <a:t>和用户互动相似度单独使用效果很差，还在</a:t>
-            </a:r>
-            <a:r>
-              <a:rPr lang="en-US" altLang="zh-CN" sz="1200" b="0" i="0" kern="1200" baseline="0" dirty="0" smtClean="0">
+              <a:t>hashtag</a:t>
+            </a:r>
+            <a:r>
+              <a:rPr lang="zh-CN" altLang="en-US" sz="1200" b="0" i="0" kern="1200" dirty="0" smtClean="0">
                 <a:solidFill>
                   <a:schemeClr val="tx1"/>
                 </a:solidFill>
@@ -3164,10 +3922,10 @@
                 <a:ea typeface="+mn-ea"/>
                 <a:cs typeface="+mn-cs"/>
               </a:rPr>
-              <a:t>baseline</a:t>
-            </a:r>
-            <a:r>
-              <a:rPr lang="zh-CN" altLang="en-US" sz="1200" b="0" i="0" kern="1200" baseline="0" dirty="0" smtClean="0">
+              <a:t>、命名实体、用户互动相似度单独的表现不好，（点）甚至不如</a:t>
+            </a:r>
+            <a:r>
+              <a:rPr lang="en-US" altLang="zh-CN" sz="1200" b="0" i="0" kern="1200" dirty="0" smtClean="0">
                 <a:solidFill>
                   <a:schemeClr val="tx1"/>
                 </a:solidFill>
@@ -3175,7 +3933,18 @@
                 <a:ea typeface="+mn-ea"/>
                 <a:cs typeface="+mn-cs"/>
               </a:rPr>
-              <a:t>之下，原因是这三种要素不是必然出现的，其矩阵都非常稀疏，虽然不能单独使用，但可以做辅助因素</a:t>
+              <a:t>baseline</a:t>
+            </a:r>
+            <a:r>
+              <a:rPr lang="zh-CN" altLang="en-US" sz="1200" b="0" i="0" kern="1200" dirty="0" smtClean="0">
+                <a:solidFill>
+                  <a:schemeClr val="tx1"/>
+                </a:solidFill>
+                <a:latin typeface="+mn-lt"/>
+                <a:ea typeface="+mn-ea"/>
+                <a:cs typeface="+mn-cs"/>
+              </a:rPr>
+              <a:t>，这是因为这三种元素不是每则消息都必然出现的，因此其相似度矩阵非常稀疏。</a:t>
             </a:r>
             <a:endParaRPr lang="en-US" sz="1200" b="0" i="0" kern="1200" dirty="0" smtClean="0">
               <a:solidFill>
@@ -3286,28 +4055,8 @@
                 <a:ea typeface="+mn-ea"/>
                 <a:cs typeface="+mn-cs"/>
               </a:rPr>
-              <a:t>加权相似度的权重该如何分配？在实际问题中无法网格搜索最优，但是可以在训练集中求得各个方法的最优配比的平均值，这样的配比大致反应出各相似度矩阵在话题聚类中的重要程度，可用于实际问题的权重配比中。</a:t>
-            </a:r>
-            <a:endParaRPr lang="en-US" altLang="zh-CN" sz="1200" b="0" i="0" kern="1200" dirty="0" smtClean="0">
-              <a:solidFill>
-                <a:schemeClr val="tx1"/>
-              </a:solidFill>
-              <a:latin typeface="+mn-lt"/>
-              <a:ea typeface="+mn-ea"/>
-              <a:cs typeface="+mn-cs"/>
-            </a:endParaRPr>
-          </a:p>
-          <a:p>
-            <a:endParaRPr lang="en-US" altLang="zh-CN" sz="1200" b="0" i="0" kern="1200" dirty="0" smtClean="0">
-              <a:solidFill>
-                <a:schemeClr val="tx1"/>
-              </a:solidFill>
-              <a:latin typeface="+mn-lt"/>
-              <a:ea typeface="+mn-ea"/>
-              <a:cs typeface="+mn-cs"/>
-            </a:endParaRPr>
-          </a:p>
-          <a:p>
+              <a:t>虽然加权相似度表现良好，但其权重</a:t>
+            </a:r>
             <a:r>
               <a:rPr lang="zh-CN" altLang="en-US" sz="1200" b="0" i="0" kern="1200" dirty="0" smtClean="0">
                 <a:solidFill>
@@ -3317,10 +4066,10 @@
                 <a:ea typeface="+mn-ea"/>
                 <a:cs typeface="+mn-cs"/>
               </a:rPr>
-              <a:t>表</a:t>
-            </a:r>
-            <a:r>
-              <a:rPr lang="en-US" altLang="zh-CN" sz="1200" b="0" i="0" kern="1200" dirty="0" smtClean="0">
+              <a:t>该如何</a:t>
+            </a:r>
+            <a:r>
+              <a:rPr lang="zh-CN" altLang="en-US" sz="1200" b="0" i="0" kern="1200" dirty="0" smtClean="0">
                 <a:solidFill>
                   <a:schemeClr val="tx1"/>
                 </a:solidFill>
@@ -3328,10 +4077,10 @@
                 <a:ea typeface="+mn-ea"/>
                 <a:cs typeface="+mn-cs"/>
               </a:rPr>
-              <a:t>3.3</a:t>
-            </a:r>
-            <a:r>
-              <a:rPr lang="zh-CN" altLang="en-US" sz="1200" b="0" i="0" kern="1200" dirty="0" smtClean="0">
+              <a:t>分配呢？（点）本文进行了讨论。实验中在各种情况下使用网格搜索寻找最优权重配比，然后对这些最优配比进行平均（点），查看</a:t>
+            </a:r>
+            <a:r>
+              <a:rPr lang="en-US" altLang="zh-CN" sz="1200" b="0" i="0" kern="1200" dirty="0" smtClean="0">
                 <a:solidFill>
                   <a:schemeClr val="tx1"/>
                 </a:solidFill>
@@ -3339,10 +4088,10 @@
                 <a:ea typeface="+mn-ea"/>
                 <a:cs typeface="+mn-cs"/>
               </a:rPr>
-              <a:t>就是实验中各方法下参数网格搜索得到的最优配比，平均配比在最下一行。这与本文的理论分析基本相符，</a:t>
-            </a:r>
-            <a:r>
-              <a:rPr lang="en-US" altLang="zh-CN" sz="1200" b="0" i="0" kern="1200" dirty="0" err="1" smtClean="0">
+              <a:t>6</a:t>
+            </a:r>
+            <a:r>
+              <a:rPr lang="zh-CN" altLang="en-US" sz="1200" b="0" i="0" kern="1200" dirty="0" smtClean="0">
                 <a:solidFill>
                   <a:schemeClr val="tx1"/>
                 </a:solidFill>
@@ -3350,10 +4099,10 @@
                 <a:ea typeface="+mn-ea"/>
                 <a:cs typeface="+mn-cs"/>
               </a:rPr>
-              <a:t>tf-idf</a:t>
-            </a:r>
-            <a:r>
-              <a:rPr lang="zh-CN" altLang="en-US" sz="1200" b="0" i="0" kern="1200" dirty="0" smtClean="0">
+              <a:t>种相似度的重要性，发现其重要度排序基本符合之前的分析，（点）比较意外的是</a:t>
+            </a:r>
+            <a:r>
+              <a:rPr lang="en-US" altLang="zh-CN" sz="1200" b="0" i="0" kern="1200" dirty="0" smtClean="0">
                 <a:solidFill>
                   <a:schemeClr val="tx1"/>
                 </a:solidFill>
@@ -3361,10 +4110,10 @@
                 <a:ea typeface="+mn-ea"/>
                 <a:cs typeface="+mn-cs"/>
               </a:rPr>
-              <a:t>、单词</a:t>
-            </a:r>
-            <a:r>
-              <a:rPr lang="en-US" altLang="zh-CN" sz="1200" b="0" i="0" kern="1200" dirty="0" err="1" smtClean="0">
+              <a:t>hashtag</a:t>
+            </a:r>
+            <a:r>
+              <a:rPr lang="zh-CN" altLang="en-US" sz="1200" b="0" i="0" kern="1200" dirty="0" smtClean="0">
                 <a:solidFill>
                   <a:schemeClr val="tx1"/>
                 </a:solidFill>
@@ -3372,10 +4121,10 @@
                 <a:ea typeface="+mn-ea"/>
                 <a:cs typeface="+mn-cs"/>
               </a:rPr>
-              <a:t>jaccard</a:t>
-            </a:r>
-            <a:r>
-              <a:rPr lang="zh-CN" altLang="en-US" sz="1200" b="0" i="0" kern="1200" dirty="0" smtClean="0">
+              <a:t>相似度单独使用时表现不好，但在综合考虑时却获得了较高权重，这证明其辅助作用在加权相似度中非常明显。（点两下）用这个平均的配比重新进行实验，发现它比各网格搜索出的最优配比的聚类效果仅相差了</a:t>
+            </a:r>
+            <a:r>
+              <a:rPr lang="en-US" altLang="zh-CN" sz="1200" b="0" i="0" kern="1200" dirty="0" smtClean="0">
                 <a:solidFill>
                   <a:schemeClr val="tx1"/>
                 </a:solidFill>
@@ -3383,10 +4132,10 @@
                 <a:ea typeface="+mn-ea"/>
                 <a:cs typeface="+mn-cs"/>
               </a:rPr>
-              <a:t>、时间相似度的比例都很高，</a:t>
-            </a:r>
-            <a:r>
-              <a:rPr lang="en-US" altLang="zh-CN" sz="1200" b="0" i="0" kern="1200" dirty="0" smtClean="0">
+              <a:t>3%~6%</a:t>
+            </a:r>
+            <a:r>
+              <a:rPr lang="zh-CN" altLang="en-US" sz="1200" b="0" i="0" kern="1200" dirty="0" smtClean="0">
                 <a:solidFill>
                   <a:schemeClr val="tx1"/>
                 </a:solidFill>
@@ -3394,172 +4143,9 @@
                 <a:ea typeface="+mn-ea"/>
                 <a:cs typeface="+mn-cs"/>
               </a:rPr>
-              <a:t>name</a:t>
-            </a:r>
-            <a:r>
-              <a:rPr lang="en-US" altLang="zh-CN" sz="1200" b="0" i="0" kern="1200" baseline="0" dirty="0" smtClean="0">
-                <a:solidFill>
-                  <a:schemeClr val="tx1"/>
-                </a:solidFill>
-                <a:latin typeface="+mn-lt"/>
-                <a:ea typeface="+mn-ea"/>
-                <a:cs typeface="+mn-cs"/>
-              </a:rPr>
-              <a:t> entity</a:t>
-            </a:r>
-            <a:r>
-              <a:rPr lang="zh-CN" altLang="en-US" sz="1200" b="0" i="0" kern="1200" baseline="0" dirty="0" smtClean="0">
-                <a:solidFill>
-                  <a:schemeClr val="tx1"/>
-                </a:solidFill>
-                <a:latin typeface="+mn-lt"/>
-                <a:ea typeface="+mn-ea"/>
-                <a:cs typeface="+mn-cs"/>
-              </a:rPr>
-              <a:t>，用户互动相似度比例都很低，但是比较出乎意料的是单独使用时很差的</a:t>
-            </a:r>
-            <a:r>
-              <a:rPr lang="en-US" altLang="zh-CN" sz="1200" b="0" i="0" kern="1200" baseline="0" dirty="0" smtClean="0">
-                <a:solidFill>
-                  <a:schemeClr val="tx1"/>
-                </a:solidFill>
-                <a:latin typeface="+mn-lt"/>
-                <a:ea typeface="+mn-ea"/>
-                <a:cs typeface="+mn-cs"/>
-              </a:rPr>
-              <a:t>hashtag</a:t>
-            </a:r>
-            <a:r>
-              <a:rPr lang="zh-CN" altLang="en-US" sz="1200" b="0" i="0" kern="1200" baseline="0" dirty="0" smtClean="0">
-                <a:solidFill>
-                  <a:schemeClr val="tx1"/>
-                </a:solidFill>
-                <a:latin typeface="+mn-lt"/>
-                <a:ea typeface="+mn-ea"/>
-                <a:cs typeface="+mn-cs"/>
-              </a:rPr>
-              <a:t>相似度在平均相似度中却很高，而各最优配比中它的权重也不低，说明它作为辅助因素对话题聚类有很大的帮助。</a:t>
-            </a:r>
-            <a:endParaRPr lang="en-US" altLang="zh-CN" sz="1200" b="0" i="0" kern="1200" baseline="0" dirty="0" smtClean="0">
-              <a:solidFill>
-                <a:schemeClr val="tx1"/>
-              </a:solidFill>
-              <a:latin typeface="+mn-lt"/>
-              <a:ea typeface="+mn-ea"/>
-              <a:cs typeface="+mn-cs"/>
-            </a:endParaRPr>
-          </a:p>
-          <a:p>
-            <a:endParaRPr lang="en-US" altLang="zh-CN" sz="1200" b="0" i="0" kern="1200" baseline="0" dirty="0" smtClean="0">
-              <a:solidFill>
-                <a:schemeClr val="tx1"/>
-              </a:solidFill>
-              <a:latin typeface="+mn-lt"/>
-              <a:ea typeface="+mn-ea"/>
-              <a:cs typeface="+mn-cs"/>
-            </a:endParaRPr>
-          </a:p>
-          <a:p>
-            <a:r>
-              <a:rPr lang="zh-CN" altLang="en-US" sz="1200" b="0" i="0" kern="1200" baseline="0" dirty="0" smtClean="0">
-                <a:solidFill>
-                  <a:schemeClr val="tx1"/>
-                </a:solidFill>
-                <a:latin typeface="+mn-lt"/>
-                <a:ea typeface="+mn-ea"/>
-                <a:cs typeface="+mn-cs"/>
-              </a:rPr>
-              <a:t>为了证明统计平均的配比在各种情况下都不会太差，又将此配比应用于强权相似度重新再数据集</a:t>
-            </a:r>
-            <a:r>
-              <a:rPr lang="en-US" altLang="zh-CN" sz="1200" b="0" i="0" kern="1200" baseline="0" dirty="0" smtClean="0">
-                <a:solidFill>
-                  <a:schemeClr val="tx1"/>
-                </a:solidFill>
-                <a:latin typeface="+mn-lt"/>
-                <a:ea typeface="+mn-ea"/>
-                <a:cs typeface="+mn-cs"/>
-              </a:rPr>
-              <a:t>A</a:t>
-            </a:r>
-            <a:r>
-              <a:rPr lang="zh-CN" altLang="en-US" sz="1200" b="0" i="0" kern="1200" baseline="0" dirty="0" smtClean="0">
-                <a:solidFill>
-                  <a:schemeClr val="tx1"/>
-                </a:solidFill>
-                <a:latin typeface="+mn-lt"/>
-                <a:ea typeface="+mn-ea"/>
-                <a:cs typeface="+mn-cs"/>
-              </a:rPr>
-              <a:t>、</a:t>
-            </a:r>
-            <a:r>
-              <a:rPr lang="en-US" altLang="zh-CN" sz="1200" b="0" i="0" kern="1200" baseline="0" dirty="0" smtClean="0">
-                <a:solidFill>
-                  <a:schemeClr val="tx1"/>
-                </a:solidFill>
-                <a:latin typeface="+mn-lt"/>
-                <a:ea typeface="+mn-ea"/>
-                <a:cs typeface="+mn-cs"/>
-              </a:rPr>
-              <a:t>B</a:t>
-            </a:r>
-            <a:r>
-              <a:rPr lang="zh-CN" altLang="en-US" sz="1200" b="0" i="0" kern="1200" baseline="0" dirty="0" smtClean="0">
-                <a:solidFill>
-                  <a:schemeClr val="tx1"/>
-                </a:solidFill>
-                <a:latin typeface="+mn-lt"/>
-                <a:ea typeface="+mn-ea"/>
-                <a:cs typeface="+mn-cs"/>
-              </a:rPr>
-              <a:t>上做实验，右上就是结果，右下是网格搜索的最优配比的实验结果。发现平均配比确实整体不如最优配比，但相差平均在</a:t>
-            </a:r>
-            <a:r>
-              <a:rPr lang="en-US" altLang="zh-CN" sz="1200" b="0" i="0" kern="1200" baseline="0" dirty="0" smtClean="0">
-                <a:solidFill>
-                  <a:schemeClr val="tx1"/>
-                </a:solidFill>
-                <a:latin typeface="+mn-lt"/>
-                <a:ea typeface="+mn-ea"/>
-                <a:cs typeface="+mn-cs"/>
-              </a:rPr>
-              <a:t>3%</a:t>
-            </a:r>
-            <a:r>
-              <a:rPr lang="zh-CN" altLang="en-US" sz="1200" b="0" i="0" kern="1200" baseline="0" dirty="0" smtClean="0">
-                <a:solidFill>
-                  <a:schemeClr val="tx1"/>
-                </a:solidFill>
-                <a:latin typeface="+mn-lt"/>
-                <a:ea typeface="+mn-ea"/>
-                <a:cs typeface="+mn-cs"/>
-              </a:rPr>
-              <a:t>左右，最高也只有</a:t>
-            </a:r>
-            <a:r>
-              <a:rPr lang="en-US" altLang="zh-CN" sz="1200" b="0" i="0" kern="1200" baseline="0" dirty="0" smtClean="0">
-                <a:solidFill>
-                  <a:schemeClr val="tx1"/>
-                </a:solidFill>
-                <a:latin typeface="+mn-lt"/>
-                <a:ea typeface="+mn-ea"/>
-                <a:cs typeface="+mn-cs"/>
-              </a:rPr>
-              <a:t>6%</a:t>
-            </a:r>
-            <a:r>
-              <a:rPr lang="zh-CN" altLang="en-US" sz="1200" b="0" i="0" kern="1200" baseline="0" dirty="0" smtClean="0">
-                <a:solidFill>
-                  <a:schemeClr val="tx1"/>
-                </a:solidFill>
-                <a:latin typeface="+mn-lt"/>
-                <a:ea typeface="+mn-ea"/>
-                <a:cs typeface="+mn-cs"/>
-              </a:rPr>
-              <a:t>。因此平均配比一定程度来说适用于各种情况的聚类。而有时候甚至平均配比表现会比网格搜索的最优配比还好，这是因为网格搜索实际不能覆盖到所有权重配比方案，也进一步说明求出的平均配比是可用的。</a:t>
-            </a:r>
-            <a:endParaRPr lang="en-US" sz="1200" b="0" i="0" kern="1200" dirty="0" smtClean="0">
+              <a:t>，（点两下）有的情况下结果还比网格搜索的最优好，这证明了平均权重配比的合理性，可以被用于实际问题当中。</a:t>
+            </a:r>
+            <a:endParaRPr lang="en-US" altLang="zh-CN" sz="1200" b="0" i="0" kern="1200" dirty="0" smtClean="0">
               <a:solidFill>
                 <a:schemeClr val="tx1"/>
               </a:solidFill>
@@ -3660,7 +4246,7 @@
           <a:lstStyle/>
           <a:p>
             <a:r>
-              <a:rPr lang="zh-CN" altLang="en-US" sz="1200" b="0" i="0" kern="1200" dirty="0" smtClean="0">
+              <a:rPr lang="zh-CN" altLang="en-US" sz="1200" b="0" i="0" kern="1200" baseline="0" dirty="0" smtClean="0">
                 <a:solidFill>
                   <a:schemeClr val="tx1"/>
                 </a:solidFill>
@@ -3668,10 +4254,10 @@
                 <a:ea typeface="+mn-ea"/>
                 <a:cs typeface="+mn-cs"/>
               </a:rPr>
-              <a:t>原系统的问题之一，以及谣言检测实际应用面临的主要问题，就是检测出来的候选话题重复率太高，加大人工进行复核的成本。下面来看看本文的改进有没有解决这一问题。由于在聚类问题中类数</a:t>
-            </a:r>
-            <a:r>
-              <a:rPr lang="en-US" altLang="zh-CN" sz="1200" b="0" i="0" kern="1200" dirty="0" smtClean="0">
+              <a:t>（点三下）本文还用实验说明，改进方案在聚类效果最优时，能将候选消息的话题重复率降到</a:t>
+            </a:r>
+            <a:r>
+              <a:rPr lang="en-US" altLang="zh-CN" sz="1200" b="0" i="0" kern="1200" baseline="0" dirty="0" smtClean="0">
                 <a:solidFill>
                   <a:schemeClr val="tx1"/>
                 </a:solidFill>
@@ -3679,10 +4265,10 @@
                 <a:ea typeface="+mn-ea"/>
                 <a:cs typeface="+mn-cs"/>
               </a:rPr>
-              <a:t>K</a:t>
-            </a:r>
-            <a:r>
-              <a:rPr lang="zh-CN" altLang="en-US" sz="1200" b="0" i="0" kern="1200" dirty="0" smtClean="0">
+              <a:t>1.4</a:t>
+            </a:r>
+            <a:r>
+              <a:rPr lang="zh-CN" altLang="en-US" sz="1200" b="0" i="0" kern="1200" baseline="0" dirty="0" smtClean="0">
                 <a:solidFill>
                   <a:schemeClr val="tx1"/>
                 </a:solidFill>
@@ -3690,10 +4276,10 @@
                 <a:ea typeface="+mn-ea"/>
                 <a:cs typeface="+mn-cs"/>
               </a:rPr>
-              <a:t>是人为可变的值，因此本文实验取不同的</a:t>
-            </a:r>
-            <a:r>
-              <a:rPr lang="en-US" altLang="zh-CN" sz="1200" b="0" i="0" kern="1200" dirty="0" smtClean="0">
+              <a:t>到</a:t>
+            </a:r>
+            <a:r>
+              <a:rPr lang="en-US" altLang="zh-CN" sz="1200" b="0" i="0" kern="1200" baseline="0" dirty="0" smtClean="0">
                 <a:solidFill>
                   <a:schemeClr val="tx1"/>
                 </a:solidFill>
@@ -3701,10 +4287,10 @@
                 <a:ea typeface="+mn-ea"/>
                 <a:cs typeface="+mn-cs"/>
               </a:rPr>
-              <a:t>K</a:t>
-            </a:r>
-            <a:r>
-              <a:rPr lang="zh-CN" altLang="en-US" sz="1200" b="0" i="0" kern="1200" dirty="0" smtClean="0">
+              <a:t>1.8</a:t>
+            </a:r>
+            <a:r>
+              <a:rPr lang="zh-CN" altLang="en-US" sz="1200" b="0" i="0" kern="1200" baseline="0" dirty="0" smtClean="0">
                 <a:solidFill>
                   <a:schemeClr val="tx1"/>
                 </a:solidFill>
@@ -3712,10 +4298,10 @@
                 <a:ea typeface="+mn-ea"/>
                 <a:cs typeface="+mn-cs"/>
               </a:rPr>
-              <a:t>值，聚类效果最优时，新方法将话题重复率降到了多少。用的是数据集</a:t>
-            </a:r>
-            <a:r>
-              <a:rPr lang="en-US" altLang="zh-CN" sz="1200" b="0" i="0" kern="1200" dirty="0" smtClean="0">
+              <a:t>之间，与原系统的</a:t>
+            </a:r>
+            <a:r>
+              <a:rPr lang="en-US" altLang="zh-CN" sz="1200" b="0" i="0" kern="1200" baseline="0" dirty="0" smtClean="0">
                 <a:solidFill>
                   <a:schemeClr val="tx1"/>
                 </a:solidFill>
@@ -3723,10 +4309,10 @@
                 <a:ea typeface="+mn-ea"/>
                 <a:cs typeface="+mn-cs"/>
               </a:rPr>
-              <a:t>B</a:t>
-            </a:r>
-            <a:r>
-              <a:rPr lang="zh-CN" altLang="en-US" sz="1200" b="0" i="0" kern="1200" dirty="0" smtClean="0">
+              <a:t>3.2</a:t>
+            </a:r>
+            <a:r>
+              <a:rPr lang="zh-CN" altLang="en-US" sz="1200" b="0" i="0" kern="1200" baseline="0" dirty="0" smtClean="0">
                 <a:solidFill>
                   <a:schemeClr val="tx1"/>
                 </a:solidFill>
@@ -3734,10 +4320,10 @@
                 <a:ea typeface="+mn-ea"/>
                 <a:cs typeface="+mn-cs"/>
               </a:rPr>
-              <a:t>，原系统候选话题有</a:t>
-            </a:r>
-            <a:r>
-              <a:rPr lang="en-US" altLang="zh-CN" sz="1200" b="0" i="0" kern="1200" dirty="0" smtClean="0">
+              <a:t>相比足足缩减了一半，这充分说明方案对原系统第一个问题有很好的改进成效。（点）右边</a:t>
+            </a:r>
+            <a:r>
+              <a:rPr lang="zh-CN" altLang="en-US" sz="1200" b="0" i="0" kern="1200" baseline="0" dirty="0" smtClean="0">
                 <a:solidFill>
                   <a:schemeClr val="tx1"/>
                 </a:solidFill>
@@ -3745,10 +4331,10 @@
                 <a:ea typeface="+mn-ea"/>
                 <a:cs typeface="+mn-cs"/>
               </a:rPr>
-              <a:t>214</a:t>
-            </a:r>
-            <a:r>
-              <a:rPr lang="zh-CN" altLang="en-US" sz="1200" b="0" i="0" kern="1200" dirty="0" smtClean="0">
+              <a:t>的表格是一些系统实际的聚类例子</a:t>
+            </a:r>
+            <a:r>
+              <a:rPr lang="zh-CN" altLang="en-US" sz="1200" b="0" i="0" kern="1200" baseline="0" dirty="0" smtClean="0">
                 <a:solidFill>
                   <a:schemeClr val="tx1"/>
                 </a:solidFill>
@@ -3756,10 +4342,10 @@
                 <a:ea typeface="+mn-ea"/>
                 <a:cs typeface="+mn-cs"/>
               </a:rPr>
-              <a:t>个，但真实话题只有</a:t>
-            </a:r>
-            <a:r>
-              <a:rPr lang="en-US" altLang="zh-CN" sz="1200" b="0" i="0" kern="1200" dirty="0" smtClean="0">
+              <a:t>，这些消息的文本都不太相似，（点）在原系统中被分成了好多候选消息，但在新系统中都基本被正确聚类，因为它们的时间相似度高、（点两下）</a:t>
+            </a:r>
+            <a:r>
+              <a:rPr lang="en-US" altLang="zh-CN" sz="1200" b="0" i="0" kern="1200" baseline="0" dirty="0" smtClean="0">
                 <a:solidFill>
                   <a:schemeClr val="tx1"/>
                 </a:solidFill>
@@ -3767,10 +4353,10 @@
                 <a:ea typeface="+mn-ea"/>
                 <a:cs typeface="+mn-cs"/>
               </a:rPr>
-              <a:t>67</a:t>
-            </a:r>
-            <a:r>
-              <a:rPr lang="zh-CN" altLang="en-US" sz="1200" b="0" i="0" kern="1200" dirty="0" smtClean="0">
+              <a:t>hashtag</a:t>
+            </a:r>
+            <a:r>
+              <a:rPr lang="zh-CN" altLang="en-US" sz="1200" b="0" i="0" kern="1200" baseline="0" dirty="0" smtClean="0">
                 <a:solidFill>
                   <a:schemeClr val="tx1"/>
                 </a:solidFill>
@@ -3778,10 +4364,10 @@
                 <a:ea typeface="+mn-ea"/>
                 <a:cs typeface="+mn-cs"/>
               </a:rPr>
-              <a:t>个，话题重复率高达</a:t>
-            </a:r>
-            <a:r>
-              <a:rPr lang="en-US" altLang="zh-CN" sz="1200" b="0" i="0" kern="1200" dirty="0" smtClean="0">
+              <a:t>相似度高或者是</a:t>
+            </a:r>
+            <a:r>
+              <a:rPr lang="en-US" altLang="zh-CN" sz="1200" b="0" i="0" kern="1200" baseline="0" dirty="0" err="1" smtClean="0">
                 <a:solidFill>
                   <a:schemeClr val="tx1"/>
                 </a:solidFill>
@@ -3789,10 +4375,10 @@
                 <a:ea typeface="+mn-ea"/>
                 <a:cs typeface="+mn-cs"/>
               </a:rPr>
-              <a:t>3.2</a:t>
-            </a:r>
-            <a:r>
-              <a:rPr lang="zh-CN" altLang="en-US" sz="1200" b="0" i="0" kern="1200" dirty="0" smtClean="0">
+              <a:t>tf-idf</a:t>
+            </a:r>
+            <a:r>
+              <a:rPr lang="zh-CN" altLang="en-US" sz="1200" b="0" i="0" kern="1200" baseline="0" dirty="0" smtClean="0">
                 <a:solidFill>
                   <a:schemeClr val="tx1"/>
                 </a:solidFill>
@@ -3800,10 +4386,10 @@
                 <a:ea typeface="+mn-ea"/>
                 <a:cs typeface="+mn-cs"/>
               </a:rPr>
-              <a:t>，在达到最佳的聚类效果时</a:t>
-            </a:r>
-            <a:r>
-              <a:rPr lang="en-US" altLang="zh-CN" sz="1200" b="0" i="0" kern="1200" dirty="0" smtClean="0">
+              <a:t>关键词的相似度高，而加权相似度综合考虑了这些因素。以上是第</a:t>
+            </a:r>
+            <a:r>
+              <a:rPr lang="en-US" altLang="zh-CN" sz="1200" b="0" i="0" kern="1200" baseline="0" dirty="0" smtClean="0">
                 <a:solidFill>
                   <a:schemeClr val="tx1"/>
                 </a:solidFill>
@@ -3811,10 +4397,10 @@
                 <a:ea typeface="+mn-ea"/>
                 <a:cs typeface="+mn-cs"/>
               </a:rPr>
-              <a:t>NMI</a:t>
-            </a:r>
-            <a:r>
-              <a:rPr lang="zh-CN" altLang="en-US" sz="1200" b="0" i="0" kern="1200" dirty="0" smtClean="0">
+              <a:t>3</a:t>
+            </a:r>
+            <a:r>
+              <a:rPr lang="zh-CN" altLang="en-US" sz="1200" b="0" i="0" kern="1200" baseline="0" dirty="0" smtClean="0">
                 <a:solidFill>
                   <a:schemeClr val="tx1"/>
                 </a:solidFill>
@@ -3822,498 +4408,7 @@
                 <a:ea typeface="+mn-ea"/>
                 <a:cs typeface="+mn-cs"/>
               </a:rPr>
-              <a:t>一半都在</a:t>
-            </a:r>
-            <a:r>
-              <a:rPr lang="en-US" altLang="zh-CN" sz="1200" b="0" i="0" kern="1200" dirty="0" smtClean="0">
-                <a:solidFill>
-                  <a:schemeClr val="tx1"/>
-                </a:solidFill>
-                <a:latin typeface="+mn-lt"/>
-                <a:ea typeface="+mn-ea"/>
-                <a:cs typeface="+mn-cs"/>
-              </a:rPr>
-              <a:t>0.90</a:t>
-            </a:r>
-            <a:r>
-              <a:rPr lang="zh-CN" altLang="en-US" sz="1200" b="0" i="0" kern="1200" dirty="0" smtClean="0">
-                <a:solidFill>
-                  <a:schemeClr val="tx1"/>
-                </a:solidFill>
-                <a:latin typeface="+mn-lt"/>
-                <a:ea typeface="+mn-ea"/>
-                <a:cs typeface="+mn-cs"/>
-              </a:rPr>
-              <a:t>和</a:t>
-            </a:r>
-            <a:r>
-              <a:rPr lang="en-US" altLang="zh-CN" sz="1200" b="0" i="0" kern="1200" dirty="0" smtClean="0">
-                <a:solidFill>
-                  <a:schemeClr val="tx1"/>
-                </a:solidFill>
-                <a:latin typeface="+mn-lt"/>
-                <a:ea typeface="+mn-ea"/>
-                <a:cs typeface="+mn-cs"/>
-              </a:rPr>
-              <a:t>0.91</a:t>
-            </a:r>
-            <a:r>
-              <a:rPr lang="zh-CN" altLang="en-US" sz="1200" b="0" i="0" kern="1200" dirty="0" smtClean="0">
-                <a:solidFill>
-                  <a:schemeClr val="tx1"/>
-                </a:solidFill>
-                <a:latin typeface="+mn-lt"/>
-                <a:ea typeface="+mn-ea"/>
-                <a:cs typeface="+mn-cs"/>
-              </a:rPr>
-              <a:t>间，这个数值说明聚类基本合理，而此时类数</a:t>
-            </a:r>
-            <a:r>
-              <a:rPr lang="en-US" altLang="zh-CN" sz="1200" b="0" i="0" kern="1200" dirty="0" smtClean="0">
-                <a:solidFill>
-                  <a:schemeClr val="tx1"/>
-                </a:solidFill>
-                <a:latin typeface="+mn-lt"/>
-                <a:ea typeface="+mn-ea"/>
-                <a:cs typeface="+mn-cs"/>
-              </a:rPr>
-              <a:t>K</a:t>
-            </a:r>
-            <a:r>
-              <a:rPr lang="zh-CN" altLang="en-US" sz="1200" b="0" i="0" kern="1200" dirty="0" smtClean="0">
-                <a:solidFill>
-                  <a:schemeClr val="tx1"/>
-                </a:solidFill>
-                <a:latin typeface="+mn-lt"/>
-                <a:ea typeface="+mn-ea"/>
-                <a:cs typeface="+mn-cs"/>
-              </a:rPr>
-              <a:t>在</a:t>
-            </a:r>
-            <a:r>
-              <a:rPr lang="en-US" altLang="zh-CN" sz="1200" b="0" i="0" kern="1200" dirty="0" smtClean="0">
-                <a:solidFill>
-                  <a:schemeClr val="tx1"/>
-                </a:solidFill>
-                <a:latin typeface="+mn-lt"/>
-                <a:ea typeface="+mn-ea"/>
-                <a:cs typeface="+mn-cs"/>
-              </a:rPr>
-              <a:t>95</a:t>
-            </a:r>
-            <a:r>
-              <a:rPr lang="zh-CN" altLang="en-US" sz="1200" b="0" i="0" kern="1200" dirty="0" smtClean="0">
-                <a:solidFill>
-                  <a:schemeClr val="tx1"/>
-                </a:solidFill>
-                <a:latin typeface="+mn-lt"/>
-                <a:ea typeface="+mn-ea"/>
-                <a:cs typeface="+mn-cs"/>
-              </a:rPr>
-              <a:t>到</a:t>
-            </a:r>
-            <a:r>
-              <a:rPr lang="en-US" altLang="zh-CN" sz="1200" b="0" i="0" kern="1200" dirty="0" smtClean="0">
-                <a:solidFill>
-                  <a:schemeClr val="tx1"/>
-                </a:solidFill>
-                <a:latin typeface="+mn-lt"/>
-                <a:ea typeface="+mn-ea"/>
-                <a:cs typeface="+mn-cs"/>
-              </a:rPr>
-              <a:t>120</a:t>
-            </a:r>
-            <a:r>
-              <a:rPr lang="zh-CN" altLang="en-US" sz="1200" b="0" i="0" kern="1200" dirty="0" smtClean="0">
-                <a:solidFill>
-                  <a:schemeClr val="tx1"/>
-                </a:solidFill>
-                <a:latin typeface="+mn-lt"/>
-                <a:ea typeface="+mn-ea"/>
-                <a:cs typeface="+mn-cs"/>
-              </a:rPr>
-              <a:t>之间，话题的重复率在</a:t>
-            </a:r>
-            <a:r>
-              <a:rPr lang="en-US" altLang="zh-CN" sz="1200" b="0" i="0" kern="1200" dirty="0" smtClean="0">
-                <a:solidFill>
-                  <a:schemeClr val="tx1"/>
-                </a:solidFill>
-                <a:latin typeface="+mn-lt"/>
-                <a:ea typeface="+mn-ea"/>
-                <a:cs typeface="+mn-cs"/>
-              </a:rPr>
-              <a:t>1.4</a:t>
-            </a:r>
-            <a:r>
-              <a:rPr lang="zh-CN" altLang="en-US" sz="1200" b="0" i="0" kern="1200" dirty="0" smtClean="0">
-                <a:solidFill>
-                  <a:schemeClr val="tx1"/>
-                </a:solidFill>
-                <a:latin typeface="+mn-lt"/>
-                <a:ea typeface="+mn-ea"/>
-                <a:cs typeface="+mn-cs"/>
-              </a:rPr>
-              <a:t>到</a:t>
-            </a:r>
-            <a:r>
-              <a:rPr lang="en-US" altLang="zh-CN" sz="1200" b="0" i="0" kern="1200" dirty="0" smtClean="0">
-                <a:solidFill>
-                  <a:schemeClr val="tx1"/>
-                </a:solidFill>
-                <a:latin typeface="+mn-lt"/>
-                <a:ea typeface="+mn-ea"/>
-                <a:cs typeface="+mn-cs"/>
-              </a:rPr>
-              <a:t>1.8</a:t>
-            </a:r>
-            <a:r>
-              <a:rPr lang="zh-CN" altLang="en-US" sz="1200" b="0" i="0" kern="1200" dirty="0" smtClean="0">
-                <a:solidFill>
-                  <a:schemeClr val="tx1"/>
-                </a:solidFill>
-                <a:latin typeface="+mn-lt"/>
-                <a:ea typeface="+mn-ea"/>
-                <a:cs typeface="+mn-cs"/>
-              </a:rPr>
-              <a:t>之间，平均</a:t>
-            </a:r>
-            <a:r>
-              <a:rPr lang="en-US" altLang="zh-CN" sz="1200" b="0" i="0" kern="1200" dirty="0" smtClean="0">
-                <a:solidFill>
-                  <a:schemeClr val="tx1"/>
-                </a:solidFill>
-                <a:latin typeface="+mn-lt"/>
-                <a:ea typeface="+mn-ea"/>
-                <a:cs typeface="+mn-cs"/>
-              </a:rPr>
-              <a:t>1.6</a:t>
-            </a:r>
-            <a:r>
-              <a:rPr lang="zh-CN" altLang="en-US" sz="1200" b="0" i="0" kern="1200" dirty="0" smtClean="0">
-                <a:solidFill>
-                  <a:schemeClr val="tx1"/>
-                </a:solidFill>
-                <a:latin typeface="+mn-lt"/>
-                <a:ea typeface="+mn-ea"/>
-                <a:cs typeface="+mn-cs"/>
-              </a:rPr>
-              <a:t>，比起原系统的话题重复率</a:t>
-            </a:r>
-            <a:r>
-              <a:rPr lang="en-US" altLang="zh-CN" sz="1200" b="0" i="0" kern="1200" dirty="0" smtClean="0">
-                <a:solidFill>
-                  <a:schemeClr val="tx1"/>
-                </a:solidFill>
-                <a:latin typeface="+mn-lt"/>
-                <a:ea typeface="+mn-ea"/>
-                <a:cs typeface="+mn-cs"/>
-              </a:rPr>
-              <a:t>3.2</a:t>
-            </a:r>
-            <a:r>
-              <a:rPr lang="zh-CN" altLang="en-US" sz="1200" b="0" i="0" kern="1200" dirty="0" smtClean="0">
-                <a:solidFill>
-                  <a:schemeClr val="tx1"/>
-                </a:solidFill>
-                <a:latin typeface="+mn-lt"/>
-                <a:ea typeface="+mn-ea"/>
-                <a:cs typeface="+mn-cs"/>
-              </a:rPr>
-              <a:t>，降了整整一半。另外，当类数</a:t>
-            </a:r>
-            <a:r>
-              <a:rPr lang="en-US" altLang="zh-CN" sz="1200" b="0" i="0" kern="1200" dirty="0" smtClean="0">
-                <a:solidFill>
-                  <a:schemeClr val="tx1"/>
-                </a:solidFill>
-                <a:latin typeface="+mn-lt"/>
-                <a:ea typeface="+mn-ea"/>
-                <a:cs typeface="+mn-cs"/>
-              </a:rPr>
-              <a:t>K</a:t>
-            </a:r>
-            <a:r>
-              <a:rPr lang="zh-CN" altLang="en-US" sz="1200" b="0" i="0" kern="1200" dirty="0" smtClean="0">
-                <a:solidFill>
-                  <a:schemeClr val="tx1"/>
-                </a:solidFill>
-                <a:latin typeface="+mn-lt"/>
-                <a:ea typeface="+mn-ea"/>
-                <a:cs typeface="+mn-cs"/>
-              </a:rPr>
-              <a:t>设置为真实类数</a:t>
-            </a:r>
-            <a:r>
-              <a:rPr lang="en-US" altLang="zh-CN" sz="1200" b="0" i="0" kern="1200" dirty="0" smtClean="0">
-                <a:solidFill>
-                  <a:schemeClr val="tx1"/>
-                </a:solidFill>
-                <a:latin typeface="+mn-lt"/>
-                <a:ea typeface="+mn-ea"/>
-                <a:cs typeface="+mn-cs"/>
-              </a:rPr>
-              <a:t>67</a:t>
-            </a:r>
-            <a:r>
-              <a:rPr lang="zh-CN" altLang="en-US" sz="1200" b="0" i="0" kern="1200" dirty="0" smtClean="0">
-                <a:solidFill>
-                  <a:schemeClr val="tx1"/>
-                </a:solidFill>
-                <a:latin typeface="+mn-lt"/>
-                <a:ea typeface="+mn-ea"/>
-                <a:cs typeface="+mn-cs"/>
-              </a:rPr>
-              <a:t>正负</a:t>
-            </a:r>
-            <a:r>
-              <a:rPr lang="en-US" altLang="zh-CN" sz="1200" b="0" i="0" kern="1200" dirty="0" smtClean="0">
-                <a:solidFill>
-                  <a:schemeClr val="tx1"/>
-                </a:solidFill>
-                <a:latin typeface="+mn-lt"/>
-                <a:ea typeface="+mn-ea"/>
-                <a:cs typeface="+mn-cs"/>
-              </a:rPr>
-              <a:t>20</a:t>
-            </a:r>
-            <a:r>
-              <a:rPr lang="zh-CN" altLang="en-US" sz="1200" b="0" i="0" kern="1200" dirty="0" smtClean="0">
-                <a:solidFill>
-                  <a:schemeClr val="tx1"/>
-                </a:solidFill>
-                <a:latin typeface="+mn-lt"/>
-                <a:ea typeface="+mn-ea"/>
-                <a:cs typeface="+mn-cs"/>
-              </a:rPr>
-              <a:t>左右，聚类效果也</a:t>
-            </a:r>
-            <a:r>
-              <a:rPr lang="zh-CN" altLang="en-US" sz="1200" b="0" i="0" kern="1200" baseline="0" dirty="0" smtClean="0">
-                <a:solidFill>
-                  <a:schemeClr val="tx1"/>
-                </a:solidFill>
-                <a:latin typeface="+mn-lt"/>
-                <a:ea typeface="+mn-ea"/>
-                <a:cs typeface="+mn-cs"/>
-              </a:rPr>
-              <a:t>大多在</a:t>
-            </a:r>
-            <a:r>
-              <a:rPr lang="en-US" altLang="zh-CN" sz="1200" b="0" i="0" kern="1200" baseline="0" dirty="0" smtClean="0">
-                <a:solidFill>
-                  <a:schemeClr val="tx1"/>
-                </a:solidFill>
-                <a:latin typeface="+mn-lt"/>
-                <a:ea typeface="+mn-ea"/>
-                <a:cs typeface="+mn-cs"/>
-              </a:rPr>
-              <a:t>0.8</a:t>
-            </a:r>
-            <a:r>
-              <a:rPr lang="zh-CN" altLang="en-US" sz="1200" b="0" i="0" kern="1200" baseline="0" dirty="0" smtClean="0">
-                <a:solidFill>
-                  <a:schemeClr val="tx1"/>
-                </a:solidFill>
-                <a:latin typeface="+mn-lt"/>
-                <a:ea typeface="+mn-ea"/>
-                <a:cs typeface="+mn-cs"/>
-              </a:rPr>
-              <a:t>以上，说明当类数接近真实值时，新方法的聚类效果也还能保持较好。这个实验论证了新方法的聚类确实能降低原检测系统中候选话题重复率过高的问题。</a:t>
-            </a:r>
-            <a:endParaRPr lang="en-US" altLang="zh-CN" sz="1200" b="0" i="0" kern="1200" baseline="0" dirty="0" smtClean="0">
-              <a:solidFill>
-                <a:schemeClr val="tx1"/>
-              </a:solidFill>
-              <a:latin typeface="+mn-lt"/>
-              <a:ea typeface="+mn-ea"/>
-              <a:cs typeface="+mn-cs"/>
-            </a:endParaRPr>
-          </a:p>
-          <a:p>
-            <a:endParaRPr lang="en-US" altLang="zh-CN" sz="1200" b="0" i="0" kern="1200" baseline="0" dirty="0" smtClean="0">
-              <a:solidFill>
-                <a:schemeClr val="tx1"/>
-              </a:solidFill>
-              <a:latin typeface="+mn-lt"/>
-              <a:ea typeface="+mn-ea"/>
-              <a:cs typeface="+mn-cs"/>
-            </a:endParaRPr>
-          </a:p>
-          <a:p>
-            <a:r>
-              <a:rPr lang="zh-CN" altLang="en-US" sz="1200" b="0" i="0" kern="1200" baseline="0" dirty="0" smtClean="0">
-                <a:solidFill>
-                  <a:schemeClr val="tx1"/>
-                </a:solidFill>
-                <a:latin typeface="+mn-lt"/>
-                <a:ea typeface="+mn-ea"/>
-                <a:cs typeface="+mn-cs"/>
-              </a:rPr>
-              <a:t>右边的表格是一些系统实际的聚类例子，截取论文表</a:t>
-            </a:r>
-            <a:r>
-              <a:rPr lang="en-US" altLang="zh-CN" sz="1200" b="0" i="0" kern="1200" baseline="0" dirty="0" smtClean="0">
-                <a:solidFill>
-                  <a:schemeClr val="tx1"/>
-                </a:solidFill>
-                <a:latin typeface="+mn-lt"/>
-                <a:ea typeface="+mn-ea"/>
-                <a:cs typeface="+mn-cs"/>
-              </a:rPr>
-              <a:t>3.5</a:t>
-            </a:r>
-            <a:r>
-              <a:rPr lang="zh-CN" altLang="en-US" sz="1200" b="0" i="0" kern="1200" baseline="0" dirty="0" smtClean="0">
-                <a:solidFill>
-                  <a:schemeClr val="tx1"/>
-                </a:solidFill>
-                <a:latin typeface="+mn-lt"/>
-                <a:ea typeface="+mn-ea"/>
-                <a:cs typeface="+mn-cs"/>
-              </a:rPr>
-              <a:t>的一部分。看真实话题</a:t>
-            </a:r>
-            <a:r>
-              <a:rPr lang="en-US" altLang="zh-CN" sz="1200" b="0" i="0" kern="1200" baseline="0" dirty="0" smtClean="0">
-                <a:solidFill>
-                  <a:schemeClr val="tx1"/>
-                </a:solidFill>
-                <a:latin typeface="+mn-lt"/>
-                <a:ea typeface="+mn-ea"/>
-                <a:cs typeface="+mn-cs"/>
-              </a:rPr>
-              <a:t>1</a:t>
-            </a:r>
-            <a:r>
-              <a:rPr lang="zh-CN" altLang="en-US" sz="1200" b="0" i="0" kern="1200" baseline="0" dirty="0" smtClean="0">
-                <a:solidFill>
-                  <a:schemeClr val="tx1"/>
-                </a:solidFill>
-                <a:latin typeface="+mn-lt"/>
-                <a:ea typeface="+mn-ea"/>
-                <a:cs typeface="+mn-cs"/>
-              </a:rPr>
-              <a:t>，原系统中讨论这个话题的共聚类出</a:t>
-            </a:r>
-            <a:r>
-              <a:rPr lang="en-US" altLang="zh-CN" sz="1200" b="0" i="0" kern="1200" baseline="0" dirty="0" smtClean="0">
-                <a:solidFill>
-                  <a:schemeClr val="tx1"/>
-                </a:solidFill>
-                <a:latin typeface="+mn-lt"/>
-                <a:ea typeface="+mn-ea"/>
-                <a:cs typeface="+mn-cs"/>
-              </a:rPr>
-              <a:t>6</a:t>
-            </a:r>
-            <a:r>
-              <a:rPr lang="zh-CN" altLang="en-US" sz="1200" b="0" i="0" kern="1200" baseline="0" dirty="0" smtClean="0">
-                <a:solidFill>
-                  <a:schemeClr val="tx1"/>
-                </a:solidFill>
-                <a:latin typeface="+mn-lt"/>
-                <a:ea typeface="+mn-ea"/>
-                <a:cs typeface="+mn-cs"/>
-              </a:rPr>
-              <a:t>个候选消息类。新系统二次聚类后将其中</a:t>
-            </a:r>
-            <a:r>
-              <a:rPr lang="en-US" altLang="zh-CN" sz="1200" b="0" i="0" kern="1200" baseline="0" dirty="0" smtClean="0">
-                <a:solidFill>
-                  <a:schemeClr val="tx1"/>
-                </a:solidFill>
-                <a:latin typeface="+mn-lt"/>
-                <a:ea typeface="+mn-ea"/>
-                <a:cs typeface="+mn-cs"/>
-              </a:rPr>
-              <a:t>5</a:t>
-            </a:r>
-            <a:r>
-              <a:rPr lang="zh-CN" altLang="en-US" sz="1200" b="0" i="0" kern="1200" baseline="0" dirty="0" smtClean="0">
-                <a:solidFill>
-                  <a:schemeClr val="tx1"/>
-                </a:solidFill>
-                <a:latin typeface="+mn-lt"/>
-                <a:ea typeface="+mn-ea"/>
-                <a:cs typeface="+mn-cs"/>
-              </a:rPr>
-              <a:t>个都聚成一类，仅有一个漏掉的。这五个例子在文本上其实都不是很相似，但是它们都带有同样的话题标签，以及它们的发布时间都很接近，因此可以被加权相似度内核的新方法聚类在一起。而第二个话题中的三个原候选消息类，也被成功聚在一起，因为他们有共同的关键词</a:t>
-            </a:r>
-            <a:r>
-              <a:rPr lang="en-US" altLang="zh-CN" sz="1200" b="0" i="0" kern="1200" baseline="0" dirty="0" smtClean="0">
-                <a:solidFill>
-                  <a:schemeClr val="tx1"/>
-                </a:solidFill>
-                <a:latin typeface="+mn-lt"/>
-                <a:ea typeface="+mn-ea"/>
-                <a:cs typeface="+mn-cs"/>
-              </a:rPr>
-              <a:t>Trenton</a:t>
-            </a:r>
-            <a:r>
-              <a:rPr lang="zh-CN" altLang="en-US" sz="1200" b="0" i="0" kern="1200" baseline="0" dirty="0" smtClean="0">
-                <a:solidFill>
-                  <a:schemeClr val="tx1"/>
-                </a:solidFill>
-                <a:latin typeface="+mn-lt"/>
-                <a:ea typeface="+mn-ea"/>
-                <a:cs typeface="+mn-cs"/>
-              </a:rPr>
-              <a:t>，以</a:t>
-            </a:r>
-            <a:r>
-              <a:rPr lang="en-US" altLang="zh-CN" sz="1200" b="0" i="0" kern="1200" baseline="0" dirty="0" err="1" smtClean="0">
-                <a:solidFill>
-                  <a:schemeClr val="tx1"/>
-                </a:solidFill>
-                <a:latin typeface="+mn-lt"/>
-                <a:ea typeface="+mn-ea"/>
-                <a:cs typeface="+mn-cs"/>
-              </a:rPr>
-              <a:t>tf-idf</a:t>
-            </a:r>
-            <a:r>
-              <a:rPr lang="zh-CN" altLang="en-US" sz="1200" b="0" i="0" kern="1200" baseline="0" dirty="0" smtClean="0">
-                <a:solidFill>
-                  <a:schemeClr val="tx1"/>
-                </a:solidFill>
-                <a:latin typeface="+mn-lt"/>
-                <a:ea typeface="+mn-ea"/>
-                <a:cs typeface="+mn-cs"/>
-              </a:rPr>
-              <a:t>的权重为主导的加权相似度对这样的消息聚类效果非常好。</a:t>
-            </a:r>
-            <a:endParaRPr lang="en-US" altLang="zh-CN" sz="1200" b="0" i="0" kern="1200" baseline="0" dirty="0" smtClean="0">
-              <a:solidFill>
-                <a:schemeClr val="tx1"/>
-              </a:solidFill>
-              <a:latin typeface="+mn-lt"/>
-              <a:ea typeface="+mn-ea"/>
-              <a:cs typeface="+mn-cs"/>
-            </a:endParaRPr>
-          </a:p>
-          <a:p>
-            <a:endParaRPr lang="en-US" altLang="zh-CN" sz="1200" b="0" i="0" kern="1200" baseline="0" dirty="0" smtClean="0">
-              <a:solidFill>
-                <a:schemeClr val="tx1"/>
-              </a:solidFill>
-              <a:latin typeface="+mn-lt"/>
-              <a:ea typeface="+mn-ea"/>
-              <a:cs typeface="+mn-cs"/>
-            </a:endParaRPr>
-          </a:p>
-          <a:p>
-            <a:r>
-              <a:rPr lang="zh-CN" altLang="en-US" sz="1200" b="0" i="0" kern="1200" baseline="0" dirty="0" smtClean="0">
-                <a:solidFill>
-                  <a:schemeClr val="tx1"/>
-                </a:solidFill>
-                <a:latin typeface="+mn-lt"/>
-                <a:ea typeface="+mn-ea"/>
-                <a:cs typeface="+mn-cs"/>
-              </a:rPr>
-              <a:t>以上实验说明，本文做的改进对降低原系统候选消息的话题重复率有明显的作用。</a:t>
+              <a:t>章的全部内容。</a:t>
             </a:r>
             <a:endParaRPr lang="en-US" sz="1200" b="0" i="0" kern="1200" dirty="0" smtClean="0">
               <a:solidFill>
@@ -4503,7 +4598,7 @@
             <a:fld id="{FB381CC7-0F0E-4BC7-B064-04D2EEE77EBA}" type="datetime1">
               <a:rPr lang="zh-CN" altLang="en-US" smtClean="0"/>
               <a:pPr/>
-              <a:t>2016/6/9</a:t>
+              <a:t>2016/6/11</a:t>
             </a:fld>
             <a:endParaRPr lang="zh-CN" altLang="en-US"/>
           </a:p>
@@ -4729,7 +4824,7 @@
             <a:fld id="{9923F6A9-EEFB-4510-9FB9-B809668B341F}" type="datetime1">
               <a:rPr lang="zh-CN" altLang="en-US" smtClean="0"/>
               <a:pPr/>
-              <a:t>2016/6/9</a:t>
+              <a:t>2016/6/11</a:t>
             </a:fld>
             <a:endParaRPr lang="zh-CN" altLang="en-US"/>
           </a:p>
@@ -4965,7 +5060,7 @@
             <a:fld id="{630B2A0F-63F4-4262-B091-25FD76C43D69}" type="datetime1">
               <a:rPr lang="zh-CN" altLang="en-US" smtClean="0"/>
               <a:pPr/>
-              <a:t>2016/6/9</a:t>
+              <a:t>2016/6/11</a:t>
             </a:fld>
             <a:endParaRPr lang="zh-CN" altLang="en-US"/>
           </a:p>
@@ -5215,7 +5310,7 @@
             <a:fld id="{6658A3A6-ED94-437B-A235-D1ECAB7C8E73}" type="datetime1">
               <a:rPr lang="zh-CN" altLang="en-US" smtClean="0"/>
               <a:pPr/>
-              <a:t>2016/6/9</a:t>
+              <a:t>2016/6/11</a:t>
             </a:fld>
             <a:endParaRPr lang="zh-CN" altLang="en-US"/>
           </a:p>
@@ -5380,7 +5475,7 @@
             <a:fld id="{E65CD7B5-33DB-4742-832E-8E12AEA5BBBD}" type="datetime1">
               <a:rPr lang="zh-CN" altLang="en-US" smtClean="0"/>
               <a:pPr/>
-              <a:t>2016/6/9</a:t>
+              <a:t>2016/6/11</a:t>
             </a:fld>
             <a:endParaRPr lang="zh-CN" altLang="en-US"/>
           </a:p>
@@ -5673,7 +5768,7 @@
             <a:fld id="{8B639136-2340-4A6B-AB5F-7E819C3A11E4}" type="datetime1">
               <a:rPr lang="zh-CN" altLang="en-US" smtClean="0"/>
               <a:pPr/>
-              <a:t>2016/6/9</a:t>
+              <a:t>2016/6/11</a:t>
             </a:fld>
             <a:endParaRPr lang="zh-CN" altLang="en-US"/>
           </a:p>
@@ -5952,7 +6047,7 @@
             <a:fld id="{BBEEC0BF-188B-4F85-AF59-8987DE33B2AB}" type="datetime1">
               <a:rPr lang="zh-CN" altLang="en-US" smtClean="0"/>
               <a:pPr/>
-              <a:t>2016/6/9</a:t>
+              <a:t>2016/6/11</a:t>
             </a:fld>
             <a:endParaRPr lang="zh-CN" altLang="en-US"/>
           </a:p>
@@ -6366,7 +6461,7 @@
             <a:fld id="{372ABBE7-9B59-47AA-ADF5-CF6B42D6DB18}" type="datetime1">
               <a:rPr lang="zh-CN" altLang="en-US" smtClean="0"/>
               <a:pPr/>
-              <a:t>2016/6/9</a:t>
+              <a:t>2016/6/11</a:t>
             </a:fld>
             <a:endParaRPr lang="zh-CN" altLang="en-US"/>
           </a:p>
@@ -6531,7 +6626,7 @@
             <a:fld id="{BF394E39-C531-4410-9C1A-62C19B48A411}" type="datetime1">
               <a:rPr lang="zh-CN" altLang="en-US" smtClean="0"/>
               <a:pPr/>
-              <a:t>2016/6/9</a:t>
+              <a:t>2016/6/11</a:t>
             </a:fld>
             <a:endParaRPr lang="zh-CN" altLang="en-US"/>
           </a:p>
@@ -6864,7 +6959,7 @@
             <a:fld id="{B5569CD0-B630-483C-B3CD-0022FDF35087}" type="datetime1">
               <a:rPr lang="zh-CN" altLang="en-US" smtClean="0"/>
               <a:pPr/>
-              <a:t>2016/6/9</a:t>
+              <a:t>2016/6/11</a:t>
             </a:fld>
             <a:endParaRPr lang="zh-CN" altLang="en-US"/>
           </a:p>
@@ -7177,7 +7272,7 @@
             <a:fld id="{F527CC16-68ED-4100-B3FF-8055CEC3CB97}" type="datetime1">
               <a:rPr lang="zh-CN" altLang="en-US" smtClean="0"/>
               <a:pPr/>
-              <a:t>2016/6/9</a:t>
+              <a:t>2016/6/11</a:t>
             </a:fld>
             <a:endParaRPr lang="zh-CN" altLang="en-US"/>
           </a:p>
@@ -7446,7 +7541,7 @@
             <a:fld id="{99CCFBA0-5906-43C9-8036-5ACB8D6DCDAD}" type="datetime1">
               <a:rPr lang="zh-CN" altLang="en-US" smtClean="0"/>
               <a:pPr/>
-              <a:t>2016/6/9</a:t>
+              <a:t>2016/6/11</a:t>
             </a:fld>
             <a:endParaRPr lang="zh-CN" altLang="en-US"/>
           </a:p>
@@ -7927,8 +8022,22 @@
           <a:lstStyle/>
           <a:p>
             <a:r>
+              <a:rPr lang="zh-CN" altLang="en-US" sz="3200" dirty="0" smtClean="0"/>
+              <a:t>指导老师：刘世霞老师</a:t>
+            </a:r>
+            <a:endParaRPr lang="en-US" altLang="zh-CN" sz="3200" dirty="0" smtClean="0"/>
+          </a:p>
+          <a:p>
+            <a:endParaRPr lang="en-US" altLang="zh-CN" sz="2800" dirty="0" smtClean="0"/>
+          </a:p>
+          <a:p>
+            <a:r>
               <a:rPr lang="zh-CN" altLang="en-US" sz="2800" dirty="0" smtClean="0"/>
-              <a:t>钟仰新</a:t>
+              <a:t>钟</a:t>
+            </a:r>
+            <a:r>
+              <a:rPr lang="zh-CN" altLang="en-US" sz="2800" dirty="0" smtClean="0"/>
+              <a:t>仰新</a:t>
             </a:r>
             <a:r>
               <a:rPr lang="en-US" altLang="zh-CN" sz="2800" dirty="0" smtClean="0"/>
@@ -10341,17 +10450,7 @@
                 <a:latin typeface="黑体" pitchFamily="49" charset="-122"/>
                 <a:ea typeface="黑体" pitchFamily="49" charset="-122"/>
               </a:rPr>
-              <a:t> </a:t>
-            </a:r>
-            <a:r>
-              <a:rPr lang="en-US" altLang="zh-CN" sz="2800" dirty="0" smtClean="0">
-                <a:solidFill>
-                  <a:prstClr val="black"/>
-                </a:solidFill>
-                <a:latin typeface="黑体" pitchFamily="49" charset="-122"/>
-                <a:ea typeface="黑体" pitchFamily="49" charset="-122"/>
-              </a:rPr>
-              <a:t>5.4 </a:t>
+              <a:t> 5.4 </a:t>
             </a:r>
             <a:r>
               <a:rPr lang="zh-CN" altLang="en-US" sz="2800" dirty="0">
@@ -10927,6 +11026,54 @@
           <a:ln w="28575">
             <a:solidFill>
               <a:srgbClr val="FF0000"/>
+            </a:solidFill>
+          </a:ln>
+        </p:spPr>
+        <p:style>
+          <a:lnRef idx="2">
+            <a:schemeClr val="accent1">
+              <a:shade val="50000"/>
+            </a:schemeClr>
+          </a:lnRef>
+          <a:fillRef idx="1">
+            <a:schemeClr val="accent1"/>
+          </a:fillRef>
+          <a:effectRef idx="0">
+            <a:schemeClr val="accent1"/>
+          </a:effectRef>
+          <a:fontRef idx="minor">
+            <a:schemeClr val="lt1"/>
+          </a:fontRef>
+        </p:style>
+        <p:txBody>
+          <a:bodyPr rtlCol="0" anchor="ctr"/>
+          <a:lstStyle/>
+          <a:p>
+            <a:pPr algn="ctr"/>
+            <a:endParaRPr lang="zh-CN" altLang="en-US"/>
+          </a:p>
+        </p:txBody>
+      </p:sp>
+      <p:sp>
+        <p:nvSpPr>
+          <p:cNvPr id="14" name="椭圆 13"/>
+          <p:cNvSpPr/>
+          <p:nvPr/>
+        </p:nvSpPr>
+        <p:spPr>
+          <a:xfrm>
+            <a:off x="9183010" y="5642230"/>
+            <a:ext cx="1032515" cy="292920"/>
+          </a:xfrm>
+          <a:prstGeom prst="ellipse">
+            <a:avLst/>
+          </a:prstGeom>
+          <a:noFill/>
+          <a:ln w="38100">
+            <a:solidFill>
+              <a:schemeClr val="accent2">
+                <a:lumMod val="50000"/>
+              </a:schemeClr>
             </a:solidFill>
           </a:ln>
         </p:spPr>
@@ -11483,7 +11630,7 @@
                                           </p:stCondLst>
                                         </p:cTn>
                                         <p:tgtEl>
-                                          <p:spTgt spid="13"/>
+                                          <p:spTgt spid="14"/>
                                         </p:tgtEl>
                                         <p:attrNameLst>
                                           <p:attrName>style.visibility</p:attrName>
@@ -11497,6 +11644,59 @@
                                       <p:cBhvr>
                                         <p:cTn id="48" dur="500"/>
                                         <p:tgtEl>
+                                          <p:spTgt spid="14"/>
+                                        </p:tgtEl>
+                                      </p:cBhvr>
+                                    </p:animEffect>
+                                  </p:childTnLst>
+                                </p:cTn>
+                              </p:par>
+                            </p:childTnLst>
+                          </p:cTn>
+                        </p:par>
+                      </p:childTnLst>
+                    </p:cTn>
+                  </p:par>
+                  <p:par>
+                    <p:cTn id="49" fill="hold">
+                      <p:stCondLst>
+                        <p:cond delay="indefinite"/>
+                      </p:stCondLst>
+                      <p:childTnLst>
+                        <p:par>
+                          <p:cTn id="50" fill="hold">
+                            <p:stCondLst>
+                              <p:cond delay="0"/>
+                            </p:stCondLst>
+                            <p:childTnLst>
+                              <p:par>
+                                <p:cTn id="51" presetID="10" presetClass="entr" presetSubtype="0" fill="hold" grpId="0" nodeType="clickEffect">
+                                  <p:stCondLst>
+                                    <p:cond delay="0"/>
+                                  </p:stCondLst>
+                                  <p:childTnLst>
+                                    <p:set>
+                                      <p:cBhvr>
+                                        <p:cTn id="52" dur="1" fill="hold">
+                                          <p:stCondLst>
+                                            <p:cond delay="0"/>
+                                          </p:stCondLst>
+                                        </p:cTn>
+                                        <p:tgtEl>
+                                          <p:spTgt spid="13"/>
+                                        </p:tgtEl>
+                                        <p:attrNameLst>
+                                          <p:attrName>style.visibility</p:attrName>
+                                        </p:attrNameLst>
+                                      </p:cBhvr>
+                                      <p:to>
+                                        <p:strVal val="visible"/>
+                                      </p:to>
+                                    </p:set>
+                                    <p:animEffect transition="in" filter="fade">
+                                      <p:cBhvr>
+                                        <p:cTn id="53" dur="500"/>
+                                        <p:tgtEl>
                                           <p:spTgt spid="13"/>
                                         </p:tgtEl>
                                       </p:cBhvr>
@@ -11505,14 +11705,14 @@
                                 </p:cTn>
                               </p:par>
                               <p:par>
-                                <p:cTn id="49" presetID="10" presetClass="entr" presetSubtype="0" fill="hold" grpId="0" nodeType="withEffect">
+                                <p:cTn id="54" presetID="10" presetClass="entr" presetSubtype="0" fill="hold" grpId="0" nodeType="withEffect">
                                   <p:stCondLst>
                                     <p:cond delay="0"/>
                                   </p:stCondLst>
                                   <p:childTnLst>
                                     <p:set>
                                       <p:cBhvr>
-                                        <p:cTn id="50" dur="1" fill="hold">
+                                        <p:cTn id="55" dur="1" fill="hold">
                                           <p:stCondLst>
                                             <p:cond delay="0"/>
                                           </p:stCondLst>
@@ -11530,7 +11730,7 @@
                                     </p:set>
                                     <p:animEffect transition="in" filter="fade">
                                       <p:cBhvr>
-                                        <p:cTn id="51" dur="500"/>
+                                        <p:cTn id="56" dur="500"/>
                                         <p:tgtEl>
                                           <p:spTgt spid="15"/>
                                         </p:tgtEl>
@@ -11573,6 +11773,7 @@
       <p:bldP spid="12" grpId="0" animBg="1"/>
       <p:bldP spid="13" grpId="0" animBg="1"/>
       <p:bldP spid="15" grpId="0" animBg="1"/>
+      <p:bldP spid="14" grpId="0" animBg="1"/>
     </p:bldLst>
   </p:timing>
 </p:sld>
@@ -11635,17 +11836,7 @@
                 <a:latin typeface="黑体" pitchFamily="49" charset="-122"/>
                 <a:ea typeface="黑体" pitchFamily="49" charset="-122"/>
               </a:rPr>
-              <a:t> </a:t>
-            </a:r>
-            <a:r>
-              <a:rPr lang="en-US" altLang="zh-CN" sz="2800" dirty="0" smtClean="0">
-                <a:solidFill>
-                  <a:prstClr val="black"/>
-                </a:solidFill>
-                <a:latin typeface="黑体" pitchFamily="49" charset="-122"/>
-                <a:ea typeface="黑体" pitchFamily="49" charset="-122"/>
-              </a:rPr>
-              <a:t>5.4 </a:t>
+              <a:t> 5.4 </a:t>
             </a:r>
             <a:r>
               <a:rPr lang="zh-CN" altLang="en-US" sz="2800" dirty="0">
@@ -12538,7 +12729,7 @@
                                         <p:tgtEl>
                                           <p:spTgt spid="21">
                                             <p:txEl>
-                                              <p:pRg st="0" end="0"/>
+                                              <p:pRg st="1" end="1"/>
                                             </p:txEl>
                                           </p:spTgt>
                                         </p:tgtEl>
@@ -12556,7 +12747,7 @@
                                         <p:tgtEl>
                                           <p:spTgt spid="21">
                                             <p:txEl>
-                                              <p:pRg st="0" end="0"/>
+                                              <p:pRg st="1" end="1"/>
                                             </p:txEl>
                                           </p:spTgt>
                                         </p:tgtEl>
@@ -12599,7 +12790,7 @@
                                         <p:tgtEl>
                                           <p:spTgt spid="21">
                                             <p:txEl>
-                                              <p:pRg st="1" end="1"/>
+                                              <p:pRg st="2" end="2"/>
                                             </p:txEl>
                                           </p:spTgt>
                                         </p:tgtEl>
@@ -12617,7 +12808,7 @@
                                         <p:tgtEl>
                                           <p:spTgt spid="21">
                                             <p:txEl>
-                                              <p:pRg st="1" end="1"/>
+                                              <p:pRg st="2" end="2"/>
                                             </p:txEl>
                                           </p:spTgt>
                                         </p:tgtEl>
@@ -12660,7 +12851,7 @@
                                         <p:tgtEl>
                                           <p:spTgt spid="21">
                                             <p:txEl>
-                                              <p:pRg st="2" end="2"/>
+                                              <p:pRg st="3" end="3"/>
                                             </p:txEl>
                                           </p:spTgt>
                                         </p:tgtEl>
@@ -12678,7 +12869,7 @@
                                         <p:tgtEl>
                                           <p:spTgt spid="21">
                                             <p:txEl>
-                                              <p:pRg st="2" end="2"/>
+                                              <p:pRg st="3" end="3"/>
                                             </p:txEl>
                                           </p:spTgt>
                                         </p:tgtEl>
@@ -12719,11 +12910,7 @@
                                           </p:stCondLst>
                                         </p:cTn>
                                         <p:tgtEl>
-                                          <p:spTgt spid="21">
-                                            <p:txEl>
-                                              <p:pRg st="3" end="3"/>
-                                            </p:txEl>
-                                          </p:spTgt>
+                                          <p:spTgt spid="2"/>
                                         </p:tgtEl>
                                         <p:attrNameLst>
                                           <p:attrName>style.visibility</p:attrName>
@@ -12737,11 +12924,7 @@
                                       <p:cBhvr>
                                         <p:cTn id="22" dur="500"/>
                                         <p:tgtEl>
-                                          <p:spTgt spid="21">
-                                            <p:txEl>
-                                              <p:pRg st="3" end="3"/>
-                                            </p:txEl>
-                                          </p:spTgt>
+                                          <p:spTgt spid="2"/>
                                         </p:tgtEl>
                                       </p:cBhvr>
                                     </p:animEffect>
@@ -12767,7 +12950,7 @@
                             </p:stCondLst>
                             <p:childTnLst>
                               <p:par>
-                                <p:cTn id="25" presetID="10" presetClass="entr" presetSubtype="0" fill="hold" nodeType="clickEffect">
+                                <p:cTn id="25" presetID="10" presetClass="entr" presetSubtype="0" fill="hold" grpId="0" nodeType="clickEffect">
                                   <p:stCondLst>
                                     <p:cond delay="0"/>
                                   </p:stCondLst>
@@ -12775,59 +12958,6 @@
                                     <p:set>
                                       <p:cBhvr>
                                         <p:cTn id="26" dur="1" fill="hold">
-                                          <p:stCondLst>
-                                            <p:cond delay="0"/>
-                                          </p:stCondLst>
-                                        </p:cTn>
-                                        <p:tgtEl>
-                                          <p:spTgt spid="2"/>
-                                        </p:tgtEl>
-                                        <p:attrNameLst>
-                                          <p:attrName>style.visibility</p:attrName>
-                                        </p:attrNameLst>
-                                      </p:cBhvr>
-                                      <p:to>
-                                        <p:strVal val="visible"/>
-                                      </p:to>
-                                    </p:set>
-                                    <p:animEffect transition="in" filter="fade">
-                                      <p:cBhvr>
-                                        <p:cTn id="27" dur="500"/>
-                                        <p:tgtEl>
-                                          <p:spTgt spid="2"/>
-                                        </p:tgtEl>
-                                      </p:cBhvr>
-                                    </p:animEffect>
-                                  </p:childTnLst>
-                                </p:cTn>
-                              </p:par>
-                            </p:childTnLst>
-                          </p:cTn>
-                        </p:par>
-                      </p:childTnLst>
-                    </p:cTn>
-                  </p:par>
-                  <p:par>
-                    <p:cTn id="28" fill="hold">
-                      <p:stCondLst>
-                        <p:cond delay="indefinite"/>
-                      </p:stCondLst>
-                      <p:childTnLst>
-                        <p:par>
-                          <p:cTn id="29" fill="hold">
-                            <p:stCondLst>
-                              <p:cond delay="0"/>
-                            </p:stCondLst>
-                            <p:childTnLst>
-                              <p:par>
-                                <p:cTn id="30" presetID="10" presetClass="entr" presetSubtype="0" fill="hold" grpId="0" nodeType="clickEffect">
-                                  <p:stCondLst>
-                                    <p:cond delay="0"/>
-                                  </p:stCondLst>
-                                  <p:childTnLst>
-                                    <p:set>
-                                      <p:cBhvr>
-                                        <p:cTn id="31" dur="1" fill="hold">
                                           <p:stCondLst>
                                             <p:cond delay="0"/>
                                           </p:stCondLst>
@@ -12845,7 +12975,7 @@
                                     </p:set>
                                     <p:animEffect transition="in" filter="fade">
                                       <p:cBhvr>
-                                        <p:cTn id="32" dur="500"/>
+                                        <p:cTn id="27" dur="500"/>
                                         <p:tgtEl>
                                           <p:spTgt spid="14"/>
                                         </p:tgtEl>
@@ -12855,14 +12985,14 @@
                                 </p:cTn>
                               </p:par>
                               <p:par>
-                                <p:cTn id="33" presetID="10" presetClass="entr" presetSubtype="0" fill="hold" grpId="0" nodeType="withEffect">
+                                <p:cTn id="28" presetID="10" presetClass="entr" presetSubtype="0" fill="hold" grpId="0" nodeType="withEffect">
                                   <p:stCondLst>
                                     <p:cond delay="0"/>
                                   </p:stCondLst>
                                   <p:childTnLst>
                                     <p:set>
                                       <p:cBhvr>
-                                        <p:cTn id="34" dur="1" fill="hold">
+                                        <p:cTn id="29" dur="1" fill="hold">
                                           <p:stCondLst>
                                             <p:cond delay="0"/>
                                           </p:stCondLst>
@@ -12880,7 +13010,7 @@
                                     </p:set>
                                     <p:animEffect transition="in" filter="fade">
                                       <p:cBhvr>
-                                        <p:cTn id="35" dur="500"/>
+                                        <p:cTn id="30" dur="500"/>
                                         <p:tgtEl>
                                           <p:spTgt spid="16"/>
                                         </p:tgtEl>
@@ -12896,26 +13026,26 @@
                     </p:cTn>
                   </p:par>
                   <p:par>
-                    <p:cTn id="36" fill="hold">
+                    <p:cTn id="31" fill="hold">
                       <p:stCondLst>
                         <p:cond delay="indefinite"/>
                       </p:stCondLst>
                       <p:childTnLst>
                         <p:par>
-                          <p:cTn id="37" fill="hold">
+                          <p:cTn id="32" fill="hold">
                             <p:stCondLst>
                               <p:cond delay="0"/>
                             </p:stCondLst>
                             <p:childTnLst>
                               <p:par>
-                                <p:cTn id="38" presetID="10" presetClass="entr" presetSubtype="0" fill="hold" grpId="0" nodeType="clickEffect">
+                                <p:cTn id="33" presetID="10" presetClass="entr" presetSubtype="0" fill="hold" grpId="0" nodeType="clickEffect">
                                   <p:stCondLst>
                                     <p:cond delay="0"/>
                                   </p:stCondLst>
                                   <p:childTnLst>
                                     <p:set>
                                       <p:cBhvr>
-                                        <p:cTn id="39" dur="1" fill="hold">
+                                        <p:cTn id="34" dur="1" fill="hold">
                                           <p:stCondLst>
                                             <p:cond delay="0"/>
                                           </p:stCondLst>
@@ -12933,7 +13063,7 @@
                                     </p:set>
                                     <p:animEffect transition="in" filter="fade">
                                       <p:cBhvr>
-                                        <p:cTn id="40" dur="500"/>
+                                        <p:cTn id="35" dur="500"/>
                                         <p:tgtEl>
                                           <p:spTgt spid="17"/>
                                         </p:tgtEl>
@@ -12943,14 +13073,14 @@
                                 </p:cTn>
                               </p:par>
                               <p:par>
-                                <p:cTn id="41" presetID="10" presetClass="entr" presetSubtype="0" fill="hold" grpId="0" nodeType="withEffect">
+                                <p:cTn id="36" presetID="10" presetClass="entr" presetSubtype="0" fill="hold" grpId="0" nodeType="withEffect">
                                   <p:stCondLst>
                                     <p:cond delay="0"/>
                                   </p:stCondLst>
                                   <p:childTnLst>
                                     <p:set>
                                       <p:cBhvr>
-                                        <p:cTn id="42" dur="1" fill="hold">
+                                        <p:cTn id="37" dur="1" fill="hold">
                                           <p:stCondLst>
                                             <p:cond delay="0"/>
                                           </p:stCondLst>
@@ -12968,7 +13098,7 @@
                                     </p:set>
                                     <p:animEffect transition="in" filter="fade">
                                       <p:cBhvr>
-                                        <p:cTn id="43" dur="500"/>
+                                        <p:cTn id="38" dur="500"/>
                                         <p:tgtEl>
                                           <p:spTgt spid="18"/>
                                         </p:tgtEl>
@@ -12984,26 +13114,26 @@
                     </p:cTn>
                   </p:par>
                   <p:par>
-                    <p:cTn id="44" fill="hold">
+                    <p:cTn id="39" fill="hold">
                       <p:stCondLst>
                         <p:cond delay="indefinite"/>
                       </p:stCondLst>
                       <p:childTnLst>
                         <p:par>
-                          <p:cTn id="45" fill="hold">
+                          <p:cTn id="40" fill="hold">
                             <p:stCondLst>
                               <p:cond delay="0"/>
                             </p:stCondLst>
                             <p:childTnLst>
                               <p:par>
-                                <p:cTn id="46" presetID="10" presetClass="entr" presetSubtype="0" fill="hold" grpId="0" nodeType="clickEffect">
+                                <p:cTn id="41" presetID="10" presetClass="entr" presetSubtype="0" fill="hold" grpId="0" nodeType="clickEffect">
                                   <p:stCondLst>
                                     <p:cond delay="0"/>
                                   </p:stCondLst>
                                   <p:childTnLst>
                                     <p:set>
                                       <p:cBhvr>
-                                        <p:cTn id="47" dur="1" fill="hold">
+                                        <p:cTn id="42" dur="1" fill="hold">
                                           <p:stCondLst>
                                             <p:cond delay="0"/>
                                           </p:stCondLst>
@@ -13021,7 +13151,7 @@
                                     </p:set>
                                     <p:animEffect transition="in" filter="fade">
                                       <p:cBhvr>
-                                        <p:cTn id="48" dur="500"/>
+                                        <p:cTn id="43" dur="500"/>
                                         <p:tgtEl>
                                           <p:spTgt spid="19"/>
                                         </p:tgtEl>
@@ -13031,14 +13161,14 @@
                                 </p:cTn>
                               </p:par>
                               <p:par>
-                                <p:cTn id="49" presetID="10" presetClass="entr" presetSubtype="0" fill="hold" grpId="0" nodeType="withEffect">
+                                <p:cTn id="44" presetID="10" presetClass="entr" presetSubtype="0" fill="hold" grpId="0" nodeType="withEffect">
                                   <p:stCondLst>
                                     <p:cond delay="0"/>
                                   </p:stCondLst>
                                   <p:childTnLst>
                                     <p:set>
                                       <p:cBhvr>
-                                        <p:cTn id="50" dur="1" fill="hold">
+                                        <p:cTn id="45" dur="1" fill="hold">
                                           <p:stCondLst>
                                             <p:cond delay="0"/>
                                           </p:stCondLst>
@@ -13056,7 +13186,7 @@
                                     </p:set>
                                     <p:animEffect transition="in" filter="fade">
                                       <p:cBhvr>
-                                        <p:cTn id="51" dur="500"/>
+                                        <p:cTn id="46" dur="500"/>
                                         <p:tgtEl>
                                           <p:spTgt spid="20"/>
                                         </p:tgtEl>
@@ -13072,26 +13202,26 @@
                     </p:cTn>
                   </p:par>
                   <p:par>
-                    <p:cTn id="52" fill="hold">
+                    <p:cTn id="47" fill="hold">
                       <p:stCondLst>
                         <p:cond delay="indefinite"/>
                       </p:stCondLst>
                       <p:childTnLst>
                         <p:par>
-                          <p:cTn id="53" fill="hold">
+                          <p:cTn id="48" fill="hold">
                             <p:stCondLst>
                               <p:cond delay="0"/>
                             </p:stCondLst>
                             <p:childTnLst>
                               <p:par>
-                                <p:cTn id="54" presetID="10" presetClass="entr" presetSubtype="0" fill="hold" grpId="0" nodeType="clickEffect">
+                                <p:cTn id="49" presetID="10" presetClass="entr" presetSubtype="0" fill="hold" grpId="0" nodeType="clickEffect">
                                   <p:stCondLst>
                                     <p:cond delay="0"/>
                                   </p:stCondLst>
                                   <p:childTnLst>
                                     <p:set>
                                       <p:cBhvr>
-                                        <p:cTn id="55" dur="1" fill="hold">
+                                        <p:cTn id="50" dur="1" fill="hold">
                                           <p:stCondLst>
                                             <p:cond delay="0"/>
                                           </p:stCondLst>
@@ -13109,7 +13239,7 @@
                                     </p:set>
                                     <p:animEffect transition="in" filter="fade">
                                       <p:cBhvr>
-                                        <p:cTn id="56" dur="500"/>
+                                        <p:cTn id="51" dur="500"/>
                                         <p:tgtEl>
                                           <p:spTgt spid="3"/>
                                         </p:tgtEl>
@@ -13119,14 +13249,14 @@
                                 </p:cTn>
                               </p:par>
                               <p:par>
-                                <p:cTn id="57" presetID="10" presetClass="entr" presetSubtype="0" fill="hold" grpId="0" nodeType="withEffect">
+                                <p:cTn id="52" presetID="10" presetClass="entr" presetSubtype="0" fill="hold" grpId="0" nodeType="withEffect">
                                   <p:stCondLst>
                                     <p:cond delay="0"/>
                                   </p:stCondLst>
                                   <p:childTnLst>
                                     <p:set>
                                       <p:cBhvr>
-                                        <p:cTn id="58" dur="1" fill="hold">
+                                        <p:cTn id="53" dur="1" fill="hold">
                                           <p:stCondLst>
                                             <p:cond delay="0"/>
                                           </p:stCondLst>
@@ -13144,7 +13274,7 @@
                                     </p:set>
                                     <p:animEffect transition="in" filter="fade">
                                       <p:cBhvr>
-                                        <p:cTn id="59" dur="500"/>
+                                        <p:cTn id="54" dur="500"/>
                                         <p:tgtEl>
                                           <p:spTgt spid="22"/>
                                         </p:tgtEl>
@@ -13154,14 +13284,14 @@
                                 </p:cTn>
                               </p:par>
                               <p:par>
-                                <p:cTn id="60" presetID="10" presetClass="entr" presetSubtype="0" fill="hold" grpId="0" nodeType="withEffect">
+                                <p:cTn id="55" presetID="10" presetClass="entr" presetSubtype="0" fill="hold" grpId="0" nodeType="withEffect">
                                   <p:stCondLst>
                                     <p:cond delay="0"/>
                                   </p:stCondLst>
                                   <p:childTnLst>
                                     <p:set>
                                       <p:cBhvr>
-                                        <p:cTn id="61" dur="1" fill="hold">
+                                        <p:cTn id="56" dur="1" fill="hold">
                                           <p:stCondLst>
                                             <p:cond delay="0"/>
                                           </p:stCondLst>
@@ -13179,7 +13309,7 @@
                                     </p:set>
                                     <p:animEffect transition="in" filter="fade">
                                       <p:cBhvr>
-                                        <p:cTn id="62" dur="500"/>
+                                        <p:cTn id="57" dur="500"/>
                                         <p:tgtEl>
                                           <p:spTgt spid="23"/>
                                         </p:tgtEl>
@@ -13287,17 +13417,7 @@
                 <a:latin typeface="黑体" pitchFamily="49" charset="-122"/>
                 <a:ea typeface="黑体" pitchFamily="49" charset="-122"/>
               </a:rPr>
-              <a:t> </a:t>
-            </a:r>
-            <a:r>
-              <a:rPr lang="en-US" altLang="zh-CN" sz="2800" dirty="0" smtClean="0">
-                <a:solidFill>
-                  <a:prstClr val="black"/>
-                </a:solidFill>
-                <a:latin typeface="黑体" pitchFamily="49" charset="-122"/>
-                <a:ea typeface="黑体" pitchFamily="49" charset="-122"/>
-              </a:rPr>
-              <a:t>5.4 </a:t>
+              <a:t> 5.4 </a:t>
             </a:r>
             <a:r>
               <a:rPr lang="zh-CN" altLang="en-US" sz="2800" dirty="0">
@@ -13576,7 +13696,7 @@
                                         <p:tgtEl>
                                           <p:spTgt spid="21">
                                             <p:txEl>
-                                              <p:pRg st="0" end="0"/>
+                                              <p:pRg st="1" end="1"/>
                                             </p:txEl>
                                           </p:spTgt>
                                         </p:tgtEl>
@@ -13594,7 +13714,7 @@
                                         <p:tgtEl>
                                           <p:spTgt spid="21">
                                             <p:txEl>
-                                              <p:pRg st="0" end="0"/>
+                                              <p:pRg st="1" end="1"/>
                                             </p:txEl>
                                           </p:spTgt>
                                         </p:tgtEl>
@@ -13635,11 +13755,7 @@
                                           </p:stCondLst>
                                         </p:cTn>
                                         <p:tgtEl>
-                                          <p:spTgt spid="21">
-                                            <p:txEl>
-                                              <p:pRg st="1" end="1"/>
-                                            </p:txEl>
-                                          </p:spTgt>
+                                          <p:spTgt spid="4"/>
                                         </p:tgtEl>
                                         <p:attrNameLst>
                                           <p:attrName>style.visibility</p:attrName>
@@ -13653,11 +13769,7 @@
                                       <p:cBhvr>
                                         <p:cTn id="12" dur="500"/>
                                         <p:tgtEl>
-                                          <p:spTgt spid="21">
-                                            <p:txEl>
-                                              <p:pRg st="1" end="1"/>
-                                            </p:txEl>
-                                          </p:spTgt>
+                                          <p:spTgt spid="4"/>
                                         </p:tgtEl>
                                       </p:cBhvr>
                                     </p:animEffect>
@@ -13696,7 +13808,7 @@
                                           </p:stCondLst>
                                         </p:cTn>
                                         <p:tgtEl>
-                                          <p:spTgt spid="4"/>
+                                          <p:spTgt spid="6"/>
                                         </p:tgtEl>
                                         <p:attrNameLst>
                                           <p:attrName>style.visibility</p:attrName>
@@ -13709,59 +13821,6 @@
                                     <p:animEffect transition="in" filter="fade">
                                       <p:cBhvr>
                                         <p:cTn id="17" dur="500"/>
-                                        <p:tgtEl>
-                                          <p:spTgt spid="4"/>
-                                        </p:tgtEl>
-                                      </p:cBhvr>
-                                    </p:animEffect>
-                                  </p:childTnLst>
-                                </p:cTn>
-                              </p:par>
-                            </p:childTnLst>
-                          </p:cTn>
-                        </p:par>
-                      </p:childTnLst>
-                    </p:cTn>
-                  </p:par>
-                  <p:par>
-                    <p:cTn id="18" fill="hold">
-                      <p:stCondLst>
-                        <p:cond delay="indefinite"/>
-                      </p:stCondLst>
-                      <p:childTnLst>
-                        <p:par>
-                          <p:cTn id="19" fill="hold">
-                            <p:stCondLst>
-                              <p:cond delay="0"/>
-                            </p:stCondLst>
-                            <p:childTnLst>
-                              <p:par>
-                                <p:cTn id="20" presetID="10" presetClass="entr" presetSubtype="0" fill="hold" nodeType="clickEffect">
-                                  <p:stCondLst>
-                                    <p:cond delay="0"/>
-                                  </p:stCondLst>
-                                  <p:childTnLst>
-                                    <p:set>
-                                      <p:cBhvr>
-                                        <p:cTn id="21" dur="1" fill="hold">
-                                          <p:stCondLst>
-                                            <p:cond delay="0"/>
-                                          </p:stCondLst>
-                                        </p:cTn>
-                                        <p:tgtEl>
-                                          <p:spTgt spid="6"/>
-                                        </p:tgtEl>
-                                        <p:attrNameLst>
-                                          <p:attrName>style.visibility</p:attrName>
-                                        </p:attrNameLst>
-                                      </p:cBhvr>
-                                      <p:to>
-                                        <p:strVal val="visible"/>
-                                      </p:to>
-                                    </p:set>
-                                    <p:animEffect transition="in" filter="fade">
-                                      <p:cBhvr>
-                                        <p:cTn id="22" dur="500"/>
                                         <p:tgtEl>
                                           <p:spTgt spid="6"/>
                                         </p:tgtEl>
@@ -13855,14 +13914,7 @@
                 <a:latin typeface="黑体" pitchFamily="49" charset="-122"/>
                 <a:ea typeface="黑体" pitchFamily="49" charset="-122"/>
               </a:rPr>
-              <a:t> </a:t>
-            </a:r>
-            <a:r>
-              <a:rPr lang="en-US" altLang="zh-CN" sz="2800" dirty="0" smtClean="0">
-                <a:latin typeface="黑体" pitchFamily="49" charset="-122"/>
-                <a:ea typeface="黑体" pitchFamily="49" charset="-122"/>
-              </a:rPr>
-              <a:t>6.1 </a:t>
+              <a:t> 6.1 </a:t>
             </a:r>
             <a:r>
               <a:rPr lang="zh-CN" altLang="en-US" sz="2800" dirty="0" smtClean="0">
@@ -13924,7 +13976,7 @@
                 <a:latin typeface="黑体" pitchFamily="49" charset="-122"/>
                 <a:ea typeface="黑体" pitchFamily="49" charset="-122"/>
               </a:rPr>
-              <a:t>二</a:t>
+              <a:t>话题</a:t>
             </a:r>
             <a:r>
               <a:rPr lang="zh-CN" altLang="en-US" sz="2000" dirty="0" smtClean="0">
@@ -13934,7 +13986,17 @@
                 <a:latin typeface="黑体" pitchFamily="49" charset="-122"/>
                 <a:ea typeface="黑体" pitchFamily="49" charset="-122"/>
               </a:rPr>
-              <a:t>次聚类探讨了</a:t>
+              <a:t>聚类</a:t>
+            </a:r>
+            <a:r>
+              <a:rPr lang="zh-CN" altLang="en-US" sz="2000" dirty="0" smtClean="0">
+                <a:solidFill>
+                  <a:prstClr val="black"/>
+                </a:solidFill>
+                <a:latin typeface="黑体" pitchFamily="49" charset="-122"/>
+                <a:ea typeface="黑体" pitchFamily="49" charset="-122"/>
+              </a:rPr>
+              <a:t>探讨了</a:t>
             </a:r>
             <a:r>
               <a:rPr lang="en-US" altLang="zh-CN" sz="2000" dirty="0" smtClean="0">
@@ -14184,14 +14246,7 @@
                 <a:latin typeface="黑体" pitchFamily="49" charset="-122"/>
                 <a:ea typeface="黑体" pitchFamily="49" charset="-122"/>
               </a:rPr>
-              <a:t>章 </a:t>
-            </a:r>
-            <a:r>
-              <a:rPr lang="zh-CN" altLang="en-US" sz="3600" dirty="0" smtClean="0">
-                <a:latin typeface="黑体" pitchFamily="49" charset="-122"/>
-                <a:ea typeface="黑体" pitchFamily="49" charset="-122"/>
-              </a:rPr>
-              <a:t>总结与展望</a:t>
+              <a:t>章 总结与展望</a:t>
             </a:r>
             <a:endParaRPr lang="en-US" altLang="zh-CN" sz="3600" dirty="0">
               <a:latin typeface="黑体" pitchFamily="49" charset="-122"/>
@@ -14702,19 +14757,7 @@
                 <a:ea typeface="+mj-ea"/>
                 <a:cs typeface="Arial"/>
               </a:rPr>
-              <a:t>Thank you</a:t>
-            </a:r>
-            <a:r>
-              <a:rPr lang="en-US" sz="4800" b="1" kern="0" cap="all" dirty="0" smtClean="0">
-                <a:solidFill>
-                  <a:schemeClr val="accent2">
-                    <a:lumMod val="75000"/>
-                  </a:schemeClr>
-                </a:solidFill>
-                <a:ea typeface="+mj-ea"/>
-                <a:cs typeface="Arial"/>
-              </a:rPr>
-              <a:t>!</a:t>
+              <a:t>Thank you!</a:t>
             </a:r>
           </a:p>
           <a:p>
@@ -14876,7 +14919,7 @@
         <p:spPr>
           <a:xfrm>
             <a:off x="908518" y="1239661"/>
-            <a:ext cx="10009418" cy="2862322"/>
+            <a:ext cx="10009418" cy="3447098"/>
           </a:xfrm>
           <a:prstGeom prst="rect">
             <a:avLst/>
@@ -14994,7 +15037,7 @@
                 <a:latin typeface="黑体" pitchFamily="49" charset="-122"/>
                 <a:ea typeface="黑体" pitchFamily="49" charset="-122"/>
               </a:rPr>
-              <a:t>谣言检测技术与其面临的挑</a:t>
+              <a:t>谣言检测技术与其面临的</a:t>
             </a:r>
             <a:r>
               <a:rPr lang="zh-CN" altLang="en-US" sz="2800" dirty="0" smtClean="0">
@@ -15004,7 +15047,36 @@
                 <a:latin typeface="黑体" pitchFamily="49" charset="-122"/>
                 <a:ea typeface="黑体" pitchFamily="49" charset="-122"/>
               </a:rPr>
-              <a:t>战</a:t>
+              <a:t>挑战</a:t>
+            </a:r>
+            <a:endParaRPr lang="en-US" altLang="zh-CN" sz="2800" dirty="0" smtClean="0">
+              <a:solidFill>
+                <a:prstClr val="black"/>
+              </a:solidFill>
+              <a:latin typeface="黑体" pitchFamily="49" charset="-122"/>
+              <a:ea typeface="黑体" pitchFamily="49" charset="-122"/>
+            </a:endParaRPr>
+          </a:p>
+          <a:p>
+            <a:pPr marL="800100" lvl="1" indent="-342900" algn="just">
+              <a:spcAft>
+                <a:spcPts val="1200"/>
+              </a:spcAft>
+              <a:buClr>
+                <a:srgbClr val="FFC000"/>
+              </a:buClr>
+              <a:buFont typeface="Arial" panose="020B0604020202020204" pitchFamily="34" charset="0"/>
+              <a:buChar char="•"/>
+            </a:pPr>
+            <a:r>
+              <a:rPr lang="zh-CN" altLang="en-US" sz="2000" dirty="0" smtClean="0">
+                <a:solidFill>
+                  <a:prstClr val="black"/>
+                </a:solidFill>
+                <a:latin typeface="黑体" pitchFamily="49" charset="-122"/>
+                <a:ea typeface="黑体" pitchFamily="49" charset="-122"/>
+              </a:rPr>
+              <a:t>挑战：检测出的候选消息重复率过高，检测出的候选是谣言的准确率不高</a:t>
             </a:r>
             <a:endParaRPr lang="en-US" altLang="zh-CN" sz="2800" dirty="0" smtClean="0">
               <a:solidFill>
@@ -15033,7 +15105,17 @@
                 <a:latin typeface="黑体" pitchFamily="49" charset="-122"/>
                 <a:ea typeface="黑体" pitchFamily="49" charset="-122"/>
               </a:rPr>
-              <a:t> 1.4 </a:t>
+              <a:t> </a:t>
+            </a:r>
+            <a:r>
+              <a:rPr lang="en-US" altLang="zh-CN" sz="2800" dirty="0" smtClean="0">
+                <a:solidFill>
+                  <a:prstClr val="black"/>
+                </a:solidFill>
+                <a:latin typeface="黑体" pitchFamily="49" charset="-122"/>
+                <a:ea typeface="黑体" pitchFamily="49" charset="-122"/>
+              </a:rPr>
+              <a:t>1.4 </a:t>
             </a:r>
             <a:r>
               <a:rPr lang="zh-CN" altLang="en-US" sz="2800" dirty="0" smtClean="0">
@@ -15368,7 +15450,37 @@
                 <a:latin typeface="黑体" pitchFamily="49" charset="-122"/>
                 <a:ea typeface="黑体" pitchFamily="49" charset="-122"/>
               </a:rPr>
-              <a:t>问题：谣言候选话题重复率过高。         改进方案：二次聚类</a:t>
+              <a:t>问题：谣言候选话题重复率过高。         改进方案</a:t>
+            </a:r>
+            <a:r>
+              <a:rPr lang="zh-CN" altLang="en-US" sz="2000" dirty="0" smtClean="0">
+                <a:solidFill>
+                  <a:prstClr val="black"/>
+                </a:solidFill>
+                <a:latin typeface="黑体" pitchFamily="49" charset="-122"/>
+                <a:ea typeface="黑体" pitchFamily="49" charset="-122"/>
+              </a:rPr>
+              <a:t>：</a:t>
+            </a:r>
+            <a:r>
+              <a:rPr lang="zh-CN" altLang="en-US" sz="2000" dirty="0">
+                <a:solidFill>
+                  <a:prstClr val="black"/>
+                </a:solidFill>
+                <a:latin typeface="黑体" pitchFamily="49" charset="-122"/>
+                <a:ea typeface="黑体" pitchFamily="49" charset="-122"/>
+              </a:rPr>
+              <a:t>话题</a:t>
+            </a:r>
+            <a:r>
+              <a:rPr lang="zh-CN" altLang="en-US" sz="2000" dirty="0" smtClean="0">
+                <a:solidFill>
+                  <a:prstClr val="black"/>
+                </a:solidFill>
+                <a:latin typeface="黑体" pitchFamily="49" charset="-122"/>
+                <a:ea typeface="黑体" pitchFamily="49" charset="-122"/>
+              </a:rPr>
+              <a:t>聚类</a:t>
             </a:r>
             <a:endParaRPr lang="en-US" altLang="zh-CN" sz="2000" dirty="0" smtClean="0">
               <a:solidFill>
@@ -19108,8 +19220,8 @@
         </p:nvSpPr>
         <p:spPr>
           <a:xfrm>
-            <a:off x="7367954" y="2312487"/>
-            <a:ext cx="615461" cy="3920768"/>
+            <a:off x="2685550" y="2330262"/>
+            <a:ext cx="761036" cy="3920768"/>
           </a:xfrm>
           <a:prstGeom prst="rect">
             <a:avLst/>
@@ -19148,20 +19260,256 @@
       </p:sp>
       <p:sp>
         <p:nvSpPr>
-          <p:cNvPr id="12" name="矩形 11"/>
+          <p:cNvPr id="8" name="矩形 7"/>
           <p:cNvSpPr/>
           <p:nvPr/>
         </p:nvSpPr>
         <p:spPr>
           <a:xfrm>
-            <a:off x="1863969" y="3938954"/>
-            <a:ext cx="8247185" cy="703385"/>
+            <a:off x="4911989" y="2321279"/>
+            <a:ext cx="1671004" cy="3920768"/>
           </a:xfrm>
           <a:prstGeom prst="rect">
             <a:avLst/>
           </a:prstGeom>
           <a:noFill/>
           <a:ln w="28575">
+            <a:solidFill>
+              <a:srgbClr val="FF0000"/>
+            </a:solidFill>
+          </a:ln>
+        </p:spPr>
+        <p:style>
+          <a:lnRef idx="2">
+            <a:schemeClr val="accent1">
+              <a:shade val="50000"/>
+            </a:schemeClr>
+          </a:lnRef>
+          <a:fillRef idx="1">
+            <a:schemeClr val="accent1"/>
+          </a:fillRef>
+          <a:effectRef idx="0">
+            <a:schemeClr val="accent1"/>
+          </a:effectRef>
+          <a:fontRef idx="minor">
+            <a:schemeClr val="lt1"/>
+          </a:fontRef>
+        </p:style>
+        <p:txBody>
+          <a:bodyPr rtlCol="0" anchor="ctr"/>
+          <a:lstStyle/>
+          <a:p>
+            <a:pPr algn="ctr"/>
+            <a:endParaRPr lang="zh-CN" altLang="en-US"/>
+          </a:p>
+        </p:txBody>
+      </p:sp>
+      <p:sp>
+        <p:nvSpPr>
+          <p:cNvPr id="9" name="椭圆 8"/>
+          <p:cNvSpPr/>
+          <p:nvPr/>
+        </p:nvSpPr>
+        <p:spPr>
+          <a:xfrm>
+            <a:off x="3450426" y="5952388"/>
+            <a:ext cx="558867" cy="298641"/>
+          </a:xfrm>
+          <a:prstGeom prst="ellipse">
+            <a:avLst/>
+          </a:prstGeom>
+          <a:noFill/>
+          <a:ln w="38100">
+            <a:solidFill>
+              <a:schemeClr val="accent2">
+                <a:lumMod val="50000"/>
+              </a:schemeClr>
+            </a:solidFill>
+          </a:ln>
+        </p:spPr>
+        <p:style>
+          <a:lnRef idx="2">
+            <a:schemeClr val="accent1">
+              <a:shade val="50000"/>
+            </a:schemeClr>
+          </a:lnRef>
+          <a:fillRef idx="1">
+            <a:schemeClr val="accent1"/>
+          </a:fillRef>
+          <a:effectRef idx="0">
+            <a:schemeClr val="accent1"/>
+          </a:effectRef>
+          <a:fontRef idx="minor">
+            <a:schemeClr val="lt1"/>
+          </a:fontRef>
+        </p:style>
+        <p:txBody>
+          <a:bodyPr rtlCol="0" anchor="ctr"/>
+          <a:lstStyle/>
+          <a:p>
+            <a:pPr algn="ctr"/>
+            <a:endParaRPr lang="zh-CN" altLang="en-US"/>
+          </a:p>
+        </p:txBody>
+      </p:sp>
+      <p:sp>
+        <p:nvSpPr>
+          <p:cNvPr id="13" name="椭圆 12"/>
+          <p:cNvSpPr/>
+          <p:nvPr/>
+        </p:nvSpPr>
+        <p:spPr>
+          <a:xfrm>
+            <a:off x="4171393" y="5952388"/>
+            <a:ext cx="558867" cy="298641"/>
+          </a:xfrm>
+          <a:prstGeom prst="ellipse">
+            <a:avLst/>
+          </a:prstGeom>
+          <a:noFill/>
+          <a:ln w="38100">
+            <a:solidFill>
+              <a:schemeClr val="accent2">
+                <a:lumMod val="50000"/>
+              </a:schemeClr>
+            </a:solidFill>
+          </a:ln>
+        </p:spPr>
+        <p:style>
+          <a:lnRef idx="2">
+            <a:schemeClr val="accent1">
+              <a:shade val="50000"/>
+            </a:schemeClr>
+          </a:lnRef>
+          <a:fillRef idx="1">
+            <a:schemeClr val="accent1"/>
+          </a:fillRef>
+          <a:effectRef idx="0">
+            <a:schemeClr val="accent1"/>
+          </a:effectRef>
+          <a:fontRef idx="minor">
+            <a:schemeClr val="lt1"/>
+          </a:fontRef>
+        </p:style>
+        <p:txBody>
+          <a:bodyPr rtlCol="0" anchor="ctr"/>
+          <a:lstStyle/>
+          <a:p>
+            <a:pPr algn="ctr"/>
+            <a:endParaRPr lang="zh-CN" altLang="en-US"/>
+          </a:p>
+        </p:txBody>
+      </p:sp>
+      <p:sp>
+        <p:nvSpPr>
+          <p:cNvPr id="14" name="椭圆 13"/>
+          <p:cNvSpPr/>
+          <p:nvPr/>
+        </p:nvSpPr>
+        <p:spPr>
+          <a:xfrm>
+            <a:off x="6697717" y="5946527"/>
+            <a:ext cx="558867" cy="298641"/>
+          </a:xfrm>
+          <a:prstGeom prst="ellipse">
+            <a:avLst/>
+          </a:prstGeom>
+          <a:noFill/>
+          <a:ln w="38100">
+            <a:solidFill>
+              <a:schemeClr val="accent2">
+                <a:lumMod val="50000"/>
+              </a:schemeClr>
+            </a:solidFill>
+          </a:ln>
+        </p:spPr>
+        <p:style>
+          <a:lnRef idx="2">
+            <a:schemeClr val="accent1">
+              <a:shade val="50000"/>
+            </a:schemeClr>
+          </a:lnRef>
+          <a:fillRef idx="1">
+            <a:schemeClr val="accent1"/>
+          </a:fillRef>
+          <a:effectRef idx="0">
+            <a:schemeClr val="accent1"/>
+          </a:effectRef>
+          <a:fontRef idx="minor">
+            <a:schemeClr val="lt1"/>
+          </a:fontRef>
+        </p:style>
+        <p:txBody>
+          <a:bodyPr rtlCol="0" anchor="ctr"/>
+          <a:lstStyle/>
+          <a:p>
+            <a:pPr algn="ctr"/>
+            <a:endParaRPr lang="zh-CN" altLang="en-US"/>
+          </a:p>
+        </p:txBody>
+      </p:sp>
+      <p:sp>
+        <p:nvSpPr>
+          <p:cNvPr id="15" name="椭圆 14"/>
+          <p:cNvSpPr/>
+          <p:nvPr/>
+        </p:nvSpPr>
+        <p:spPr>
+          <a:xfrm>
+            <a:off x="8122074" y="5946527"/>
+            <a:ext cx="558867" cy="298641"/>
+          </a:xfrm>
+          <a:prstGeom prst="ellipse">
+            <a:avLst/>
+          </a:prstGeom>
+          <a:noFill/>
+          <a:ln w="38100">
+            <a:solidFill>
+              <a:srgbClr val="FF0000"/>
+            </a:solidFill>
+          </a:ln>
+        </p:spPr>
+        <p:style>
+          <a:lnRef idx="2">
+            <a:schemeClr val="accent1">
+              <a:shade val="50000"/>
+            </a:schemeClr>
+          </a:lnRef>
+          <a:fillRef idx="1">
+            <a:schemeClr val="accent1"/>
+          </a:fillRef>
+          <a:effectRef idx="0">
+            <a:schemeClr val="accent1"/>
+          </a:effectRef>
+          <a:fontRef idx="minor">
+            <a:schemeClr val="lt1"/>
+          </a:fontRef>
+        </p:style>
+        <p:txBody>
+          <a:bodyPr rtlCol="0" anchor="ctr"/>
+          <a:lstStyle/>
+          <a:p>
+            <a:pPr algn="ctr"/>
+            <a:endParaRPr lang="zh-CN" altLang="en-US"/>
+          </a:p>
+        </p:txBody>
+      </p:sp>
+      <p:sp>
+        <p:nvSpPr>
+          <p:cNvPr id="16" name="椭圆 15"/>
+          <p:cNvSpPr/>
+          <p:nvPr/>
+        </p:nvSpPr>
+        <p:spPr>
+          <a:xfrm>
+            <a:off x="8790288" y="5928942"/>
+            <a:ext cx="558867" cy="298641"/>
+          </a:xfrm>
+          <a:prstGeom prst="ellipse">
+            <a:avLst/>
+          </a:prstGeom>
+          <a:noFill/>
+          <a:ln w="38100">
             <a:solidFill>
               <a:srgbClr val="FF0000"/>
             </a:solidFill>
@@ -19293,7 +19641,7 @@
                                           </p:stCondLst>
                                         </p:cTn>
                                         <p:tgtEl>
-                                          <p:spTgt spid="2"/>
+                                          <p:spTgt spid="8"/>
                                         </p:tgtEl>
                                         <p:attrNameLst>
                                           <p:attrName>style.visibility</p:attrName>
@@ -19307,7 +19655,7 @@
                                       <p:cBhvr>
                                         <p:cTn id="12" dur="500"/>
                                         <p:tgtEl>
-                                          <p:spTgt spid="2"/>
+                                          <p:spTgt spid="8"/>
                                         </p:tgtEl>
                                       </p:cBhvr>
                                     </p:animEffect>
@@ -19346,7 +19694,7 @@
                                           </p:stCondLst>
                                         </p:cTn>
                                         <p:tgtEl>
-                                          <p:spTgt spid="12"/>
+                                          <p:spTgt spid="2"/>
                                         </p:tgtEl>
                                         <p:attrNameLst>
                                           <p:attrName>style.visibility</p:attrName>
@@ -19360,7 +19708,218 @@
                                       <p:cBhvr>
                                         <p:cTn id="17" dur="500"/>
                                         <p:tgtEl>
-                                          <p:spTgt spid="12"/>
+                                          <p:spTgt spid="2"/>
+                                        </p:tgtEl>
+                                      </p:cBhvr>
+                                    </p:animEffect>
+                                  </p:childTnLst>
+                                </p:cTn>
+                              </p:par>
+                            </p:childTnLst>
+                          </p:cTn>
+                        </p:par>
+                      </p:childTnLst>
+                    </p:cTn>
+                  </p:par>
+                  <p:par>
+                    <p:cTn id="18" fill="hold">
+                      <p:stCondLst>
+                        <p:cond delay="indefinite"/>
+                      </p:stCondLst>
+                      <p:childTnLst>
+                        <p:par>
+                          <p:cTn id="19" fill="hold">
+                            <p:stCondLst>
+                              <p:cond delay="0"/>
+                            </p:stCondLst>
+                            <p:childTnLst>
+                              <p:par>
+                                <p:cTn id="20" presetID="10" presetClass="entr" presetSubtype="0" fill="hold" grpId="0" nodeType="clickEffect">
+                                  <p:stCondLst>
+                                    <p:cond delay="0"/>
+                                  </p:stCondLst>
+                                  <p:childTnLst>
+                                    <p:set>
+                                      <p:cBhvr>
+                                        <p:cTn id="21" dur="1" fill="hold">
+                                          <p:stCondLst>
+                                            <p:cond delay="0"/>
+                                          </p:stCondLst>
+                                        </p:cTn>
+                                        <p:tgtEl>
+                                          <p:spTgt spid="9"/>
+                                        </p:tgtEl>
+                                        <p:attrNameLst>
+                                          <p:attrName>style.visibility</p:attrName>
+                                        </p:attrNameLst>
+                                      </p:cBhvr>
+                                      <p:to>
+                                        <p:strVal val="visible"/>
+                                      </p:to>
+                                    </p:set>
+                                    <p:animEffect transition="in" filter="fade">
+                                      <p:cBhvr>
+                                        <p:cTn id="22" dur="500"/>
+                                        <p:tgtEl>
+                                          <p:spTgt spid="9"/>
+                                        </p:tgtEl>
+                                      </p:cBhvr>
+                                    </p:animEffect>
+                                  </p:childTnLst>
+                                </p:cTn>
+                              </p:par>
+                              <p:par>
+                                <p:cTn id="23" presetID="10" presetClass="entr" presetSubtype="0" fill="hold" grpId="0" nodeType="withEffect">
+                                  <p:stCondLst>
+                                    <p:cond delay="0"/>
+                                  </p:stCondLst>
+                                  <p:childTnLst>
+                                    <p:set>
+                                      <p:cBhvr>
+                                        <p:cTn id="24" dur="1" fill="hold">
+                                          <p:stCondLst>
+                                            <p:cond delay="0"/>
+                                          </p:stCondLst>
+                                        </p:cTn>
+                                        <p:tgtEl>
+                                          <p:spTgt spid="13"/>
+                                        </p:tgtEl>
+                                        <p:attrNameLst>
+                                          <p:attrName>style.visibility</p:attrName>
+                                        </p:attrNameLst>
+                                      </p:cBhvr>
+                                      <p:to>
+                                        <p:strVal val="visible"/>
+                                      </p:to>
+                                    </p:set>
+                                    <p:animEffect transition="in" filter="fade">
+                                      <p:cBhvr>
+                                        <p:cTn id="25" dur="500"/>
+                                        <p:tgtEl>
+                                          <p:spTgt spid="13"/>
+                                        </p:tgtEl>
+                                      </p:cBhvr>
+                                    </p:animEffect>
+                                  </p:childTnLst>
+                                </p:cTn>
+                              </p:par>
+                              <p:par>
+                                <p:cTn id="26" presetID="10" presetClass="entr" presetSubtype="0" fill="hold" grpId="0" nodeType="withEffect">
+                                  <p:stCondLst>
+                                    <p:cond delay="0"/>
+                                  </p:stCondLst>
+                                  <p:childTnLst>
+                                    <p:set>
+                                      <p:cBhvr>
+                                        <p:cTn id="27" dur="1" fill="hold">
+                                          <p:stCondLst>
+                                            <p:cond delay="0"/>
+                                          </p:stCondLst>
+                                        </p:cTn>
+                                        <p:tgtEl>
+                                          <p:spTgt spid="14"/>
+                                        </p:tgtEl>
+                                        <p:attrNameLst>
+                                          <p:attrName>style.visibility</p:attrName>
+                                        </p:attrNameLst>
+                                      </p:cBhvr>
+                                      <p:to>
+                                        <p:strVal val="visible"/>
+                                      </p:to>
+                                    </p:set>
+                                    <p:animEffect transition="in" filter="fade">
+                                      <p:cBhvr>
+                                        <p:cTn id="28" dur="500"/>
+                                        <p:tgtEl>
+                                          <p:spTgt spid="14"/>
+                                        </p:tgtEl>
+                                      </p:cBhvr>
+                                    </p:animEffect>
+                                  </p:childTnLst>
+                                </p:cTn>
+                              </p:par>
+                            </p:childTnLst>
+                          </p:cTn>
+                        </p:par>
+                      </p:childTnLst>
+                    </p:cTn>
+                  </p:par>
+                  <p:par>
+                    <p:cTn id="29" fill="hold">
+                      <p:stCondLst>
+                        <p:cond delay="indefinite"/>
+                      </p:stCondLst>
+                      <p:childTnLst>
+                        <p:par>
+                          <p:cTn id="30" fill="hold">
+                            <p:stCondLst>
+                              <p:cond delay="0"/>
+                            </p:stCondLst>
+                            <p:childTnLst>
+                              <p:par>
+                                <p:cTn id="31" presetID="10" presetClass="entr" presetSubtype="0" fill="hold" grpId="0" nodeType="clickEffect">
+                                  <p:stCondLst>
+                                    <p:cond delay="0"/>
+                                  </p:stCondLst>
+                                  <p:childTnLst>
+                                    <p:set>
+                                      <p:cBhvr>
+                                        <p:cTn id="32" dur="1" fill="hold">
+                                          <p:stCondLst>
+                                            <p:cond delay="0"/>
+                                          </p:stCondLst>
+                                        </p:cTn>
+                                        <p:tgtEl>
+                                          <p:spTgt spid="15"/>
+                                        </p:tgtEl>
+                                        <p:attrNameLst>
+                                          <p:attrName>style.visibility</p:attrName>
+                                        </p:attrNameLst>
+                                      </p:cBhvr>
+                                      <p:to>
+                                        <p:strVal val="visible"/>
+                                      </p:to>
+                                    </p:set>
+                                    <p:animEffect transition="in" filter="fade">
+                                      <p:cBhvr>
+                                        <p:cTn id="33" dur="500"/>
+                                        <p:tgtEl>
+                                          <p:spTgt spid="15"/>
+                                        </p:tgtEl>
+                                      </p:cBhvr>
+                                    </p:animEffect>
+                                  </p:childTnLst>
+                                </p:cTn>
+                              </p:par>
+                              <p:par>
+                                <p:cTn id="34" presetID="10" presetClass="entr" presetSubtype="0" fill="hold" grpId="0" nodeType="withEffect">
+                                  <p:stCondLst>
+                                    <p:cond delay="0"/>
+                                  </p:stCondLst>
+                                  <p:childTnLst>
+                                    <p:set>
+                                      <p:cBhvr>
+                                        <p:cTn id="35" dur="1" fill="hold">
+                                          <p:stCondLst>
+                                            <p:cond delay="0"/>
+                                          </p:stCondLst>
+                                        </p:cTn>
+                                        <p:tgtEl>
+                                          <p:spTgt spid="16"/>
+                                        </p:tgtEl>
+                                        <p:attrNameLst>
+                                          <p:attrName>style.visibility</p:attrName>
+                                        </p:attrNameLst>
+                                      </p:cBhvr>
+                                      <p:to>
+                                        <p:strVal val="visible"/>
+                                      </p:to>
+                                    </p:set>
+                                    <p:animEffect transition="in" filter="fade">
+                                      <p:cBhvr>
+                                        <p:cTn id="36" dur="500"/>
+                                        <p:tgtEl>
+                                          <p:spTgt spid="16"/>
                                         </p:tgtEl>
                                       </p:cBhvr>
                                     </p:animEffect>
@@ -19396,7 +19955,12 @@
     </p:tnLst>
     <p:bldLst>
       <p:bldP spid="2" grpId="0" animBg="1"/>
-      <p:bldP spid="12" grpId="0" animBg="1"/>
+      <p:bldP spid="8" grpId="0" animBg="1"/>
+      <p:bldP spid="9" grpId="0" animBg="1"/>
+      <p:bldP spid="13" grpId="0" animBg="1"/>
+      <p:bldP spid="14" grpId="0" animBg="1"/>
+      <p:bldP spid="15" grpId="0" animBg="1"/>
+      <p:bldP spid="16" grpId="0" animBg="1"/>
     </p:bldLst>
   </p:timing>
 </p:sld>
@@ -19777,6 +20341,100 @@
           </a:p>
         </p:txBody>
       </p:sp>
+      <p:sp>
+        <p:nvSpPr>
+          <p:cNvPr id="10" name="矩形 9"/>
+          <p:cNvSpPr/>
+          <p:nvPr/>
+        </p:nvSpPr>
+        <p:spPr>
+          <a:xfrm>
+            <a:off x="908518" y="6162533"/>
+            <a:ext cx="4806482" cy="341209"/>
+          </a:xfrm>
+          <a:prstGeom prst="rect">
+            <a:avLst/>
+          </a:prstGeom>
+          <a:noFill/>
+          <a:ln w="28575">
+            <a:solidFill>
+              <a:srgbClr val="FF0000"/>
+            </a:solidFill>
+          </a:ln>
+        </p:spPr>
+        <p:style>
+          <a:lnRef idx="2">
+            <a:schemeClr val="accent1">
+              <a:shade val="50000"/>
+            </a:schemeClr>
+          </a:lnRef>
+          <a:fillRef idx="1">
+            <a:schemeClr val="accent1"/>
+          </a:fillRef>
+          <a:effectRef idx="0">
+            <a:schemeClr val="accent1"/>
+          </a:effectRef>
+          <a:fontRef idx="minor">
+            <a:schemeClr val="lt1"/>
+          </a:fontRef>
+        </p:style>
+        <p:txBody>
+          <a:bodyPr rtlCol="0" anchor="ctr"/>
+          <a:lstStyle/>
+          <a:p>
+            <a:pPr algn="ctr"/>
+            <a:endParaRPr lang="zh-CN" altLang="en-US"/>
+          </a:p>
+        </p:txBody>
+      </p:sp>
+      <p:sp>
+        <p:nvSpPr>
+          <p:cNvPr id="11" name="椭圆 10"/>
+          <p:cNvSpPr/>
+          <p:nvPr/>
+        </p:nvSpPr>
+        <p:spPr>
+          <a:xfrm>
+            <a:off x="2149164" y="6144948"/>
+            <a:ext cx="558867" cy="298641"/>
+          </a:xfrm>
+          <a:prstGeom prst="ellipse">
+            <a:avLst/>
+          </a:prstGeom>
+          <a:noFill/>
+          <a:ln w="38100">
+            <a:solidFill>
+              <a:schemeClr val="accent2">
+                <a:lumMod val="50000"/>
+              </a:schemeClr>
+            </a:solidFill>
+          </a:ln>
+        </p:spPr>
+        <p:style>
+          <a:lnRef idx="2">
+            <a:schemeClr val="accent1">
+              <a:shade val="50000"/>
+            </a:schemeClr>
+          </a:lnRef>
+          <a:fillRef idx="1">
+            <a:schemeClr val="accent1"/>
+          </a:fillRef>
+          <a:effectRef idx="0">
+            <a:schemeClr val="accent1"/>
+          </a:effectRef>
+          <a:fontRef idx="minor">
+            <a:schemeClr val="lt1"/>
+          </a:fontRef>
+        </p:style>
+        <p:txBody>
+          <a:bodyPr rtlCol="0" anchor="ctr"/>
+          <a:lstStyle/>
+          <a:p>
+            <a:pPr algn="ctr"/>
+            <a:endParaRPr lang="zh-CN" altLang="en-US"/>
+          </a:p>
+        </p:txBody>
+      </p:sp>
     </p:spTree>
     <p:custDataLst>
       <p:tags r:id="rId1"/>
@@ -19872,7 +20530,7 @@
                             </p:stCondLst>
                             <p:childTnLst>
                               <p:par>
-                                <p:cTn id="10" presetID="10" presetClass="entr" presetSubtype="0" fill="hold" nodeType="clickEffect">
+                                <p:cTn id="10" presetID="10" presetClass="entr" presetSubtype="0" fill="hold" grpId="0" nodeType="clickEffect">
                                   <p:stCondLst>
                                     <p:cond delay="0"/>
                                   </p:stCondLst>
@@ -19885,7 +20543,7 @@
                                           </p:stCondLst>
                                         </p:cTn>
                                         <p:tgtEl>
-                                          <p:spTgt spid="4"/>
+                                          <p:spTgt spid="10"/>
                                         </p:tgtEl>
                                         <p:attrNameLst>
                                           <p:attrName>style.visibility</p:attrName>
@@ -19899,7 +20557,7 @@
                                       <p:cBhvr>
                                         <p:cTn id="12" dur="500"/>
                                         <p:tgtEl>
-                                          <p:spTgt spid="4"/>
+                                          <p:spTgt spid="10"/>
                                         </p:tgtEl>
                                       </p:cBhvr>
                                     </p:animEffect>
@@ -19925,7 +20583,7 @@
                             </p:stCondLst>
                             <p:childTnLst>
                               <p:par>
-                                <p:cTn id="15" presetID="10" presetClass="entr" presetSubtype="0" fill="hold" nodeType="clickEffect">
+                                <p:cTn id="15" presetID="10" presetClass="entr" presetSubtype="0" fill="hold" grpId="0" nodeType="clickEffect">
                                   <p:stCondLst>
                                     <p:cond delay="0"/>
                                   </p:stCondLst>
@@ -19938,7 +20596,7 @@
                                           </p:stCondLst>
                                         </p:cTn>
                                         <p:tgtEl>
-                                          <p:spTgt spid="7"/>
+                                          <p:spTgt spid="11"/>
                                         </p:tgtEl>
                                         <p:attrNameLst>
                                           <p:attrName>style.visibility</p:attrName>
@@ -19952,7 +20610,7 @@
                                       <p:cBhvr>
                                         <p:cTn id="17" dur="500"/>
                                         <p:tgtEl>
-                                          <p:spTgt spid="7"/>
+                                          <p:spTgt spid="11"/>
                                         </p:tgtEl>
                                       </p:cBhvr>
                                     </p:animEffect>
@@ -19978,7 +20636,7 @@
                             </p:stCondLst>
                             <p:childTnLst>
                               <p:par>
-                                <p:cTn id="20" presetID="10" presetClass="entr" presetSubtype="0" fill="hold" grpId="0" nodeType="clickEffect">
+                                <p:cTn id="20" presetID="10" presetClass="entr" presetSubtype="0" fill="hold" nodeType="clickEffect">
                                   <p:stCondLst>
                                     <p:cond delay="0"/>
                                   </p:stCondLst>
@@ -19991,7 +20649,7 @@
                                           </p:stCondLst>
                                         </p:cTn>
                                         <p:tgtEl>
-                                          <p:spTgt spid="13"/>
+                                          <p:spTgt spid="4"/>
                                         </p:tgtEl>
                                         <p:attrNameLst>
                                           <p:attrName>style.visibility</p:attrName>
@@ -20005,7 +20663,7 @@
                                       <p:cBhvr>
                                         <p:cTn id="22" dur="500"/>
                                         <p:tgtEl>
-                                          <p:spTgt spid="13"/>
+                                          <p:spTgt spid="4"/>
                                         </p:tgtEl>
                                       </p:cBhvr>
                                     </p:animEffect>
@@ -20031,7 +20689,7 @@
                             </p:stCondLst>
                             <p:childTnLst>
                               <p:par>
-                                <p:cTn id="25" presetID="10" presetClass="entr" presetSubtype="0" fill="hold" grpId="0" nodeType="clickEffect">
+                                <p:cTn id="25" presetID="10" presetClass="entr" presetSubtype="0" fill="hold" nodeType="clickEffect">
                                   <p:stCondLst>
                                     <p:cond delay="0"/>
                                   </p:stCondLst>
@@ -20039,6 +20697,112 @@
                                     <p:set>
                                       <p:cBhvr>
                                         <p:cTn id="26" dur="1" fill="hold">
+                                          <p:stCondLst>
+                                            <p:cond delay="0"/>
+                                          </p:stCondLst>
+                                        </p:cTn>
+                                        <p:tgtEl>
+                                          <p:spTgt spid="7"/>
+                                        </p:tgtEl>
+                                        <p:attrNameLst>
+                                          <p:attrName>style.visibility</p:attrName>
+                                        </p:attrNameLst>
+                                      </p:cBhvr>
+                                      <p:to>
+                                        <p:strVal val="visible"/>
+                                      </p:to>
+                                    </p:set>
+                                    <p:animEffect transition="in" filter="fade">
+                                      <p:cBhvr>
+                                        <p:cTn id="27" dur="500"/>
+                                        <p:tgtEl>
+                                          <p:spTgt spid="7"/>
+                                        </p:tgtEl>
+                                      </p:cBhvr>
+                                    </p:animEffect>
+                                  </p:childTnLst>
+                                </p:cTn>
+                              </p:par>
+                            </p:childTnLst>
+                          </p:cTn>
+                        </p:par>
+                      </p:childTnLst>
+                    </p:cTn>
+                  </p:par>
+                  <p:par>
+                    <p:cTn id="28" fill="hold">
+                      <p:stCondLst>
+                        <p:cond delay="indefinite"/>
+                      </p:stCondLst>
+                      <p:childTnLst>
+                        <p:par>
+                          <p:cTn id="29" fill="hold">
+                            <p:stCondLst>
+                              <p:cond delay="0"/>
+                            </p:stCondLst>
+                            <p:childTnLst>
+                              <p:par>
+                                <p:cTn id="30" presetID="10" presetClass="entr" presetSubtype="0" fill="hold" grpId="0" nodeType="clickEffect">
+                                  <p:stCondLst>
+                                    <p:cond delay="0"/>
+                                  </p:stCondLst>
+                                  <p:childTnLst>
+                                    <p:set>
+                                      <p:cBhvr>
+                                        <p:cTn id="31" dur="1" fill="hold">
+                                          <p:stCondLst>
+                                            <p:cond delay="0"/>
+                                          </p:stCondLst>
+                                        </p:cTn>
+                                        <p:tgtEl>
+                                          <p:spTgt spid="13"/>
+                                        </p:tgtEl>
+                                        <p:attrNameLst>
+                                          <p:attrName>style.visibility</p:attrName>
+                                        </p:attrNameLst>
+                                      </p:cBhvr>
+                                      <p:to>
+                                        <p:strVal val="visible"/>
+                                      </p:to>
+                                    </p:set>
+                                    <p:animEffect transition="in" filter="fade">
+                                      <p:cBhvr>
+                                        <p:cTn id="32" dur="500"/>
+                                        <p:tgtEl>
+                                          <p:spTgt spid="13"/>
+                                        </p:tgtEl>
+                                      </p:cBhvr>
+                                    </p:animEffect>
+                                  </p:childTnLst>
+                                </p:cTn>
+                              </p:par>
+                            </p:childTnLst>
+                          </p:cTn>
+                        </p:par>
+                      </p:childTnLst>
+                    </p:cTn>
+                  </p:par>
+                  <p:par>
+                    <p:cTn id="33" fill="hold">
+                      <p:stCondLst>
+                        <p:cond delay="indefinite"/>
+                      </p:stCondLst>
+                      <p:childTnLst>
+                        <p:par>
+                          <p:cTn id="34" fill="hold">
+                            <p:stCondLst>
+                              <p:cond delay="0"/>
+                            </p:stCondLst>
+                            <p:childTnLst>
+                              <p:par>
+                                <p:cTn id="35" presetID="10" presetClass="entr" presetSubtype="0" fill="hold" grpId="0" nodeType="clickEffect">
+                                  <p:stCondLst>
+                                    <p:cond delay="0"/>
+                                  </p:stCondLst>
+                                  <p:childTnLst>
+                                    <p:set>
+                                      <p:cBhvr>
+                                        <p:cTn id="36" dur="1" fill="hold">
                                           <p:stCondLst>
                                             <p:cond delay="0"/>
                                           </p:stCondLst>
@@ -20056,7 +20820,7 @@
                                     </p:set>
                                     <p:animEffect transition="in" filter="fade">
                                       <p:cBhvr>
-                                        <p:cTn id="27" dur="500"/>
+                                        <p:cTn id="37" dur="500"/>
                                         <p:tgtEl>
                                           <p:spTgt spid="14"/>
                                         </p:tgtEl>
@@ -20095,6 +20859,8 @@
     <p:bldLst>
       <p:bldP spid="13" grpId="0" animBg="1"/>
       <p:bldP spid="14" grpId="0" animBg="1"/>
+      <p:bldP spid="10" grpId="0" animBg="1"/>
+      <p:bldP spid="11" grpId="0" animBg="1"/>
     </p:bldLst>
   </p:timing>
 </p:sld>
@@ -20791,6 +21557,54 @@
           <a:ln w="38100">
             <a:solidFill>
               <a:srgbClr val="FFC000"/>
+            </a:solidFill>
+          </a:ln>
+        </p:spPr>
+        <p:style>
+          <a:lnRef idx="2">
+            <a:schemeClr val="accent1">
+              <a:shade val="50000"/>
+            </a:schemeClr>
+          </a:lnRef>
+          <a:fillRef idx="1">
+            <a:schemeClr val="accent1"/>
+          </a:fillRef>
+          <a:effectRef idx="0">
+            <a:schemeClr val="accent1"/>
+          </a:effectRef>
+          <a:fontRef idx="minor">
+            <a:schemeClr val="lt1"/>
+          </a:fontRef>
+        </p:style>
+        <p:txBody>
+          <a:bodyPr rtlCol="0" anchor="ctr"/>
+          <a:lstStyle/>
+          <a:p>
+            <a:pPr algn="ctr"/>
+            <a:endParaRPr lang="zh-CN" altLang="en-US"/>
+          </a:p>
+        </p:txBody>
+      </p:sp>
+      <p:sp>
+        <p:nvSpPr>
+          <p:cNvPr id="25" name="椭圆 24"/>
+          <p:cNvSpPr/>
+          <p:nvPr/>
+        </p:nvSpPr>
+        <p:spPr>
+          <a:xfrm>
+            <a:off x="1340271" y="4422042"/>
+            <a:ext cx="664375" cy="1617813"/>
+          </a:xfrm>
+          <a:prstGeom prst="ellipse">
+            <a:avLst/>
+          </a:prstGeom>
+          <a:noFill/>
+          <a:ln w="38100">
+            <a:solidFill>
+              <a:schemeClr val="accent2">
+                <a:lumMod val="50000"/>
+              </a:schemeClr>
             </a:solidFill>
           </a:ln>
         </p:spPr>
@@ -20967,7 +21781,7 @@
                             </p:stCondLst>
                             <p:childTnLst>
                               <p:par>
-                                <p:cTn id="15" presetID="10" presetClass="entr" presetSubtype="0" fill="hold" nodeType="clickEffect">
+                                <p:cTn id="15" presetID="10" presetClass="entr" presetSubtype="0" fill="hold" grpId="0" nodeType="clickEffect">
                                   <p:stCondLst>
                                     <p:cond delay="0"/>
                                   </p:stCondLst>
@@ -20980,7 +21794,7 @@
                                           </p:stCondLst>
                                         </p:cTn>
                                         <p:tgtEl>
-                                          <p:spTgt spid="9"/>
+                                          <p:spTgt spid="25"/>
                                         </p:tgtEl>
                                         <p:attrNameLst>
                                           <p:attrName>style.visibility</p:attrName>
@@ -20994,7 +21808,7 @@
                                       <p:cBhvr>
                                         <p:cTn id="17" dur="500"/>
                                         <p:tgtEl>
-                                          <p:spTgt spid="9"/>
+                                          <p:spTgt spid="25"/>
                                         </p:tgtEl>
                                       </p:cBhvr>
                                     </p:animEffect>
@@ -21020,7 +21834,7 @@
                             </p:stCondLst>
                             <p:childTnLst>
                               <p:par>
-                                <p:cTn id="20" presetID="10" presetClass="entr" presetSubtype="0" fill="hold" grpId="0" nodeType="clickEffect">
+                                <p:cTn id="20" presetID="10" presetClass="entr" presetSubtype="0" fill="hold" nodeType="clickEffect">
                                   <p:stCondLst>
                                     <p:cond delay="0"/>
                                   </p:stCondLst>
@@ -21033,7 +21847,7 @@
                                           </p:stCondLst>
                                         </p:cTn>
                                         <p:tgtEl>
-                                          <p:spTgt spid="15"/>
+                                          <p:spTgt spid="9"/>
                                         </p:tgtEl>
                                         <p:attrNameLst>
                                           <p:attrName>style.visibility</p:attrName>
@@ -21047,7 +21861,7 @@
                                       <p:cBhvr>
                                         <p:cTn id="22" dur="500"/>
                                         <p:tgtEl>
-                                          <p:spTgt spid="15"/>
+                                          <p:spTgt spid="9"/>
                                         </p:tgtEl>
                                       </p:cBhvr>
                                     </p:animEffect>
@@ -21086,7 +21900,7 @@
                                           </p:stCondLst>
                                         </p:cTn>
                                         <p:tgtEl>
-                                          <p:spTgt spid="16"/>
+                                          <p:spTgt spid="15"/>
                                         </p:tgtEl>
                                         <p:attrNameLst>
                                           <p:attrName>style.visibility</p:attrName>
@@ -21100,6 +21914,59 @@
                                       <p:cBhvr>
                                         <p:cTn id="27" dur="500"/>
                                         <p:tgtEl>
+                                          <p:spTgt spid="15"/>
+                                        </p:tgtEl>
+                                      </p:cBhvr>
+                                    </p:animEffect>
+                                  </p:childTnLst>
+                                </p:cTn>
+                              </p:par>
+                            </p:childTnLst>
+                          </p:cTn>
+                        </p:par>
+                      </p:childTnLst>
+                    </p:cTn>
+                  </p:par>
+                  <p:par>
+                    <p:cTn id="28" fill="hold">
+                      <p:stCondLst>
+                        <p:cond delay="indefinite"/>
+                      </p:stCondLst>
+                      <p:childTnLst>
+                        <p:par>
+                          <p:cTn id="29" fill="hold">
+                            <p:stCondLst>
+                              <p:cond delay="0"/>
+                            </p:stCondLst>
+                            <p:childTnLst>
+                              <p:par>
+                                <p:cTn id="30" presetID="10" presetClass="entr" presetSubtype="0" fill="hold" grpId="0" nodeType="clickEffect">
+                                  <p:stCondLst>
+                                    <p:cond delay="0"/>
+                                  </p:stCondLst>
+                                  <p:childTnLst>
+                                    <p:set>
+                                      <p:cBhvr>
+                                        <p:cTn id="31" dur="1" fill="hold">
+                                          <p:stCondLst>
+                                            <p:cond delay="0"/>
+                                          </p:stCondLst>
+                                        </p:cTn>
+                                        <p:tgtEl>
+                                          <p:spTgt spid="16"/>
+                                        </p:tgtEl>
+                                        <p:attrNameLst>
+                                          <p:attrName>style.visibility</p:attrName>
+                                        </p:attrNameLst>
+                                      </p:cBhvr>
+                                      <p:to>
+                                        <p:strVal val="visible"/>
+                                      </p:to>
+                                    </p:set>
+                                    <p:animEffect transition="in" filter="fade">
+                                      <p:cBhvr>
+                                        <p:cTn id="32" dur="500"/>
+                                        <p:tgtEl>
                                           <p:spTgt spid="16"/>
                                         </p:tgtEl>
                                       </p:cBhvr>
@@ -21108,14 +21975,14 @@
                                 </p:cTn>
                               </p:par>
                               <p:par>
-                                <p:cTn id="28" presetID="10" presetClass="entr" presetSubtype="0" fill="hold" grpId="0" nodeType="withEffect">
+                                <p:cTn id="33" presetID="10" presetClass="entr" presetSubtype="0" fill="hold" grpId="0" nodeType="withEffect">
                                   <p:stCondLst>
                                     <p:cond delay="0"/>
                                   </p:stCondLst>
                                   <p:childTnLst>
                                     <p:set>
                                       <p:cBhvr>
-                                        <p:cTn id="29" dur="1" fill="hold">
+                                        <p:cTn id="34" dur="1" fill="hold">
                                           <p:stCondLst>
                                             <p:cond delay="0"/>
                                           </p:stCondLst>
@@ -21133,7 +22000,7 @@
                                     </p:set>
                                     <p:animEffect transition="in" filter="fade">
                                       <p:cBhvr>
-                                        <p:cTn id="30" dur="500"/>
+                                        <p:cTn id="35" dur="500"/>
                                         <p:tgtEl>
                                           <p:spTgt spid="17"/>
                                         </p:tgtEl>
@@ -21143,14 +22010,14 @@
                                 </p:cTn>
                               </p:par>
                               <p:par>
-                                <p:cTn id="31" presetID="10" presetClass="entr" presetSubtype="0" fill="hold" grpId="0" nodeType="withEffect">
+                                <p:cTn id="36" presetID="10" presetClass="entr" presetSubtype="0" fill="hold" grpId="0" nodeType="withEffect">
                                   <p:stCondLst>
                                     <p:cond delay="0"/>
                                   </p:stCondLst>
                                   <p:childTnLst>
                                     <p:set>
                                       <p:cBhvr>
-                                        <p:cTn id="32" dur="1" fill="hold">
+                                        <p:cTn id="37" dur="1" fill="hold">
                                           <p:stCondLst>
                                             <p:cond delay="0"/>
                                           </p:stCondLst>
@@ -21168,7 +22035,7 @@
                                     </p:set>
                                     <p:animEffect transition="in" filter="fade">
                                       <p:cBhvr>
-                                        <p:cTn id="33" dur="500"/>
+                                        <p:cTn id="38" dur="500"/>
                                         <p:tgtEl>
                                           <p:spTgt spid="18"/>
                                         </p:tgtEl>
@@ -21178,14 +22045,14 @@
                                 </p:cTn>
                               </p:par>
                               <p:par>
-                                <p:cTn id="34" presetID="10" presetClass="entr" presetSubtype="0" fill="hold" grpId="0" nodeType="withEffect">
+                                <p:cTn id="39" presetID="10" presetClass="entr" presetSubtype="0" fill="hold" grpId="0" nodeType="withEffect">
                                   <p:stCondLst>
                                     <p:cond delay="0"/>
                                   </p:stCondLst>
                                   <p:childTnLst>
                                     <p:set>
                                       <p:cBhvr>
-                                        <p:cTn id="35" dur="1" fill="hold">
+                                        <p:cTn id="40" dur="1" fill="hold">
                                           <p:stCondLst>
                                             <p:cond delay="0"/>
                                           </p:stCondLst>
@@ -21203,7 +22070,7 @@
                                     </p:set>
                                     <p:animEffect transition="in" filter="fade">
                                       <p:cBhvr>
-                                        <p:cTn id="36" dur="500"/>
+                                        <p:cTn id="41" dur="500"/>
                                         <p:tgtEl>
                                           <p:spTgt spid="19"/>
                                         </p:tgtEl>
@@ -21213,14 +22080,14 @@
                                 </p:cTn>
                               </p:par>
                               <p:par>
-                                <p:cTn id="37" presetID="10" presetClass="entr" presetSubtype="0" fill="hold" grpId="0" nodeType="withEffect">
+                                <p:cTn id="42" presetID="10" presetClass="entr" presetSubtype="0" fill="hold" grpId="0" nodeType="withEffect">
                                   <p:stCondLst>
                                     <p:cond delay="0"/>
                                   </p:stCondLst>
                                   <p:childTnLst>
                                     <p:set>
                                       <p:cBhvr>
-                                        <p:cTn id="38" dur="1" fill="hold">
+                                        <p:cTn id="43" dur="1" fill="hold">
                                           <p:stCondLst>
                                             <p:cond delay="0"/>
                                           </p:stCondLst>
@@ -21238,7 +22105,7 @@
                                     </p:set>
                                     <p:animEffect transition="in" filter="fade">
                                       <p:cBhvr>
-                                        <p:cTn id="39" dur="500"/>
+                                        <p:cTn id="44" dur="500"/>
                                         <p:tgtEl>
                                           <p:spTgt spid="20"/>
                                         </p:tgtEl>
@@ -21254,26 +22121,26 @@
                     </p:cTn>
                   </p:par>
                   <p:par>
-                    <p:cTn id="40" fill="hold">
+                    <p:cTn id="45" fill="hold">
                       <p:stCondLst>
                         <p:cond delay="indefinite"/>
                       </p:stCondLst>
                       <p:childTnLst>
                         <p:par>
-                          <p:cTn id="41" fill="hold">
+                          <p:cTn id="46" fill="hold">
                             <p:stCondLst>
                               <p:cond delay="0"/>
                             </p:stCondLst>
                             <p:childTnLst>
                               <p:par>
-                                <p:cTn id="42" presetID="10" presetClass="entr" presetSubtype="0" fill="hold" grpId="0" nodeType="clickEffect">
+                                <p:cTn id="47" presetID="10" presetClass="entr" presetSubtype="0" fill="hold" grpId="0" nodeType="clickEffect">
                                   <p:stCondLst>
                                     <p:cond delay="0"/>
                                   </p:stCondLst>
                                   <p:childTnLst>
                                     <p:set>
                                       <p:cBhvr>
-                                        <p:cTn id="43" dur="1" fill="hold">
+                                        <p:cTn id="48" dur="1" fill="hold">
                                           <p:stCondLst>
                                             <p:cond delay="0"/>
                                           </p:stCondLst>
@@ -21291,7 +22158,7 @@
                                     </p:set>
                                     <p:animEffect transition="in" filter="fade">
                                       <p:cBhvr>
-                                        <p:cTn id="44" dur="500"/>
+                                        <p:cTn id="49" dur="500"/>
                                         <p:tgtEl>
                                           <p:spTgt spid="22"/>
                                         </p:tgtEl>
@@ -21301,14 +22168,14 @@
                                 </p:cTn>
                               </p:par>
                               <p:par>
-                                <p:cTn id="45" presetID="10" presetClass="entr" presetSubtype="0" fill="hold" grpId="0" nodeType="withEffect">
+                                <p:cTn id="50" presetID="10" presetClass="entr" presetSubtype="0" fill="hold" grpId="0" nodeType="withEffect">
                                   <p:stCondLst>
                                     <p:cond delay="0"/>
                                   </p:stCondLst>
                                   <p:childTnLst>
                                     <p:set>
                                       <p:cBhvr>
-                                        <p:cTn id="46" dur="1" fill="hold">
+                                        <p:cTn id="51" dur="1" fill="hold">
                                           <p:stCondLst>
                                             <p:cond delay="0"/>
                                           </p:stCondLst>
@@ -21326,7 +22193,7 @@
                                     </p:set>
                                     <p:animEffect transition="in" filter="fade">
                                       <p:cBhvr>
-                                        <p:cTn id="47" dur="500"/>
+                                        <p:cTn id="52" dur="500"/>
                                         <p:tgtEl>
                                           <p:spTgt spid="23"/>
                                         </p:tgtEl>
@@ -21336,14 +22203,14 @@
                                 </p:cTn>
                               </p:par>
                               <p:par>
-                                <p:cTn id="48" presetID="10" presetClass="entr" presetSubtype="0" fill="hold" grpId="0" nodeType="withEffect">
+                                <p:cTn id="53" presetID="10" presetClass="entr" presetSubtype="0" fill="hold" grpId="0" nodeType="withEffect">
                                   <p:stCondLst>
                                     <p:cond delay="0"/>
                                   </p:stCondLst>
                                   <p:childTnLst>
                                     <p:set>
                                       <p:cBhvr>
-                                        <p:cTn id="49" dur="1" fill="hold">
+                                        <p:cTn id="54" dur="1" fill="hold">
                                           <p:stCondLst>
                                             <p:cond delay="0"/>
                                           </p:stCondLst>
@@ -21361,7 +22228,7 @@
                                     </p:set>
                                     <p:animEffect transition="in" filter="fade">
                                       <p:cBhvr>
-                                        <p:cTn id="50" dur="500"/>
+                                        <p:cTn id="55" dur="500"/>
                                         <p:tgtEl>
                                           <p:spTgt spid="24"/>
                                         </p:tgtEl>
@@ -21408,6 +22275,7 @@
       <p:bldP spid="22" grpId="0" animBg="1"/>
       <p:bldP spid="23" grpId="0" animBg="1"/>
       <p:bldP spid="24" grpId="0" animBg="1"/>
+      <p:bldP spid="25" grpId="0" animBg="1"/>
     </p:bldLst>
   </p:timing>
 </p:sld>

--- a/2012013297_钟仰新_毕设论文答辩.pptx
+++ b/2012013297_钟仰新_毕设论文答辩.pptx
@@ -646,161 +646,7 @@
                 <a:ea typeface="+mn-ea"/>
                 <a:cs typeface="+mn-cs"/>
               </a:rPr>
-              <a:t>（点）第四章阐述了改进方案第二部分的特征选择技术。在</a:t>
-            </a:r>
-            <a:r>
-              <a:rPr lang="zh-CN" altLang="en-US" sz="1200" b="0" i="0" kern="1200" dirty="0" smtClean="0">
-                <a:solidFill>
-                  <a:schemeClr val="tx1"/>
-                </a:solidFill>
-                <a:latin typeface="+mn-lt"/>
-                <a:ea typeface="+mn-ea"/>
-                <a:cs typeface="+mn-cs"/>
-              </a:rPr>
-              <a:t>进行谣言判定时，原系统仅考虑了种类很少的十几个</a:t>
-            </a:r>
-            <a:r>
-              <a:rPr lang="zh-CN" altLang="en-US" sz="1200" b="0" i="0" kern="1200" dirty="0" smtClean="0">
-                <a:solidFill>
-                  <a:schemeClr val="tx1"/>
-                </a:solidFill>
-                <a:latin typeface="+mn-lt"/>
-                <a:ea typeface="+mn-ea"/>
-                <a:cs typeface="+mn-cs"/>
-              </a:rPr>
-              <a:t>特征，由于多样性</a:t>
-            </a:r>
-            <a:r>
-              <a:rPr lang="zh-CN" altLang="en-US" sz="1200" b="0" i="0" kern="1200" dirty="0" smtClean="0">
-                <a:solidFill>
-                  <a:schemeClr val="tx1"/>
-                </a:solidFill>
-                <a:latin typeface="+mn-lt"/>
-                <a:ea typeface="+mn-ea"/>
-                <a:cs typeface="+mn-cs"/>
-              </a:rPr>
-              <a:t>不足，直接影响了系统</a:t>
-            </a:r>
-            <a:r>
-              <a:rPr lang="zh-CN" altLang="en-US" sz="1200" b="0" i="0" kern="1200" dirty="0" smtClean="0">
-                <a:solidFill>
-                  <a:schemeClr val="tx1"/>
-                </a:solidFill>
-                <a:latin typeface="+mn-lt"/>
-                <a:ea typeface="+mn-ea"/>
-                <a:cs typeface="+mn-cs"/>
-              </a:rPr>
-              <a:t>的检测准确率。而本文</a:t>
-            </a:r>
-            <a:r>
-              <a:rPr lang="zh-CN" altLang="en-US" sz="1200" b="0" i="0" kern="1200" dirty="0" smtClean="0">
-                <a:solidFill>
-                  <a:schemeClr val="tx1"/>
-                </a:solidFill>
-                <a:latin typeface="+mn-lt"/>
-                <a:ea typeface="+mn-ea"/>
-                <a:cs typeface="+mn-cs"/>
-              </a:rPr>
-              <a:t>的改进方案是，向原系统引进</a:t>
-            </a:r>
-            <a:r>
-              <a:rPr lang="zh-CN" altLang="en-US" sz="1200" b="0" i="0" kern="1200" dirty="0" smtClean="0">
-                <a:solidFill>
-                  <a:schemeClr val="tx1"/>
-                </a:solidFill>
-                <a:latin typeface="+mn-lt"/>
-                <a:ea typeface="+mn-ea"/>
-                <a:cs typeface="+mn-cs"/>
-              </a:rPr>
-              <a:t>更多特征</a:t>
-            </a:r>
-            <a:r>
-              <a:rPr lang="zh-CN" altLang="en-US" sz="1200" b="0" i="0" kern="1200" dirty="0" smtClean="0">
-                <a:solidFill>
-                  <a:schemeClr val="tx1"/>
-                </a:solidFill>
-                <a:latin typeface="+mn-lt"/>
-                <a:ea typeface="+mn-ea"/>
-                <a:cs typeface="+mn-cs"/>
-              </a:rPr>
-              <a:t>；</a:t>
-            </a:r>
-            <a:r>
-              <a:rPr lang="zh-CN" altLang="en-US" sz="1200" b="0" i="0" kern="1200" dirty="0" smtClean="0">
-                <a:solidFill>
-                  <a:schemeClr val="tx1"/>
-                </a:solidFill>
-                <a:latin typeface="+mn-lt"/>
-                <a:ea typeface="+mn-ea"/>
-                <a:cs typeface="+mn-cs"/>
-              </a:rPr>
-              <a:t>但如果输入</a:t>
-            </a:r>
-            <a:r>
-              <a:rPr lang="zh-CN" altLang="en-US" sz="1200" b="0" i="0" kern="1200" dirty="0" smtClean="0">
-                <a:solidFill>
-                  <a:schemeClr val="tx1"/>
-                </a:solidFill>
-                <a:latin typeface="+mn-lt"/>
-                <a:ea typeface="+mn-ea"/>
-                <a:cs typeface="+mn-cs"/>
-              </a:rPr>
-              <a:t>太多特征，会导致</a:t>
-            </a:r>
-            <a:r>
-              <a:rPr lang="zh-CN" altLang="en-US" sz="1200" b="0" i="0" kern="1200" dirty="0" smtClean="0">
-                <a:solidFill>
-                  <a:schemeClr val="tx1"/>
-                </a:solidFill>
-                <a:latin typeface="+mn-lt"/>
-                <a:ea typeface="+mn-ea"/>
-                <a:cs typeface="+mn-cs"/>
-              </a:rPr>
-              <a:t>训练过</a:t>
-            </a:r>
-            <a:r>
-              <a:rPr lang="zh-CN" altLang="en-US" sz="1200" b="0" i="0" kern="1200" dirty="0" smtClean="0">
-                <a:solidFill>
-                  <a:schemeClr val="tx1"/>
-                </a:solidFill>
-                <a:latin typeface="+mn-lt"/>
-                <a:ea typeface="+mn-ea"/>
-                <a:cs typeface="+mn-cs"/>
-              </a:rPr>
-              <a:t>拟合</a:t>
-            </a:r>
-            <a:r>
-              <a:rPr lang="zh-CN" altLang="en-US" sz="1200" b="0" i="0" kern="1200" dirty="0" smtClean="0">
-                <a:solidFill>
-                  <a:schemeClr val="tx1"/>
-                </a:solidFill>
-                <a:latin typeface="+mn-lt"/>
-                <a:ea typeface="+mn-ea"/>
-                <a:cs typeface="+mn-cs"/>
-              </a:rPr>
-              <a:t>，因此需要特征选择技术来去除噪声</a:t>
-            </a:r>
-            <a:r>
-              <a:rPr lang="zh-CN" altLang="en-US" sz="1200" b="0" i="0" kern="1200" dirty="0" smtClean="0">
-                <a:solidFill>
-                  <a:schemeClr val="tx1"/>
-                </a:solidFill>
-                <a:latin typeface="+mn-lt"/>
-                <a:ea typeface="+mn-ea"/>
-                <a:cs typeface="+mn-cs"/>
-              </a:rPr>
-              <a:t>的、冗余的</a:t>
-            </a:r>
-            <a:r>
-              <a:rPr lang="zh-CN" altLang="en-US" sz="1200" b="0" i="0" kern="1200" dirty="0" smtClean="0">
-                <a:solidFill>
-                  <a:schemeClr val="tx1"/>
-                </a:solidFill>
-                <a:latin typeface="+mn-lt"/>
-                <a:ea typeface="+mn-ea"/>
-                <a:cs typeface="+mn-cs"/>
-              </a:rPr>
-              <a:t>特征。（点四下）本章介绍了系统采用的两类特征选择技术：过滤器和包装器，前者基于相关度分析，后者基于启发式搜索。（点三下）本文提出了一种将两者结合在一起的特征选择方法：以过滤器指导包装器的搜索起点，并且其搜索路径不同于传统的前向和后向搜索，是一个将两者结合的浮动式搜索。（点两下）而特征数量上，本文将原系统的</a:t>
+              <a:t>（点）第四章阐述了改进方案第二部分的特征选择技术。在进行谣言判定时，原系统仅考虑了种类很少的十几个特征，由于多样性不足，直接影响了系统的检测准确率。而本文的改进方案是，向原系统引进更多特征；但如果输入太多特征，会导致训练过拟合，因此需要特征选择技术来去除噪声的、冗余的特征。（点四下）本章介绍了系统采用的两类特征选择技术：过滤器和包装器，前者基于相关度分析，后者基于启发式搜索。（点三下）本文提出了一种将两者结合在一起的特征选择方法：以过滤器指导包装器的搜索起点，并且其搜索路径不同于传统的前向和后向搜索，是一个将两者结合的浮动式搜索。（点两下）而特征数量上，本文将原系统的</a:t>
             </a:r>
             <a:r>
               <a:rPr lang="en-US" altLang="zh-CN" sz="1200" b="0" i="0" kern="1200" dirty="0" smtClean="0">
@@ -1132,29 +978,7 @@
                 <a:ea typeface="+mn-ea"/>
                 <a:cs typeface="+mn-cs"/>
               </a:rPr>
-              <a:t>（点）本章共两个实验。（点三下）实验一的基本</a:t>
-            </a:r>
-            <a:r>
-              <a:rPr lang="zh-CN" altLang="en-US" sz="1200" b="0" i="0" kern="1200" dirty="0" smtClean="0">
-                <a:solidFill>
-                  <a:schemeClr val="tx1"/>
-                </a:solidFill>
-                <a:latin typeface="+mn-lt"/>
-                <a:ea typeface="+mn-ea"/>
-                <a:cs typeface="+mn-cs"/>
-              </a:rPr>
-              <a:t>任务是</a:t>
-            </a:r>
-            <a:r>
-              <a:rPr lang="zh-CN" altLang="en-US" sz="1200" b="0" i="0" kern="1200" dirty="0" smtClean="0">
-                <a:solidFill>
-                  <a:schemeClr val="tx1"/>
-                </a:solidFill>
-                <a:latin typeface="+mn-lt"/>
-                <a:ea typeface="+mn-ea"/>
-                <a:cs typeface="+mn-cs"/>
-              </a:rPr>
-              <a:t>分类，使用数据集</a:t>
+              <a:t>（点）本章共两个实验。（点三下）实验一的基本任务是分类，使用数据集</a:t>
             </a:r>
             <a:r>
               <a:rPr lang="en-US" altLang="zh-CN" sz="1200" b="0" i="0" kern="1200" dirty="0" smtClean="0">
@@ -1617,10 +1441,10 @@
                 <a:ea typeface="+mn-ea"/>
                 <a:cs typeface="+mn-cs"/>
               </a:rPr>
-              <a:t>类特征的</a:t>
-            </a:r>
-            <a:r>
-              <a:rPr lang="zh-CN" altLang="en-US" sz="1200" b="0" i="0" kern="1200" dirty="0" smtClean="0">
+              <a:t>类特征的表现都不好，而加入了各类特征选择技术后，</a:t>
+            </a:r>
+            <a:r>
+              <a:rPr lang="en-US" altLang="zh-CN" sz="1200" b="0" i="0" kern="1200" dirty="0" smtClean="0">
                 <a:solidFill>
                   <a:schemeClr val="tx1"/>
                 </a:solidFill>
@@ -1628,10 +1452,10 @@
                 <a:ea typeface="+mn-ea"/>
                 <a:cs typeface="+mn-cs"/>
               </a:rPr>
-              <a:t>表现都不好，而加入了各类特征选择技术后，</a:t>
-            </a:r>
-            <a:r>
-              <a:rPr lang="en-US" altLang="zh-CN" sz="1200" b="0" i="0" kern="1200" dirty="0" smtClean="0">
+              <a:t>Top-100</a:t>
+            </a:r>
+            <a:r>
+              <a:rPr lang="zh-CN" altLang="en-US" sz="1200" b="0" i="0" kern="1200" dirty="0" smtClean="0">
                 <a:solidFill>
                   <a:schemeClr val="tx1"/>
                 </a:solidFill>
@@ -1639,10 +1463,10 @@
                 <a:ea typeface="+mn-ea"/>
                 <a:cs typeface="+mn-cs"/>
               </a:rPr>
-              <a:t>Top-100</a:t>
-            </a:r>
-            <a:r>
-              <a:rPr lang="zh-CN" altLang="en-US" sz="1200" b="0" i="0" kern="1200" dirty="0" smtClean="0">
+              <a:t>准确率有了明显提高。（点）而本文提出的浮动包装器特征选择技术，在两种分类器下分别排名第一和第二，并且比落后于它的其它特征选择技术高不少。至于多分类器投票排名方案，本实验充分显示了其优越性。（点）无论是利用了</a:t>
+            </a:r>
+            <a:r>
+              <a:rPr lang="en-US" altLang="zh-CN" sz="1200" b="0" i="0" kern="1200" dirty="0" smtClean="0">
                 <a:solidFill>
                   <a:schemeClr val="tx1"/>
                 </a:solidFill>
@@ -1650,7 +1474,7 @@
                 <a:ea typeface="+mn-ea"/>
                 <a:cs typeface="+mn-cs"/>
               </a:rPr>
-              <a:t>准确率</a:t>
+              <a:t>6</a:t>
             </a:r>
             <a:r>
               <a:rPr lang="zh-CN" altLang="en-US" sz="1200" b="0" i="0" kern="1200" dirty="0" smtClean="0">
@@ -1661,10 +1485,10 @@
                 <a:ea typeface="+mn-ea"/>
                 <a:cs typeface="+mn-cs"/>
               </a:rPr>
-              <a:t>有了明显提高。（点）而本文提出的浮动包装器特征选择技术，在两种分类器下分别排名第一和第二，并且比落后于它的其它特征选择技术高不少。至于</a:t>
-            </a:r>
-            <a:r>
-              <a:rPr lang="zh-CN" altLang="en-US" sz="1200" b="0" i="0" kern="1200" dirty="0" smtClean="0">
+              <a:t>决策树共同排名，还是</a:t>
+            </a:r>
+            <a:r>
+              <a:rPr lang="en-US" altLang="zh-CN" sz="1200" b="0" i="0" kern="1200" dirty="0" smtClean="0">
                 <a:solidFill>
                   <a:schemeClr val="tx1"/>
                 </a:solidFill>
@@ -1672,7 +1496,7 @@
                 <a:ea typeface="+mn-ea"/>
                 <a:cs typeface="+mn-cs"/>
               </a:rPr>
-              <a:t>多分类器投票排名方案，本实验充分显示</a:t>
+              <a:t>6</a:t>
             </a:r>
             <a:r>
               <a:rPr lang="zh-CN" altLang="en-US" sz="1200" b="0" i="0" kern="1200" dirty="0" smtClean="0">
@@ -1683,7 +1507,7 @@
                 <a:ea typeface="+mn-ea"/>
                 <a:cs typeface="+mn-cs"/>
               </a:rPr>
-              <a:t>了其优越性。（点）无论是利用了</a:t>
+              <a:t>朴素贝叶斯共同排名，他们比其它方案的</a:t>
             </a:r>
             <a:r>
               <a:rPr lang="en-US" altLang="zh-CN" sz="1200" b="0" i="0" kern="1200" dirty="0" smtClean="0">
@@ -1694,7 +1518,7 @@
                 <a:ea typeface="+mn-ea"/>
                 <a:cs typeface="+mn-cs"/>
               </a:rPr>
-              <a:t>6</a:t>
+              <a:t>Top-100</a:t>
             </a:r>
             <a:r>
               <a:rPr lang="zh-CN" altLang="en-US" sz="1200" b="0" i="0" kern="1200" dirty="0" smtClean="0">
@@ -1705,10 +1529,10 @@
                 <a:ea typeface="+mn-ea"/>
                 <a:cs typeface="+mn-cs"/>
               </a:rPr>
-              <a:t>决策树共同排名，</a:t>
-            </a:r>
-            <a:r>
-              <a:rPr lang="zh-CN" altLang="en-US" sz="1200" b="0" i="0" kern="1200" dirty="0" smtClean="0">
+              <a:t>准确率都要高很多。（点）另外值得注意的是他们的</a:t>
+            </a:r>
+            <a:r>
+              <a:rPr lang="en-US" altLang="zh-CN" sz="1200" b="0" i="0" kern="1200" dirty="0" smtClean="0">
                 <a:solidFill>
                   <a:schemeClr val="tx1"/>
                 </a:solidFill>
@@ -1716,10 +1540,10 @@
                 <a:ea typeface="+mn-ea"/>
                 <a:cs typeface="+mn-cs"/>
               </a:rPr>
-              <a:t>还是</a:t>
-            </a:r>
-            <a:r>
-              <a:rPr lang="en-US" altLang="zh-CN" sz="1200" b="0" i="0" kern="1200" dirty="0" smtClean="0">
+              <a:t>Top-20</a:t>
+            </a:r>
+            <a:r>
+              <a:rPr lang="zh-CN" altLang="en-US" sz="1200" b="0" i="0" kern="1200" dirty="0" smtClean="0">
                 <a:solidFill>
                   <a:schemeClr val="tx1"/>
                 </a:solidFill>
@@ -1727,10 +1551,10 @@
                 <a:ea typeface="+mn-ea"/>
                 <a:cs typeface="+mn-cs"/>
               </a:rPr>
-              <a:t>6</a:t>
-            </a:r>
-            <a:r>
-              <a:rPr lang="zh-CN" altLang="en-US" sz="1200" b="0" i="0" kern="1200" dirty="0" smtClean="0">
+              <a:t>准确率都很高，其中使用了</a:t>
+            </a:r>
+            <a:r>
+              <a:rPr lang="en-US" altLang="zh-CN" sz="1200" b="0" i="0" kern="1200" dirty="0" smtClean="0">
                 <a:solidFill>
                   <a:schemeClr val="tx1"/>
                 </a:solidFill>
@@ -1738,7 +1562,7 @@
                 <a:ea typeface="+mn-ea"/>
                 <a:cs typeface="+mn-cs"/>
               </a:rPr>
-              <a:t>朴素贝</a:t>
+              <a:t>6</a:t>
             </a:r>
             <a:r>
               <a:rPr lang="zh-CN" altLang="en-US" sz="1200" b="0" i="0" kern="1200" dirty="0" smtClean="0">
@@ -1749,7 +1573,7 @@
                 <a:ea typeface="+mn-ea"/>
                 <a:cs typeface="+mn-cs"/>
               </a:rPr>
-              <a:t>叶斯共同排名，他们比其它方案的</a:t>
+              <a:t>决策树</a:t>
             </a:r>
             <a:r>
               <a:rPr lang="en-US" altLang="zh-CN" sz="1200" b="0" i="0" kern="1200" dirty="0" smtClean="0">
@@ -1760,7 +1584,7 @@
                 <a:ea typeface="+mn-ea"/>
                 <a:cs typeface="+mn-cs"/>
               </a:rPr>
-              <a:t>Top-100</a:t>
+              <a:t>+6</a:t>
             </a:r>
             <a:r>
               <a:rPr lang="zh-CN" altLang="en-US" sz="1200" b="0" i="0" kern="1200" dirty="0" smtClean="0">
@@ -1771,10 +1595,10 @@
                 <a:ea typeface="+mn-ea"/>
                 <a:cs typeface="+mn-cs"/>
               </a:rPr>
-              <a:t>准确率都要</a:t>
-            </a:r>
-            <a:r>
-              <a:rPr lang="zh-CN" altLang="en-US" sz="1200" b="0" i="0" kern="1200" dirty="0" smtClean="0">
+              <a:t>朴素贝叶斯的排名方案，</a:t>
+            </a:r>
+            <a:r>
+              <a:rPr lang="en-US" altLang="zh-CN" sz="1200" b="0" i="0" kern="1200" dirty="0" smtClean="0">
                 <a:solidFill>
                   <a:schemeClr val="tx1"/>
                 </a:solidFill>
@@ -1782,7 +1606,7 @@
                 <a:ea typeface="+mn-ea"/>
                 <a:cs typeface="+mn-cs"/>
               </a:rPr>
-              <a:t>高很多。（点）另外</a:t>
+              <a:t>Top-20</a:t>
             </a:r>
             <a:r>
               <a:rPr lang="zh-CN" altLang="en-US" sz="1200" b="0" i="0" kern="1200" dirty="0" smtClean="0">
@@ -1793,7 +1617,7 @@
                 <a:ea typeface="+mn-ea"/>
                 <a:cs typeface="+mn-cs"/>
               </a:rPr>
-              <a:t>值得注意的是他们的</a:t>
+              <a:t>谣言准确率更是高达</a:t>
             </a:r>
             <a:r>
               <a:rPr lang="en-US" altLang="zh-CN" sz="1200" b="0" i="0" kern="1200" dirty="0" smtClean="0">
@@ -1804,7 +1628,7 @@
                 <a:ea typeface="+mn-ea"/>
                 <a:cs typeface="+mn-cs"/>
               </a:rPr>
-              <a:t>Top-20</a:t>
+              <a:t>90%</a:t>
             </a:r>
             <a:r>
               <a:rPr lang="zh-CN" altLang="en-US" sz="1200" b="0" i="0" kern="1200" dirty="0" smtClean="0">
@@ -1815,271 +1639,7 @@
                 <a:ea typeface="+mn-ea"/>
                 <a:cs typeface="+mn-cs"/>
               </a:rPr>
-              <a:t>准确率都很高</a:t>
-            </a:r>
-            <a:r>
-              <a:rPr lang="zh-CN" altLang="en-US" sz="1200" b="0" i="0" kern="1200" dirty="0" smtClean="0">
-                <a:solidFill>
-                  <a:schemeClr val="tx1"/>
-                </a:solidFill>
-                <a:latin typeface="+mn-lt"/>
-                <a:ea typeface="+mn-ea"/>
-                <a:cs typeface="+mn-cs"/>
-              </a:rPr>
-              <a:t>，其中使用了</a:t>
-            </a:r>
-            <a:r>
-              <a:rPr lang="en-US" altLang="zh-CN" sz="1200" b="0" i="0" kern="1200" dirty="0" smtClean="0">
-                <a:solidFill>
-                  <a:schemeClr val="tx1"/>
-                </a:solidFill>
-                <a:latin typeface="+mn-lt"/>
-                <a:ea typeface="+mn-ea"/>
-                <a:cs typeface="+mn-cs"/>
-              </a:rPr>
-              <a:t>6</a:t>
-            </a:r>
-            <a:r>
-              <a:rPr lang="zh-CN" altLang="en-US" sz="1200" b="0" i="0" kern="1200" dirty="0" smtClean="0">
-                <a:solidFill>
-                  <a:schemeClr val="tx1"/>
-                </a:solidFill>
-                <a:latin typeface="+mn-lt"/>
-                <a:ea typeface="+mn-ea"/>
-                <a:cs typeface="+mn-cs"/>
-              </a:rPr>
-              <a:t>决策树</a:t>
-            </a:r>
-            <a:r>
-              <a:rPr lang="en-US" altLang="zh-CN" sz="1200" b="0" i="0" kern="1200" dirty="0" smtClean="0">
-                <a:solidFill>
-                  <a:schemeClr val="tx1"/>
-                </a:solidFill>
-                <a:latin typeface="+mn-lt"/>
-                <a:ea typeface="+mn-ea"/>
-                <a:cs typeface="+mn-cs"/>
-              </a:rPr>
-              <a:t>+6</a:t>
-            </a:r>
-            <a:r>
-              <a:rPr lang="zh-CN" altLang="en-US" sz="1200" b="0" i="0" kern="1200" dirty="0" smtClean="0">
-                <a:solidFill>
-                  <a:schemeClr val="tx1"/>
-                </a:solidFill>
-                <a:latin typeface="+mn-lt"/>
-                <a:ea typeface="+mn-ea"/>
-                <a:cs typeface="+mn-cs"/>
-              </a:rPr>
-              <a:t>朴素贝叶斯</a:t>
-            </a:r>
-            <a:r>
-              <a:rPr lang="zh-CN" altLang="en-US" sz="1200" b="0" i="0" kern="1200" dirty="0" smtClean="0">
-                <a:solidFill>
-                  <a:schemeClr val="tx1"/>
-                </a:solidFill>
-                <a:latin typeface="+mn-lt"/>
-                <a:ea typeface="+mn-ea"/>
-                <a:cs typeface="+mn-cs"/>
-              </a:rPr>
-              <a:t>的排名方案，</a:t>
-            </a:r>
-            <a:r>
-              <a:rPr lang="en-US" altLang="zh-CN" sz="1200" b="0" i="0" kern="1200" dirty="0" smtClean="0">
-                <a:solidFill>
-                  <a:schemeClr val="tx1"/>
-                </a:solidFill>
-                <a:latin typeface="+mn-lt"/>
-                <a:ea typeface="+mn-ea"/>
-                <a:cs typeface="+mn-cs"/>
-              </a:rPr>
-              <a:t>Top-20</a:t>
-            </a:r>
-            <a:r>
-              <a:rPr lang="zh-CN" altLang="en-US" sz="1200" b="0" i="0" kern="1200" dirty="0" smtClean="0">
-                <a:solidFill>
-                  <a:schemeClr val="tx1"/>
-                </a:solidFill>
-                <a:latin typeface="+mn-lt"/>
-                <a:ea typeface="+mn-ea"/>
-                <a:cs typeface="+mn-cs"/>
-              </a:rPr>
-              <a:t>谣言准确率更是高达</a:t>
-            </a:r>
-            <a:r>
-              <a:rPr lang="en-US" altLang="zh-CN" sz="1200" b="0" i="0" kern="1200" dirty="0" smtClean="0">
-                <a:solidFill>
-                  <a:schemeClr val="tx1"/>
-                </a:solidFill>
-                <a:latin typeface="+mn-lt"/>
-                <a:ea typeface="+mn-ea"/>
-                <a:cs typeface="+mn-cs"/>
-              </a:rPr>
-              <a:t>90%</a:t>
-            </a:r>
-            <a:r>
-              <a:rPr lang="zh-CN" altLang="en-US" sz="1200" b="0" i="0" kern="1200" dirty="0" smtClean="0">
-                <a:solidFill>
-                  <a:schemeClr val="tx1"/>
-                </a:solidFill>
-                <a:latin typeface="+mn-lt"/>
-                <a:ea typeface="+mn-ea"/>
-                <a:cs typeface="+mn-cs"/>
-              </a:rPr>
-              <a:t>。这并不是偶然，而是多分类器投票排名方案有助于</a:t>
-            </a:r>
-            <a:r>
-              <a:rPr lang="zh-CN" altLang="en-US" sz="1200" b="0" i="0" kern="1200" dirty="0" smtClean="0">
-                <a:solidFill>
-                  <a:schemeClr val="tx1"/>
-                </a:solidFill>
-                <a:latin typeface="+mn-lt"/>
-                <a:ea typeface="+mn-ea"/>
-                <a:cs typeface="+mn-cs"/>
-              </a:rPr>
-              <a:t>将可疑</a:t>
-            </a:r>
-            <a:r>
-              <a:rPr lang="zh-CN" altLang="en-US" sz="1200" b="0" i="0" kern="1200" dirty="0" smtClean="0">
-                <a:solidFill>
-                  <a:schemeClr val="tx1"/>
-                </a:solidFill>
-                <a:latin typeface="+mn-lt"/>
-                <a:ea typeface="+mn-ea"/>
-                <a:cs typeface="+mn-cs"/>
-              </a:rPr>
-              <a:t>度较高</a:t>
-            </a:r>
-            <a:r>
-              <a:rPr lang="zh-CN" altLang="en-US" sz="1200" b="0" i="0" kern="1200" dirty="0" smtClean="0">
-                <a:solidFill>
-                  <a:schemeClr val="tx1"/>
-                </a:solidFill>
-                <a:latin typeface="+mn-lt"/>
-                <a:ea typeface="+mn-ea"/>
-                <a:cs typeface="+mn-cs"/>
-              </a:rPr>
-              <a:t>的真谣言，通过投票重新排</a:t>
-            </a:r>
-            <a:r>
-              <a:rPr lang="zh-CN" altLang="en-US" sz="1200" b="0" i="0" kern="1200" dirty="0" smtClean="0">
-                <a:solidFill>
-                  <a:schemeClr val="tx1"/>
-                </a:solidFill>
-                <a:latin typeface="+mn-lt"/>
-                <a:ea typeface="+mn-ea"/>
-                <a:cs typeface="+mn-cs"/>
-              </a:rPr>
-              <a:t>在最前面，</a:t>
-            </a:r>
-            <a:r>
-              <a:rPr lang="zh-CN" altLang="en-US" sz="1200" b="0" i="0" kern="1200" dirty="0" smtClean="0">
-                <a:solidFill>
-                  <a:schemeClr val="tx1"/>
-                </a:solidFill>
-                <a:latin typeface="+mn-lt"/>
-                <a:ea typeface="+mn-ea"/>
-                <a:cs typeface="+mn-cs"/>
-              </a:rPr>
-              <a:t>这与“集体决策”</a:t>
-            </a:r>
-            <a:r>
-              <a:rPr lang="zh-CN" altLang="en-US" sz="1200" b="0" i="0" kern="1200" dirty="0" smtClean="0">
-                <a:solidFill>
-                  <a:schemeClr val="tx1"/>
-                </a:solidFill>
-                <a:latin typeface="+mn-lt"/>
-                <a:ea typeface="+mn-ea"/>
-                <a:cs typeface="+mn-cs"/>
-              </a:rPr>
-              <a:t>和“抹消偏见”</a:t>
-            </a:r>
-            <a:r>
-              <a:rPr lang="zh-CN" altLang="en-US" sz="1200" b="0" i="0" kern="1200" dirty="0" smtClean="0">
-                <a:solidFill>
-                  <a:schemeClr val="tx1"/>
-                </a:solidFill>
-                <a:latin typeface="+mn-lt"/>
-                <a:ea typeface="+mn-ea"/>
-                <a:cs typeface="+mn-cs"/>
-              </a:rPr>
-              <a:t>有关。</a:t>
-            </a:r>
-            <a:r>
-              <a:rPr lang="zh-CN" altLang="en-US" sz="1200" b="0" i="0" kern="1200" dirty="0" smtClean="0">
-                <a:solidFill>
-                  <a:schemeClr val="tx1"/>
-                </a:solidFill>
-                <a:latin typeface="+mn-lt"/>
-                <a:ea typeface="+mn-ea"/>
-                <a:cs typeface="+mn-cs"/>
-              </a:rPr>
-              <a:t>这种改变候选谣言分布的特性非常有利于系统的真实应用</a:t>
-            </a:r>
-            <a:r>
-              <a:rPr lang="zh-CN" altLang="en-US" sz="1200" b="0" i="0" kern="1200" dirty="0" smtClean="0">
-                <a:solidFill>
-                  <a:schemeClr val="tx1"/>
-                </a:solidFill>
-                <a:latin typeface="+mn-lt"/>
-                <a:ea typeface="+mn-ea"/>
-                <a:cs typeface="+mn-cs"/>
-              </a:rPr>
-              <a:t>场景：由于人力、时间有限，对候选消息仅能人工审核排</a:t>
-            </a:r>
-            <a:r>
-              <a:rPr lang="zh-CN" altLang="en-US" sz="1200" b="0" i="0" kern="1200" dirty="0" smtClean="0">
-                <a:solidFill>
-                  <a:schemeClr val="tx1"/>
-                </a:solidFill>
-                <a:latin typeface="+mn-lt"/>
-                <a:ea typeface="+mn-ea"/>
-                <a:cs typeface="+mn-cs"/>
-              </a:rPr>
-              <a:t>在最前面</a:t>
-            </a:r>
-            <a:r>
-              <a:rPr lang="zh-CN" altLang="en-US" sz="1200" b="0" i="0" kern="1200" dirty="0" smtClean="0">
-                <a:solidFill>
-                  <a:schemeClr val="tx1"/>
-                </a:solidFill>
-                <a:latin typeface="+mn-lt"/>
-                <a:ea typeface="+mn-ea"/>
-                <a:cs typeface="+mn-cs"/>
-              </a:rPr>
-              <a:t>的一些，</a:t>
-            </a:r>
-            <a:r>
-              <a:rPr lang="zh-CN" altLang="en-US" sz="1200" b="0" i="0" kern="1200" dirty="0" smtClean="0">
-                <a:solidFill>
-                  <a:schemeClr val="tx1"/>
-                </a:solidFill>
-                <a:latin typeface="+mn-lt"/>
-                <a:ea typeface="+mn-ea"/>
-                <a:cs typeface="+mn-cs"/>
-              </a:rPr>
-              <a:t>因此这部分消息的准确率越高</a:t>
-            </a:r>
-            <a:r>
-              <a:rPr lang="zh-CN" altLang="en-US" sz="1200" b="0" i="0" kern="1200" dirty="0" smtClean="0">
-                <a:solidFill>
-                  <a:schemeClr val="tx1"/>
-                </a:solidFill>
-                <a:latin typeface="+mn-lt"/>
-                <a:ea typeface="+mn-ea"/>
-                <a:cs typeface="+mn-cs"/>
-              </a:rPr>
-              <a:t>，越能提高审核效率。所以说新的排名方法有利于</a:t>
-            </a:r>
-            <a:r>
-              <a:rPr lang="zh-CN" altLang="en-US" sz="1200" b="0" i="0" kern="1200" dirty="0" smtClean="0">
-                <a:solidFill>
-                  <a:schemeClr val="tx1"/>
-                </a:solidFill>
-                <a:latin typeface="+mn-lt"/>
-                <a:ea typeface="+mn-ea"/>
-                <a:cs typeface="+mn-cs"/>
-              </a:rPr>
-              <a:t>提高系统的实用性。</a:t>
+              <a:t>。这并不是偶然，而是多分类器投票排名方案有助于将可疑度较高的真谣言，通过投票重新排在最前面，这与“集体决策”和“抹消偏见”有关。这种改变候选谣言分布的特性非常有利于系统的真实应用场景：由于人力、时间有限，对候选消息仅能人工审核排在最前面的一些，因此这部分消息的准确率越高，越能提高审核效率。所以说新的排名方法有利于提高系统的实用性。</a:t>
             </a:r>
             <a:endParaRPr lang="en-US" altLang="zh-CN" sz="1200" b="0" i="0" kern="1200" dirty="0" smtClean="0">
               <a:solidFill>
@@ -2213,10 +1773,10 @@
                 <a:ea typeface="+mn-ea"/>
                 <a:cs typeface="+mn-cs"/>
               </a:rPr>
-              <a:t>广阔：</a:t>
-            </a:r>
-            <a:r>
-              <a:rPr lang="zh-CN" altLang="zh-CN" sz="1200" kern="1200" dirty="0" smtClean="0">
+              <a:t>广阔：有关于体育明星感染埃博拉病毒</a:t>
+            </a:r>
+            <a:r>
+              <a:rPr lang="zh-CN" altLang="en-US" sz="1200" kern="1200" dirty="0" smtClean="0">
                 <a:solidFill>
                   <a:schemeClr val="tx1"/>
                 </a:solidFill>
@@ -2225,7 +1785,7 @@
                 <a:ea typeface="+mn-ea"/>
                 <a:cs typeface="+mn-cs"/>
               </a:rPr>
-              <a:t>有关于体育</a:t>
+              <a:t>的谣言</a:t>
             </a:r>
             <a:r>
               <a:rPr lang="zh-CN" altLang="zh-CN" sz="1200" kern="1200" dirty="0" smtClean="0">
@@ -2237,67 +1797,7 @@
                 <a:ea typeface="+mn-ea"/>
                 <a:cs typeface="+mn-cs"/>
               </a:rPr>
-              <a:t>明星感染埃博拉</a:t>
-            </a:r>
-            <a:r>
-              <a:rPr lang="zh-CN" altLang="zh-CN" sz="1200" kern="1200" dirty="0" smtClean="0">
-                <a:solidFill>
-                  <a:schemeClr val="tx1"/>
-                </a:solidFill>
-                <a:effectLst/>
-                <a:latin typeface="+mn-lt"/>
-                <a:ea typeface="+mn-ea"/>
-                <a:cs typeface="+mn-cs"/>
-              </a:rPr>
-              <a:t>病毒</a:t>
-            </a:r>
-            <a:r>
-              <a:rPr lang="zh-CN" altLang="en-US" sz="1200" kern="1200" dirty="0" smtClean="0">
-                <a:solidFill>
-                  <a:schemeClr val="tx1"/>
-                </a:solidFill>
-                <a:effectLst/>
-                <a:latin typeface="+mn-lt"/>
-                <a:ea typeface="+mn-ea"/>
-                <a:cs typeface="+mn-cs"/>
-              </a:rPr>
-              <a:t>的谣言</a:t>
-            </a:r>
-            <a:r>
-              <a:rPr lang="zh-CN" altLang="zh-CN" sz="1200" kern="1200" dirty="0" smtClean="0">
-                <a:solidFill>
-                  <a:schemeClr val="tx1"/>
-                </a:solidFill>
-                <a:effectLst/>
-                <a:latin typeface="+mn-lt"/>
-                <a:ea typeface="+mn-ea"/>
-                <a:cs typeface="+mn-cs"/>
-              </a:rPr>
-              <a:t>，</a:t>
-            </a:r>
-            <a:r>
-              <a:rPr lang="zh-CN" altLang="zh-CN" sz="1200" kern="1200" dirty="0" smtClean="0">
-                <a:solidFill>
-                  <a:schemeClr val="tx1"/>
-                </a:solidFill>
-                <a:effectLst/>
-                <a:latin typeface="+mn-lt"/>
-                <a:ea typeface="+mn-ea"/>
-                <a:cs typeface="+mn-cs"/>
-              </a:rPr>
-              <a:t>有关于某地区出现埃博拉病例</a:t>
-            </a:r>
-            <a:r>
-              <a:rPr lang="zh-CN" altLang="zh-CN" sz="1200" kern="1200" dirty="0" smtClean="0">
-                <a:solidFill>
-                  <a:schemeClr val="tx1"/>
-                </a:solidFill>
-                <a:effectLst/>
-                <a:latin typeface="+mn-lt"/>
-                <a:ea typeface="+mn-ea"/>
-                <a:cs typeface="+mn-cs"/>
-              </a:rPr>
-              <a:t>的</a:t>
+              <a:t>，有关于某地区出现埃博拉病例的</a:t>
             </a:r>
             <a:r>
               <a:rPr lang="zh-CN" altLang="en-US" sz="1200" kern="1200" dirty="0" smtClean="0">
@@ -3603,95 +3103,7 @@
                 <a:ea typeface="+mn-ea"/>
                 <a:cs typeface="+mn-cs"/>
               </a:rPr>
-              <a:t>种相似度因素。（点）而聚类算法中是层级</a:t>
-            </a:r>
-            <a:r>
-              <a:rPr lang="zh-CN" altLang="en-US" sz="1200" b="0" i="0" kern="1200" dirty="0" smtClean="0">
-                <a:solidFill>
-                  <a:schemeClr val="tx1"/>
-                </a:solidFill>
-                <a:latin typeface="+mn-lt"/>
-                <a:ea typeface="+mn-ea"/>
-                <a:cs typeface="+mn-cs"/>
-              </a:rPr>
-              <a:t>聚类法最好，因为用户经常是看了某个好友的消息后</a:t>
-            </a:r>
-            <a:r>
-              <a:rPr lang="zh-CN" altLang="en-US" sz="1200" b="0" i="0" kern="1200" dirty="0" smtClean="0">
-                <a:solidFill>
-                  <a:schemeClr val="tx1"/>
-                </a:solidFill>
-                <a:latin typeface="+mn-lt"/>
-                <a:ea typeface="+mn-ea"/>
-                <a:cs typeface="+mn-cs"/>
-              </a:rPr>
-              <a:t>转发评论了他</a:t>
-            </a:r>
-            <a:r>
-              <a:rPr lang="zh-CN" altLang="en-US" sz="1200" b="0" i="0" kern="1200" dirty="0" smtClean="0">
-                <a:solidFill>
-                  <a:schemeClr val="tx1"/>
-                </a:solidFill>
-                <a:latin typeface="+mn-lt"/>
-                <a:ea typeface="+mn-ea"/>
-                <a:cs typeface="+mn-cs"/>
-              </a:rPr>
-              <a:t>的消息，因此对大部分</a:t>
-            </a:r>
-            <a:r>
-              <a:rPr lang="zh-CN" altLang="en-US" sz="1200" b="0" i="0" kern="1200" dirty="0" smtClean="0">
-                <a:solidFill>
-                  <a:schemeClr val="tx1"/>
-                </a:solidFill>
-                <a:latin typeface="+mn-lt"/>
-                <a:ea typeface="+mn-ea"/>
-                <a:cs typeface="+mn-cs"/>
-              </a:rPr>
-              <a:t>消息而言，</a:t>
-            </a:r>
-            <a:r>
-              <a:rPr lang="zh-CN" altLang="en-US" sz="1200" b="0" i="0" kern="1200" dirty="0" smtClean="0">
-                <a:solidFill>
-                  <a:schemeClr val="tx1"/>
-                </a:solidFill>
-                <a:latin typeface="+mn-lt"/>
-                <a:ea typeface="+mn-ea"/>
-                <a:cs typeface="+mn-cs"/>
-              </a:rPr>
-              <a:t>至少有一个同类的消息与他高度相似</a:t>
-            </a:r>
-            <a:r>
-              <a:rPr lang="zh-CN" altLang="en-US" sz="1200" b="0" i="0" kern="1200" dirty="0" smtClean="0">
-                <a:solidFill>
-                  <a:schemeClr val="tx1"/>
-                </a:solidFill>
-                <a:latin typeface="+mn-lt"/>
-                <a:ea typeface="+mn-ea"/>
-                <a:cs typeface="+mn-cs"/>
-              </a:rPr>
-              <a:t>，因此使用层级</a:t>
-            </a:r>
-            <a:r>
-              <a:rPr lang="zh-CN" altLang="en-US" sz="1200" b="0" i="0" kern="1200" dirty="0" smtClean="0">
-                <a:solidFill>
-                  <a:schemeClr val="tx1"/>
-                </a:solidFill>
-                <a:latin typeface="+mn-lt"/>
-                <a:ea typeface="+mn-ea"/>
-                <a:cs typeface="+mn-cs"/>
-              </a:rPr>
-              <a:t>聚类法的贪心</a:t>
-            </a:r>
-            <a:r>
-              <a:rPr lang="zh-CN" altLang="en-US" sz="1200" b="0" i="0" kern="1200" dirty="0" smtClean="0">
-                <a:solidFill>
-                  <a:schemeClr val="tx1"/>
-                </a:solidFill>
-                <a:latin typeface="+mn-lt"/>
-                <a:ea typeface="+mn-ea"/>
-                <a:cs typeface="+mn-cs"/>
-              </a:rPr>
-              <a:t>原理很适合社交网络中的话题聚类。</a:t>
+              <a:t>种相似度因素。（点）而聚类算法中是层级聚类法最好，因为用户经常是看了某个好友的消息后转发评论了他的消息，因此对大部分消息而言，至少有一个同类的消息与他高度相似，因此使用层级聚类法的贪心原理很适合社交网络中的话题聚类。</a:t>
             </a:r>
             <a:endParaRPr lang="en-US" altLang="zh-CN" sz="1200" b="0" i="0" kern="1200" dirty="0" smtClean="0">
               <a:solidFill>
@@ -4055,29 +3467,7 @@
                 <a:ea typeface="+mn-ea"/>
                 <a:cs typeface="+mn-cs"/>
               </a:rPr>
-              <a:t>虽然加权相似度表现良好，但其权重</a:t>
-            </a:r>
-            <a:r>
-              <a:rPr lang="zh-CN" altLang="en-US" sz="1200" b="0" i="0" kern="1200" dirty="0" smtClean="0">
-                <a:solidFill>
-                  <a:schemeClr val="tx1"/>
-                </a:solidFill>
-                <a:latin typeface="+mn-lt"/>
-                <a:ea typeface="+mn-ea"/>
-                <a:cs typeface="+mn-cs"/>
-              </a:rPr>
-              <a:t>该如何</a:t>
-            </a:r>
-            <a:r>
-              <a:rPr lang="zh-CN" altLang="en-US" sz="1200" b="0" i="0" kern="1200" dirty="0" smtClean="0">
-                <a:solidFill>
-                  <a:schemeClr val="tx1"/>
-                </a:solidFill>
-                <a:latin typeface="+mn-lt"/>
-                <a:ea typeface="+mn-ea"/>
-                <a:cs typeface="+mn-cs"/>
-              </a:rPr>
-              <a:t>分配呢？（点）本文进行了讨论。实验中在各种情况下使用网格搜索寻找最优权重配比，然后对这些最优配比进行平均（点），查看</a:t>
+              <a:t>虽然加权相似度表现良好，但其权重该如何分配呢？（点）本文进行了讨论。实验中在各种情况下使用网格搜索寻找最优权重配比，然后对这些最优配比进行平均（点），查看</a:t>
             </a:r>
             <a:r>
               <a:rPr lang="en-US" altLang="zh-CN" sz="1200" b="0" i="0" kern="1200" dirty="0" smtClean="0">
@@ -4320,29 +3710,7 @@
                 <a:ea typeface="+mn-ea"/>
                 <a:cs typeface="+mn-cs"/>
               </a:rPr>
-              <a:t>相比足足缩减了一半，这充分说明方案对原系统第一个问题有很好的改进成效。（点）右边</a:t>
-            </a:r>
-            <a:r>
-              <a:rPr lang="zh-CN" altLang="en-US" sz="1200" b="0" i="0" kern="1200" baseline="0" dirty="0" smtClean="0">
-                <a:solidFill>
-                  <a:schemeClr val="tx1"/>
-                </a:solidFill>
-                <a:latin typeface="+mn-lt"/>
-                <a:ea typeface="+mn-ea"/>
-                <a:cs typeface="+mn-cs"/>
-              </a:rPr>
-              <a:t>的表格是一些系统实际的聚类例子</a:t>
-            </a:r>
-            <a:r>
-              <a:rPr lang="zh-CN" altLang="en-US" sz="1200" b="0" i="0" kern="1200" baseline="0" dirty="0" smtClean="0">
-                <a:solidFill>
-                  <a:schemeClr val="tx1"/>
-                </a:solidFill>
-                <a:latin typeface="+mn-lt"/>
-                <a:ea typeface="+mn-ea"/>
-                <a:cs typeface="+mn-cs"/>
-              </a:rPr>
-              <a:t>，这些消息的文本都不太相似，（点）在原系统中被分成了好多候选消息，但在新系统中都基本被正确聚类，因为它们的时间相似度高、（点两下）</a:t>
+              <a:t>相比足足缩减了一半，这充分说明方案对原系统第一个问题有很好的改进成效。（点）右边的表格是一些系统实际的聚类例子，这些消息的文本都不太相似，（点）在原系统中被分成了好多候选消息，但在新系统中都基本被正确聚类，因为它们的时间相似度高、（点两下）</a:t>
             </a:r>
             <a:r>
               <a:rPr lang="en-US" altLang="zh-CN" sz="1200" b="0" i="0" kern="1200" baseline="0" dirty="0" smtClean="0">
@@ -8033,11 +7401,7 @@
           <a:p>
             <a:r>
               <a:rPr lang="zh-CN" altLang="en-US" sz="2800" dirty="0" smtClean="0"/>
-              <a:t>钟</a:t>
-            </a:r>
-            <a:r>
-              <a:rPr lang="zh-CN" altLang="en-US" sz="2800" dirty="0" smtClean="0"/>
-              <a:t>仰新</a:t>
+              <a:t>钟仰新</a:t>
             </a:r>
             <a:r>
               <a:rPr lang="en-US" altLang="zh-CN" sz="2800" dirty="0" smtClean="0"/>
@@ -13986,17 +13350,7 @@
                 <a:latin typeface="黑体" pitchFamily="49" charset="-122"/>
                 <a:ea typeface="黑体" pitchFamily="49" charset="-122"/>
               </a:rPr>
-              <a:t>聚类</a:t>
-            </a:r>
-            <a:r>
-              <a:rPr lang="zh-CN" altLang="en-US" sz="2000" dirty="0" smtClean="0">
-                <a:solidFill>
-                  <a:prstClr val="black"/>
-                </a:solidFill>
-                <a:latin typeface="黑体" pitchFamily="49" charset="-122"/>
-                <a:ea typeface="黑体" pitchFamily="49" charset="-122"/>
-              </a:rPr>
-              <a:t>探讨了</a:t>
+              <a:t>聚类探讨了</a:t>
             </a:r>
             <a:r>
               <a:rPr lang="en-US" altLang="zh-CN" sz="2000" dirty="0" smtClean="0">
@@ -15105,17 +14459,7 @@
                 <a:latin typeface="黑体" pitchFamily="49" charset="-122"/>
                 <a:ea typeface="黑体" pitchFamily="49" charset="-122"/>
               </a:rPr>
-              <a:t> </a:t>
-            </a:r>
-            <a:r>
-              <a:rPr lang="en-US" altLang="zh-CN" sz="2800" dirty="0" smtClean="0">
-                <a:solidFill>
-                  <a:prstClr val="black"/>
-                </a:solidFill>
-                <a:latin typeface="黑体" pitchFamily="49" charset="-122"/>
-                <a:ea typeface="黑体" pitchFamily="49" charset="-122"/>
-              </a:rPr>
-              <a:t>1.4 </a:t>
+              <a:t> 1.4 </a:t>
             </a:r>
             <a:r>
               <a:rPr lang="zh-CN" altLang="en-US" sz="2800" dirty="0" smtClean="0">
@@ -15450,17 +14794,7 @@
                 <a:latin typeface="黑体" pitchFamily="49" charset="-122"/>
                 <a:ea typeface="黑体" pitchFamily="49" charset="-122"/>
               </a:rPr>
-              <a:t>问题：谣言候选话题重复率过高。         改进方案</a:t>
-            </a:r>
-            <a:r>
-              <a:rPr lang="zh-CN" altLang="en-US" sz="2000" dirty="0" smtClean="0">
-                <a:solidFill>
-                  <a:prstClr val="black"/>
-                </a:solidFill>
-                <a:latin typeface="黑体" pitchFamily="49" charset="-122"/>
-                <a:ea typeface="黑体" pitchFamily="49" charset="-122"/>
-              </a:rPr>
-              <a:t>：</a:t>
+              <a:t>问题：谣言候选话题重复率过高。         改进方案：</a:t>
             </a:r>
             <a:r>
               <a:rPr lang="zh-CN" altLang="en-US" sz="2000" dirty="0">

--- a/2012013297_钟仰新_毕设论文答辩.pptx
+++ b/2012013297_钟仰新_毕设论文答辩.pptx
@@ -227,7 +227,7 @@
             <a:fld id="{354D145D-813C-48A6-BC01-53AC533A4D03}" type="datetimeFigureOut">
               <a:rPr lang="en-US" smtClean="0"/>
               <a:pPr/>
-              <a:t>6/11/2016</a:t>
+              <a:t>6/12/2016</a:t>
             </a:fld>
             <a:endParaRPr lang="en-US"/>
           </a:p>
@@ -542,15 +542,15 @@
           <a:p>
             <a:r>
               <a:rPr lang="zh-CN" altLang="en-US" dirty="0" smtClean="0"/>
-              <a:t>各位老师早上好，我即将开始我的论文答辩。由于本文的实验内容比较多，答辩预计会占用</a:t>
-            </a:r>
-            <a:r>
-              <a:rPr lang="en-US" altLang="zh-CN" dirty="0" smtClean="0"/>
-              <a:t>12</a:t>
+              <a:t>各位老师早上好，我即将开始我的论文答辩</a:t>
             </a:r>
             <a:r>
               <a:rPr lang="zh-CN" altLang="en-US" dirty="0" smtClean="0"/>
-              <a:t>分钟，恳请各位老师能耐心听完。我的论文题目是“社交网络中的谣言检测”，指导老师是刘世霞老师。答辩将按照论文的章节顺序逐步展开。</a:t>
+              <a:t>。我的答辩没有系统演示环节，但实验分析较多。我的论文</a:t>
+            </a:r>
+            <a:r>
+              <a:rPr lang="zh-CN" altLang="en-US" dirty="0" smtClean="0"/>
+              <a:t>题目是“社交网络中的谣言检测”，指导老师是刘世霞老师。答辩将按照论文的章节顺序逐步展开。</a:t>
             </a:r>
             <a:endParaRPr lang="en-US" dirty="0" smtClean="0"/>
           </a:p>
@@ -646,7 +646,106 @@
                 <a:ea typeface="+mn-ea"/>
                 <a:cs typeface="+mn-cs"/>
               </a:rPr>
-              <a:t>（点）第四章阐述了改进方案第二部分的特征选择技术。在进行谣言判定时，原系统仅考虑了种类很少的十几个特征，由于多样性不足，直接影响了系统的检测准确率。而本文的改进方案是，向原系统引进更多特征；但如果输入太多特征，会导致训练过拟合，因此需要特征选择技术来去除噪声的、冗余的特征。（点四下）本章介绍了系统采用的两类特征选择技术：过滤器和包装器，前者基于相关度分析，后者基于启发式搜索。（点三下）本文提出了一种将两者结合在一起的特征选择方法：以过滤器指导包装器的搜索起点，并且其搜索路径不同于传统的前向和后向搜索，是一个将两者结合的浮动式搜索。（点两下）而特征数量上，本文将原系统的</a:t>
+              <a:t>（点）第四章阐述了改进方案第二部分的特征选择技术。在进行谣言判定时，</a:t>
+            </a:r>
+            <a:r>
+              <a:rPr lang="zh-CN" altLang="en-US" sz="1200" b="0" i="0" kern="1200" dirty="0" smtClean="0">
+                <a:solidFill>
+                  <a:schemeClr val="tx1"/>
+                </a:solidFill>
+                <a:latin typeface="+mn-lt"/>
+                <a:ea typeface="+mn-ea"/>
+                <a:cs typeface="+mn-cs"/>
+              </a:rPr>
+              <a:t>原框架仅</a:t>
+            </a:r>
+            <a:r>
+              <a:rPr lang="zh-CN" altLang="en-US" sz="1200" b="0" i="0" kern="1200" dirty="0" smtClean="0">
+                <a:solidFill>
+                  <a:schemeClr val="tx1"/>
+                </a:solidFill>
+                <a:latin typeface="+mn-lt"/>
+                <a:ea typeface="+mn-ea"/>
+                <a:cs typeface="+mn-cs"/>
+              </a:rPr>
+              <a:t>考虑了种类很少的十几个特征，由于多样性不足，直接影响</a:t>
+            </a:r>
+            <a:r>
+              <a:rPr lang="zh-CN" altLang="en-US" sz="1200" b="0" i="0" kern="1200" dirty="0" smtClean="0">
+                <a:solidFill>
+                  <a:schemeClr val="tx1"/>
+                </a:solidFill>
+                <a:latin typeface="+mn-lt"/>
+                <a:ea typeface="+mn-ea"/>
+                <a:cs typeface="+mn-cs"/>
+              </a:rPr>
+              <a:t>了框架的</a:t>
+            </a:r>
+            <a:r>
+              <a:rPr lang="zh-CN" altLang="en-US" sz="1200" b="0" i="0" kern="1200" dirty="0" smtClean="0">
+                <a:solidFill>
+                  <a:schemeClr val="tx1"/>
+                </a:solidFill>
+                <a:latin typeface="+mn-lt"/>
+                <a:ea typeface="+mn-ea"/>
+                <a:cs typeface="+mn-cs"/>
+              </a:rPr>
+              <a:t>检测准确率。而本文的改进方案是，向</a:t>
+            </a:r>
+            <a:r>
+              <a:rPr lang="zh-CN" altLang="en-US" sz="1200" b="0" i="0" kern="1200" dirty="0" smtClean="0">
+                <a:solidFill>
+                  <a:schemeClr val="tx1"/>
+                </a:solidFill>
+                <a:latin typeface="+mn-lt"/>
+                <a:ea typeface="+mn-ea"/>
+                <a:cs typeface="+mn-cs"/>
+              </a:rPr>
+              <a:t>原框架引进</a:t>
+            </a:r>
+            <a:r>
+              <a:rPr lang="zh-CN" altLang="en-US" sz="1200" b="0" i="0" kern="1200" dirty="0" smtClean="0">
+                <a:solidFill>
+                  <a:schemeClr val="tx1"/>
+                </a:solidFill>
+                <a:latin typeface="+mn-lt"/>
+                <a:ea typeface="+mn-ea"/>
+                <a:cs typeface="+mn-cs"/>
+              </a:rPr>
+              <a:t>更多特征；但如果输入太多特征，会导致训练过拟合，因此需要特征选择技术来去除噪声的、冗余的特征。（点四下）本章介绍</a:t>
+            </a:r>
+            <a:r>
+              <a:rPr lang="zh-CN" altLang="en-US" sz="1200" b="0" i="0" kern="1200" dirty="0" smtClean="0">
+                <a:solidFill>
+                  <a:schemeClr val="tx1"/>
+                </a:solidFill>
+                <a:latin typeface="+mn-lt"/>
+                <a:ea typeface="+mn-ea"/>
+                <a:cs typeface="+mn-cs"/>
+              </a:rPr>
+              <a:t>了框架采用</a:t>
+            </a:r>
+            <a:r>
+              <a:rPr lang="zh-CN" altLang="en-US" sz="1200" b="0" i="0" kern="1200" dirty="0" smtClean="0">
+                <a:solidFill>
+                  <a:schemeClr val="tx1"/>
+                </a:solidFill>
+                <a:latin typeface="+mn-lt"/>
+                <a:ea typeface="+mn-ea"/>
+                <a:cs typeface="+mn-cs"/>
+              </a:rPr>
+              <a:t>的两类特征选择技术：过滤器和包装器，前者基于相关度分析，后者基于启发式搜索。（点三下）本文提出了一种将两者结合在一起的特征选择方法：以过滤器指导包装器的搜索起点，并且其搜索路径不同于传统的前向和后向搜索，是一个将两者结合的浮动式搜索。（点两下）而特征数量上，本文将</a:t>
+            </a:r>
+            <a:r>
+              <a:rPr lang="zh-CN" altLang="en-US" sz="1200" b="0" i="0" kern="1200" dirty="0" smtClean="0">
+                <a:solidFill>
+                  <a:schemeClr val="tx1"/>
+                </a:solidFill>
+                <a:latin typeface="+mn-lt"/>
+                <a:ea typeface="+mn-ea"/>
+                <a:cs typeface="+mn-cs"/>
+              </a:rPr>
+              <a:t>原框架的</a:t>
             </a:r>
             <a:r>
               <a:rPr lang="en-US" altLang="zh-CN" sz="1200" b="0" i="0" kern="1200" dirty="0" smtClean="0">
@@ -1154,10 +1253,10 @@
                 <a:ea typeface="+mn-ea"/>
                 <a:cs typeface="+mn-cs"/>
               </a:rPr>
-              <a:t>的是采用了多分类器共同投票的复合分类器。对于谣言检测系统，主要看的指标是最后一列的谣言</a:t>
-            </a:r>
-            <a:r>
-              <a:rPr lang="en-US" altLang="zh-CN" sz="1200" b="0" i="0" kern="1200" dirty="0" smtClean="0">
+              <a:t>的是采用了多分类器共同投票的复合分类器。对于谣言</a:t>
+            </a:r>
+            <a:r>
+              <a:rPr lang="zh-CN" altLang="en-US" sz="1200" b="0" i="0" kern="1200" dirty="0" smtClean="0">
                 <a:solidFill>
                   <a:schemeClr val="tx1"/>
                 </a:solidFill>
@@ -1165,7 +1264,7 @@
                 <a:ea typeface="+mn-ea"/>
                 <a:cs typeface="+mn-cs"/>
               </a:rPr>
-              <a:t>F1</a:t>
+              <a:t>检测框架，</a:t>
             </a:r>
             <a:r>
               <a:rPr lang="zh-CN" altLang="en-US" sz="1200" b="0" i="0" kern="1200" dirty="0" smtClean="0">
@@ -1176,7 +1275,7 @@
                 <a:ea typeface="+mn-ea"/>
                 <a:cs typeface="+mn-cs"/>
               </a:rPr>
-              <a:t>度量。（点）表中可以看到，使用原系统</a:t>
+              <a:t>主要看的指标是最后一列的谣言</a:t>
             </a:r>
             <a:r>
               <a:rPr lang="en-US" altLang="zh-CN" sz="1200" b="0" i="0" kern="1200" dirty="0" smtClean="0">
@@ -1187,7 +1286,7 @@
                 <a:ea typeface="+mn-ea"/>
                 <a:cs typeface="+mn-cs"/>
               </a:rPr>
-              <a:t>15</a:t>
+              <a:t>F1</a:t>
             </a:r>
             <a:r>
               <a:rPr lang="zh-CN" altLang="en-US" sz="1200" b="0" i="0" kern="1200" dirty="0" smtClean="0">
@@ -1198,10 +1297,10 @@
                 <a:ea typeface="+mn-ea"/>
                 <a:cs typeface="+mn-cs"/>
               </a:rPr>
-              <a:t>类或新系统全</a:t>
-            </a:r>
-            <a:r>
-              <a:rPr lang="en-US" altLang="zh-CN" sz="1200" b="0" i="0" kern="1200" dirty="0" smtClean="0">
+              <a:t>度量。（点）表中可以看到，使用</a:t>
+            </a:r>
+            <a:r>
+              <a:rPr lang="zh-CN" altLang="en-US" sz="1200" b="0" i="0" kern="1200" dirty="0" smtClean="0">
                 <a:solidFill>
                   <a:schemeClr val="tx1"/>
                 </a:solidFill>
@@ -1209,10 +1308,10 @@
                 <a:ea typeface="+mn-ea"/>
                 <a:cs typeface="+mn-cs"/>
               </a:rPr>
-              <a:t>45</a:t>
-            </a:r>
-            <a:r>
-              <a:rPr lang="zh-CN" altLang="en-US" sz="1200" b="0" i="0" kern="1200" dirty="0" smtClean="0">
+              <a:t>原框架</a:t>
+            </a:r>
+            <a:r>
+              <a:rPr lang="en-US" altLang="zh-CN" sz="1200" b="0" i="0" kern="1200" dirty="0" smtClean="0">
                 <a:solidFill>
                   <a:schemeClr val="tx1"/>
                 </a:solidFill>
@@ -1220,10 +1319,10 @@
                 <a:ea typeface="+mn-ea"/>
                 <a:cs typeface="+mn-cs"/>
               </a:rPr>
-              <a:t>类特征的表现都不好，而引入了各类特征选择技术后，</a:t>
-            </a:r>
-            <a:r>
-              <a:rPr lang="en-US" altLang="zh-CN" sz="1200" b="0" i="0" kern="1200" dirty="0" smtClean="0">
+              <a:t>15</a:t>
+            </a:r>
+            <a:r>
+              <a:rPr lang="zh-CN" altLang="en-US" sz="1200" b="0" i="0" kern="1200" dirty="0" smtClean="0">
                 <a:solidFill>
                   <a:schemeClr val="tx1"/>
                 </a:solidFill>
@@ -1231,7 +1330,7 @@
                 <a:ea typeface="+mn-ea"/>
                 <a:cs typeface="+mn-cs"/>
               </a:rPr>
-              <a:t>F1</a:t>
+              <a:t>类或</a:t>
             </a:r>
             <a:r>
               <a:rPr lang="zh-CN" altLang="en-US" sz="1200" b="0" i="0" kern="1200" dirty="0" smtClean="0">
@@ -1242,7 +1341,106 @@
                 <a:ea typeface="+mn-ea"/>
                 <a:cs typeface="+mn-cs"/>
               </a:rPr>
-              <a:t>度量有了明显的提高，说明改进方案的有效性。（点）而本文提出的浮动包装器特征选择技术，其表现在两类分类器中排名第一和第三，（点）排名第一时比第二名反向搜索的包装器还要高不少，证明浮动包装器在分类任务中有一定的优势。（点）而多分类器共同投票技术，在分类任务下表现很好，虽然有时不如极少数优秀的子分类器，但比绝大部分子分类器准确率更高，而且高很多。</a:t>
+              <a:t>新框架全</a:t>
+            </a:r>
+            <a:r>
+              <a:rPr lang="en-US" altLang="zh-CN" sz="1200" b="0" i="0" kern="1200" dirty="0" smtClean="0">
+                <a:solidFill>
+                  <a:schemeClr val="tx1"/>
+                </a:solidFill>
+                <a:latin typeface="+mn-lt"/>
+                <a:ea typeface="+mn-ea"/>
+                <a:cs typeface="+mn-cs"/>
+              </a:rPr>
+              <a:t>45</a:t>
+            </a:r>
+            <a:r>
+              <a:rPr lang="zh-CN" altLang="en-US" sz="1200" b="0" i="0" kern="1200" dirty="0" smtClean="0">
+                <a:solidFill>
+                  <a:schemeClr val="tx1"/>
+                </a:solidFill>
+                <a:latin typeface="+mn-lt"/>
+                <a:ea typeface="+mn-ea"/>
+                <a:cs typeface="+mn-cs"/>
+              </a:rPr>
+              <a:t>类特征的表现都不好，而引入了各类特征选择技术后，</a:t>
+            </a:r>
+            <a:r>
+              <a:rPr lang="en-US" altLang="zh-CN" sz="1200" b="0" i="0" kern="1200" dirty="0" smtClean="0">
+                <a:solidFill>
+                  <a:schemeClr val="tx1"/>
+                </a:solidFill>
+                <a:latin typeface="+mn-lt"/>
+                <a:ea typeface="+mn-ea"/>
+                <a:cs typeface="+mn-cs"/>
+              </a:rPr>
+              <a:t>F1</a:t>
+            </a:r>
+            <a:r>
+              <a:rPr lang="zh-CN" altLang="en-US" sz="1200" b="0" i="0" kern="1200" dirty="0" smtClean="0">
+                <a:solidFill>
+                  <a:schemeClr val="tx1"/>
+                </a:solidFill>
+                <a:latin typeface="+mn-lt"/>
+                <a:ea typeface="+mn-ea"/>
+                <a:cs typeface="+mn-cs"/>
+              </a:rPr>
+              <a:t>度量有了明显的提高，说明改进方案的有效性。（点）而本文提出的浮动包装器特征选择技术，其表现在两类分类器中排名第一和第三，（点</a:t>
+            </a:r>
+            <a:r>
+              <a:rPr lang="zh-CN" altLang="en-US" sz="1200" b="0" i="0" kern="1200" dirty="0" smtClean="0">
+                <a:solidFill>
+                  <a:schemeClr val="tx1"/>
+                </a:solidFill>
+                <a:latin typeface="+mn-lt"/>
+                <a:ea typeface="+mn-ea"/>
+                <a:cs typeface="+mn-cs"/>
+              </a:rPr>
+              <a:t>）说明浮动</a:t>
+            </a:r>
+            <a:r>
+              <a:rPr lang="zh-CN" altLang="en-US" sz="1200" b="0" i="0" kern="1200" dirty="0" smtClean="0">
+                <a:solidFill>
+                  <a:schemeClr val="tx1"/>
+                </a:solidFill>
+                <a:latin typeface="+mn-lt"/>
+                <a:ea typeface="+mn-ea"/>
+                <a:cs typeface="+mn-cs"/>
+              </a:rPr>
+              <a:t>包装器在分类任务中有一定的优势。（点）而多分类器共同投票技术，在分类任务下表现很好</a:t>
+            </a:r>
+            <a:r>
+              <a:rPr lang="zh-CN" altLang="en-US" sz="1200" b="0" i="0" kern="1200" dirty="0" smtClean="0">
+                <a:solidFill>
+                  <a:schemeClr val="tx1"/>
+                </a:solidFill>
+                <a:latin typeface="+mn-lt"/>
+                <a:ea typeface="+mn-ea"/>
+                <a:cs typeface="+mn-cs"/>
+              </a:rPr>
+              <a:t>，比</a:t>
+            </a:r>
+            <a:r>
+              <a:rPr lang="zh-CN" altLang="en-US" sz="1200" b="0" i="0" kern="1200" dirty="0" smtClean="0">
+                <a:solidFill>
+                  <a:schemeClr val="tx1"/>
+                </a:solidFill>
+                <a:latin typeface="+mn-lt"/>
+                <a:ea typeface="+mn-ea"/>
+                <a:cs typeface="+mn-cs"/>
+              </a:rPr>
+              <a:t>绝大部分子分类器准确率更</a:t>
+            </a:r>
+            <a:r>
+              <a:rPr lang="zh-CN" altLang="en-US" sz="1200" b="0" i="0" kern="1200" dirty="0" smtClean="0">
+                <a:solidFill>
+                  <a:schemeClr val="tx1"/>
+                </a:solidFill>
+                <a:latin typeface="+mn-lt"/>
+                <a:ea typeface="+mn-ea"/>
+                <a:cs typeface="+mn-cs"/>
+              </a:rPr>
+              <a:t>高。</a:t>
             </a:r>
             <a:endParaRPr lang="en-US" altLang="zh-CN" sz="1200" b="0" i="0" kern="1200" dirty="0" smtClean="0">
               <a:solidFill>
@@ -1397,10 +1595,10 @@
                 <a:ea typeface="+mn-ea"/>
                 <a:cs typeface="+mn-cs"/>
               </a:rPr>
-              <a:t>准确率。（点）同样，使用原系统</a:t>
-            </a:r>
-            <a:r>
-              <a:rPr lang="en-US" altLang="zh-CN" sz="1200" b="0" i="0" kern="1200" dirty="0" smtClean="0">
+              <a:t>准确率。（点）同样，使用</a:t>
+            </a:r>
+            <a:r>
+              <a:rPr lang="zh-CN" altLang="en-US" sz="1200" b="0" i="0" kern="1200" dirty="0" smtClean="0">
                 <a:solidFill>
                   <a:schemeClr val="tx1"/>
                 </a:solidFill>
@@ -1408,10 +1606,10 @@
                 <a:ea typeface="+mn-ea"/>
                 <a:cs typeface="+mn-cs"/>
               </a:rPr>
-              <a:t>15</a:t>
-            </a:r>
-            <a:r>
-              <a:rPr lang="zh-CN" altLang="en-US" sz="1200" b="0" i="0" kern="1200" dirty="0" smtClean="0">
+              <a:t>原框架</a:t>
+            </a:r>
+            <a:r>
+              <a:rPr lang="en-US" altLang="zh-CN" sz="1200" b="0" i="0" kern="1200" dirty="0" smtClean="0">
                 <a:solidFill>
                   <a:schemeClr val="tx1"/>
                 </a:solidFill>
@@ -1419,10 +1617,10 @@
                 <a:ea typeface="+mn-ea"/>
                 <a:cs typeface="+mn-cs"/>
               </a:rPr>
-              <a:t>类或新系统全</a:t>
-            </a:r>
-            <a:r>
-              <a:rPr lang="en-US" altLang="zh-CN" sz="1200" b="0" i="0" kern="1200" dirty="0" smtClean="0">
+              <a:t>15</a:t>
+            </a:r>
+            <a:r>
+              <a:rPr lang="zh-CN" altLang="en-US" sz="1200" b="0" i="0" kern="1200" dirty="0" smtClean="0">
                 <a:solidFill>
                   <a:schemeClr val="tx1"/>
                 </a:solidFill>
@@ -1430,7 +1628,7 @@
                 <a:ea typeface="+mn-ea"/>
                 <a:cs typeface="+mn-cs"/>
               </a:rPr>
-              <a:t>45</a:t>
+              <a:t>类或</a:t>
             </a:r>
             <a:r>
               <a:rPr lang="zh-CN" altLang="en-US" sz="1200" b="0" i="0" kern="1200" dirty="0" smtClean="0">
@@ -1441,7 +1639,7 @@
                 <a:ea typeface="+mn-ea"/>
                 <a:cs typeface="+mn-cs"/>
               </a:rPr>
-              <a:t>类特征的表现都不好，而加入了各类特征选择技术后，</a:t>
+              <a:t>新框架全</a:t>
             </a:r>
             <a:r>
               <a:rPr lang="en-US" altLang="zh-CN" sz="1200" b="0" i="0" kern="1200" dirty="0" smtClean="0">
@@ -1452,7 +1650,7 @@
                 <a:ea typeface="+mn-ea"/>
                 <a:cs typeface="+mn-cs"/>
               </a:rPr>
-              <a:t>Top-100</a:t>
+              <a:t>45</a:t>
             </a:r>
             <a:r>
               <a:rPr lang="zh-CN" altLang="en-US" sz="1200" b="0" i="0" kern="1200" dirty="0" smtClean="0">
@@ -1463,7 +1661,7 @@
                 <a:ea typeface="+mn-ea"/>
                 <a:cs typeface="+mn-cs"/>
               </a:rPr>
-              <a:t>准确率有了明显提高。（点）而本文提出的浮动包装器特征选择技术，在两种分类器下分别排名第一和第二，并且比落后于它的其它特征选择技术高不少。至于多分类器投票排名方案，本实验充分显示了其优越性。（点）无论是利用了</a:t>
+              <a:t>类特征的表现都不好，而加入了各类特征选择技术后，</a:t>
             </a:r>
             <a:r>
               <a:rPr lang="en-US" altLang="zh-CN" sz="1200" b="0" i="0" kern="1200" dirty="0" smtClean="0">
@@ -1474,7 +1672,7 @@
                 <a:ea typeface="+mn-ea"/>
                 <a:cs typeface="+mn-cs"/>
               </a:rPr>
-              <a:t>6</a:t>
+              <a:t>Top-100</a:t>
             </a:r>
             <a:r>
               <a:rPr lang="zh-CN" altLang="en-US" sz="1200" b="0" i="0" kern="1200" dirty="0" smtClean="0">
@@ -1485,10 +1683,10 @@
                 <a:ea typeface="+mn-ea"/>
                 <a:cs typeface="+mn-cs"/>
               </a:rPr>
-              <a:t>决策树共同排名，还是</a:t>
-            </a:r>
-            <a:r>
-              <a:rPr lang="en-US" altLang="zh-CN" sz="1200" b="0" i="0" kern="1200" dirty="0" smtClean="0">
+              <a:t>准确率有了明显提高。（点）而本文提出的浮动包装器特征选择技术，在两种分类器下分别排名第一和</a:t>
+            </a:r>
+            <a:r>
+              <a:rPr lang="zh-CN" altLang="en-US" sz="1200" b="0" i="0" kern="1200" dirty="0" smtClean="0">
                 <a:solidFill>
                   <a:schemeClr val="tx1"/>
                 </a:solidFill>
@@ -1496,7 +1694,7 @@
                 <a:ea typeface="+mn-ea"/>
                 <a:cs typeface="+mn-cs"/>
               </a:rPr>
-              <a:t>6</a:t>
+              <a:t>第二。</a:t>
             </a:r>
             <a:r>
               <a:rPr lang="zh-CN" altLang="en-US" sz="1200" b="0" i="0" kern="1200" dirty="0" smtClean="0">
@@ -1507,7 +1705,7 @@
                 <a:ea typeface="+mn-ea"/>
                 <a:cs typeface="+mn-cs"/>
               </a:rPr>
-              <a:t>朴素贝叶斯共同排名，他们比其它方案的</a:t>
+              <a:t>至于多分类器投票排名方案，本实验充分显示了其优越性。（点）无论是利用了</a:t>
             </a:r>
             <a:r>
               <a:rPr lang="en-US" altLang="zh-CN" sz="1200" b="0" i="0" kern="1200" dirty="0" smtClean="0">
@@ -1518,7 +1716,7 @@
                 <a:ea typeface="+mn-ea"/>
                 <a:cs typeface="+mn-cs"/>
               </a:rPr>
-              <a:t>Top-100</a:t>
+              <a:t>6</a:t>
             </a:r>
             <a:r>
               <a:rPr lang="zh-CN" altLang="en-US" sz="1200" b="0" i="0" kern="1200" dirty="0" smtClean="0">
@@ -1529,7 +1727,7 @@
                 <a:ea typeface="+mn-ea"/>
                 <a:cs typeface="+mn-cs"/>
               </a:rPr>
-              <a:t>准确率都要高很多。（点）另外值得注意的是他们的</a:t>
+              <a:t>决策树共同排名，还是</a:t>
             </a:r>
             <a:r>
               <a:rPr lang="en-US" altLang="zh-CN" sz="1200" b="0" i="0" kern="1200" dirty="0" smtClean="0">
@@ -1540,7 +1738,7 @@
                 <a:ea typeface="+mn-ea"/>
                 <a:cs typeface="+mn-cs"/>
               </a:rPr>
-              <a:t>Top-20</a:t>
+              <a:t>6</a:t>
             </a:r>
             <a:r>
               <a:rPr lang="zh-CN" altLang="en-US" sz="1200" b="0" i="0" kern="1200" dirty="0" smtClean="0">
@@ -1551,7 +1749,7 @@
                 <a:ea typeface="+mn-ea"/>
                 <a:cs typeface="+mn-cs"/>
               </a:rPr>
-              <a:t>准确率都很高，其中使用了</a:t>
+              <a:t>朴素贝叶斯共同排名，他们比其它方案的</a:t>
             </a:r>
             <a:r>
               <a:rPr lang="en-US" altLang="zh-CN" sz="1200" b="0" i="0" kern="1200" dirty="0" smtClean="0">
@@ -1562,7 +1760,7 @@
                 <a:ea typeface="+mn-ea"/>
                 <a:cs typeface="+mn-cs"/>
               </a:rPr>
-              <a:t>6</a:t>
+              <a:t>Top-100</a:t>
             </a:r>
             <a:r>
               <a:rPr lang="zh-CN" altLang="en-US" sz="1200" b="0" i="0" kern="1200" dirty="0" smtClean="0">
@@ -1573,7 +1771,7 @@
                 <a:ea typeface="+mn-ea"/>
                 <a:cs typeface="+mn-cs"/>
               </a:rPr>
-              <a:t>决策树</a:t>
+              <a:t>准确率都要高很多。（点）另外值得注意的是他们的</a:t>
             </a:r>
             <a:r>
               <a:rPr lang="en-US" altLang="zh-CN" sz="1200" b="0" i="0" kern="1200" dirty="0" smtClean="0">
@@ -1584,7 +1782,7 @@
                 <a:ea typeface="+mn-ea"/>
                 <a:cs typeface="+mn-cs"/>
               </a:rPr>
-              <a:t>+6</a:t>
+              <a:t>Top-20</a:t>
             </a:r>
             <a:r>
               <a:rPr lang="zh-CN" altLang="en-US" sz="1200" b="0" i="0" kern="1200" dirty="0" smtClean="0">
@@ -1595,10 +1793,10 @@
                 <a:ea typeface="+mn-ea"/>
                 <a:cs typeface="+mn-cs"/>
               </a:rPr>
-              <a:t>朴素贝叶斯的排名方案，</a:t>
-            </a:r>
-            <a:r>
-              <a:rPr lang="en-US" altLang="zh-CN" sz="1200" b="0" i="0" kern="1200" dirty="0" smtClean="0">
+              <a:t>准确率都很高</a:t>
+            </a:r>
+            <a:r>
+              <a:rPr lang="zh-CN" altLang="en-US" sz="1200" b="0" i="0" kern="1200" dirty="0" smtClean="0">
                 <a:solidFill>
                   <a:schemeClr val="tx1"/>
                 </a:solidFill>
@@ -1606,10 +1804,10 @@
                 <a:ea typeface="+mn-ea"/>
                 <a:cs typeface="+mn-cs"/>
               </a:rPr>
-              <a:t>Top-20</a:t>
-            </a:r>
-            <a:r>
-              <a:rPr lang="zh-CN" altLang="en-US" sz="1200" b="0" i="0" kern="1200" dirty="0" smtClean="0">
+              <a:t>，其中最优方案的</a:t>
+            </a:r>
+            <a:r>
+              <a:rPr lang="en-US" altLang="zh-CN" sz="1200" b="0" i="0" kern="1200" dirty="0" smtClean="0">
                 <a:solidFill>
                   <a:schemeClr val="tx1"/>
                 </a:solidFill>
@@ -1617,10 +1815,10 @@
                 <a:ea typeface="+mn-ea"/>
                 <a:cs typeface="+mn-cs"/>
               </a:rPr>
-              <a:t>谣言准确率更是高达</a:t>
-            </a:r>
-            <a:r>
-              <a:rPr lang="en-US" altLang="zh-CN" sz="1200" b="0" i="0" kern="1200" dirty="0" smtClean="0">
+              <a:t>Top-20</a:t>
+            </a:r>
+            <a:r>
+              <a:rPr lang="zh-CN" altLang="en-US" sz="1200" b="0" i="0" kern="1200" dirty="0" smtClean="0">
                 <a:solidFill>
                   <a:schemeClr val="tx1"/>
                 </a:solidFill>
@@ -1628,10 +1826,10 @@
                 <a:ea typeface="+mn-ea"/>
                 <a:cs typeface="+mn-cs"/>
               </a:rPr>
-              <a:t>90%</a:t>
-            </a:r>
-            <a:r>
-              <a:rPr lang="zh-CN" altLang="en-US" sz="1200" b="0" i="0" kern="1200" dirty="0" smtClean="0">
+              <a:t>谣言准确率更是高达</a:t>
+            </a:r>
+            <a:r>
+              <a:rPr lang="en-US" altLang="zh-CN" sz="1200" b="0" i="0" kern="1200" dirty="0" smtClean="0">
                 <a:solidFill>
                   <a:schemeClr val="tx1"/>
                 </a:solidFill>
@@ -1639,7 +1837,106 @@
                 <a:ea typeface="+mn-ea"/>
                 <a:cs typeface="+mn-cs"/>
               </a:rPr>
-              <a:t>。这并不是偶然，而是多分类器投票排名方案有助于将可疑度较高的真谣言，通过投票重新排在最前面，这与“集体决策”和“抹消偏见”有关。这种改变候选谣言分布的特性非常有利于系统的真实应用场景：由于人力、时间有限，对候选消息仅能人工审核排在最前面的一些，因此这部分消息的准确率越高，越能提高审核效率。所以说新的排名方法有利于提高系统的实用性。</a:t>
+              <a:t>90%</a:t>
+            </a:r>
+            <a:r>
+              <a:rPr lang="zh-CN" altLang="en-US" sz="1200" b="0" i="0" kern="1200" dirty="0" smtClean="0">
+                <a:solidFill>
+                  <a:schemeClr val="tx1"/>
+                </a:solidFill>
+                <a:latin typeface="+mn-lt"/>
+                <a:ea typeface="+mn-ea"/>
+                <a:cs typeface="+mn-cs"/>
+              </a:rPr>
+              <a:t>。这并不是偶然，而是多分类器投票排名</a:t>
+            </a:r>
+            <a:r>
+              <a:rPr lang="zh-CN" altLang="en-US" sz="1200" b="0" i="0" kern="1200" dirty="0" smtClean="0">
+                <a:solidFill>
+                  <a:schemeClr val="tx1"/>
+                </a:solidFill>
+                <a:latin typeface="+mn-lt"/>
+                <a:ea typeface="+mn-ea"/>
+                <a:cs typeface="+mn-cs"/>
+              </a:rPr>
+              <a:t>方案能通过“集体决策”的方式将可疑度高的真谣言重新</a:t>
+            </a:r>
+            <a:r>
+              <a:rPr lang="zh-CN" altLang="en-US" sz="1200" b="0" i="0" kern="1200" dirty="0" smtClean="0">
+                <a:solidFill>
+                  <a:schemeClr val="tx1"/>
+                </a:solidFill>
+                <a:latin typeface="+mn-lt"/>
+                <a:ea typeface="+mn-ea"/>
+                <a:cs typeface="+mn-cs"/>
+              </a:rPr>
+              <a:t>排在最</a:t>
+            </a:r>
+            <a:r>
+              <a:rPr lang="zh-CN" altLang="en-US" sz="1200" b="0" i="0" kern="1200" dirty="0" smtClean="0">
+                <a:solidFill>
+                  <a:schemeClr val="tx1"/>
+                </a:solidFill>
+                <a:latin typeface="+mn-lt"/>
+                <a:ea typeface="+mn-ea"/>
+                <a:cs typeface="+mn-cs"/>
+              </a:rPr>
+              <a:t>前面。</a:t>
+            </a:r>
+            <a:r>
+              <a:rPr lang="zh-CN" altLang="en-US" sz="1200" b="0" i="0" kern="1200" dirty="0" smtClean="0">
+                <a:solidFill>
+                  <a:schemeClr val="tx1"/>
+                </a:solidFill>
+                <a:latin typeface="+mn-lt"/>
+                <a:ea typeface="+mn-ea"/>
+                <a:cs typeface="+mn-cs"/>
+              </a:rPr>
+              <a:t>这种改变候选谣言分布的特性非常</a:t>
+            </a:r>
+            <a:r>
+              <a:rPr lang="zh-CN" altLang="en-US" sz="1200" b="0" i="0" kern="1200" dirty="0" smtClean="0">
+                <a:solidFill>
+                  <a:schemeClr val="tx1"/>
+                </a:solidFill>
+                <a:latin typeface="+mn-lt"/>
+                <a:ea typeface="+mn-ea"/>
+                <a:cs typeface="+mn-cs"/>
+              </a:rPr>
+              <a:t>有利于框架的</a:t>
+            </a:r>
+            <a:r>
+              <a:rPr lang="zh-CN" altLang="en-US" sz="1200" b="0" i="0" kern="1200" dirty="0" smtClean="0">
+                <a:solidFill>
+                  <a:schemeClr val="tx1"/>
+                </a:solidFill>
+                <a:latin typeface="+mn-lt"/>
+                <a:ea typeface="+mn-ea"/>
+                <a:cs typeface="+mn-cs"/>
+              </a:rPr>
+              <a:t>真实应用场景：由于人力、时间有限，对候选消息仅能人工审核排在最前面的一些，因此这部分消息的准确率越高，越能提高审核效率。所以说新的排名方法有利于</a:t>
+            </a:r>
+            <a:r>
+              <a:rPr lang="zh-CN" altLang="en-US" sz="1200" b="0" i="0" kern="1200" dirty="0" smtClean="0">
+                <a:solidFill>
+                  <a:schemeClr val="tx1"/>
+                </a:solidFill>
+                <a:latin typeface="+mn-lt"/>
+                <a:ea typeface="+mn-ea"/>
+                <a:cs typeface="+mn-cs"/>
+              </a:rPr>
+              <a:t>提高框架的</a:t>
+            </a:r>
+            <a:r>
+              <a:rPr lang="zh-CN" altLang="en-US" sz="1200" b="0" i="0" kern="1200" dirty="0" smtClean="0">
+                <a:solidFill>
+                  <a:schemeClr val="tx1"/>
+                </a:solidFill>
+                <a:latin typeface="+mn-lt"/>
+                <a:ea typeface="+mn-ea"/>
+                <a:cs typeface="+mn-cs"/>
+              </a:rPr>
+              <a:t>实用性。</a:t>
             </a:r>
             <a:endParaRPr lang="en-US" altLang="zh-CN" sz="1200" b="0" i="0" kern="1200" dirty="0" smtClean="0">
               <a:solidFill>
@@ -1750,7 +2047,40 @@
                 <a:ea typeface="+mn-ea"/>
                 <a:cs typeface="+mn-cs"/>
               </a:rPr>
-              <a:t>（点三下）最后，本文检查了系统检测出的谣言实例。这些谣言的</a:t>
+              <a:t>（点三下）最后，本文检查</a:t>
+            </a:r>
+            <a:r>
+              <a:rPr lang="zh-CN" altLang="en-US" sz="1200" b="0" i="0" kern="1200" dirty="0" smtClean="0">
+                <a:solidFill>
+                  <a:schemeClr val="tx1"/>
+                </a:solidFill>
+                <a:latin typeface="+mn-lt"/>
+                <a:ea typeface="+mn-ea"/>
+                <a:cs typeface="+mn-cs"/>
+              </a:rPr>
+              <a:t>了框架检测</a:t>
+            </a:r>
+            <a:r>
+              <a:rPr lang="zh-CN" altLang="en-US" sz="1200" b="0" i="0" kern="1200" dirty="0" smtClean="0">
+                <a:solidFill>
+                  <a:schemeClr val="tx1"/>
+                </a:solidFill>
+                <a:latin typeface="+mn-lt"/>
+                <a:ea typeface="+mn-ea"/>
+                <a:cs typeface="+mn-cs"/>
+              </a:rPr>
+              <a:t>出的谣言实例。这些</a:t>
+            </a:r>
+            <a:r>
+              <a:rPr lang="zh-CN" altLang="en-US" sz="1200" b="0" i="0" kern="1200" dirty="0" smtClean="0">
+                <a:solidFill>
+                  <a:schemeClr val="tx1"/>
+                </a:solidFill>
+                <a:latin typeface="+mn-lt"/>
+                <a:ea typeface="+mn-ea"/>
+                <a:cs typeface="+mn-cs"/>
+              </a:rPr>
+              <a:t>谣言话题的</a:t>
             </a:r>
             <a:r>
               <a:rPr lang="zh-CN" altLang="en-US" sz="1200" b="0" i="0" kern="1200" baseline="0" dirty="0" smtClean="0">
@@ -1773,7 +2103,7 @@
                 <a:ea typeface="+mn-ea"/>
                 <a:cs typeface="+mn-cs"/>
               </a:rPr>
-              <a:t>广阔：有关于体育明星感染埃博拉病毒</a:t>
+              <a:t>广阔</a:t>
             </a:r>
             <a:r>
               <a:rPr lang="zh-CN" altLang="en-US" sz="1200" kern="1200" dirty="0" smtClean="0">
@@ -1785,10 +2115,10 @@
                 <a:ea typeface="+mn-ea"/>
                 <a:cs typeface="+mn-cs"/>
               </a:rPr>
-              <a:t>的谣言</a:t>
-            </a:r>
-            <a:r>
-              <a:rPr lang="zh-CN" altLang="zh-CN" sz="1200" kern="1200" dirty="0" smtClean="0">
+              <a:t>，这进一步</a:t>
+            </a:r>
+            <a:r>
+              <a:rPr lang="zh-CN" altLang="en-US" sz="1200" kern="1200" dirty="0" smtClean="0">
                 <a:solidFill>
                   <a:schemeClr val="tx1"/>
                 </a:solidFill>
@@ -1797,7 +2127,7 @@
                 <a:ea typeface="+mn-ea"/>
                 <a:cs typeface="+mn-cs"/>
               </a:rPr>
-              <a:t>，有关于某地区出现埃博拉病例的</a:t>
+              <a:t>说明</a:t>
             </a:r>
             <a:r>
               <a:rPr lang="zh-CN" altLang="en-US" sz="1200" kern="1200" dirty="0" smtClean="0">
@@ -1809,10 +2139,10 @@
                 <a:ea typeface="+mn-ea"/>
                 <a:cs typeface="+mn-cs"/>
               </a:rPr>
-              <a:t>谣言等等</a:t>
-            </a:r>
-            <a:r>
-              <a:rPr lang="zh-CN" altLang="zh-CN" sz="1200" kern="1200" dirty="0" smtClean="0">
+              <a:t>本框架是</a:t>
+            </a:r>
+            <a:r>
+              <a:rPr lang="zh-CN" altLang="en-US" sz="1200" kern="1200" dirty="0" smtClean="0">
                 <a:solidFill>
                   <a:schemeClr val="tx1"/>
                 </a:solidFill>
@@ -1821,19 +2151,7 @@
                 <a:ea typeface="+mn-ea"/>
                 <a:cs typeface="+mn-cs"/>
               </a:rPr>
-              <a:t>。</a:t>
-            </a:r>
-            <a:r>
-              <a:rPr lang="zh-CN" altLang="en-US" sz="1200" kern="1200" dirty="0" smtClean="0">
-                <a:solidFill>
-                  <a:schemeClr val="tx1"/>
-                </a:solidFill>
-                <a:effectLst/>
-                <a:latin typeface="+mn-lt"/>
-                <a:ea typeface="+mn-ea"/>
-                <a:cs typeface="+mn-cs"/>
-              </a:rPr>
-              <a:t>检测范围的广阔进一步说明本系统是一项相当实用的谣言检测技术。以上是第五章的全部。</a:t>
+              <a:t>一项相当实用的谣言检测技术。以上是第五章的全部。</a:t>
             </a:r>
             <a:endParaRPr lang="en-US" altLang="zh-CN" sz="1200" b="0" i="0" kern="1200" dirty="0" smtClean="0">
               <a:solidFill>
@@ -1967,10 +2285,10 @@
                 <a:ea typeface="+mn-ea"/>
                 <a:cs typeface="+mn-cs"/>
               </a:rPr>
-              <a:t>本文基于一个已有的谣言检测系统，对它的两点不足进行改进，（点）改进方案第一部分，话题聚类中讨论了</a:t>
-            </a:r>
-            <a:r>
-              <a:rPr lang="en-US" altLang="zh-CN" sz="1200" b="0" i="0" kern="1200" dirty="0" smtClean="0">
+              <a:t>本文基于一个已有的谣言</a:t>
+            </a:r>
+            <a:r>
+              <a:rPr lang="zh-CN" altLang="en-US" sz="1200" b="0" i="0" kern="1200" dirty="0" smtClean="0">
                 <a:solidFill>
                   <a:schemeClr val="tx1"/>
                 </a:solidFill>
@@ -1978,7 +2296,7 @@
                 <a:ea typeface="+mn-ea"/>
                 <a:cs typeface="+mn-cs"/>
               </a:rPr>
-              <a:t>6</a:t>
+              <a:t>检测框架，</a:t>
             </a:r>
             <a:r>
               <a:rPr lang="zh-CN" altLang="en-US" sz="1200" b="0" i="0" kern="1200" dirty="0" smtClean="0">
@@ -1989,7 +2307,51 @@
                 <a:ea typeface="+mn-ea"/>
                 <a:cs typeface="+mn-cs"/>
               </a:rPr>
-              <a:t>种相似度度量，引入了加权相似度，讨论了权重配比方案；（点）方案第二部分在可疑度排名上引入了更多特征和特征选择技术，提出了一种新的特征选择方法和一种新的可疑度排名方法。（点）大量实验论证了本文改进方案和新方法的有效性与实用性。</a:t>
+              <a:t>对它的两点不足进行改进，（点）改进方案第一部分，话题聚类中讨论了</a:t>
+            </a:r>
+            <a:r>
+              <a:rPr lang="en-US" altLang="zh-CN" sz="1200" b="0" i="0" kern="1200" dirty="0" smtClean="0">
+                <a:solidFill>
+                  <a:schemeClr val="tx1"/>
+                </a:solidFill>
+                <a:latin typeface="+mn-lt"/>
+                <a:ea typeface="+mn-ea"/>
+                <a:cs typeface="+mn-cs"/>
+              </a:rPr>
+              <a:t>6</a:t>
+            </a:r>
+            <a:r>
+              <a:rPr lang="zh-CN" altLang="en-US" sz="1200" b="0" i="0" kern="1200" dirty="0" smtClean="0">
+                <a:solidFill>
+                  <a:schemeClr val="tx1"/>
+                </a:solidFill>
+                <a:latin typeface="+mn-lt"/>
+                <a:ea typeface="+mn-ea"/>
+                <a:cs typeface="+mn-cs"/>
+              </a:rPr>
+              <a:t>种相似度度量，引入了加权相似度，讨论了权重配比方案；（点）方案第二部分在可疑度排名上引入了更多特征和特征选择技术，提出了一种新的特征选择方法和一种新的可疑度排名方法。（点）大量</a:t>
+            </a:r>
+            <a:r>
+              <a:rPr lang="zh-CN" altLang="en-US" sz="1200" b="0" i="0" kern="1200" dirty="0" smtClean="0">
+                <a:solidFill>
+                  <a:schemeClr val="tx1"/>
+                </a:solidFill>
+                <a:latin typeface="+mn-lt"/>
+                <a:ea typeface="+mn-ea"/>
+                <a:cs typeface="+mn-cs"/>
+              </a:rPr>
+              <a:t>实验说明了</a:t>
+            </a:r>
+            <a:r>
+              <a:rPr lang="zh-CN" altLang="en-US" sz="1200" b="0" i="0" kern="1200" dirty="0" smtClean="0">
+                <a:solidFill>
+                  <a:schemeClr val="tx1"/>
+                </a:solidFill>
+                <a:latin typeface="+mn-lt"/>
+                <a:ea typeface="+mn-ea"/>
+                <a:cs typeface="+mn-cs"/>
+              </a:rPr>
+              <a:t>本文改进方案和新方法的有效性与实用性。</a:t>
             </a:r>
             <a:endParaRPr lang="en-US" sz="1200" b="0" i="0" kern="1200" dirty="0" smtClean="0">
               <a:solidFill>
@@ -2286,7 +2648,95 @@
                 <a:ea typeface="+mn-ea"/>
                 <a:cs typeface="+mn-cs"/>
               </a:rPr>
-              <a:t>第二章介绍了本文的检测方法。本文基于一个已有工作的谣言检测系统对其进行了提高和改进。经过分析，原系统在设计原理上就不可避免地会引起刚刚我谈到的两个问题。本文针对这两个问题分别提出了改进方案：对候选消息重复率过高这个问题，本文的改进是对检测出的候选进行重新的话题聚类；对检测准确率不高的问题，本文的改进是引入更多的消息特征，并使用特征选择技术挑选出有用的特征组合，提高分类器的准确率，另外原系统是基于可疑度排名的方法检测出最可疑的消息，将它们作为谣言候选消息，对此本文提出了新的可疑度排名方案来提高系统的检测准确率。</a:t>
+              <a:t>第二章介绍了本文的检测方法。本文基于一个已有工作的谣言</a:t>
+            </a:r>
+            <a:r>
+              <a:rPr lang="zh-CN" altLang="en-US" sz="1200" b="0" i="0" kern="1200" dirty="0" smtClean="0">
+                <a:solidFill>
+                  <a:schemeClr val="tx1"/>
+                </a:solidFill>
+                <a:latin typeface="+mn-lt"/>
+                <a:ea typeface="+mn-ea"/>
+                <a:cs typeface="+mn-cs"/>
+              </a:rPr>
+              <a:t>检测框架对</a:t>
+            </a:r>
+            <a:r>
+              <a:rPr lang="zh-CN" altLang="en-US" sz="1200" b="0" i="0" kern="1200" dirty="0" smtClean="0">
+                <a:solidFill>
+                  <a:schemeClr val="tx1"/>
+                </a:solidFill>
+                <a:latin typeface="+mn-lt"/>
+                <a:ea typeface="+mn-ea"/>
+                <a:cs typeface="+mn-cs"/>
+              </a:rPr>
+              <a:t>其进行了提高和改进。经过分析，</a:t>
+            </a:r>
+            <a:r>
+              <a:rPr lang="zh-CN" altLang="en-US" sz="1200" b="0" i="0" kern="1200" dirty="0" smtClean="0">
+                <a:solidFill>
+                  <a:schemeClr val="tx1"/>
+                </a:solidFill>
+                <a:latin typeface="+mn-lt"/>
+                <a:ea typeface="+mn-ea"/>
+                <a:cs typeface="+mn-cs"/>
+              </a:rPr>
+              <a:t>原框架在</a:t>
+            </a:r>
+            <a:r>
+              <a:rPr lang="zh-CN" altLang="en-US" sz="1200" b="0" i="0" kern="1200" dirty="0" smtClean="0">
+                <a:solidFill>
+                  <a:schemeClr val="tx1"/>
+                </a:solidFill>
+                <a:latin typeface="+mn-lt"/>
+                <a:ea typeface="+mn-ea"/>
+                <a:cs typeface="+mn-cs"/>
+              </a:rPr>
+              <a:t>设计原理上就不可避免地会引起刚刚我谈到的两个问题。本文针对这两个问题分别提出了改进方案：对候选消息重复率过高这个问题，本文的改进是对检测出的候选进行重新的话题聚类；对检测准确率不高的问题，本文的改进是引入更多的消息特征，并使用特征选择技术挑选出有用的特征组合，提高分类器的准确率，另外</a:t>
+            </a:r>
+            <a:r>
+              <a:rPr lang="zh-CN" altLang="en-US" sz="1200" b="0" i="0" kern="1200" dirty="0" smtClean="0">
+                <a:solidFill>
+                  <a:schemeClr val="tx1"/>
+                </a:solidFill>
+                <a:latin typeface="+mn-lt"/>
+                <a:ea typeface="+mn-ea"/>
+                <a:cs typeface="+mn-cs"/>
+              </a:rPr>
+              <a:t>原框架是</a:t>
+            </a:r>
+            <a:r>
+              <a:rPr lang="zh-CN" altLang="en-US" sz="1200" b="0" i="0" kern="1200" dirty="0" smtClean="0">
+                <a:solidFill>
+                  <a:schemeClr val="tx1"/>
+                </a:solidFill>
+                <a:latin typeface="+mn-lt"/>
+                <a:ea typeface="+mn-ea"/>
+                <a:cs typeface="+mn-cs"/>
+              </a:rPr>
+              <a:t>基于可疑度排名的方法检测出最可疑的消息，将它们作为谣言候选消息，对此本文提出了新的可疑度排名方案来</a:t>
+            </a:r>
+            <a:r>
+              <a:rPr lang="zh-CN" altLang="en-US" sz="1200" b="0" i="0" kern="1200" dirty="0" smtClean="0">
+                <a:solidFill>
+                  <a:schemeClr val="tx1"/>
+                </a:solidFill>
+                <a:latin typeface="+mn-lt"/>
+                <a:ea typeface="+mn-ea"/>
+                <a:cs typeface="+mn-cs"/>
+              </a:rPr>
+              <a:t>提高框架的</a:t>
+            </a:r>
+            <a:r>
+              <a:rPr lang="zh-CN" altLang="en-US" sz="1200" b="0" i="0" kern="1200" dirty="0" smtClean="0">
+                <a:solidFill>
+                  <a:schemeClr val="tx1"/>
+                </a:solidFill>
+                <a:latin typeface="+mn-lt"/>
+                <a:ea typeface="+mn-ea"/>
+                <a:cs typeface="+mn-cs"/>
+              </a:rPr>
+              <a:t>检测准确率。</a:t>
             </a:r>
             <a:endParaRPr lang="en-US" sz="1200" b="0" i="0" kern="1200" dirty="0" smtClean="0">
               <a:solidFill>
@@ -2419,7 +2869,29 @@
                 <a:ea typeface="+mn-ea"/>
                 <a:cs typeface="+mn-cs"/>
               </a:rPr>
-              <a:t>种聚类方法，并从原理和实验的角度论证了层级聚类法在社交网络中的话题聚类的优越性。（点）聚类算法依赖于消息的相似度度量，本文探讨了什么样的相似度度量适合于社交网络的话题聚类，并讨论了</a:t>
+              <a:t>种聚类方法，并从原理和实验的</a:t>
+            </a:r>
+            <a:r>
+              <a:rPr lang="zh-CN" altLang="en-US" sz="1200" b="0" i="0" kern="1200" dirty="0" smtClean="0">
+                <a:solidFill>
+                  <a:schemeClr val="tx1"/>
+                </a:solidFill>
+                <a:latin typeface="+mn-lt"/>
+                <a:ea typeface="+mn-ea"/>
+                <a:cs typeface="+mn-cs"/>
+              </a:rPr>
+              <a:t>角度说明了</a:t>
+            </a:r>
+            <a:r>
+              <a:rPr lang="zh-CN" altLang="en-US" sz="1200" b="0" i="0" kern="1200" dirty="0" smtClean="0">
+                <a:solidFill>
+                  <a:schemeClr val="tx1"/>
+                </a:solidFill>
+                <a:latin typeface="+mn-lt"/>
+                <a:ea typeface="+mn-ea"/>
+                <a:cs typeface="+mn-cs"/>
+              </a:rPr>
+              <a:t>层级聚类法在社交网络中的话题聚类的优越性。（点）聚类算法依赖于消息的相似度度量，本文探讨了什么样的相似度度量适合于社交网络的话题聚类，并讨论了</a:t>
             </a:r>
             <a:r>
               <a:rPr lang="en-US" altLang="zh-CN" sz="1200" b="0" i="0" kern="1200" dirty="0" smtClean="0">
@@ -2728,7 +3200,51 @@
                 <a:ea typeface="+mn-ea"/>
                 <a:cs typeface="+mn-cs"/>
               </a:rPr>
-              <a:t>（点两下）本文实验使用的是推特埃博拉病毒相关的消息集，共有</a:t>
+              <a:t>（点两下）本文实验使用的是推</a:t>
+            </a:r>
+            <a:r>
+              <a:rPr lang="zh-CN" altLang="en-US" sz="1200" b="0" i="0" kern="1200" dirty="0" smtClean="0">
+                <a:solidFill>
+                  <a:schemeClr val="tx1"/>
+                </a:solidFill>
+                <a:latin typeface="+mn-lt"/>
+                <a:ea typeface="+mn-ea"/>
+                <a:cs typeface="+mn-cs"/>
+              </a:rPr>
+              <a:t>特上的埃</a:t>
+            </a:r>
+            <a:r>
+              <a:rPr lang="zh-CN" altLang="en-US" sz="1200" b="0" i="0" kern="1200" dirty="0" smtClean="0">
+                <a:solidFill>
+                  <a:schemeClr val="tx1"/>
+                </a:solidFill>
+                <a:latin typeface="+mn-lt"/>
+                <a:ea typeface="+mn-ea"/>
+                <a:cs typeface="+mn-cs"/>
+              </a:rPr>
+              <a:t>博拉</a:t>
+            </a:r>
+            <a:r>
+              <a:rPr lang="zh-CN" altLang="en-US" sz="1200" b="0" i="0" kern="1200" dirty="0" smtClean="0">
+                <a:solidFill>
+                  <a:schemeClr val="tx1"/>
+                </a:solidFill>
+                <a:latin typeface="+mn-lt"/>
+                <a:ea typeface="+mn-ea"/>
+                <a:cs typeface="+mn-cs"/>
+              </a:rPr>
+              <a:t>病毒相关消息</a:t>
+            </a:r>
+            <a:r>
+              <a:rPr lang="zh-CN" altLang="en-US" sz="1200" b="0" i="0" kern="1200" dirty="0" smtClean="0">
+                <a:solidFill>
+                  <a:schemeClr val="tx1"/>
+                </a:solidFill>
+                <a:latin typeface="+mn-lt"/>
+                <a:ea typeface="+mn-ea"/>
+                <a:cs typeface="+mn-cs"/>
+              </a:rPr>
+              <a:t>集，共有</a:t>
             </a:r>
             <a:r>
               <a:rPr lang="en-US" altLang="zh-CN" sz="1200" b="0" i="0" kern="1200" dirty="0" smtClean="0">
@@ -3511,10 +4027,10 @@
                 <a:ea typeface="+mn-ea"/>
                 <a:cs typeface="+mn-cs"/>
               </a:rPr>
-              <a:t>相似度单独使用时表现不好，但在综合考虑时却获得了较高权重，这证明其辅助作用在加权相似度中非常明显。（点两下）用这个平均的配比重新进行实验，发现它比各网格搜索出的最优配比的聚类效果仅相差了</a:t>
-            </a:r>
-            <a:r>
-              <a:rPr lang="en-US" altLang="zh-CN" sz="1200" b="0" i="0" kern="1200" dirty="0" smtClean="0">
+              <a:t>相似度单独使用时表现不好，但在综合考虑时却获得了较高权重，</a:t>
+            </a:r>
+            <a:r>
+              <a:rPr lang="zh-CN" altLang="en-US" sz="1200" b="0" i="0" kern="1200" dirty="0" smtClean="0">
                 <a:solidFill>
                   <a:schemeClr val="tx1"/>
                 </a:solidFill>
@@ -3522,7 +4038,7 @@
                 <a:ea typeface="+mn-ea"/>
                 <a:cs typeface="+mn-cs"/>
               </a:rPr>
-              <a:t>3%~6%</a:t>
+              <a:t>这说明</a:t>
             </a:r>
             <a:r>
               <a:rPr lang="zh-CN" altLang="en-US" sz="1200" b="0" i="0" kern="1200" dirty="0" smtClean="0">
@@ -3533,7 +4049,51 @@
                 <a:ea typeface="+mn-ea"/>
                 <a:cs typeface="+mn-cs"/>
               </a:rPr>
-              <a:t>，（点两下）有的情况下结果还比网格搜索的最优好，这证明了平均权重配比的合理性，可以被用于实际问题当中。</a:t>
+              <a:t>其辅助作用在加权相似度中非常明显。（点两下）用这个平均的配比重新进行实验，发现它比各网格搜索出的最优配比的聚类效果仅相差了</a:t>
+            </a:r>
+            <a:r>
+              <a:rPr lang="en-US" altLang="zh-CN" sz="1200" b="0" i="0" kern="1200" dirty="0" smtClean="0">
+                <a:solidFill>
+                  <a:schemeClr val="tx1"/>
+                </a:solidFill>
+                <a:latin typeface="+mn-lt"/>
+                <a:ea typeface="+mn-ea"/>
+                <a:cs typeface="+mn-cs"/>
+              </a:rPr>
+              <a:t>3%~6%</a:t>
+            </a:r>
+            <a:r>
+              <a:rPr lang="zh-CN" altLang="en-US" sz="1200" b="0" i="0" kern="1200" dirty="0" smtClean="0">
+                <a:solidFill>
+                  <a:schemeClr val="tx1"/>
+                </a:solidFill>
+                <a:latin typeface="+mn-lt"/>
+                <a:ea typeface="+mn-ea"/>
+                <a:cs typeface="+mn-cs"/>
+              </a:rPr>
+              <a:t>，（点两下）有的情况下结果还比网格搜索的最优好，</a:t>
+            </a:r>
+            <a:r>
+              <a:rPr lang="zh-CN" altLang="en-US" sz="1200" b="0" i="0" kern="1200" dirty="0" smtClean="0">
+                <a:solidFill>
+                  <a:schemeClr val="tx1"/>
+                </a:solidFill>
+                <a:latin typeface="+mn-lt"/>
+                <a:ea typeface="+mn-ea"/>
+                <a:cs typeface="+mn-cs"/>
+              </a:rPr>
+              <a:t>这说明了</a:t>
+            </a:r>
+            <a:r>
+              <a:rPr lang="zh-CN" altLang="en-US" sz="1200" b="0" i="0" kern="1200" dirty="0" smtClean="0">
+                <a:solidFill>
+                  <a:schemeClr val="tx1"/>
+                </a:solidFill>
+                <a:latin typeface="+mn-lt"/>
+                <a:ea typeface="+mn-ea"/>
+                <a:cs typeface="+mn-cs"/>
+              </a:rPr>
+              <a:t>平均权重配比的合理性，可以被用于实际问题当中。</a:t>
             </a:r>
             <a:endParaRPr lang="en-US" altLang="zh-CN" sz="1200" b="0" i="0" kern="1200" dirty="0" smtClean="0">
               <a:solidFill>
@@ -3688,10 +4248,10 @@
                 <a:ea typeface="+mn-ea"/>
                 <a:cs typeface="+mn-cs"/>
               </a:rPr>
-              <a:t>之间，与原系统的</a:t>
-            </a:r>
-            <a:r>
-              <a:rPr lang="en-US" altLang="zh-CN" sz="1200" b="0" i="0" kern="1200" baseline="0" dirty="0" smtClean="0">
+              <a:t>之间，与</a:t>
+            </a:r>
+            <a:r>
+              <a:rPr lang="zh-CN" altLang="en-US" sz="1200" b="0" i="0" kern="1200" baseline="0" dirty="0" smtClean="0">
                 <a:solidFill>
                   <a:schemeClr val="tx1"/>
                 </a:solidFill>
@@ -3699,10 +4259,10 @@
                 <a:ea typeface="+mn-ea"/>
                 <a:cs typeface="+mn-cs"/>
               </a:rPr>
-              <a:t>3.2</a:t>
-            </a:r>
-            <a:r>
-              <a:rPr lang="zh-CN" altLang="en-US" sz="1200" b="0" i="0" kern="1200" baseline="0" dirty="0" smtClean="0">
+              <a:t>原框架的</a:t>
+            </a:r>
+            <a:r>
+              <a:rPr lang="en-US" altLang="zh-CN" sz="1200" b="0" i="0" kern="1200" baseline="0" dirty="0" smtClean="0">
                 <a:solidFill>
                   <a:schemeClr val="tx1"/>
                 </a:solidFill>
@@ -3710,7 +4270,106 @@
                 <a:ea typeface="+mn-ea"/>
                 <a:cs typeface="+mn-cs"/>
               </a:rPr>
-              <a:t>相比足足缩减了一半，这充分说明方案对原系统第一个问题有很好的改进成效。（点）右边的表格是一些系统实际的聚类例子，这些消息的文本都不太相似，（点）在原系统中被分成了好多候选消息，但在新系统中都基本被正确聚类，因为它们的时间相似度高、（点两下）</a:t>
+              <a:t>3.2</a:t>
+            </a:r>
+            <a:r>
+              <a:rPr lang="zh-CN" altLang="en-US" sz="1200" b="0" i="0" kern="1200" baseline="0" dirty="0" smtClean="0">
+                <a:solidFill>
+                  <a:schemeClr val="tx1"/>
+                </a:solidFill>
+                <a:latin typeface="+mn-lt"/>
+                <a:ea typeface="+mn-ea"/>
+                <a:cs typeface="+mn-cs"/>
+              </a:rPr>
+              <a:t>相比足足缩减了一半，这充分说明方案对</a:t>
+            </a:r>
+            <a:r>
+              <a:rPr lang="zh-CN" altLang="en-US" sz="1200" b="0" i="0" kern="1200" baseline="0" dirty="0" smtClean="0">
+                <a:solidFill>
+                  <a:schemeClr val="tx1"/>
+                </a:solidFill>
+                <a:latin typeface="+mn-lt"/>
+                <a:ea typeface="+mn-ea"/>
+                <a:cs typeface="+mn-cs"/>
+              </a:rPr>
+              <a:t>原框架第一</a:t>
+            </a:r>
+            <a:r>
+              <a:rPr lang="zh-CN" altLang="en-US" sz="1200" b="0" i="0" kern="1200" baseline="0" dirty="0" smtClean="0">
+                <a:solidFill>
+                  <a:schemeClr val="tx1"/>
+                </a:solidFill>
+                <a:latin typeface="+mn-lt"/>
+                <a:ea typeface="+mn-ea"/>
+                <a:cs typeface="+mn-cs"/>
+              </a:rPr>
+              <a:t>个问题有很好的改进成效。（点）右边的表格是</a:t>
+            </a:r>
+            <a:r>
+              <a:rPr lang="zh-CN" altLang="en-US" sz="1200" b="0" i="0" kern="1200" baseline="0" dirty="0" smtClean="0">
+                <a:solidFill>
+                  <a:schemeClr val="tx1"/>
+                </a:solidFill>
+                <a:latin typeface="+mn-lt"/>
+                <a:ea typeface="+mn-ea"/>
+                <a:cs typeface="+mn-cs"/>
+              </a:rPr>
+              <a:t>一些框架实际</a:t>
+            </a:r>
+            <a:r>
+              <a:rPr lang="zh-CN" altLang="en-US" sz="1200" b="0" i="0" kern="1200" baseline="0" dirty="0" smtClean="0">
+                <a:solidFill>
+                  <a:schemeClr val="tx1"/>
+                </a:solidFill>
+                <a:latin typeface="+mn-lt"/>
+                <a:ea typeface="+mn-ea"/>
+                <a:cs typeface="+mn-cs"/>
+              </a:rPr>
+              <a:t>的聚类例子，这些消息的文本都不太相似，（点）在</a:t>
+            </a:r>
+            <a:r>
+              <a:rPr lang="zh-CN" altLang="en-US" sz="1200" b="0" i="0" kern="1200" baseline="0" dirty="0" smtClean="0">
+                <a:solidFill>
+                  <a:schemeClr val="tx1"/>
+                </a:solidFill>
+                <a:latin typeface="+mn-lt"/>
+                <a:ea typeface="+mn-ea"/>
+                <a:cs typeface="+mn-cs"/>
+              </a:rPr>
+              <a:t>原框架中</a:t>
+            </a:r>
+            <a:r>
+              <a:rPr lang="zh-CN" altLang="en-US" sz="1200" b="0" i="0" kern="1200" baseline="0" dirty="0" smtClean="0">
+                <a:solidFill>
+                  <a:schemeClr val="tx1"/>
+                </a:solidFill>
+                <a:latin typeface="+mn-lt"/>
+                <a:ea typeface="+mn-ea"/>
+                <a:cs typeface="+mn-cs"/>
+              </a:rPr>
+              <a:t>被分成了好多候选消息，但在</a:t>
+            </a:r>
+            <a:r>
+              <a:rPr lang="zh-CN" altLang="en-US" sz="1200" b="0" i="0" kern="1200" baseline="0" dirty="0" smtClean="0">
+                <a:solidFill>
+                  <a:schemeClr val="tx1"/>
+                </a:solidFill>
+                <a:latin typeface="+mn-lt"/>
+                <a:ea typeface="+mn-ea"/>
+                <a:cs typeface="+mn-cs"/>
+              </a:rPr>
+              <a:t>新框架中</a:t>
+            </a:r>
+            <a:r>
+              <a:rPr lang="zh-CN" altLang="en-US" sz="1200" b="0" i="0" kern="1200" baseline="0" dirty="0" smtClean="0">
+                <a:solidFill>
+                  <a:schemeClr val="tx1"/>
+                </a:solidFill>
+                <a:latin typeface="+mn-lt"/>
+                <a:ea typeface="+mn-ea"/>
+                <a:cs typeface="+mn-cs"/>
+              </a:rPr>
+              <a:t>都基本被正确聚类，因为它们的时间相似度高、（点两下）</a:t>
             </a:r>
             <a:r>
               <a:rPr lang="en-US" altLang="zh-CN" sz="1200" b="0" i="0" kern="1200" baseline="0" dirty="0" smtClean="0">
@@ -3966,7 +4625,7 @@
             <a:fld id="{FB381CC7-0F0E-4BC7-B064-04D2EEE77EBA}" type="datetime1">
               <a:rPr lang="zh-CN" altLang="en-US" smtClean="0"/>
               <a:pPr/>
-              <a:t>2016/6/11</a:t>
+              <a:t>2016/6/12</a:t>
             </a:fld>
             <a:endParaRPr lang="zh-CN" altLang="en-US"/>
           </a:p>
@@ -4192,7 +4851,7 @@
             <a:fld id="{9923F6A9-EEFB-4510-9FB9-B809668B341F}" type="datetime1">
               <a:rPr lang="zh-CN" altLang="en-US" smtClean="0"/>
               <a:pPr/>
-              <a:t>2016/6/11</a:t>
+              <a:t>2016/6/12</a:t>
             </a:fld>
             <a:endParaRPr lang="zh-CN" altLang="en-US"/>
           </a:p>
@@ -4428,7 +5087,7 @@
             <a:fld id="{630B2A0F-63F4-4262-B091-25FD76C43D69}" type="datetime1">
               <a:rPr lang="zh-CN" altLang="en-US" smtClean="0"/>
               <a:pPr/>
-              <a:t>2016/6/11</a:t>
+              <a:t>2016/6/12</a:t>
             </a:fld>
             <a:endParaRPr lang="zh-CN" altLang="en-US"/>
           </a:p>
@@ -4678,7 +5337,7 @@
             <a:fld id="{6658A3A6-ED94-437B-A235-D1ECAB7C8E73}" type="datetime1">
               <a:rPr lang="zh-CN" altLang="en-US" smtClean="0"/>
               <a:pPr/>
-              <a:t>2016/6/11</a:t>
+              <a:t>2016/6/12</a:t>
             </a:fld>
             <a:endParaRPr lang="zh-CN" altLang="en-US"/>
           </a:p>
@@ -4843,7 +5502,7 @@
             <a:fld id="{E65CD7B5-33DB-4742-832E-8E12AEA5BBBD}" type="datetime1">
               <a:rPr lang="zh-CN" altLang="en-US" smtClean="0"/>
               <a:pPr/>
-              <a:t>2016/6/11</a:t>
+              <a:t>2016/6/12</a:t>
             </a:fld>
             <a:endParaRPr lang="zh-CN" altLang="en-US"/>
           </a:p>
@@ -5136,7 +5795,7 @@
             <a:fld id="{8B639136-2340-4A6B-AB5F-7E819C3A11E4}" type="datetime1">
               <a:rPr lang="zh-CN" altLang="en-US" smtClean="0"/>
               <a:pPr/>
-              <a:t>2016/6/11</a:t>
+              <a:t>2016/6/12</a:t>
             </a:fld>
             <a:endParaRPr lang="zh-CN" altLang="en-US"/>
           </a:p>
@@ -5415,7 +6074,7 @@
             <a:fld id="{BBEEC0BF-188B-4F85-AF59-8987DE33B2AB}" type="datetime1">
               <a:rPr lang="zh-CN" altLang="en-US" smtClean="0"/>
               <a:pPr/>
-              <a:t>2016/6/11</a:t>
+              <a:t>2016/6/12</a:t>
             </a:fld>
             <a:endParaRPr lang="zh-CN" altLang="en-US"/>
           </a:p>
@@ -5829,7 +6488,7 @@
             <a:fld id="{372ABBE7-9B59-47AA-ADF5-CF6B42D6DB18}" type="datetime1">
               <a:rPr lang="zh-CN" altLang="en-US" smtClean="0"/>
               <a:pPr/>
-              <a:t>2016/6/11</a:t>
+              <a:t>2016/6/12</a:t>
             </a:fld>
             <a:endParaRPr lang="zh-CN" altLang="en-US"/>
           </a:p>
@@ -5994,7 +6653,7 @@
             <a:fld id="{BF394E39-C531-4410-9C1A-62C19B48A411}" type="datetime1">
               <a:rPr lang="zh-CN" altLang="en-US" smtClean="0"/>
               <a:pPr/>
-              <a:t>2016/6/11</a:t>
+              <a:t>2016/6/12</a:t>
             </a:fld>
             <a:endParaRPr lang="zh-CN" altLang="en-US"/>
           </a:p>
@@ -6327,7 +6986,7 @@
             <a:fld id="{B5569CD0-B630-483C-B3CD-0022FDF35087}" type="datetime1">
               <a:rPr lang="zh-CN" altLang="en-US" smtClean="0"/>
               <a:pPr/>
-              <a:t>2016/6/11</a:t>
+              <a:t>2016/6/12</a:t>
             </a:fld>
             <a:endParaRPr lang="zh-CN" altLang="en-US"/>
           </a:p>
@@ -6640,7 +7299,7 @@
             <a:fld id="{F527CC16-68ED-4100-B3FF-8055CEC3CB97}" type="datetime1">
               <a:rPr lang="zh-CN" altLang="en-US" smtClean="0"/>
               <a:pPr/>
-              <a:t>2016/6/11</a:t>
+              <a:t>2016/6/12</a:t>
             </a:fld>
             <a:endParaRPr lang="zh-CN" altLang="en-US"/>
           </a:p>
@@ -6909,7 +7568,7 @@
             <a:fld id="{99CCFBA0-5906-43C9-8036-5ACB8D6DCDAD}" type="datetime1">
               <a:rPr lang="zh-CN" altLang="en-US" smtClean="0"/>
               <a:pPr/>
-              <a:t>2016/6/11</a:t>
+              <a:t>2016/6/12</a:t>
             </a:fld>
             <a:endParaRPr lang="zh-CN" altLang="en-US"/>
           </a:p>
@@ -7918,7 +8577,7 @@
                 <a:latin typeface="黑体" pitchFamily="49" charset="-122"/>
                 <a:ea typeface="黑体" pitchFamily="49" charset="-122"/>
               </a:rPr>
-              <a:t>系统</a:t>
+              <a:t>框架特征</a:t>
             </a:r>
             <a:r>
               <a:rPr lang="zh-CN" altLang="en-US" sz="2800" dirty="0">
@@ -7928,7 +8587,7 @@
                 <a:latin typeface="黑体" pitchFamily="49" charset="-122"/>
                 <a:ea typeface="黑体" pitchFamily="49" charset="-122"/>
               </a:rPr>
-              <a:t>特征列表</a:t>
+              <a:t>列表</a:t>
             </a:r>
             <a:endParaRPr lang="en-US" altLang="zh-CN" sz="2800" dirty="0" smtClean="0">
               <a:solidFill>
@@ -7957,7 +8616,17 @@
                 <a:latin typeface="黑体" pitchFamily="49" charset="-122"/>
                 <a:ea typeface="黑体" pitchFamily="49" charset="-122"/>
               </a:rPr>
-              <a:t>从原系统</a:t>
+              <a:t>从</a:t>
+            </a:r>
+            <a:r>
+              <a:rPr lang="zh-CN" altLang="en-US" sz="2000" dirty="0" smtClean="0">
+                <a:solidFill>
+                  <a:prstClr val="black"/>
+                </a:solidFill>
+                <a:latin typeface="黑体" pitchFamily="49" charset="-122"/>
+                <a:ea typeface="黑体" pitchFamily="49" charset="-122"/>
+              </a:rPr>
+              <a:t>原框架</a:t>
             </a:r>
             <a:r>
               <a:rPr lang="en-US" altLang="zh-CN" sz="2000" dirty="0" smtClean="0">
@@ -7977,7 +8646,17 @@
                 <a:latin typeface="黑体" pitchFamily="49" charset="-122"/>
                 <a:ea typeface="黑体" pitchFamily="49" charset="-122"/>
               </a:rPr>
-              <a:t>类扩充到新系统</a:t>
+              <a:t>类扩充到</a:t>
+            </a:r>
+            <a:r>
+              <a:rPr lang="zh-CN" altLang="en-US" sz="2000" dirty="0" smtClean="0">
+                <a:solidFill>
+                  <a:prstClr val="black"/>
+                </a:solidFill>
+                <a:latin typeface="黑体" pitchFamily="49" charset="-122"/>
+                <a:ea typeface="黑体" pitchFamily="49" charset="-122"/>
+              </a:rPr>
+              <a:t>新框架</a:t>
             </a:r>
             <a:r>
               <a:rPr lang="en-US" altLang="zh-CN" sz="2000" dirty="0" smtClean="0">
@@ -8909,7 +9588,7 @@
                 <a:latin typeface="黑体" pitchFamily="49" charset="-122"/>
                 <a:ea typeface="黑体" pitchFamily="49" charset="-122"/>
               </a:rPr>
-              <a:t>系统</a:t>
+              <a:t>框架采用</a:t>
             </a:r>
             <a:r>
               <a:rPr lang="zh-CN" altLang="en-US" sz="2800" dirty="0">
@@ -8919,7 +9598,7 @@
                 <a:latin typeface="黑体" pitchFamily="49" charset="-122"/>
                 <a:ea typeface="黑体" pitchFamily="49" charset="-122"/>
               </a:rPr>
-              <a:t>采用的分类器</a:t>
+              <a:t>的分类器</a:t>
             </a:r>
             <a:endParaRPr lang="en-US" altLang="zh-CN" sz="2800" dirty="0" smtClean="0">
               <a:solidFill>
@@ -9026,7 +9705,27 @@
                 <a:latin typeface="黑体" pitchFamily="49" charset="-122"/>
                 <a:ea typeface="黑体" pitchFamily="49" charset="-122"/>
               </a:rPr>
-              <a:t>动因：原系统仅用决策树，能否将不同分类器的“智慧”结合，提高谣言检测率？</a:t>
+              <a:t>动因：</a:t>
+            </a:r>
+            <a:r>
+              <a:rPr lang="zh-CN" altLang="en-US" sz="2000" dirty="0" smtClean="0">
+                <a:solidFill>
+                  <a:prstClr val="black"/>
+                </a:solidFill>
+                <a:latin typeface="黑体" pitchFamily="49" charset="-122"/>
+                <a:ea typeface="黑体" pitchFamily="49" charset="-122"/>
+              </a:rPr>
+              <a:t>原框架仅</a:t>
+            </a:r>
+            <a:r>
+              <a:rPr lang="zh-CN" altLang="en-US" sz="2000" dirty="0" smtClean="0">
+                <a:solidFill>
+                  <a:prstClr val="black"/>
+                </a:solidFill>
+                <a:latin typeface="黑体" pitchFamily="49" charset="-122"/>
+                <a:ea typeface="黑体" pitchFamily="49" charset="-122"/>
+              </a:rPr>
+              <a:t>用决策树，能否将不同分类器的“智慧”结合，提高谣言检测率？</a:t>
             </a:r>
             <a:endParaRPr lang="en-US" altLang="zh-CN" sz="2000" dirty="0" smtClean="0">
               <a:solidFill>
@@ -10390,54 +11089,6 @@
           <a:ln w="28575">
             <a:solidFill>
               <a:srgbClr val="FF0000"/>
-            </a:solidFill>
-          </a:ln>
-        </p:spPr>
-        <p:style>
-          <a:lnRef idx="2">
-            <a:schemeClr val="accent1">
-              <a:shade val="50000"/>
-            </a:schemeClr>
-          </a:lnRef>
-          <a:fillRef idx="1">
-            <a:schemeClr val="accent1"/>
-          </a:fillRef>
-          <a:effectRef idx="0">
-            <a:schemeClr val="accent1"/>
-          </a:effectRef>
-          <a:fontRef idx="minor">
-            <a:schemeClr val="lt1"/>
-          </a:fontRef>
-        </p:style>
-        <p:txBody>
-          <a:bodyPr rtlCol="0" anchor="ctr"/>
-          <a:lstStyle/>
-          <a:p>
-            <a:pPr algn="ctr"/>
-            <a:endParaRPr lang="zh-CN" altLang="en-US"/>
-          </a:p>
-        </p:txBody>
-      </p:sp>
-      <p:sp>
-        <p:nvSpPr>
-          <p:cNvPr id="14" name="椭圆 13"/>
-          <p:cNvSpPr/>
-          <p:nvPr/>
-        </p:nvSpPr>
-        <p:spPr>
-          <a:xfrm>
-            <a:off x="9183010" y="5642230"/>
-            <a:ext cx="1032515" cy="292920"/>
-          </a:xfrm>
-          <a:prstGeom prst="ellipse">
-            <a:avLst/>
-          </a:prstGeom>
-          <a:noFill/>
-          <a:ln w="38100">
-            <a:solidFill>
-              <a:schemeClr val="accent2">
-                <a:lumMod val="50000"/>
-              </a:schemeClr>
             </a:solidFill>
           </a:ln>
         </p:spPr>
@@ -10994,7 +11645,7 @@
                                           </p:stCondLst>
                                         </p:cTn>
                                         <p:tgtEl>
-                                          <p:spTgt spid="14"/>
+                                          <p:spTgt spid="13"/>
                                         </p:tgtEl>
                                         <p:attrNameLst>
                                           <p:attrName>style.visibility</p:attrName>
@@ -11008,59 +11659,6 @@
                                       <p:cBhvr>
                                         <p:cTn id="48" dur="500"/>
                                         <p:tgtEl>
-                                          <p:spTgt spid="14"/>
-                                        </p:tgtEl>
-                                      </p:cBhvr>
-                                    </p:animEffect>
-                                  </p:childTnLst>
-                                </p:cTn>
-                              </p:par>
-                            </p:childTnLst>
-                          </p:cTn>
-                        </p:par>
-                      </p:childTnLst>
-                    </p:cTn>
-                  </p:par>
-                  <p:par>
-                    <p:cTn id="49" fill="hold">
-                      <p:stCondLst>
-                        <p:cond delay="indefinite"/>
-                      </p:stCondLst>
-                      <p:childTnLst>
-                        <p:par>
-                          <p:cTn id="50" fill="hold">
-                            <p:stCondLst>
-                              <p:cond delay="0"/>
-                            </p:stCondLst>
-                            <p:childTnLst>
-                              <p:par>
-                                <p:cTn id="51" presetID="10" presetClass="entr" presetSubtype="0" fill="hold" grpId="0" nodeType="clickEffect">
-                                  <p:stCondLst>
-                                    <p:cond delay="0"/>
-                                  </p:stCondLst>
-                                  <p:childTnLst>
-                                    <p:set>
-                                      <p:cBhvr>
-                                        <p:cTn id="52" dur="1" fill="hold">
-                                          <p:stCondLst>
-                                            <p:cond delay="0"/>
-                                          </p:stCondLst>
-                                        </p:cTn>
-                                        <p:tgtEl>
-                                          <p:spTgt spid="13"/>
-                                        </p:tgtEl>
-                                        <p:attrNameLst>
-                                          <p:attrName>style.visibility</p:attrName>
-                                        </p:attrNameLst>
-                                      </p:cBhvr>
-                                      <p:to>
-                                        <p:strVal val="visible"/>
-                                      </p:to>
-                                    </p:set>
-                                    <p:animEffect transition="in" filter="fade">
-                                      <p:cBhvr>
-                                        <p:cTn id="53" dur="500"/>
-                                        <p:tgtEl>
                                           <p:spTgt spid="13"/>
                                         </p:tgtEl>
                                       </p:cBhvr>
@@ -11069,14 +11667,14 @@
                                 </p:cTn>
                               </p:par>
                               <p:par>
-                                <p:cTn id="54" presetID="10" presetClass="entr" presetSubtype="0" fill="hold" grpId="0" nodeType="withEffect">
+                                <p:cTn id="49" presetID="10" presetClass="entr" presetSubtype="0" fill="hold" grpId="0" nodeType="withEffect">
                                   <p:stCondLst>
                                     <p:cond delay="0"/>
                                   </p:stCondLst>
                                   <p:childTnLst>
                                     <p:set>
                                       <p:cBhvr>
-                                        <p:cTn id="55" dur="1" fill="hold">
+                                        <p:cTn id="50" dur="1" fill="hold">
                                           <p:stCondLst>
                                             <p:cond delay="0"/>
                                           </p:stCondLst>
@@ -11094,7 +11692,7 @@
                                     </p:set>
                                     <p:animEffect transition="in" filter="fade">
                                       <p:cBhvr>
-                                        <p:cTn id="56" dur="500"/>
+                                        <p:cTn id="51" dur="500"/>
                                         <p:tgtEl>
                                           <p:spTgt spid="15"/>
                                         </p:tgtEl>
@@ -11137,7 +11735,6 @@
       <p:bldP spid="12" grpId="0" animBg="1"/>
       <p:bldP spid="13" grpId="0" animBg="1"/>
       <p:bldP spid="15" grpId="0" animBg="1"/>
-      <p:bldP spid="14" grpId="0" animBg="1"/>
     </p:bldLst>
   </p:timing>
 </p:sld>
@@ -11460,7 +12057,27 @@
                 <a:latin typeface="黑体" pitchFamily="49" charset="-122"/>
                 <a:ea typeface="黑体" pitchFamily="49" charset="-122"/>
               </a:rPr>
-              <a:t>更贴近系统的真实应用场景</a:t>
+              <a:t>更</a:t>
+            </a:r>
+            <a:r>
+              <a:rPr lang="zh-CN" altLang="en-US" sz="2000" dirty="0" smtClean="0">
+                <a:solidFill>
+                  <a:prstClr val="black"/>
+                </a:solidFill>
+                <a:latin typeface="黑体" pitchFamily="49" charset="-122"/>
+                <a:ea typeface="黑体" pitchFamily="49" charset="-122"/>
+              </a:rPr>
+              <a:t>贴近框架的</a:t>
+            </a:r>
+            <a:r>
+              <a:rPr lang="zh-CN" altLang="en-US" sz="2000" dirty="0" smtClean="0">
+                <a:solidFill>
+                  <a:prstClr val="black"/>
+                </a:solidFill>
+                <a:latin typeface="黑体" pitchFamily="49" charset="-122"/>
+                <a:ea typeface="黑体" pitchFamily="49" charset="-122"/>
+              </a:rPr>
+              <a:t>真实应用场景</a:t>
             </a:r>
             <a:endParaRPr lang="en-US" altLang="zh-CN" sz="2000" dirty="0">
               <a:solidFill>
@@ -12823,7 +13440,17 @@
                 <a:latin typeface="黑体" pitchFamily="49" charset="-122"/>
                 <a:ea typeface="黑体" pitchFamily="49" charset="-122"/>
               </a:rPr>
-              <a:t>系统检测出的谣言实例</a:t>
+              <a:t>框架检测</a:t>
+            </a:r>
+            <a:r>
+              <a:rPr lang="zh-CN" altLang="en-US" sz="2000" dirty="0" smtClean="0">
+                <a:solidFill>
+                  <a:prstClr val="black"/>
+                </a:solidFill>
+                <a:latin typeface="黑体" pitchFamily="49" charset="-122"/>
+                <a:ea typeface="黑体" pitchFamily="49" charset="-122"/>
+              </a:rPr>
+              <a:t>出的谣言实例</a:t>
             </a:r>
             <a:endParaRPr lang="en-US" altLang="zh-CN" sz="2000" dirty="0">
               <a:solidFill>
@@ -13311,7 +13938,27 @@
                 <a:latin typeface="黑体" pitchFamily="49" charset="-122"/>
                 <a:ea typeface="黑体" pitchFamily="49" charset="-122"/>
               </a:rPr>
-              <a:t>本文基于一个已有的谣言检测系统，对它的两点不足进行改进提高</a:t>
+              <a:t>本文基于一个已有的谣言</a:t>
+            </a:r>
+            <a:r>
+              <a:rPr lang="zh-CN" altLang="en-US" sz="2000" dirty="0" smtClean="0">
+                <a:solidFill>
+                  <a:prstClr val="black"/>
+                </a:solidFill>
+                <a:latin typeface="黑体" pitchFamily="49" charset="-122"/>
+                <a:ea typeface="黑体" pitchFamily="49" charset="-122"/>
+              </a:rPr>
+              <a:t>检测框架，</a:t>
+            </a:r>
+            <a:r>
+              <a:rPr lang="zh-CN" altLang="en-US" sz="2000" dirty="0" smtClean="0">
+                <a:solidFill>
+                  <a:prstClr val="black"/>
+                </a:solidFill>
+                <a:latin typeface="黑体" pitchFamily="49" charset="-122"/>
+                <a:ea typeface="黑体" pitchFamily="49" charset="-122"/>
+              </a:rPr>
+              <a:t>对它的两点不足进行改进提高</a:t>
             </a:r>
             <a:endParaRPr lang="en-US" altLang="zh-CN" sz="2000" dirty="0" smtClean="0">
               <a:solidFill>
@@ -13438,7 +14085,57 @@
                 <a:latin typeface="黑体" pitchFamily="49" charset="-122"/>
                 <a:ea typeface="黑体" pitchFamily="49" charset="-122"/>
               </a:rPr>
-              <a:t>大量实验论证了本文改进方案的有效性：能降低原系统的候选消息话题重复率、提高原系统的</a:t>
+              <a:t>大量</a:t>
+            </a:r>
+            <a:r>
+              <a:rPr lang="zh-CN" altLang="en-US" sz="2000" dirty="0" smtClean="0">
+                <a:solidFill>
+                  <a:prstClr val="black"/>
+                </a:solidFill>
+                <a:latin typeface="黑体" pitchFamily="49" charset="-122"/>
+                <a:ea typeface="黑体" pitchFamily="49" charset="-122"/>
+              </a:rPr>
+              <a:t>实验说明了</a:t>
+            </a:r>
+            <a:r>
+              <a:rPr lang="zh-CN" altLang="en-US" sz="2000" dirty="0" smtClean="0">
+                <a:solidFill>
+                  <a:prstClr val="black"/>
+                </a:solidFill>
+                <a:latin typeface="黑体" pitchFamily="49" charset="-122"/>
+                <a:ea typeface="黑体" pitchFamily="49" charset="-122"/>
+              </a:rPr>
+              <a:t>本文改进方案的有效性：能降低</a:t>
+            </a:r>
+            <a:r>
+              <a:rPr lang="zh-CN" altLang="en-US" sz="2000" dirty="0" smtClean="0">
+                <a:solidFill>
+                  <a:prstClr val="black"/>
+                </a:solidFill>
+                <a:latin typeface="黑体" pitchFamily="49" charset="-122"/>
+                <a:ea typeface="黑体" pitchFamily="49" charset="-122"/>
+              </a:rPr>
+              <a:t>原框架的</a:t>
+            </a:r>
+            <a:r>
+              <a:rPr lang="zh-CN" altLang="en-US" sz="2000" dirty="0" smtClean="0">
+                <a:solidFill>
+                  <a:prstClr val="black"/>
+                </a:solidFill>
+                <a:latin typeface="黑体" pitchFamily="49" charset="-122"/>
+                <a:ea typeface="黑体" pitchFamily="49" charset="-122"/>
+              </a:rPr>
+              <a:t>候选消息话题重复率、提高</a:t>
+            </a:r>
+            <a:r>
+              <a:rPr lang="zh-CN" altLang="en-US" sz="2000" dirty="0" smtClean="0">
+                <a:solidFill>
+                  <a:prstClr val="black"/>
+                </a:solidFill>
+                <a:latin typeface="黑体" pitchFamily="49" charset="-122"/>
+                <a:ea typeface="黑体" pitchFamily="49" charset="-122"/>
+              </a:rPr>
+              <a:t>原框架的</a:t>
             </a:r>
             <a:r>
               <a:rPr lang="en-US" altLang="zh-CN" sz="2000" dirty="0" smtClean="0">
@@ -13458,7 +14155,27 @@
                 <a:latin typeface="黑体" pitchFamily="49" charset="-122"/>
                 <a:ea typeface="黑体" pitchFamily="49" charset="-122"/>
               </a:rPr>
-              <a:t>谣言检测率、提高系统在真实场景下的实用性</a:t>
+              <a:t>谣言检测率、</a:t>
+            </a:r>
+            <a:r>
+              <a:rPr lang="zh-CN" altLang="en-US" sz="2000" dirty="0" smtClean="0">
+                <a:solidFill>
+                  <a:prstClr val="black"/>
+                </a:solidFill>
+                <a:latin typeface="黑体" pitchFamily="49" charset="-122"/>
+                <a:ea typeface="黑体" pitchFamily="49" charset="-122"/>
+              </a:rPr>
+              <a:t>提高框架在</a:t>
+            </a:r>
+            <a:r>
+              <a:rPr lang="zh-CN" altLang="en-US" sz="2000" dirty="0" smtClean="0">
+                <a:solidFill>
+                  <a:prstClr val="black"/>
+                </a:solidFill>
+                <a:latin typeface="黑体" pitchFamily="49" charset="-122"/>
+                <a:ea typeface="黑体" pitchFamily="49" charset="-122"/>
+              </a:rPr>
+              <a:t>真实场景下的实用性</a:t>
             </a:r>
             <a:endParaRPr lang="en-US" altLang="zh-CN" sz="2800" dirty="0" smtClean="0">
               <a:latin typeface="黑体" pitchFamily="49" charset="-122"/>
@@ -14273,7 +14990,7 @@
         <p:spPr>
           <a:xfrm>
             <a:off x="908518" y="1239661"/>
-            <a:ext cx="10009418" cy="3447098"/>
+            <a:ext cx="10009418" cy="2739211"/>
           </a:xfrm>
           <a:prstGeom prst="rect">
             <a:avLst/>
@@ -14308,43 +15025,6 @@
                 <a:latin typeface="黑体" pitchFamily="49" charset="-122"/>
                 <a:ea typeface="黑体" pitchFamily="49" charset="-122"/>
               </a:rPr>
-              <a:t>社交网络</a:t>
-            </a:r>
-            <a:endParaRPr lang="en-US" altLang="zh-CN" sz="2800" dirty="0" smtClean="0">
-              <a:latin typeface="黑体" pitchFamily="49" charset="-122"/>
-              <a:ea typeface="黑体" pitchFamily="49" charset="-122"/>
-            </a:endParaRPr>
-          </a:p>
-          <a:p>
-            <a:pPr algn="just">
-              <a:spcAft>
-                <a:spcPts val="1200"/>
-              </a:spcAft>
-              <a:buClr>
-                <a:schemeClr val="accent4"/>
-              </a:buClr>
-              <a:buFont typeface="Wingdings" pitchFamily="2" charset="2"/>
-              <a:buChar char="n"/>
-            </a:pPr>
-            <a:r>
-              <a:rPr lang="en-US" altLang="zh-CN" sz="2800" dirty="0">
-                <a:latin typeface="黑体" pitchFamily="49" charset="-122"/>
-                <a:ea typeface="黑体" pitchFamily="49" charset="-122"/>
-              </a:rPr>
-              <a:t> </a:t>
-            </a:r>
-            <a:r>
-              <a:rPr lang="en-US" altLang="zh-CN" sz="2800" dirty="0" smtClean="0">
-                <a:latin typeface="黑体" pitchFamily="49" charset="-122"/>
-                <a:ea typeface="黑体" pitchFamily="49" charset="-122"/>
-              </a:rPr>
-              <a:t>1.2 </a:t>
-            </a:r>
-            <a:r>
-              <a:rPr lang="zh-CN" altLang="en-US" sz="2800" dirty="0" smtClean="0">
-                <a:latin typeface="黑体" pitchFamily="49" charset="-122"/>
-                <a:ea typeface="黑体" pitchFamily="49" charset="-122"/>
-              </a:rPr>
               <a:t>社交网络中的谣言</a:t>
             </a:r>
             <a:endParaRPr lang="en-US" altLang="zh-CN" sz="2800" dirty="0" smtClean="0">
@@ -14381,7 +15061,7 @@
                 <a:latin typeface="黑体" pitchFamily="49" charset="-122"/>
                 <a:ea typeface="黑体" pitchFamily="49" charset="-122"/>
               </a:rPr>
-              <a:t>1.3 </a:t>
+              <a:t>1.2 </a:t>
             </a:r>
             <a:r>
               <a:rPr lang="zh-CN" altLang="en-US" sz="2800" dirty="0">
@@ -14459,7 +15139,17 @@
                 <a:latin typeface="黑体" pitchFamily="49" charset="-122"/>
                 <a:ea typeface="黑体" pitchFamily="49" charset="-122"/>
               </a:rPr>
-              <a:t> 1.4 </a:t>
+              <a:t> </a:t>
+            </a:r>
+            <a:r>
+              <a:rPr lang="en-US" altLang="zh-CN" sz="2800" dirty="0" smtClean="0">
+                <a:solidFill>
+                  <a:prstClr val="black"/>
+                </a:solidFill>
+                <a:latin typeface="黑体" pitchFamily="49" charset="-122"/>
+                <a:ea typeface="黑体" pitchFamily="49" charset="-122"/>
+              </a:rPr>
+              <a:t>1.3 </a:t>
             </a:r>
             <a:r>
               <a:rPr lang="zh-CN" altLang="en-US" sz="2800" dirty="0" smtClean="0">
@@ -14498,7 +15188,17 @@
                 <a:latin typeface="黑体" pitchFamily="49" charset="-122"/>
                 <a:ea typeface="黑体" pitchFamily="49" charset="-122"/>
               </a:rPr>
-              <a:t> 1.5 </a:t>
+              <a:t> </a:t>
+            </a:r>
+            <a:r>
+              <a:rPr lang="en-US" altLang="zh-CN" sz="2800" dirty="0" smtClean="0">
+                <a:solidFill>
+                  <a:prstClr val="black"/>
+                </a:solidFill>
+                <a:latin typeface="黑体" pitchFamily="49" charset="-122"/>
+                <a:ea typeface="黑体" pitchFamily="49" charset="-122"/>
+              </a:rPr>
+              <a:t>1.4 </a:t>
             </a:r>
             <a:r>
               <a:rPr lang="zh-CN" altLang="en-US" sz="2800" dirty="0">
@@ -14706,7 +15406,17 @@
                 <a:latin typeface="黑体" pitchFamily="49" charset="-122"/>
                 <a:ea typeface="黑体" pitchFamily="49" charset="-122"/>
               </a:rPr>
-              <a:t>一个实用的谣言检测系统</a:t>
+              <a:t>一个实用的谣言</a:t>
+            </a:r>
+            <a:r>
+              <a:rPr lang="zh-CN" altLang="en-US" sz="2800" dirty="0" smtClean="0">
+                <a:solidFill>
+                  <a:prstClr val="black"/>
+                </a:solidFill>
+                <a:latin typeface="黑体" pitchFamily="49" charset="-122"/>
+                <a:ea typeface="黑体" pitchFamily="49" charset="-122"/>
+              </a:rPr>
+              <a:t>检测框架</a:t>
             </a:r>
             <a:endParaRPr lang="en-US" altLang="zh-CN" sz="2800" dirty="0" smtClean="0">
               <a:solidFill>
@@ -14728,16 +15438,6 @@
               <a:buChar char="n"/>
             </a:pPr>
             <a:r>
-              <a:rPr lang="en-US" altLang="zh-CN" sz="2800" dirty="0">
-                <a:solidFill>
-                  <a:prstClr val="black"/>
-                </a:solidFill>
-                <a:latin typeface="黑体" pitchFamily="49" charset="-122"/>
-                <a:ea typeface="黑体" pitchFamily="49" charset="-122"/>
-              </a:rPr>
-              <a:t> </a:t>
-            </a:r>
-            <a:r>
               <a:rPr lang="en-US" altLang="zh-CN" sz="2800" dirty="0" smtClean="0">
                 <a:solidFill>
                   <a:prstClr val="black"/>
@@ -14745,17 +15445,7 @@
                 <a:latin typeface="黑体" pitchFamily="49" charset="-122"/>
                 <a:ea typeface="黑体" pitchFamily="49" charset="-122"/>
               </a:rPr>
-              <a:t>2.2 </a:t>
-            </a:r>
-            <a:r>
-              <a:rPr lang="zh-CN" altLang="en-US" sz="2800" dirty="0">
-                <a:solidFill>
-                  <a:prstClr val="black"/>
-                </a:solidFill>
-                <a:latin typeface="黑体" pitchFamily="49" charset="-122"/>
-                <a:ea typeface="黑体" pitchFamily="49" charset="-122"/>
-              </a:rPr>
-              <a:t>原系统的不足与改进方</a:t>
+              <a:t> 2.2 </a:t>
             </a:r>
             <a:r>
               <a:rPr lang="zh-CN" altLang="en-US" sz="2800" dirty="0" smtClean="0">
@@ -14765,7 +15455,7 @@
                 <a:latin typeface="黑体" pitchFamily="49" charset="-122"/>
                 <a:ea typeface="黑体" pitchFamily="49" charset="-122"/>
               </a:rPr>
-              <a:t>法</a:t>
+              <a:t>原框架的不足与改进方法</a:t>
             </a:r>
             <a:endParaRPr lang="en-US" altLang="zh-CN" sz="2800" dirty="0" smtClean="0">
               <a:solidFill>
@@ -14794,7 +15484,17 @@
                 <a:latin typeface="黑体" pitchFamily="49" charset="-122"/>
                 <a:ea typeface="黑体" pitchFamily="49" charset="-122"/>
               </a:rPr>
-              <a:t>问题：谣言候选话题重复率过高。         改进方案：</a:t>
+              <a:t>问题</a:t>
+            </a:r>
+            <a:r>
+              <a:rPr lang="zh-CN" altLang="en-US" sz="2000" dirty="0" smtClean="0">
+                <a:solidFill>
+                  <a:prstClr val="black"/>
+                </a:solidFill>
+                <a:latin typeface="黑体" pitchFamily="49" charset="-122"/>
+                <a:ea typeface="黑体" pitchFamily="49" charset="-122"/>
+              </a:rPr>
+              <a:t>：谣言候选话题重复率过高。         改进方案：</a:t>
             </a:r>
             <a:r>
               <a:rPr lang="zh-CN" altLang="en-US" sz="2000" dirty="0">
@@ -15016,8 +15716,8 @@
           <a:chExt cx="0" cy="0"/>
         </a:xfrm>
       </p:grpSpPr>
-      <mc:AlternateContent xmlns:mc="http://schemas.openxmlformats.org/markup-compatibility/2006" xmlns:a14="http://schemas.microsoft.com/office/drawing/2010/main">
-        <mc:Choice Requires="a14">
+      <mc:AlternateContent xmlns:mc="http://schemas.openxmlformats.org/markup-compatibility/2006">
+        <mc:Choice xmlns:a14="http://schemas.microsoft.com/office/drawing/2010/main" Requires="a14">
           <p:sp>
             <p:nvSpPr>
               <p:cNvPr id="21" name="TextBox 20"/>
@@ -15061,6 +15761,16 @@
                   <a:t> 3.1 </a:t>
                 </a:r>
                 <a:r>
+                  <a:rPr lang="zh-CN" altLang="en-US" sz="2800" dirty="0" smtClean="0">
+                    <a:solidFill>
+                      <a:prstClr val="black"/>
+                    </a:solidFill>
+                    <a:latin typeface="黑体" pitchFamily="49" charset="-122"/>
+                    <a:ea typeface="黑体" pitchFamily="49" charset="-122"/>
+                  </a:rPr>
+                  <a:t>框架采用</a:t>
+                </a:r>
+                <a:r>
                   <a:rPr lang="zh-CN" altLang="en-US" sz="2800" dirty="0">
                     <a:solidFill>
                       <a:prstClr val="black"/>
@@ -15068,7 +15778,7 @@
                     <a:latin typeface="黑体" pitchFamily="49" charset="-122"/>
                     <a:ea typeface="黑体" pitchFamily="49" charset="-122"/>
                   </a:rPr>
-                  <a:t>系统采用的聚类算</a:t>
+                  <a:t>的聚类算</a:t>
                 </a:r>
                 <a:r>
                   <a:rPr lang="zh-CN" altLang="en-US" sz="2800" dirty="0" smtClean="0">
@@ -15747,7 +16457,7 @@
             </p:txBody>
           </p:sp>
         </mc:Choice>
-        <mc:Fallback xmlns="">
+        <mc:Fallback>
           <p:sp>
             <p:nvSpPr>
               <p:cNvPr id="21" name="TextBox 20"/>
@@ -15767,7 +16477,7 @@
               <a:blipFill rotWithShape="0">
                 <a:blip r:embed="rId4"/>
                 <a:stretch>
-                  <a:fillRect l="-1035" t="-1248" b="-1124"/>
+                  <a:fillRect l="-1035" t="-1248" b="-999"/>
                 </a:stretch>
               </a:blipFill>
             </p:spPr>
@@ -15776,7 +16486,7 @@
               <a:lstStyle/>
               <a:p>
                 <a:r>
-                  <a:rPr lang="en-US">
+                  <a:rPr lang="zh-CN" altLang="en-US">
                     <a:noFill/>
                   </a:rPr>
                   <a:t> </a:t>
@@ -17730,6 +18440,30 @@
           <a:chExt cx="0" cy="0"/>
         </a:xfrm>
       </p:grpSpPr>
+      <p:pic>
+        <p:nvPicPr>
+          <p:cNvPr id="6" name="图片 5"/>
+          <p:cNvPicPr>
+            <a:picLocks noChangeAspect="1"/>
+          </p:cNvPicPr>
+          <p:nvPr/>
+        </p:nvPicPr>
+        <p:blipFill>
+          <a:blip r:embed="rId4"/>
+          <a:stretch>
+            <a:fillRect/>
+          </a:stretch>
+        </p:blipFill>
+        <p:spPr>
+          <a:xfrm>
+            <a:off x="1741981" y="1828800"/>
+            <a:ext cx="8587183" cy="4545135"/>
+          </a:xfrm>
+          <a:prstGeom prst="rect">
+            <a:avLst/>
+          </a:prstGeom>
+        </p:spPr>
+      </p:pic>
       <p:sp>
         <p:nvSpPr>
           <p:cNvPr id="21" name="TextBox 20"/>
@@ -17924,30 +18658,6 @@
           </a:p>
         </p:txBody>
       </p:sp>
-      <p:pic>
-        <p:nvPicPr>
-          <p:cNvPr id="4" name="Picture 3"/>
-          <p:cNvPicPr>
-            <a:picLocks noChangeAspect="1"/>
-          </p:cNvPicPr>
-          <p:nvPr/>
-        </p:nvPicPr>
-        <p:blipFill>
-          <a:blip r:embed="rId4"/>
-          <a:stretch>
-            <a:fillRect/>
-          </a:stretch>
-        </p:blipFill>
-        <p:spPr>
-          <a:xfrm>
-            <a:off x="1704273" y="1805049"/>
-            <a:ext cx="8625687" cy="4678878"/>
-          </a:xfrm>
-          <a:prstGeom prst="rect">
-            <a:avLst/>
-          </a:prstGeom>
-        </p:spPr>
-      </p:pic>
       <p:sp>
         <p:nvSpPr>
           <p:cNvPr id="2" name="矩形 1"/>
@@ -18149,7 +18859,7 @@
                                           </p:stCondLst>
                                         </p:cTn>
                                         <p:tgtEl>
-                                          <p:spTgt spid="4"/>
+                                          <p:spTgt spid="6"/>
                                         </p:tgtEl>
                                         <p:attrNameLst>
                                           <p:attrName>style.visibility</p:attrName>
@@ -18163,7 +18873,7 @@
                                       <p:cBhvr>
                                         <p:cTn id="12" dur="500"/>
                                         <p:tgtEl>
-                                          <p:spTgt spid="4"/>
+                                          <p:spTgt spid="6"/>
                                         </p:tgtEl>
                                       </p:cBhvr>
                                     </p:animEffect>
@@ -18328,6 +19038,30 @@
           <a:chExt cx="0" cy="0"/>
         </a:xfrm>
       </p:grpSpPr>
+      <p:pic>
+        <p:nvPicPr>
+          <p:cNvPr id="3" name="图片 2"/>
+          <p:cNvPicPr>
+            <a:picLocks noChangeAspect="1"/>
+          </p:cNvPicPr>
+          <p:nvPr/>
+        </p:nvPicPr>
+        <p:blipFill>
+          <a:blip r:embed="rId4"/>
+          <a:stretch>
+            <a:fillRect/>
+          </a:stretch>
+        </p:blipFill>
+        <p:spPr>
+          <a:xfrm>
+            <a:off x="1680954" y="1828800"/>
+            <a:ext cx="8707199" cy="4597890"/>
+          </a:xfrm>
+          <a:prstGeom prst="rect">
+            <a:avLst/>
+          </a:prstGeom>
+        </p:spPr>
+      </p:pic>
       <p:sp>
         <p:nvSpPr>
           <p:cNvPr id="21" name="TextBox 20"/>
@@ -18522,30 +19256,6 @@
           </a:p>
         </p:txBody>
       </p:sp>
-      <p:pic>
-        <p:nvPicPr>
-          <p:cNvPr id="10" name="图片 9"/>
-          <p:cNvPicPr>
-            <a:picLocks noChangeAspect="1"/>
-          </p:cNvPicPr>
-          <p:nvPr/>
-        </p:nvPicPr>
-        <p:blipFill>
-          <a:blip r:embed="rId4"/>
-          <a:stretch>
-            <a:fillRect/>
-          </a:stretch>
-        </p:blipFill>
-        <p:spPr>
-          <a:xfrm>
-            <a:off x="1670539" y="1751623"/>
-            <a:ext cx="8659422" cy="4686174"/>
-          </a:xfrm>
-          <a:prstGeom prst="rect">
-            <a:avLst/>
-          </a:prstGeom>
-        </p:spPr>
-      </p:pic>
       <p:sp>
         <p:nvSpPr>
           <p:cNvPr id="2" name="矩形 1"/>
@@ -18922,7 +19632,7 @@
                                           </p:stCondLst>
                                         </p:cTn>
                                         <p:tgtEl>
-                                          <p:spTgt spid="10"/>
+                                          <p:spTgt spid="3"/>
                                         </p:tgtEl>
                                         <p:attrNameLst>
                                           <p:attrName>style.visibility</p:attrName>
@@ -18936,7 +19646,7 @@
                                       <p:cBhvr>
                                         <p:cTn id="7" dur="500"/>
                                         <p:tgtEl>
-                                          <p:spTgt spid="10"/>
+                                          <p:spTgt spid="3"/>
                                         </p:tgtEl>
                                       </p:cBhvr>
                                     </p:animEffect>
@@ -19317,6 +20027,54 @@
           <a:chExt cx="0" cy="0"/>
         </a:xfrm>
       </p:grpSpPr>
+      <p:pic>
+        <p:nvPicPr>
+          <p:cNvPr id="6" name="图片 5"/>
+          <p:cNvPicPr>
+            <a:picLocks noChangeAspect="1"/>
+          </p:cNvPicPr>
+          <p:nvPr/>
+        </p:nvPicPr>
+        <p:blipFill>
+          <a:blip r:embed="rId4"/>
+          <a:stretch>
+            <a:fillRect/>
+          </a:stretch>
+        </p:blipFill>
+        <p:spPr>
+          <a:xfrm>
+            <a:off x="6260363" y="2825054"/>
+            <a:ext cx="5468577" cy="1127655"/>
+          </a:xfrm>
+          <a:prstGeom prst="rect">
+            <a:avLst/>
+          </a:prstGeom>
+        </p:spPr>
+      </p:pic>
+      <p:pic>
+        <p:nvPicPr>
+          <p:cNvPr id="2" name="图片 1"/>
+          <p:cNvPicPr>
+            <a:picLocks noChangeAspect="1"/>
+          </p:cNvPicPr>
+          <p:nvPr/>
+        </p:nvPicPr>
+        <p:blipFill>
+          <a:blip r:embed="rId5"/>
+          <a:stretch>
+            <a:fillRect/>
+          </a:stretch>
+        </p:blipFill>
+        <p:spPr>
+          <a:xfrm>
+            <a:off x="824322" y="2022230"/>
+            <a:ext cx="4969637" cy="4488226"/>
+          </a:xfrm>
+          <a:prstGeom prst="rect">
+            <a:avLst/>
+          </a:prstGeom>
+        </p:spPr>
+      </p:pic>
       <p:sp>
         <p:nvSpPr>
           <p:cNvPr id="21" name="TextBox 20"/>
@@ -19511,54 +20269,6 @@
           </a:p>
         </p:txBody>
       </p:sp>
-      <p:pic>
-        <p:nvPicPr>
-          <p:cNvPr id="3" name="图片 2"/>
-          <p:cNvPicPr>
-            <a:picLocks noChangeAspect="1"/>
-          </p:cNvPicPr>
-          <p:nvPr/>
-        </p:nvPicPr>
-        <p:blipFill>
-          <a:blip r:embed="rId4"/>
-          <a:stretch>
-            <a:fillRect/>
-          </a:stretch>
-        </p:blipFill>
-        <p:spPr>
-          <a:xfrm>
-            <a:off x="666892" y="1961522"/>
-            <a:ext cx="5246335" cy="4577390"/>
-          </a:xfrm>
-          <a:prstGeom prst="rect">
-            <a:avLst/>
-          </a:prstGeom>
-        </p:spPr>
-      </p:pic>
-      <p:pic>
-        <p:nvPicPr>
-          <p:cNvPr id="4" name="图片 3"/>
-          <p:cNvPicPr>
-            <a:picLocks noChangeAspect="1"/>
-          </p:cNvPicPr>
-          <p:nvPr/>
-        </p:nvPicPr>
-        <p:blipFill>
-          <a:blip r:embed="rId5"/>
-          <a:stretch>
-            <a:fillRect/>
-          </a:stretch>
-        </p:blipFill>
-        <p:spPr>
-          <a:xfrm>
-            <a:off x="6154853" y="2805583"/>
-            <a:ext cx="5632938" cy="1131507"/>
-          </a:xfrm>
-          <a:prstGeom prst="rect">
-            <a:avLst/>
-          </a:prstGeom>
-        </p:spPr>
-      </p:pic>
       <p:pic>
         <p:nvPicPr>
           <p:cNvPr id="7" name="图片 6"/>
@@ -19824,7 +20534,7 @@
                                           </p:stCondLst>
                                         </p:cTn>
                                         <p:tgtEl>
-                                          <p:spTgt spid="3"/>
+                                          <p:spTgt spid="2"/>
                                         </p:tgtEl>
                                         <p:attrNameLst>
                                           <p:attrName>style.visibility</p:attrName>
@@ -19838,7 +20548,7 @@
                                       <p:cBhvr>
                                         <p:cTn id="7" dur="500"/>
                                         <p:tgtEl>
-                                          <p:spTgt spid="3"/>
+                                          <p:spTgt spid="2"/>
                                         </p:tgtEl>
                                       </p:cBhvr>
                                     </p:animEffect>
@@ -19983,7 +20693,7 @@
                                           </p:stCondLst>
                                         </p:cTn>
                                         <p:tgtEl>
-                                          <p:spTgt spid="4"/>
+                                          <p:spTgt spid="6"/>
                                         </p:tgtEl>
                                         <p:attrNameLst>
                                           <p:attrName>style.visibility</p:attrName>
@@ -19997,7 +20707,7 @@
                                       <p:cBhvr>
                                         <p:cTn id="22" dur="500"/>
                                         <p:tgtEl>
-                                          <p:spTgt spid="4"/>
+                                          <p:spTgt spid="6"/>
                                         </p:tgtEl>
                                       </p:cBhvr>
                                     </p:animEffect>
@@ -20217,6 +20927,54 @@
           <a:chExt cx="0" cy="0"/>
         </a:xfrm>
       </p:grpSpPr>
+      <p:pic>
+        <p:nvPicPr>
+          <p:cNvPr id="4" name="图片 3"/>
+          <p:cNvPicPr>
+            <a:picLocks noChangeAspect="1"/>
+          </p:cNvPicPr>
+          <p:nvPr/>
+        </p:nvPicPr>
+        <p:blipFill>
+          <a:blip r:embed="rId4"/>
+          <a:stretch>
+            <a:fillRect/>
+          </a:stretch>
+        </p:blipFill>
+        <p:spPr>
+          <a:xfrm>
+            <a:off x="6691721" y="1764142"/>
+            <a:ext cx="5213063" cy="4261045"/>
+          </a:xfrm>
+          <a:prstGeom prst="rect">
+            <a:avLst/>
+          </a:prstGeom>
+        </p:spPr>
+      </p:pic>
+      <p:pic>
+        <p:nvPicPr>
+          <p:cNvPr id="3" name="图片 2"/>
+          <p:cNvPicPr>
+            <a:picLocks noChangeAspect="1"/>
+          </p:cNvPicPr>
+          <p:nvPr/>
+        </p:nvPicPr>
+        <p:blipFill>
+          <a:blip r:embed="rId5"/>
+          <a:stretch>
+            <a:fillRect/>
+          </a:stretch>
+        </p:blipFill>
+        <p:spPr>
+          <a:xfrm>
+            <a:off x="515929" y="1828829"/>
+            <a:ext cx="5568348" cy="4769340"/>
+          </a:xfrm>
+          <a:prstGeom prst="rect">
+            <a:avLst/>
+          </a:prstGeom>
+        </p:spPr>
+      </p:pic>
       <p:sp>
         <p:nvSpPr>
           <p:cNvPr id="21" name="TextBox 20"/>
@@ -20411,30 +21169,6 @@
           </a:p>
         </p:txBody>
       </p:sp>
-      <p:pic>
-        <p:nvPicPr>
-          <p:cNvPr id="2" name="图片 1"/>
-          <p:cNvPicPr>
-            <a:picLocks noChangeAspect="1"/>
-          </p:cNvPicPr>
-          <p:nvPr/>
-        </p:nvPicPr>
-        <p:blipFill>
-          <a:blip r:embed="rId4"/>
-          <a:stretch>
-            <a:fillRect/>
-          </a:stretch>
-        </p:blipFill>
-        <p:spPr>
-          <a:xfrm>
-            <a:off x="580288" y="1793659"/>
-            <a:ext cx="5501454" cy="4834867"/>
-          </a:xfrm>
-          <a:prstGeom prst="rect">
-            <a:avLst/>
-          </a:prstGeom>
-        </p:spPr>
-      </p:pic>
       <p:sp>
         <p:nvSpPr>
           <p:cNvPr id="12" name="矩形 11"/>
@@ -20481,30 +21215,6 @@
           </a:p>
         </p:txBody>
       </p:sp>
-      <p:pic>
-        <p:nvPicPr>
-          <p:cNvPr id="9" name="图片 8"/>
-          <p:cNvPicPr>
-            <a:picLocks noChangeAspect="1"/>
-          </p:cNvPicPr>
-          <p:nvPr/>
-        </p:nvPicPr>
-        <p:blipFill>
-          <a:blip r:embed="rId5"/>
-          <a:stretch>
-            <a:fillRect/>
-          </a:stretch>
-        </p:blipFill>
-        <p:spPr>
-          <a:xfrm>
-            <a:off x="6755841" y="1793659"/>
-            <a:ext cx="5119962" cy="4246196"/>
-          </a:xfrm>
-          <a:prstGeom prst="rect">
-            <a:avLst/>
-          </a:prstGeom>
-        </p:spPr>
-      </p:pic>
       <p:sp>
         <p:nvSpPr>
           <p:cNvPr id="15" name="矩形 14"/>
@@ -20835,7 +21545,7 @@
         </p:nvSpPr>
         <p:spPr>
           <a:xfrm>
-            <a:off x="9341876" y="5251940"/>
+            <a:off x="9341876" y="5269525"/>
             <a:ext cx="462370" cy="134831"/>
           </a:xfrm>
           <a:prstGeom prst="rect">
@@ -21022,7 +21732,7 @@
                                           </p:stCondLst>
                                         </p:cTn>
                                         <p:tgtEl>
-                                          <p:spTgt spid="2"/>
+                                          <p:spTgt spid="3"/>
                                         </p:tgtEl>
                                         <p:attrNameLst>
                                           <p:attrName>style.visibility</p:attrName>
@@ -21036,7 +21746,7 @@
                                       <p:cBhvr>
                                         <p:cTn id="7" dur="500"/>
                                         <p:tgtEl>
-                                          <p:spTgt spid="2"/>
+                                          <p:spTgt spid="3"/>
                                         </p:tgtEl>
                                       </p:cBhvr>
                                     </p:animEffect>
@@ -21181,7 +21891,7 @@
                                           </p:stCondLst>
                                         </p:cTn>
                                         <p:tgtEl>
-                                          <p:spTgt spid="9"/>
+                                          <p:spTgt spid="4"/>
                                         </p:tgtEl>
                                         <p:attrNameLst>
                                           <p:attrName>style.visibility</p:attrName>
@@ -21195,7 +21905,7 @@
                                       <p:cBhvr>
                                         <p:cTn id="22" dur="500"/>
                                         <p:tgtEl>
-                                          <p:spTgt spid="9"/>
+                                          <p:spTgt spid="4"/>
                                         </p:tgtEl>
                                       </p:cBhvr>
                                     </p:animEffect>

--- a/2012013297_钟仰新_毕设论文答辩.pptx
+++ b/2012013297_钟仰新_毕设论文答辩.pptx
@@ -542,15 +542,7 @@
           <a:p>
             <a:r>
               <a:rPr lang="zh-CN" altLang="en-US" dirty="0" smtClean="0"/>
-              <a:t>各位老师早上好，我即将开始我的论文答辩</a:t>
-            </a:r>
-            <a:r>
-              <a:rPr lang="zh-CN" altLang="en-US" dirty="0" smtClean="0"/>
-              <a:t>。我的答辩没有系统演示环节，但实验分析较多。我的论文</a:t>
-            </a:r>
-            <a:r>
-              <a:rPr lang="zh-CN" altLang="en-US" dirty="0" smtClean="0"/>
-              <a:t>题目是“社交网络中的谣言检测”，指导老师是刘世霞老师。答辩将按照论文的章节顺序逐步展开。</a:t>
+              <a:t>各位老师早上好，我即将开始我的论文答辩。我的答辩没有系统演示环节，但实验分析较多。我的论文题目是“社交网络中的谣言检测”，指导老师是刘世霞老师。答辩将按照论文的章节顺序逐步展开。</a:t>
             </a:r>
             <a:endParaRPr lang="en-US" dirty="0" smtClean="0"/>
           </a:p>
@@ -646,106 +638,7 @@
                 <a:ea typeface="+mn-ea"/>
                 <a:cs typeface="+mn-cs"/>
               </a:rPr>
-              <a:t>（点）第四章阐述了改进方案第二部分的特征选择技术。在进行谣言判定时，</a:t>
-            </a:r>
-            <a:r>
-              <a:rPr lang="zh-CN" altLang="en-US" sz="1200" b="0" i="0" kern="1200" dirty="0" smtClean="0">
-                <a:solidFill>
-                  <a:schemeClr val="tx1"/>
-                </a:solidFill>
-                <a:latin typeface="+mn-lt"/>
-                <a:ea typeface="+mn-ea"/>
-                <a:cs typeface="+mn-cs"/>
-              </a:rPr>
-              <a:t>原框架仅</a:t>
-            </a:r>
-            <a:r>
-              <a:rPr lang="zh-CN" altLang="en-US" sz="1200" b="0" i="0" kern="1200" dirty="0" smtClean="0">
-                <a:solidFill>
-                  <a:schemeClr val="tx1"/>
-                </a:solidFill>
-                <a:latin typeface="+mn-lt"/>
-                <a:ea typeface="+mn-ea"/>
-                <a:cs typeface="+mn-cs"/>
-              </a:rPr>
-              <a:t>考虑了种类很少的十几个特征，由于多样性不足，直接影响</a:t>
-            </a:r>
-            <a:r>
-              <a:rPr lang="zh-CN" altLang="en-US" sz="1200" b="0" i="0" kern="1200" dirty="0" smtClean="0">
-                <a:solidFill>
-                  <a:schemeClr val="tx1"/>
-                </a:solidFill>
-                <a:latin typeface="+mn-lt"/>
-                <a:ea typeface="+mn-ea"/>
-                <a:cs typeface="+mn-cs"/>
-              </a:rPr>
-              <a:t>了框架的</a:t>
-            </a:r>
-            <a:r>
-              <a:rPr lang="zh-CN" altLang="en-US" sz="1200" b="0" i="0" kern="1200" dirty="0" smtClean="0">
-                <a:solidFill>
-                  <a:schemeClr val="tx1"/>
-                </a:solidFill>
-                <a:latin typeface="+mn-lt"/>
-                <a:ea typeface="+mn-ea"/>
-                <a:cs typeface="+mn-cs"/>
-              </a:rPr>
-              <a:t>检测准确率。而本文的改进方案是，向</a:t>
-            </a:r>
-            <a:r>
-              <a:rPr lang="zh-CN" altLang="en-US" sz="1200" b="0" i="0" kern="1200" dirty="0" smtClean="0">
-                <a:solidFill>
-                  <a:schemeClr val="tx1"/>
-                </a:solidFill>
-                <a:latin typeface="+mn-lt"/>
-                <a:ea typeface="+mn-ea"/>
-                <a:cs typeface="+mn-cs"/>
-              </a:rPr>
-              <a:t>原框架引进</a:t>
-            </a:r>
-            <a:r>
-              <a:rPr lang="zh-CN" altLang="en-US" sz="1200" b="0" i="0" kern="1200" dirty="0" smtClean="0">
-                <a:solidFill>
-                  <a:schemeClr val="tx1"/>
-                </a:solidFill>
-                <a:latin typeface="+mn-lt"/>
-                <a:ea typeface="+mn-ea"/>
-                <a:cs typeface="+mn-cs"/>
-              </a:rPr>
-              <a:t>更多特征；但如果输入太多特征，会导致训练过拟合，因此需要特征选择技术来去除噪声的、冗余的特征。（点四下）本章介绍</a:t>
-            </a:r>
-            <a:r>
-              <a:rPr lang="zh-CN" altLang="en-US" sz="1200" b="0" i="0" kern="1200" dirty="0" smtClean="0">
-                <a:solidFill>
-                  <a:schemeClr val="tx1"/>
-                </a:solidFill>
-                <a:latin typeface="+mn-lt"/>
-                <a:ea typeface="+mn-ea"/>
-                <a:cs typeface="+mn-cs"/>
-              </a:rPr>
-              <a:t>了框架采用</a:t>
-            </a:r>
-            <a:r>
-              <a:rPr lang="zh-CN" altLang="en-US" sz="1200" b="0" i="0" kern="1200" dirty="0" smtClean="0">
-                <a:solidFill>
-                  <a:schemeClr val="tx1"/>
-                </a:solidFill>
-                <a:latin typeface="+mn-lt"/>
-                <a:ea typeface="+mn-ea"/>
-                <a:cs typeface="+mn-cs"/>
-              </a:rPr>
-              <a:t>的两类特征选择技术：过滤器和包装器，前者基于相关度分析，后者基于启发式搜索。（点三下）本文提出了一种将两者结合在一起的特征选择方法：以过滤器指导包装器的搜索起点，并且其搜索路径不同于传统的前向和后向搜索，是一个将两者结合的浮动式搜索。（点两下）而特征数量上，本文将</a:t>
-            </a:r>
-            <a:r>
-              <a:rPr lang="zh-CN" altLang="en-US" sz="1200" b="0" i="0" kern="1200" dirty="0" smtClean="0">
-                <a:solidFill>
-                  <a:schemeClr val="tx1"/>
-                </a:solidFill>
-                <a:latin typeface="+mn-lt"/>
-                <a:ea typeface="+mn-ea"/>
-                <a:cs typeface="+mn-cs"/>
-              </a:rPr>
-              <a:t>原框架的</a:t>
+              <a:t>（点）第四章阐述了改进方案第二部分的特征选择技术。在进行谣言判定时，原框架仅考虑了种类很少的十几个特征，由于多样性不足，直接影响了框架的检测准确率。而本文的改进方案是，向原框架引进更多特征；但如果输入太多特征，会导致训练过拟合，因此需要特征选择技术来去除噪声的、冗余的特征。（点四下）本章介绍了框架采用的两类特征选择技术：过滤器和包装器，前者基于相关度分析，后者基于启发式搜索。（点三下）本文提出了一种将两者结合在一起的特征选择方法：以过滤器指导包装器的搜索起点，并且其搜索路径不同于传统的前向和后向搜索，是一个将两者结合的浮动式搜索。（点两下）而特征数量上，本文将原框架的</a:t>
             </a:r>
             <a:r>
               <a:rPr lang="en-US" altLang="zh-CN" sz="1200" b="0" i="0" kern="1200" dirty="0" smtClean="0">
@@ -1253,10 +1146,10 @@
                 <a:ea typeface="+mn-ea"/>
                 <a:cs typeface="+mn-cs"/>
               </a:rPr>
-              <a:t>的是采用了多分类器共同投票的复合分类器。对于谣言</a:t>
-            </a:r>
-            <a:r>
-              <a:rPr lang="zh-CN" altLang="en-US" sz="1200" b="0" i="0" kern="1200" dirty="0" smtClean="0">
+              <a:t>的是采用了多分类器共同投票的复合分类器。对于谣言检测框架，主要看的指标是最后一列的谣言</a:t>
+            </a:r>
+            <a:r>
+              <a:rPr lang="en-US" altLang="zh-CN" sz="1200" b="0" i="0" kern="1200" dirty="0" smtClean="0">
                 <a:solidFill>
                   <a:schemeClr val="tx1"/>
                 </a:solidFill>
@@ -1264,7 +1157,7 @@
                 <a:ea typeface="+mn-ea"/>
                 <a:cs typeface="+mn-cs"/>
               </a:rPr>
-              <a:t>检测框架，</a:t>
+              <a:t>F1</a:t>
             </a:r>
             <a:r>
               <a:rPr lang="zh-CN" altLang="en-US" sz="1200" b="0" i="0" kern="1200" dirty="0" smtClean="0">
@@ -1275,7 +1168,7 @@
                 <a:ea typeface="+mn-ea"/>
                 <a:cs typeface="+mn-cs"/>
               </a:rPr>
-              <a:t>主要看的指标是最后一列的谣言</a:t>
+              <a:t>度量。（点）表中可以看到，使用原框架</a:t>
             </a:r>
             <a:r>
               <a:rPr lang="en-US" altLang="zh-CN" sz="1200" b="0" i="0" kern="1200" dirty="0" smtClean="0">
@@ -1286,7 +1179,7 @@
                 <a:ea typeface="+mn-ea"/>
                 <a:cs typeface="+mn-cs"/>
               </a:rPr>
-              <a:t>F1</a:t>
+              <a:t>15</a:t>
             </a:r>
             <a:r>
               <a:rPr lang="zh-CN" altLang="en-US" sz="1200" b="0" i="0" kern="1200" dirty="0" smtClean="0">
@@ -1297,10 +1190,10 @@
                 <a:ea typeface="+mn-ea"/>
                 <a:cs typeface="+mn-cs"/>
               </a:rPr>
-              <a:t>度量。（点）表中可以看到，使用</a:t>
-            </a:r>
-            <a:r>
-              <a:rPr lang="zh-CN" altLang="en-US" sz="1200" b="0" i="0" kern="1200" dirty="0" smtClean="0">
+              <a:t>类或新框架全</a:t>
+            </a:r>
+            <a:r>
+              <a:rPr lang="en-US" altLang="zh-CN" sz="1200" b="0" i="0" kern="1200" dirty="0" smtClean="0">
                 <a:solidFill>
                   <a:schemeClr val="tx1"/>
                 </a:solidFill>
@@ -1308,10 +1201,10 @@
                 <a:ea typeface="+mn-ea"/>
                 <a:cs typeface="+mn-cs"/>
               </a:rPr>
-              <a:t>原框架</a:t>
-            </a:r>
-            <a:r>
-              <a:rPr lang="en-US" altLang="zh-CN" sz="1200" b="0" i="0" kern="1200" dirty="0" smtClean="0">
+              <a:t>45</a:t>
+            </a:r>
+            <a:r>
+              <a:rPr lang="zh-CN" altLang="en-US" sz="1200" b="0" i="0" kern="1200" dirty="0" smtClean="0">
                 <a:solidFill>
                   <a:schemeClr val="tx1"/>
                 </a:solidFill>
@@ -1319,10 +1212,10 @@
                 <a:ea typeface="+mn-ea"/>
                 <a:cs typeface="+mn-cs"/>
               </a:rPr>
-              <a:t>15</a:t>
-            </a:r>
-            <a:r>
-              <a:rPr lang="zh-CN" altLang="en-US" sz="1200" b="0" i="0" kern="1200" dirty="0" smtClean="0">
+              <a:t>类特征的表现都不好，而引入了各类特征选择技术后，</a:t>
+            </a:r>
+            <a:r>
+              <a:rPr lang="en-US" altLang="zh-CN" sz="1200" b="0" i="0" kern="1200" dirty="0" smtClean="0">
                 <a:solidFill>
                   <a:schemeClr val="tx1"/>
                 </a:solidFill>
@@ -1330,7 +1223,7 @@
                 <a:ea typeface="+mn-ea"/>
                 <a:cs typeface="+mn-cs"/>
               </a:rPr>
-              <a:t>类或</a:t>
+              <a:t>F1</a:t>
             </a:r>
             <a:r>
               <a:rPr lang="zh-CN" altLang="en-US" sz="1200" b="0" i="0" kern="1200" dirty="0" smtClean="0">
@@ -1341,106 +1234,7 @@
                 <a:ea typeface="+mn-ea"/>
                 <a:cs typeface="+mn-cs"/>
               </a:rPr>
-              <a:t>新框架全</a:t>
-            </a:r>
-            <a:r>
-              <a:rPr lang="en-US" altLang="zh-CN" sz="1200" b="0" i="0" kern="1200" dirty="0" smtClean="0">
-                <a:solidFill>
-                  <a:schemeClr val="tx1"/>
-                </a:solidFill>
-                <a:latin typeface="+mn-lt"/>
-                <a:ea typeface="+mn-ea"/>
-                <a:cs typeface="+mn-cs"/>
-              </a:rPr>
-              <a:t>45</a:t>
-            </a:r>
-            <a:r>
-              <a:rPr lang="zh-CN" altLang="en-US" sz="1200" b="0" i="0" kern="1200" dirty="0" smtClean="0">
-                <a:solidFill>
-                  <a:schemeClr val="tx1"/>
-                </a:solidFill>
-                <a:latin typeface="+mn-lt"/>
-                <a:ea typeface="+mn-ea"/>
-                <a:cs typeface="+mn-cs"/>
-              </a:rPr>
-              <a:t>类特征的表现都不好，而引入了各类特征选择技术后，</a:t>
-            </a:r>
-            <a:r>
-              <a:rPr lang="en-US" altLang="zh-CN" sz="1200" b="0" i="0" kern="1200" dirty="0" smtClean="0">
-                <a:solidFill>
-                  <a:schemeClr val="tx1"/>
-                </a:solidFill>
-                <a:latin typeface="+mn-lt"/>
-                <a:ea typeface="+mn-ea"/>
-                <a:cs typeface="+mn-cs"/>
-              </a:rPr>
-              <a:t>F1</a:t>
-            </a:r>
-            <a:r>
-              <a:rPr lang="zh-CN" altLang="en-US" sz="1200" b="0" i="0" kern="1200" dirty="0" smtClean="0">
-                <a:solidFill>
-                  <a:schemeClr val="tx1"/>
-                </a:solidFill>
-                <a:latin typeface="+mn-lt"/>
-                <a:ea typeface="+mn-ea"/>
-                <a:cs typeface="+mn-cs"/>
-              </a:rPr>
-              <a:t>度量有了明显的提高，说明改进方案的有效性。（点）而本文提出的浮动包装器特征选择技术，其表现在两类分类器中排名第一和第三，（点</a:t>
-            </a:r>
-            <a:r>
-              <a:rPr lang="zh-CN" altLang="en-US" sz="1200" b="0" i="0" kern="1200" dirty="0" smtClean="0">
-                <a:solidFill>
-                  <a:schemeClr val="tx1"/>
-                </a:solidFill>
-                <a:latin typeface="+mn-lt"/>
-                <a:ea typeface="+mn-ea"/>
-                <a:cs typeface="+mn-cs"/>
-              </a:rPr>
-              <a:t>）说明浮动</a:t>
-            </a:r>
-            <a:r>
-              <a:rPr lang="zh-CN" altLang="en-US" sz="1200" b="0" i="0" kern="1200" dirty="0" smtClean="0">
-                <a:solidFill>
-                  <a:schemeClr val="tx1"/>
-                </a:solidFill>
-                <a:latin typeface="+mn-lt"/>
-                <a:ea typeface="+mn-ea"/>
-                <a:cs typeface="+mn-cs"/>
-              </a:rPr>
-              <a:t>包装器在分类任务中有一定的优势。（点）而多分类器共同投票技术，在分类任务下表现很好</a:t>
-            </a:r>
-            <a:r>
-              <a:rPr lang="zh-CN" altLang="en-US" sz="1200" b="0" i="0" kern="1200" dirty="0" smtClean="0">
-                <a:solidFill>
-                  <a:schemeClr val="tx1"/>
-                </a:solidFill>
-                <a:latin typeface="+mn-lt"/>
-                <a:ea typeface="+mn-ea"/>
-                <a:cs typeface="+mn-cs"/>
-              </a:rPr>
-              <a:t>，比</a:t>
-            </a:r>
-            <a:r>
-              <a:rPr lang="zh-CN" altLang="en-US" sz="1200" b="0" i="0" kern="1200" dirty="0" smtClean="0">
-                <a:solidFill>
-                  <a:schemeClr val="tx1"/>
-                </a:solidFill>
-                <a:latin typeface="+mn-lt"/>
-                <a:ea typeface="+mn-ea"/>
-                <a:cs typeface="+mn-cs"/>
-              </a:rPr>
-              <a:t>绝大部分子分类器准确率更</a:t>
-            </a:r>
-            <a:r>
-              <a:rPr lang="zh-CN" altLang="en-US" sz="1200" b="0" i="0" kern="1200" dirty="0" smtClean="0">
-                <a:solidFill>
-                  <a:schemeClr val="tx1"/>
-                </a:solidFill>
-                <a:latin typeface="+mn-lt"/>
-                <a:ea typeface="+mn-ea"/>
-                <a:cs typeface="+mn-cs"/>
-              </a:rPr>
-              <a:t>高。</a:t>
+              <a:t>度量有了明显的提高，说明改进方案的有效性。（点）而本文提出的浮动包装器特征选择技术，其表现在两类分类器中排名第一和第三，（点）说明浮动包装器在分类任务中有一定的优势。（点）而多分类器共同投票技术，在分类任务下表现很好，比绝大部分子分类器准确率更高。</a:t>
             </a:r>
             <a:endParaRPr lang="en-US" altLang="zh-CN" sz="1200" b="0" i="0" kern="1200" dirty="0" smtClean="0">
               <a:solidFill>
@@ -1595,10 +1389,10 @@
                 <a:ea typeface="+mn-ea"/>
                 <a:cs typeface="+mn-cs"/>
               </a:rPr>
-              <a:t>准确率。（点）同样，使用</a:t>
-            </a:r>
-            <a:r>
-              <a:rPr lang="zh-CN" altLang="en-US" sz="1200" b="0" i="0" kern="1200" dirty="0" smtClean="0">
+              <a:t>准确率。（点）同样，使用原框架</a:t>
+            </a:r>
+            <a:r>
+              <a:rPr lang="en-US" altLang="zh-CN" sz="1200" b="0" i="0" kern="1200" dirty="0" smtClean="0">
                 <a:solidFill>
                   <a:schemeClr val="tx1"/>
                 </a:solidFill>
@@ -1606,10 +1400,10 @@
                 <a:ea typeface="+mn-ea"/>
                 <a:cs typeface="+mn-cs"/>
               </a:rPr>
-              <a:t>原框架</a:t>
-            </a:r>
-            <a:r>
-              <a:rPr lang="en-US" altLang="zh-CN" sz="1200" b="0" i="0" kern="1200" dirty="0" smtClean="0">
+              <a:t>15</a:t>
+            </a:r>
+            <a:r>
+              <a:rPr lang="zh-CN" altLang="en-US" sz="1200" b="0" i="0" kern="1200" dirty="0" smtClean="0">
                 <a:solidFill>
                   <a:schemeClr val="tx1"/>
                 </a:solidFill>
@@ -1617,10 +1411,10 @@
                 <a:ea typeface="+mn-ea"/>
                 <a:cs typeface="+mn-cs"/>
               </a:rPr>
-              <a:t>15</a:t>
-            </a:r>
-            <a:r>
-              <a:rPr lang="zh-CN" altLang="en-US" sz="1200" b="0" i="0" kern="1200" dirty="0" smtClean="0">
+              <a:t>类或新框架全</a:t>
+            </a:r>
+            <a:r>
+              <a:rPr lang="en-US" altLang="zh-CN" sz="1200" b="0" i="0" kern="1200" dirty="0" smtClean="0">
                 <a:solidFill>
                   <a:schemeClr val="tx1"/>
                 </a:solidFill>
@@ -1628,7 +1422,7 @@
                 <a:ea typeface="+mn-ea"/>
                 <a:cs typeface="+mn-cs"/>
               </a:rPr>
-              <a:t>类或</a:t>
+              <a:t>45</a:t>
             </a:r>
             <a:r>
               <a:rPr lang="zh-CN" altLang="en-US" sz="1200" b="0" i="0" kern="1200" dirty="0" smtClean="0">
@@ -1639,7 +1433,7 @@
                 <a:ea typeface="+mn-ea"/>
                 <a:cs typeface="+mn-cs"/>
               </a:rPr>
-              <a:t>新框架全</a:t>
+              <a:t>类特征的表现都不好，而加入了各类特征选择技术后，</a:t>
             </a:r>
             <a:r>
               <a:rPr lang="en-US" altLang="zh-CN" sz="1200" b="0" i="0" kern="1200" dirty="0" smtClean="0">
@@ -1650,7 +1444,7 @@
                 <a:ea typeface="+mn-ea"/>
                 <a:cs typeface="+mn-cs"/>
               </a:rPr>
-              <a:t>45</a:t>
+              <a:t>Top-100</a:t>
             </a:r>
             <a:r>
               <a:rPr lang="zh-CN" altLang="en-US" sz="1200" b="0" i="0" kern="1200" dirty="0" smtClean="0">
@@ -1661,7 +1455,7 @@
                 <a:ea typeface="+mn-ea"/>
                 <a:cs typeface="+mn-cs"/>
               </a:rPr>
-              <a:t>类特征的表现都不好，而加入了各类特征选择技术后，</a:t>
+              <a:t>准确率有了明显提高。（点）而本文提出的浮动包装器特征选择技术，在两种分类器下分别排名第一和第二。至于多分类器投票排名方案，本实验充分显示了其优越性。（点）无论是利用了</a:t>
             </a:r>
             <a:r>
               <a:rPr lang="en-US" altLang="zh-CN" sz="1200" b="0" i="0" kern="1200" dirty="0" smtClean="0">
@@ -1672,7 +1466,7 @@
                 <a:ea typeface="+mn-ea"/>
                 <a:cs typeface="+mn-cs"/>
               </a:rPr>
-              <a:t>Top-100</a:t>
+              <a:t>6</a:t>
             </a:r>
             <a:r>
               <a:rPr lang="zh-CN" altLang="en-US" sz="1200" b="0" i="0" kern="1200" dirty="0" smtClean="0">
@@ -1683,10 +1477,10 @@
                 <a:ea typeface="+mn-ea"/>
                 <a:cs typeface="+mn-cs"/>
               </a:rPr>
-              <a:t>准确率有了明显提高。（点）而本文提出的浮动包装器特征选择技术，在两种分类器下分别排名第一和</a:t>
-            </a:r>
-            <a:r>
-              <a:rPr lang="zh-CN" altLang="en-US" sz="1200" b="0" i="0" kern="1200" dirty="0" smtClean="0">
+              <a:t>决策树共同排名，还是</a:t>
+            </a:r>
+            <a:r>
+              <a:rPr lang="en-US" altLang="zh-CN" sz="1200" b="0" i="0" kern="1200" dirty="0" smtClean="0">
                 <a:solidFill>
                   <a:schemeClr val="tx1"/>
                 </a:solidFill>
@@ -1694,7 +1488,7 @@
                 <a:ea typeface="+mn-ea"/>
                 <a:cs typeface="+mn-cs"/>
               </a:rPr>
-              <a:t>第二。</a:t>
+              <a:t>6</a:t>
             </a:r>
             <a:r>
               <a:rPr lang="zh-CN" altLang="en-US" sz="1200" b="0" i="0" kern="1200" dirty="0" smtClean="0">
@@ -1705,7 +1499,7 @@
                 <a:ea typeface="+mn-ea"/>
                 <a:cs typeface="+mn-cs"/>
               </a:rPr>
-              <a:t>至于多分类器投票排名方案，本实验充分显示了其优越性。（点）无论是利用了</a:t>
+              <a:t>朴素贝叶斯共同排名，他们比其它方案的</a:t>
             </a:r>
             <a:r>
               <a:rPr lang="en-US" altLang="zh-CN" sz="1200" b="0" i="0" kern="1200" dirty="0" smtClean="0">
@@ -1716,7 +1510,7 @@
                 <a:ea typeface="+mn-ea"/>
                 <a:cs typeface="+mn-cs"/>
               </a:rPr>
-              <a:t>6</a:t>
+              <a:t>Top-100</a:t>
             </a:r>
             <a:r>
               <a:rPr lang="zh-CN" altLang="en-US" sz="1200" b="0" i="0" kern="1200" dirty="0" smtClean="0">
@@ -1727,7 +1521,7 @@
                 <a:ea typeface="+mn-ea"/>
                 <a:cs typeface="+mn-cs"/>
               </a:rPr>
-              <a:t>决策树共同排名，还是</a:t>
+              <a:t>准确率都要高很多。（点）另外值得注意的是他们的</a:t>
             </a:r>
             <a:r>
               <a:rPr lang="en-US" altLang="zh-CN" sz="1200" b="0" i="0" kern="1200" dirty="0" smtClean="0">
@@ -1738,7 +1532,7 @@
                 <a:ea typeface="+mn-ea"/>
                 <a:cs typeface="+mn-cs"/>
               </a:rPr>
-              <a:t>6</a:t>
+              <a:t>Top-20</a:t>
             </a:r>
             <a:r>
               <a:rPr lang="zh-CN" altLang="en-US" sz="1200" b="0" i="0" kern="1200" dirty="0" smtClean="0">
@@ -1749,7 +1543,7 @@
                 <a:ea typeface="+mn-ea"/>
                 <a:cs typeface="+mn-cs"/>
               </a:rPr>
-              <a:t>朴素贝叶斯共同排名，他们比其它方案的</a:t>
+              <a:t>准确率都很高，其中最优方案的</a:t>
             </a:r>
             <a:r>
               <a:rPr lang="en-US" altLang="zh-CN" sz="1200" b="0" i="0" kern="1200" dirty="0" smtClean="0">
@@ -1760,7 +1554,7 @@
                 <a:ea typeface="+mn-ea"/>
                 <a:cs typeface="+mn-cs"/>
               </a:rPr>
-              <a:t>Top-100</a:t>
+              <a:t>Top-20</a:t>
             </a:r>
             <a:r>
               <a:rPr lang="zh-CN" altLang="en-US" sz="1200" b="0" i="0" kern="1200" dirty="0" smtClean="0">
@@ -1771,7 +1565,7 @@
                 <a:ea typeface="+mn-ea"/>
                 <a:cs typeface="+mn-cs"/>
               </a:rPr>
-              <a:t>准确率都要高很多。（点）另外值得注意的是他们的</a:t>
+              <a:t>谣言准确率更是高达</a:t>
             </a:r>
             <a:r>
               <a:rPr lang="en-US" altLang="zh-CN" sz="1200" b="0" i="0" kern="1200" dirty="0" smtClean="0">
@@ -1782,7 +1576,7 @@
                 <a:ea typeface="+mn-ea"/>
                 <a:cs typeface="+mn-cs"/>
               </a:rPr>
-              <a:t>Top-20</a:t>
+              <a:t>90%</a:t>
             </a:r>
             <a:r>
               <a:rPr lang="zh-CN" altLang="en-US" sz="1200" b="0" i="0" kern="1200" dirty="0" smtClean="0">
@@ -1793,150 +1587,7 @@
                 <a:ea typeface="+mn-ea"/>
                 <a:cs typeface="+mn-cs"/>
               </a:rPr>
-              <a:t>准确率都很高</a:t>
-            </a:r>
-            <a:r>
-              <a:rPr lang="zh-CN" altLang="en-US" sz="1200" b="0" i="0" kern="1200" dirty="0" smtClean="0">
-                <a:solidFill>
-                  <a:schemeClr val="tx1"/>
-                </a:solidFill>
-                <a:latin typeface="+mn-lt"/>
-                <a:ea typeface="+mn-ea"/>
-                <a:cs typeface="+mn-cs"/>
-              </a:rPr>
-              <a:t>，其中最优方案的</a:t>
-            </a:r>
-            <a:r>
-              <a:rPr lang="en-US" altLang="zh-CN" sz="1200" b="0" i="0" kern="1200" dirty="0" smtClean="0">
-                <a:solidFill>
-                  <a:schemeClr val="tx1"/>
-                </a:solidFill>
-                <a:latin typeface="+mn-lt"/>
-                <a:ea typeface="+mn-ea"/>
-                <a:cs typeface="+mn-cs"/>
-              </a:rPr>
-              <a:t>Top-20</a:t>
-            </a:r>
-            <a:r>
-              <a:rPr lang="zh-CN" altLang="en-US" sz="1200" b="0" i="0" kern="1200" dirty="0" smtClean="0">
-                <a:solidFill>
-                  <a:schemeClr val="tx1"/>
-                </a:solidFill>
-                <a:latin typeface="+mn-lt"/>
-                <a:ea typeface="+mn-ea"/>
-                <a:cs typeface="+mn-cs"/>
-              </a:rPr>
-              <a:t>谣言准确率更是高达</a:t>
-            </a:r>
-            <a:r>
-              <a:rPr lang="en-US" altLang="zh-CN" sz="1200" b="0" i="0" kern="1200" dirty="0" smtClean="0">
-                <a:solidFill>
-                  <a:schemeClr val="tx1"/>
-                </a:solidFill>
-                <a:latin typeface="+mn-lt"/>
-                <a:ea typeface="+mn-ea"/>
-                <a:cs typeface="+mn-cs"/>
-              </a:rPr>
-              <a:t>90%</a:t>
-            </a:r>
-            <a:r>
-              <a:rPr lang="zh-CN" altLang="en-US" sz="1200" b="0" i="0" kern="1200" dirty="0" smtClean="0">
-                <a:solidFill>
-                  <a:schemeClr val="tx1"/>
-                </a:solidFill>
-                <a:latin typeface="+mn-lt"/>
-                <a:ea typeface="+mn-ea"/>
-                <a:cs typeface="+mn-cs"/>
-              </a:rPr>
-              <a:t>。这并不是偶然，而是多分类器投票排名</a:t>
-            </a:r>
-            <a:r>
-              <a:rPr lang="zh-CN" altLang="en-US" sz="1200" b="0" i="0" kern="1200" dirty="0" smtClean="0">
-                <a:solidFill>
-                  <a:schemeClr val="tx1"/>
-                </a:solidFill>
-                <a:latin typeface="+mn-lt"/>
-                <a:ea typeface="+mn-ea"/>
-                <a:cs typeface="+mn-cs"/>
-              </a:rPr>
-              <a:t>方案能通过“集体决策”的方式将可疑度高的真谣言重新</a:t>
-            </a:r>
-            <a:r>
-              <a:rPr lang="zh-CN" altLang="en-US" sz="1200" b="0" i="0" kern="1200" dirty="0" smtClean="0">
-                <a:solidFill>
-                  <a:schemeClr val="tx1"/>
-                </a:solidFill>
-                <a:latin typeface="+mn-lt"/>
-                <a:ea typeface="+mn-ea"/>
-                <a:cs typeface="+mn-cs"/>
-              </a:rPr>
-              <a:t>排在最</a:t>
-            </a:r>
-            <a:r>
-              <a:rPr lang="zh-CN" altLang="en-US" sz="1200" b="0" i="0" kern="1200" dirty="0" smtClean="0">
-                <a:solidFill>
-                  <a:schemeClr val="tx1"/>
-                </a:solidFill>
-                <a:latin typeface="+mn-lt"/>
-                <a:ea typeface="+mn-ea"/>
-                <a:cs typeface="+mn-cs"/>
-              </a:rPr>
-              <a:t>前面。</a:t>
-            </a:r>
-            <a:r>
-              <a:rPr lang="zh-CN" altLang="en-US" sz="1200" b="0" i="0" kern="1200" dirty="0" smtClean="0">
-                <a:solidFill>
-                  <a:schemeClr val="tx1"/>
-                </a:solidFill>
-                <a:latin typeface="+mn-lt"/>
-                <a:ea typeface="+mn-ea"/>
-                <a:cs typeface="+mn-cs"/>
-              </a:rPr>
-              <a:t>这种改变候选谣言分布的特性非常</a:t>
-            </a:r>
-            <a:r>
-              <a:rPr lang="zh-CN" altLang="en-US" sz="1200" b="0" i="0" kern="1200" dirty="0" smtClean="0">
-                <a:solidFill>
-                  <a:schemeClr val="tx1"/>
-                </a:solidFill>
-                <a:latin typeface="+mn-lt"/>
-                <a:ea typeface="+mn-ea"/>
-                <a:cs typeface="+mn-cs"/>
-              </a:rPr>
-              <a:t>有利于框架的</a:t>
-            </a:r>
-            <a:r>
-              <a:rPr lang="zh-CN" altLang="en-US" sz="1200" b="0" i="0" kern="1200" dirty="0" smtClean="0">
-                <a:solidFill>
-                  <a:schemeClr val="tx1"/>
-                </a:solidFill>
-                <a:latin typeface="+mn-lt"/>
-                <a:ea typeface="+mn-ea"/>
-                <a:cs typeface="+mn-cs"/>
-              </a:rPr>
-              <a:t>真实应用场景：由于人力、时间有限，对候选消息仅能人工审核排在最前面的一些，因此这部分消息的准确率越高，越能提高审核效率。所以说新的排名方法有利于</a:t>
-            </a:r>
-            <a:r>
-              <a:rPr lang="zh-CN" altLang="en-US" sz="1200" b="0" i="0" kern="1200" dirty="0" smtClean="0">
-                <a:solidFill>
-                  <a:schemeClr val="tx1"/>
-                </a:solidFill>
-                <a:latin typeface="+mn-lt"/>
-                <a:ea typeface="+mn-ea"/>
-                <a:cs typeface="+mn-cs"/>
-              </a:rPr>
-              <a:t>提高框架的</a:t>
-            </a:r>
-            <a:r>
-              <a:rPr lang="zh-CN" altLang="en-US" sz="1200" b="0" i="0" kern="1200" dirty="0" smtClean="0">
-                <a:solidFill>
-                  <a:schemeClr val="tx1"/>
-                </a:solidFill>
-                <a:latin typeface="+mn-lt"/>
-                <a:ea typeface="+mn-ea"/>
-                <a:cs typeface="+mn-cs"/>
-              </a:rPr>
-              <a:t>实用性。</a:t>
+              <a:t>。这并不是偶然，而是多分类器投票排名方案能通过“集体决策”的方式将可疑度高的真谣言重新排在最前面。这种改变候选谣言分布的特性非常有利于框架的真实应用场景：由于人力、时间有限，对候选消息仅能人工审核排在最前面的一些，因此这部分消息的准确率越高，越能提高审核效率。所以说新的排名方法有利于提高框架的实用性。</a:t>
             </a:r>
             <a:endParaRPr lang="en-US" altLang="zh-CN" sz="1200" b="0" i="0" kern="1200" dirty="0" smtClean="0">
               <a:solidFill>
@@ -2047,40 +1698,7 @@
                 <a:ea typeface="+mn-ea"/>
                 <a:cs typeface="+mn-cs"/>
               </a:rPr>
-              <a:t>（点三下）最后，本文检查</a:t>
-            </a:r>
-            <a:r>
-              <a:rPr lang="zh-CN" altLang="en-US" sz="1200" b="0" i="0" kern="1200" dirty="0" smtClean="0">
-                <a:solidFill>
-                  <a:schemeClr val="tx1"/>
-                </a:solidFill>
-                <a:latin typeface="+mn-lt"/>
-                <a:ea typeface="+mn-ea"/>
-                <a:cs typeface="+mn-cs"/>
-              </a:rPr>
-              <a:t>了框架检测</a:t>
-            </a:r>
-            <a:r>
-              <a:rPr lang="zh-CN" altLang="en-US" sz="1200" b="0" i="0" kern="1200" dirty="0" smtClean="0">
-                <a:solidFill>
-                  <a:schemeClr val="tx1"/>
-                </a:solidFill>
-                <a:latin typeface="+mn-lt"/>
-                <a:ea typeface="+mn-ea"/>
-                <a:cs typeface="+mn-cs"/>
-              </a:rPr>
-              <a:t>出的谣言实例。这些</a:t>
-            </a:r>
-            <a:r>
-              <a:rPr lang="zh-CN" altLang="en-US" sz="1200" b="0" i="0" kern="1200" dirty="0" smtClean="0">
-                <a:solidFill>
-                  <a:schemeClr val="tx1"/>
-                </a:solidFill>
-                <a:latin typeface="+mn-lt"/>
-                <a:ea typeface="+mn-ea"/>
-                <a:cs typeface="+mn-cs"/>
-              </a:rPr>
-              <a:t>谣言话题的</a:t>
+              <a:t>（点三下）最后，本文检查了框架检测出的谣言实例。这些谣言话题的</a:t>
             </a:r>
             <a:r>
               <a:rPr lang="zh-CN" altLang="en-US" sz="1200" b="0" i="0" kern="1200" baseline="0" dirty="0" smtClean="0">
@@ -2115,43 +1733,7 @@
                 <a:ea typeface="+mn-ea"/>
                 <a:cs typeface="+mn-cs"/>
               </a:rPr>
-              <a:t>，这进一步</a:t>
-            </a:r>
-            <a:r>
-              <a:rPr lang="zh-CN" altLang="en-US" sz="1200" kern="1200" dirty="0" smtClean="0">
-                <a:solidFill>
-                  <a:schemeClr val="tx1"/>
-                </a:solidFill>
-                <a:effectLst/>
-                <a:latin typeface="+mn-lt"/>
-                <a:ea typeface="+mn-ea"/>
-                <a:cs typeface="+mn-cs"/>
-              </a:rPr>
-              <a:t>说明</a:t>
-            </a:r>
-            <a:r>
-              <a:rPr lang="zh-CN" altLang="en-US" sz="1200" kern="1200" dirty="0" smtClean="0">
-                <a:solidFill>
-                  <a:schemeClr val="tx1"/>
-                </a:solidFill>
-                <a:effectLst/>
-                <a:latin typeface="+mn-lt"/>
-                <a:ea typeface="+mn-ea"/>
-                <a:cs typeface="+mn-cs"/>
-              </a:rPr>
-              <a:t>本框架是</a:t>
-            </a:r>
-            <a:r>
-              <a:rPr lang="zh-CN" altLang="en-US" sz="1200" kern="1200" dirty="0" smtClean="0">
-                <a:solidFill>
-                  <a:schemeClr val="tx1"/>
-                </a:solidFill>
-                <a:effectLst/>
-                <a:latin typeface="+mn-lt"/>
-                <a:ea typeface="+mn-ea"/>
-                <a:cs typeface="+mn-cs"/>
-              </a:rPr>
-              <a:t>一项相当实用的谣言检测技术。以上是第五章的全部。</a:t>
+              <a:t>，这进一步说明本框架是一项相当实用的谣言检测技术。以上是第五章的全部。</a:t>
             </a:r>
             <a:endParaRPr lang="en-US" altLang="zh-CN" sz="1200" b="0" i="0" kern="1200" dirty="0" smtClean="0">
               <a:solidFill>
@@ -2285,10 +1867,10 @@
                 <a:ea typeface="+mn-ea"/>
                 <a:cs typeface="+mn-cs"/>
               </a:rPr>
-              <a:t>本文基于一个已有的谣言</a:t>
-            </a:r>
-            <a:r>
-              <a:rPr lang="zh-CN" altLang="en-US" sz="1200" b="0" i="0" kern="1200" dirty="0" smtClean="0">
+              <a:t>本文基于一个已有的谣言检测框架，对它的两点不足进行改进，（点）改进方案第一部分，话题聚类中讨论了</a:t>
+            </a:r>
+            <a:r>
+              <a:rPr lang="en-US" altLang="zh-CN" sz="1200" b="0" i="0" kern="1200" dirty="0" smtClean="0">
                 <a:solidFill>
                   <a:schemeClr val="tx1"/>
                 </a:solidFill>
@@ -2296,7 +1878,7 @@
                 <a:ea typeface="+mn-ea"/>
                 <a:cs typeface="+mn-cs"/>
               </a:rPr>
-              <a:t>检测框架，</a:t>
+              <a:t>6</a:t>
             </a:r>
             <a:r>
               <a:rPr lang="zh-CN" altLang="en-US" sz="1200" b="0" i="0" kern="1200" dirty="0" smtClean="0">
@@ -2307,51 +1889,7 @@
                 <a:ea typeface="+mn-ea"/>
                 <a:cs typeface="+mn-cs"/>
               </a:rPr>
-              <a:t>对它的两点不足进行改进，（点）改进方案第一部分，话题聚类中讨论了</a:t>
-            </a:r>
-            <a:r>
-              <a:rPr lang="en-US" altLang="zh-CN" sz="1200" b="0" i="0" kern="1200" dirty="0" smtClean="0">
-                <a:solidFill>
-                  <a:schemeClr val="tx1"/>
-                </a:solidFill>
-                <a:latin typeface="+mn-lt"/>
-                <a:ea typeface="+mn-ea"/>
-                <a:cs typeface="+mn-cs"/>
-              </a:rPr>
-              <a:t>6</a:t>
-            </a:r>
-            <a:r>
-              <a:rPr lang="zh-CN" altLang="en-US" sz="1200" b="0" i="0" kern="1200" dirty="0" smtClean="0">
-                <a:solidFill>
-                  <a:schemeClr val="tx1"/>
-                </a:solidFill>
-                <a:latin typeface="+mn-lt"/>
-                <a:ea typeface="+mn-ea"/>
-                <a:cs typeface="+mn-cs"/>
-              </a:rPr>
-              <a:t>种相似度度量，引入了加权相似度，讨论了权重配比方案；（点）方案第二部分在可疑度排名上引入了更多特征和特征选择技术，提出了一种新的特征选择方法和一种新的可疑度排名方法。（点）大量</a:t>
-            </a:r>
-            <a:r>
-              <a:rPr lang="zh-CN" altLang="en-US" sz="1200" b="0" i="0" kern="1200" dirty="0" smtClean="0">
-                <a:solidFill>
-                  <a:schemeClr val="tx1"/>
-                </a:solidFill>
-                <a:latin typeface="+mn-lt"/>
-                <a:ea typeface="+mn-ea"/>
-                <a:cs typeface="+mn-cs"/>
-              </a:rPr>
-              <a:t>实验说明了</a:t>
-            </a:r>
-            <a:r>
-              <a:rPr lang="zh-CN" altLang="en-US" sz="1200" b="0" i="0" kern="1200" dirty="0" smtClean="0">
-                <a:solidFill>
-                  <a:schemeClr val="tx1"/>
-                </a:solidFill>
-                <a:latin typeface="+mn-lt"/>
-                <a:ea typeface="+mn-ea"/>
-                <a:cs typeface="+mn-cs"/>
-              </a:rPr>
-              <a:t>本文改进方案和新方法的有效性与实用性。</a:t>
+              <a:t>种相似度度量，引入了加权相似度，讨论了权重配比方案；（点）方案第二部分在可疑度排名上引入了更多特征和特征选择技术，提出了一种新的特征选择方法和一种新的可疑度排名方法。（点）大量实验说明了本文改进方案和新方法的有效性与实用性。</a:t>
             </a:r>
             <a:endParaRPr lang="en-US" sz="1200" b="0" i="0" kern="1200" dirty="0" smtClean="0">
               <a:solidFill>
@@ -2648,95 +2186,7 @@
                 <a:ea typeface="+mn-ea"/>
                 <a:cs typeface="+mn-cs"/>
               </a:rPr>
-              <a:t>第二章介绍了本文的检测方法。本文基于一个已有工作的谣言</a:t>
-            </a:r>
-            <a:r>
-              <a:rPr lang="zh-CN" altLang="en-US" sz="1200" b="0" i="0" kern="1200" dirty="0" smtClean="0">
-                <a:solidFill>
-                  <a:schemeClr val="tx1"/>
-                </a:solidFill>
-                <a:latin typeface="+mn-lt"/>
-                <a:ea typeface="+mn-ea"/>
-                <a:cs typeface="+mn-cs"/>
-              </a:rPr>
-              <a:t>检测框架对</a:t>
-            </a:r>
-            <a:r>
-              <a:rPr lang="zh-CN" altLang="en-US" sz="1200" b="0" i="0" kern="1200" dirty="0" smtClean="0">
-                <a:solidFill>
-                  <a:schemeClr val="tx1"/>
-                </a:solidFill>
-                <a:latin typeface="+mn-lt"/>
-                <a:ea typeface="+mn-ea"/>
-                <a:cs typeface="+mn-cs"/>
-              </a:rPr>
-              <a:t>其进行了提高和改进。经过分析，</a:t>
-            </a:r>
-            <a:r>
-              <a:rPr lang="zh-CN" altLang="en-US" sz="1200" b="0" i="0" kern="1200" dirty="0" smtClean="0">
-                <a:solidFill>
-                  <a:schemeClr val="tx1"/>
-                </a:solidFill>
-                <a:latin typeface="+mn-lt"/>
-                <a:ea typeface="+mn-ea"/>
-                <a:cs typeface="+mn-cs"/>
-              </a:rPr>
-              <a:t>原框架在</a:t>
-            </a:r>
-            <a:r>
-              <a:rPr lang="zh-CN" altLang="en-US" sz="1200" b="0" i="0" kern="1200" dirty="0" smtClean="0">
-                <a:solidFill>
-                  <a:schemeClr val="tx1"/>
-                </a:solidFill>
-                <a:latin typeface="+mn-lt"/>
-                <a:ea typeface="+mn-ea"/>
-                <a:cs typeface="+mn-cs"/>
-              </a:rPr>
-              <a:t>设计原理上就不可避免地会引起刚刚我谈到的两个问题。本文针对这两个问题分别提出了改进方案：对候选消息重复率过高这个问题，本文的改进是对检测出的候选进行重新的话题聚类；对检测准确率不高的问题，本文的改进是引入更多的消息特征，并使用特征选择技术挑选出有用的特征组合，提高分类器的准确率，另外</a:t>
-            </a:r>
-            <a:r>
-              <a:rPr lang="zh-CN" altLang="en-US" sz="1200" b="0" i="0" kern="1200" dirty="0" smtClean="0">
-                <a:solidFill>
-                  <a:schemeClr val="tx1"/>
-                </a:solidFill>
-                <a:latin typeface="+mn-lt"/>
-                <a:ea typeface="+mn-ea"/>
-                <a:cs typeface="+mn-cs"/>
-              </a:rPr>
-              <a:t>原框架是</a:t>
-            </a:r>
-            <a:r>
-              <a:rPr lang="zh-CN" altLang="en-US" sz="1200" b="0" i="0" kern="1200" dirty="0" smtClean="0">
-                <a:solidFill>
-                  <a:schemeClr val="tx1"/>
-                </a:solidFill>
-                <a:latin typeface="+mn-lt"/>
-                <a:ea typeface="+mn-ea"/>
-                <a:cs typeface="+mn-cs"/>
-              </a:rPr>
-              <a:t>基于可疑度排名的方法检测出最可疑的消息，将它们作为谣言候选消息，对此本文提出了新的可疑度排名方案来</a:t>
-            </a:r>
-            <a:r>
-              <a:rPr lang="zh-CN" altLang="en-US" sz="1200" b="0" i="0" kern="1200" dirty="0" smtClean="0">
-                <a:solidFill>
-                  <a:schemeClr val="tx1"/>
-                </a:solidFill>
-                <a:latin typeface="+mn-lt"/>
-                <a:ea typeface="+mn-ea"/>
-                <a:cs typeface="+mn-cs"/>
-              </a:rPr>
-              <a:t>提高框架的</a:t>
-            </a:r>
-            <a:r>
-              <a:rPr lang="zh-CN" altLang="en-US" sz="1200" b="0" i="0" kern="1200" dirty="0" smtClean="0">
-                <a:solidFill>
-                  <a:schemeClr val="tx1"/>
-                </a:solidFill>
-                <a:latin typeface="+mn-lt"/>
-                <a:ea typeface="+mn-ea"/>
-                <a:cs typeface="+mn-cs"/>
-              </a:rPr>
-              <a:t>检测准确率。</a:t>
+              <a:t>第二章介绍了本文的检测方法。本文基于一个已有工作的谣言检测框架对其进行了提高和改进。经过分析，原框架在设计原理上就不可避免地会引起刚刚我谈到的两个问题。本文针对这两个问题分别提出了改进方案：对候选消息重复率过高这个问题，本文的改进是对检测出的候选进行重新的话题聚类；对检测准确率不高的问题，本文的改进是引入更多的消息特征，并使用特征选择技术挑选出有用的特征组合，提高分类器的准确率，另外原框架是基于可疑度排名的方法检测出最可疑的消息，将它们作为谣言候选消息，对此本文提出了新的可疑度排名方案来提高框架的检测准确率。</a:t>
             </a:r>
             <a:endParaRPr lang="en-US" sz="1200" b="0" i="0" kern="1200" dirty="0" smtClean="0">
               <a:solidFill>
@@ -2869,29 +2319,7 @@
                 <a:ea typeface="+mn-ea"/>
                 <a:cs typeface="+mn-cs"/>
               </a:rPr>
-              <a:t>种聚类方法，并从原理和实验的</a:t>
-            </a:r>
-            <a:r>
-              <a:rPr lang="zh-CN" altLang="en-US" sz="1200" b="0" i="0" kern="1200" dirty="0" smtClean="0">
-                <a:solidFill>
-                  <a:schemeClr val="tx1"/>
-                </a:solidFill>
-                <a:latin typeface="+mn-lt"/>
-                <a:ea typeface="+mn-ea"/>
-                <a:cs typeface="+mn-cs"/>
-              </a:rPr>
-              <a:t>角度说明了</a:t>
-            </a:r>
-            <a:r>
-              <a:rPr lang="zh-CN" altLang="en-US" sz="1200" b="0" i="0" kern="1200" dirty="0" smtClean="0">
-                <a:solidFill>
-                  <a:schemeClr val="tx1"/>
-                </a:solidFill>
-                <a:latin typeface="+mn-lt"/>
-                <a:ea typeface="+mn-ea"/>
-                <a:cs typeface="+mn-cs"/>
-              </a:rPr>
-              <a:t>层级聚类法在社交网络中的话题聚类的优越性。（点）聚类算法依赖于消息的相似度度量，本文探讨了什么样的相似度度量适合于社交网络的话题聚类，并讨论了</a:t>
+              <a:t>种聚类方法，并从原理和实验的角度说明了层级聚类法在社交网络中的话题聚类的优越性。（点）聚类算法依赖于消息的相似度度量，本文探讨了什么样的相似度度量适合于社交网络的话题聚类，并讨论了</a:t>
             </a:r>
             <a:r>
               <a:rPr lang="en-US" altLang="zh-CN" sz="1200" b="0" i="0" kern="1200" dirty="0" smtClean="0">
@@ -3200,51 +2628,7 @@
                 <a:ea typeface="+mn-ea"/>
                 <a:cs typeface="+mn-cs"/>
               </a:rPr>
-              <a:t>（点两下）本文实验使用的是推</a:t>
-            </a:r>
-            <a:r>
-              <a:rPr lang="zh-CN" altLang="en-US" sz="1200" b="0" i="0" kern="1200" dirty="0" smtClean="0">
-                <a:solidFill>
-                  <a:schemeClr val="tx1"/>
-                </a:solidFill>
-                <a:latin typeface="+mn-lt"/>
-                <a:ea typeface="+mn-ea"/>
-                <a:cs typeface="+mn-cs"/>
-              </a:rPr>
-              <a:t>特上的埃</a:t>
-            </a:r>
-            <a:r>
-              <a:rPr lang="zh-CN" altLang="en-US" sz="1200" b="0" i="0" kern="1200" dirty="0" smtClean="0">
-                <a:solidFill>
-                  <a:schemeClr val="tx1"/>
-                </a:solidFill>
-                <a:latin typeface="+mn-lt"/>
-                <a:ea typeface="+mn-ea"/>
-                <a:cs typeface="+mn-cs"/>
-              </a:rPr>
-              <a:t>博拉</a:t>
-            </a:r>
-            <a:r>
-              <a:rPr lang="zh-CN" altLang="en-US" sz="1200" b="0" i="0" kern="1200" dirty="0" smtClean="0">
-                <a:solidFill>
-                  <a:schemeClr val="tx1"/>
-                </a:solidFill>
-                <a:latin typeface="+mn-lt"/>
-                <a:ea typeface="+mn-ea"/>
-                <a:cs typeface="+mn-cs"/>
-              </a:rPr>
-              <a:t>病毒相关消息</a:t>
-            </a:r>
-            <a:r>
-              <a:rPr lang="zh-CN" altLang="en-US" sz="1200" b="0" i="0" kern="1200" dirty="0" smtClean="0">
-                <a:solidFill>
-                  <a:schemeClr val="tx1"/>
-                </a:solidFill>
-                <a:latin typeface="+mn-lt"/>
-                <a:ea typeface="+mn-ea"/>
-                <a:cs typeface="+mn-cs"/>
-              </a:rPr>
-              <a:t>集，共有</a:t>
+              <a:t>（点两下）本文实验使用的是推特上的埃博拉病毒相关消息集，共有</a:t>
             </a:r>
             <a:r>
               <a:rPr lang="en-US" altLang="zh-CN" sz="1200" b="0" i="0" kern="1200" dirty="0" smtClean="0">
@@ -4027,10 +3411,10 @@
                 <a:ea typeface="+mn-ea"/>
                 <a:cs typeface="+mn-cs"/>
               </a:rPr>
-              <a:t>相似度单独使用时表现不好，但在综合考虑时却获得了较高权重，</a:t>
-            </a:r>
-            <a:r>
-              <a:rPr lang="zh-CN" altLang="en-US" sz="1200" b="0" i="0" kern="1200" dirty="0" smtClean="0">
+              <a:t>相似度单独使用时表现不好，但在综合考虑时却获得了较高权重，这说明其辅助作用在加权相似度中非常明显。（点两下）用这个平均的配比重新进行实验，发现它比各网格搜索出的最优配比的聚类效果仅相差了</a:t>
+            </a:r>
+            <a:r>
+              <a:rPr lang="en-US" altLang="zh-CN" sz="1200" b="0" i="0" kern="1200" dirty="0" smtClean="0">
                 <a:solidFill>
                   <a:schemeClr val="tx1"/>
                 </a:solidFill>
@@ -4038,7 +3422,7 @@
                 <a:ea typeface="+mn-ea"/>
                 <a:cs typeface="+mn-cs"/>
               </a:rPr>
-              <a:t>这说明</a:t>
+              <a:t>3%~6%</a:t>
             </a:r>
             <a:r>
               <a:rPr lang="zh-CN" altLang="en-US" sz="1200" b="0" i="0" kern="1200" dirty="0" smtClean="0">
@@ -4049,51 +3433,7 @@
                 <a:ea typeface="+mn-ea"/>
                 <a:cs typeface="+mn-cs"/>
               </a:rPr>
-              <a:t>其辅助作用在加权相似度中非常明显。（点两下）用这个平均的配比重新进行实验，发现它比各网格搜索出的最优配比的聚类效果仅相差了</a:t>
-            </a:r>
-            <a:r>
-              <a:rPr lang="en-US" altLang="zh-CN" sz="1200" b="0" i="0" kern="1200" dirty="0" smtClean="0">
-                <a:solidFill>
-                  <a:schemeClr val="tx1"/>
-                </a:solidFill>
-                <a:latin typeface="+mn-lt"/>
-                <a:ea typeface="+mn-ea"/>
-                <a:cs typeface="+mn-cs"/>
-              </a:rPr>
-              <a:t>3%~6%</a:t>
-            </a:r>
-            <a:r>
-              <a:rPr lang="zh-CN" altLang="en-US" sz="1200" b="0" i="0" kern="1200" dirty="0" smtClean="0">
-                <a:solidFill>
-                  <a:schemeClr val="tx1"/>
-                </a:solidFill>
-                <a:latin typeface="+mn-lt"/>
-                <a:ea typeface="+mn-ea"/>
-                <a:cs typeface="+mn-cs"/>
-              </a:rPr>
-              <a:t>，（点两下）有的情况下结果还比网格搜索的最优好，</a:t>
-            </a:r>
-            <a:r>
-              <a:rPr lang="zh-CN" altLang="en-US" sz="1200" b="0" i="0" kern="1200" dirty="0" smtClean="0">
-                <a:solidFill>
-                  <a:schemeClr val="tx1"/>
-                </a:solidFill>
-                <a:latin typeface="+mn-lt"/>
-                <a:ea typeface="+mn-ea"/>
-                <a:cs typeface="+mn-cs"/>
-              </a:rPr>
-              <a:t>这说明了</a:t>
-            </a:r>
-            <a:r>
-              <a:rPr lang="zh-CN" altLang="en-US" sz="1200" b="0" i="0" kern="1200" dirty="0" smtClean="0">
-                <a:solidFill>
-                  <a:schemeClr val="tx1"/>
-                </a:solidFill>
-                <a:latin typeface="+mn-lt"/>
-                <a:ea typeface="+mn-ea"/>
-                <a:cs typeface="+mn-cs"/>
-              </a:rPr>
-              <a:t>平均权重配比的合理性，可以被用于实际问题当中。</a:t>
+              <a:t>，（点两下）有的情况下结果还比网格搜索的最优好，这说明了平均权重配比的合理性，可以被用于实际问题当中。</a:t>
             </a:r>
             <a:endParaRPr lang="en-US" altLang="zh-CN" sz="1200" b="0" i="0" kern="1200" dirty="0" smtClean="0">
               <a:solidFill>
@@ -4248,10 +3588,10 @@
                 <a:ea typeface="+mn-ea"/>
                 <a:cs typeface="+mn-cs"/>
               </a:rPr>
-              <a:t>之间，与</a:t>
-            </a:r>
-            <a:r>
-              <a:rPr lang="zh-CN" altLang="en-US" sz="1200" b="0" i="0" kern="1200" baseline="0" dirty="0" smtClean="0">
+              <a:t>之间，与原框架的</a:t>
+            </a:r>
+            <a:r>
+              <a:rPr lang="en-US" altLang="zh-CN" sz="1200" b="0" i="0" kern="1200" baseline="0" dirty="0" smtClean="0">
                 <a:solidFill>
                   <a:schemeClr val="tx1"/>
                 </a:solidFill>
@@ -4259,10 +3599,10 @@
                 <a:ea typeface="+mn-ea"/>
                 <a:cs typeface="+mn-cs"/>
               </a:rPr>
-              <a:t>原框架的</a:t>
-            </a:r>
-            <a:r>
-              <a:rPr lang="en-US" altLang="zh-CN" sz="1200" b="0" i="0" kern="1200" baseline="0" dirty="0" smtClean="0">
+              <a:t>3.2</a:t>
+            </a:r>
+            <a:r>
+              <a:rPr lang="zh-CN" altLang="en-US" sz="1200" b="0" i="0" kern="1200" baseline="0" dirty="0" smtClean="0">
                 <a:solidFill>
                   <a:schemeClr val="tx1"/>
                 </a:solidFill>
@@ -4270,106 +3610,7 @@
                 <a:ea typeface="+mn-ea"/>
                 <a:cs typeface="+mn-cs"/>
               </a:rPr>
-              <a:t>3.2</a:t>
-            </a:r>
-            <a:r>
-              <a:rPr lang="zh-CN" altLang="en-US" sz="1200" b="0" i="0" kern="1200" baseline="0" dirty="0" smtClean="0">
-                <a:solidFill>
-                  <a:schemeClr val="tx1"/>
-                </a:solidFill>
-                <a:latin typeface="+mn-lt"/>
-                <a:ea typeface="+mn-ea"/>
-                <a:cs typeface="+mn-cs"/>
-              </a:rPr>
-              <a:t>相比足足缩减了一半，这充分说明方案对</a:t>
-            </a:r>
-            <a:r>
-              <a:rPr lang="zh-CN" altLang="en-US" sz="1200" b="0" i="0" kern="1200" baseline="0" dirty="0" smtClean="0">
-                <a:solidFill>
-                  <a:schemeClr val="tx1"/>
-                </a:solidFill>
-                <a:latin typeface="+mn-lt"/>
-                <a:ea typeface="+mn-ea"/>
-                <a:cs typeface="+mn-cs"/>
-              </a:rPr>
-              <a:t>原框架第一</a:t>
-            </a:r>
-            <a:r>
-              <a:rPr lang="zh-CN" altLang="en-US" sz="1200" b="0" i="0" kern="1200" baseline="0" dirty="0" smtClean="0">
-                <a:solidFill>
-                  <a:schemeClr val="tx1"/>
-                </a:solidFill>
-                <a:latin typeface="+mn-lt"/>
-                <a:ea typeface="+mn-ea"/>
-                <a:cs typeface="+mn-cs"/>
-              </a:rPr>
-              <a:t>个问题有很好的改进成效。（点）右边的表格是</a:t>
-            </a:r>
-            <a:r>
-              <a:rPr lang="zh-CN" altLang="en-US" sz="1200" b="0" i="0" kern="1200" baseline="0" dirty="0" smtClean="0">
-                <a:solidFill>
-                  <a:schemeClr val="tx1"/>
-                </a:solidFill>
-                <a:latin typeface="+mn-lt"/>
-                <a:ea typeface="+mn-ea"/>
-                <a:cs typeface="+mn-cs"/>
-              </a:rPr>
-              <a:t>一些框架实际</a:t>
-            </a:r>
-            <a:r>
-              <a:rPr lang="zh-CN" altLang="en-US" sz="1200" b="0" i="0" kern="1200" baseline="0" dirty="0" smtClean="0">
-                <a:solidFill>
-                  <a:schemeClr val="tx1"/>
-                </a:solidFill>
-                <a:latin typeface="+mn-lt"/>
-                <a:ea typeface="+mn-ea"/>
-                <a:cs typeface="+mn-cs"/>
-              </a:rPr>
-              <a:t>的聚类例子，这些消息的文本都不太相似，（点）在</a:t>
-            </a:r>
-            <a:r>
-              <a:rPr lang="zh-CN" altLang="en-US" sz="1200" b="0" i="0" kern="1200" baseline="0" dirty="0" smtClean="0">
-                <a:solidFill>
-                  <a:schemeClr val="tx1"/>
-                </a:solidFill>
-                <a:latin typeface="+mn-lt"/>
-                <a:ea typeface="+mn-ea"/>
-                <a:cs typeface="+mn-cs"/>
-              </a:rPr>
-              <a:t>原框架中</a:t>
-            </a:r>
-            <a:r>
-              <a:rPr lang="zh-CN" altLang="en-US" sz="1200" b="0" i="0" kern="1200" baseline="0" dirty="0" smtClean="0">
-                <a:solidFill>
-                  <a:schemeClr val="tx1"/>
-                </a:solidFill>
-                <a:latin typeface="+mn-lt"/>
-                <a:ea typeface="+mn-ea"/>
-                <a:cs typeface="+mn-cs"/>
-              </a:rPr>
-              <a:t>被分成了好多候选消息，但在</a:t>
-            </a:r>
-            <a:r>
-              <a:rPr lang="zh-CN" altLang="en-US" sz="1200" b="0" i="0" kern="1200" baseline="0" dirty="0" smtClean="0">
-                <a:solidFill>
-                  <a:schemeClr val="tx1"/>
-                </a:solidFill>
-                <a:latin typeface="+mn-lt"/>
-                <a:ea typeface="+mn-ea"/>
-                <a:cs typeface="+mn-cs"/>
-              </a:rPr>
-              <a:t>新框架中</a:t>
-            </a:r>
-            <a:r>
-              <a:rPr lang="zh-CN" altLang="en-US" sz="1200" b="0" i="0" kern="1200" baseline="0" dirty="0" smtClean="0">
-                <a:solidFill>
-                  <a:schemeClr val="tx1"/>
-                </a:solidFill>
-                <a:latin typeface="+mn-lt"/>
-                <a:ea typeface="+mn-ea"/>
-                <a:cs typeface="+mn-cs"/>
-              </a:rPr>
-              <a:t>都基本被正确聚类，因为它们的时间相似度高、（点两下）</a:t>
+              <a:t>相比足足缩减了一半，这充分说明方案对原框架第一个问题有很好的改进成效。（点）右边的表格是一些框架实际的聚类例子，这些消息的文本都不太相似，（点）在原框架中被分成了好多候选消息，但在新框架中都基本被正确聚类，因为它们的时间相似度高、（点两下）</a:t>
             </a:r>
             <a:r>
               <a:rPr lang="en-US" altLang="zh-CN" sz="1200" b="0" i="0" kern="1200" baseline="0" dirty="0" smtClean="0">
@@ -8616,7 +7857,17 @@
                 <a:latin typeface="黑体" pitchFamily="49" charset="-122"/>
                 <a:ea typeface="黑体" pitchFamily="49" charset="-122"/>
               </a:rPr>
-              <a:t>从</a:t>
+              <a:t>从原框架</a:t>
+            </a:r>
+            <a:r>
+              <a:rPr lang="en-US" altLang="zh-CN" sz="2000" dirty="0" smtClean="0">
+                <a:solidFill>
+                  <a:prstClr val="black"/>
+                </a:solidFill>
+                <a:latin typeface="黑体" pitchFamily="49" charset="-122"/>
+                <a:ea typeface="黑体" pitchFamily="49" charset="-122"/>
+              </a:rPr>
+              <a:t>15</a:t>
             </a:r>
             <a:r>
               <a:rPr lang="zh-CN" altLang="en-US" sz="2000" dirty="0" smtClean="0">
@@ -8626,37 +7877,7 @@
                 <a:latin typeface="黑体" pitchFamily="49" charset="-122"/>
                 <a:ea typeface="黑体" pitchFamily="49" charset="-122"/>
               </a:rPr>
-              <a:t>原框架</a:t>
-            </a:r>
-            <a:r>
-              <a:rPr lang="en-US" altLang="zh-CN" sz="2000" dirty="0" smtClean="0">
-                <a:solidFill>
-                  <a:prstClr val="black"/>
-                </a:solidFill>
-                <a:latin typeface="黑体" pitchFamily="49" charset="-122"/>
-                <a:ea typeface="黑体" pitchFamily="49" charset="-122"/>
-              </a:rPr>
-              <a:t>15</a:t>
-            </a:r>
-            <a:r>
-              <a:rPr lang="zh-CN" altLang="en-US" sz="2000" dirty="0" smtClean="0">
-                <a:solidFill>
-                  <a:prstClr val="black"/>
-                </a:solidFill>
-                <a:latin typeface="黑体" pitchFamily="49" charset="-122"/>
-                <a:ea typeface="黑体" pitchFamily="49" charset="-122"/>
-              </a:rPr>
-              <a:t>类扩充到</a:t>
-            </a:r>
-            <a:r>
-              <a:rPr lang="zh-CN" altLang="en-US" sz="2000" dirty="0" smtClean="0">
-                <a:solidFill>
-                  <a:prstClr val="black"/>
-                </a:solidFill>
-                <a:latin typeface="黑体" pitchFamily="49" charset="-122"/>
-                <a:ea typeface="黑体" pitchFamily="49" charset="-122"/>
-              </a:rPr>
-              <a:t>新框架</a:t>
+              <a:t>类扩充到新框架</a:t>
             </a:r>
             <a:r>
               <a:rPr lang="en-US" altLang="zh-CN" sz="2000" dirty="0" smtClean="0">
@@ -9705,27 +8926,7 @@
                 <a:latin typeface="黑体" pitchFamily="49" charset="-122"/>
                 <a:ea typeface="黑体" pitchFamily="49" charset="-122"/>
               </a:rPr>
-              <a:t>动因：</a:t>
-            </a:r>
-            <a:r>
-              <a:rPr lang="zh-CN" altLang="en-US" sz="2000" dirty="0" smtClean="0">
-                <a:solidFill>
-                  <a:prstClr val="black"/>
-                </a:solidFill>
-                <a:latin typeface="黑体" pitchFamily="49" charset="-122"/>
-                <a:ea typeface="黑体" pitchFamily="49" charset="-122"/>
-              </a:rPr>
-              <a:t>原框架仅</a:t>
-            </a:r>
-            <a:r>
-              <a:rPr lang="zh-CN" altLang="en-US" sz="2000" dirty="0" smtClean="0">
-                <a:solidFill>
-                  <a:prstClr val="black"/>
-                </a:solidFill>
-                <a:latin typeface="黑体" pitchFamily="49" charset="-122"/>
-                <a:ea typeface="黑体" pitchFamily="49" charset="-122"/>
-              </a:rPr>
-              <a:t>用决策树，能否将不同分类器的“智慧”结合，提高谣言检测率？</a:t>
+              <a:t>动因：原框架仅用决策树，能否将不同分类器的“智慧”结合，提高谣言检测率？</a:t>
             </a:r>
             <a:endParaRPr lang="en-US" altLang="zh-CN" sz="2000" dirty="0" smtClean="0">
               <a:solidFill>
@@ -12057,27 +11258,7 @@
                 <a:latin typeface="黑体" pitchFamily="49" charset="-122"/>
                 <a:ea typeface="黑体" pitchFamily="49" charset="-122"/>
               </a:rPr>
-              <a:t>更</a:t>
-            </a:r>
-            <a:r>
-              <a:rPr lang="zh-CN" altLang="en-US" sz="2000" dirty="0" smtClean="0">
-                <a:solidFill>
-                  <a:prstClr val="black"/>
-                </a:solidFill>
-                <a:latin typeface="黑体" pitchFamily="49" charset="-122"/>
-                <a:ea typeface="黑体" pitchFamily="49" charset="-122"/>
-              </a:rPr>
-              <a:t>贴近框架的</a:t>
-            </a:r>
-            <a:r>
-              <a:rPr lang="zh-CN" altLang="en-US" sz="2000" dirty="0" smtClean="0">
-                <a:solidFill>
-                  <a:prstClr val="black"/>
-                </a:solidFill>
-                <a:latin typeface="黑体" pitchFamily="49" charset="-122"/>
-                <a:ea typeface="黑体" pitchFamily="49" charset="-122"/>
-              </a:rPr>
-              <a:t>真实应用场景</a:t>
+              <a:t>更贴近框架的真实应用场景</a:t>
             </a:r>
             <a:endParaRPr lang="en-US" altLang="zh-CN" sz="2000" dirty="0">
               <a:solidFill>
@@ -13440,17 +12621,7 @@
                 <a:latin typeface="黑体" pitchFamily="49" charset="-122"/>
                 <a:ea typeface="黑体" pitchFamily="49" charset="-122"/>
               </a:rPr>
-              <a:t>框架检测</a:t>
-            </a:r>
-            <a:r>
-              <a:rPr lang="zh-CN" altLang="en-US" sz="2000" dirty="0" smtClean="0">
-                <a:solidFill>
-                  <a:prstClr val="black"/>
-                </a:solidFill>
-                <a:latin typeface="黑体" pitchFamily="49" charset="-122"/>
-                <a:ea typeface="黑体" pitchFamily="49" charset="-122"/>
-              </a:rPr>
-              <a:t>出的谣言实例</a:t>
+              <a:t>框架检测出的谣言实例</a:t>
             </a:r>
             <a:endParaRPr lang="en-US" altLang="zh-CN" sz="2000" dirty="0">
               <a:solidFill>
@@ -13938,27 +13109,7 @@
                 <a:latin typeface="黑体" pitchFamily="49" charset="-122"/>
                 <a:ea typeface="黑体" pitchFamily="49" charset="-122"/>
               </a:rPr>
-              <a:t>本文基于一个已有的谣言</a:t>
-            </a:r>
-            <a:r>
-              <a:rPr lang="zh-CN" altLang="en-US" sz="2000" dirty="0" smtClean="0">
-                <a:solidFill>
-                  <a:prstClr val="black"/>
-                </a:solidFill>
-                <a:latin typeface="黑体" pitchFamily="49" charset="-122"/>
-                <a:ea typeface="黑体" pitchFamily="49" charset="-122"/>
-              </a:rPr>
-              <a:t>检测框架，</a:t>
-            </a:r>
-            <a:r>
-              <a:rPr lang="zh-CN" altLang="en-US" sz="2000" dirty="0" smtClean="0">
-                <a:solidFill>
-                  <a:prstClr val="black"/>
-                </a:solidFill>
-                <a:latin typeface="黑体" pitchFamily="49" charset="-122"/>
-                <a:ea typeface="黑体" pitchFamily="49" charset="-122"/>
-              </a:rPr>
-              <a:t>对它的两点不足进行改进提高</a:t>
+              <a:t>本文基于一个已有的谣言检测框架，对它的两点不足进行改进提高</a:t>
             </a:r>
             <a:endParaRPr lang="en-US" altLang="zh-CN" sz="2000" dirty="0" smtClean="0">
               <a:solidFill>
@@ -14085,7 +13236,17 @@
                 <a:latin typeface="黑体" pitchFamily="49" charset="-122"/>
                 <a:ea typeface="黑体" pitchFamily="49" charset="-122"/>
               </a:rPr>
-              <a:t>大量</a:t>
+              <a:t>大量实验说明了本文改进方案的有效性：能降低原框架的候选消息话题重复率、提高原框架的</a:t>
+            </a:r>
+            <a:r>
+              <a:rPr lang="en-US" altLang="zh-CN" sz="2000" dirty="0" smtClean="0">
+                <a:solidFill>
+                  <a:prstClr val="black"/>
+                </a:solidFill>
+                <a:latin typeface="黑体" pitchFamily="49" charset="-122"/>
+                <a:ea typeface="黑体" pitchFamily="49" charset="-122"/>
+              </a:rPr>
+              <a:t>Top-N</a:t>
             </a:r>
             <a:r>
               <a:rPr lang="zh-CN" altLang="en-US" sz="2000" dirty="0" smtClean="0">
@@ -14095,87 +13256,7 @@
                 <a:latin typeface="黑体" pitchFamily="49" charset="-122"/>
                 <a:ea typeface="黑体" pitchFamily="49" charset="-122"/>
               </a:rPr>
-              <a:t>实验说明了</a:t>
-            </a:r>
-            <a:r>
-              <a:rPr lang="zh-CN" altLang="en-US" sz="2000" dirty="0" smtClean="0">
-                <a:solidFill>
-                  <a:prstClr val="black"/>
-                </a:solidFill>
-                <a:latin typeface="黑体" pitchFamily="49" charset="-122"/>
-                <a:ea typeface="黑体" pitchFamily="49" charset="-122"/>
-              </a:rPr>
-              <a:t>本文改进方案的有效性：能降低</a:t>
-            </a:r>
-            <a:r>
-              <a:rPr lang="zh-CN" altLang="en-US" sz="2000" dirty="0" smtClean="0">
-                <a:solidFill>
-                  <a:prstClr val="black"/>
-                </a:solidFill>
-                <a:latin typeface="黑体" pitchFamily="49" charset="-122"/>
-                <a:ea typeface="黑体" pitchFamily="49" charset="-122"/>
-              </a:rPr>
-              <a:t>原框架的</a:t>
-            </a:r>
-            <a:r>
-              <a:rPr lang="zh-CN" altLang="en-US" sz="2000" dirty="0" smtClean="0">
-                <a:solidFill>
-                  <a:prstClr val="black"/>
-                </a:solidFill>
-                <a:latin typeface="黑体" pitchFamily="49" charset="-122"/>
-                <a:ea typeface="黑体" pitchFamily="49" charset="-122"/>
-              </a:rPr>
-              <a:t>候选消息话题重复率、提高</a:t>
-            </a:r>
-            <a:r>
-              <a:rPr lang="zh-CN" altLang="en-US" sz="2000" dirty="0" smtClean="0">
-                <a:solidFill>
-                  <a:prstClr val="black"/>
-                </a:solidFill>
-                <a:latin typeface="黑体" pitchFamily="49" charset="-122"/>
-                <a:ea typeface="黑体" pitchFamily="49" charset="-122"/>
-              </a:rPr>
-              <a:t>原框架的</a:t>
-            </a:r>
-            <a:r>
-              <a:rPr lang="en-US" altLang="zh-CN" sz="2000" dirty="0" smtClean="0">
-                <a:solidFill>
-                  <a:prstClr val="black"/>
-                </a:solidFill>
-                <a:latin typeface="黑体" pitchFamily="49" charset="-122"/>
-                <a:ea typeface="黑体" pitchFamily="49" charset="-122"/>
-              </a:rPr>
-              <a:t>Top-N</a:t>
-            </a:r>
-            <a:r>
-              <a:rPr lang="zh-CN" altLang="en-US" sz="2000" dirty="0" smtClean="0">
-                <a:solidFill>
-                  <a:prstClr val="black"/>
-                </a:solidFill>
-                <a:latin typeface="黑体" pitchFamily="49" charset="-122"/>
-                <a:ea typeface="黑体" pitchFamily="49" charset="-122"/>
-              </a:rPr>
-              <a:t>谣言检测率、</a:t>
-            </a:r>
-            <a:r>
-              <a:rPr lang="zh-CN" altLang="en-US" sz="2000" dirty="0" smtClean="0">
-                <a:solidFill>
-                  <a:prstClr val="black"/>
-                </a:solidFill>
-                <a:latin typeface="黑体" pitchFamily="49" charset="-122"/>
-                <a:ea typeface="黑体" pitchFamily="49" charset="-122"/>
-              </a:rPr>
-              <a:t>提高框架在</a:t>
-            </a:r>
-            <a:r>
-              <a:rPr lang="zh-CN" altLang="en-US" sz="2000" dirty="0" smtClean="0">
-                <a:solidFill>
-                  <a:prstClr val="black"/>
-                </a:solidFill>
-                <a:latin typeface="黑体" pitchFamily="49" charset="-122"/>
-                <a:ea typeface="黑体" pitchFamily="49" charset="-122"/>
-              </a:rPr>
-              <a:t>真实场景下的实用性</a:t>
+              <a:t>谣言检测率、提高框架在真实场景下的实用性</a:t>
             </a:r>
             <a:endParaRPr lang="en-US" altLang="zh-CN" sz="2800" dirty="0" smtClean="0">
               <a:latin typeface="黑体" pitchFamily="49" charset="-122"/>
@@ -15139,17 +14220,7 @@
                 <a:latin typeface="黑体" pitchFamily="49" charset="-122"/>
                 <a:ea typeface="黑体" pitchFamily="49" charset="-122"/>
               </a:rPr>
-              <a:t> </a:t>
-            </a:r>
-            <a:r>
-              <a:rPr lang="en-US" altLang="zh-CN" sz="2800" dirty="0" smtClean="0">
-                <a:solidFill>
-                  <a:prstClr val="black"/>
-                </a:solidFill>
-                <a:latin typeface="黑体" pitchFamily="49" charset="-122"/>
-                <a:ea typeface="黑体" pitchFamily="49" charset="-122"/>
-              </a:rPr>
-              <a:t>1.3 </a:t>
+              <a:t> 1.3 </a:t>
             </a:r>
             <a:r>
               <a:rPr lang="zh-CN" altLang="en-US" sz="2800" dirty="0" smtClean="0">
@@ -15188,17 +14259,7 @@
                 <a:latin typeface="黑体" pitchFamily="49" charset="-122"/>
                 <a:ea typeface="黑体" pitchFamily="49" charset="-122"/>
               </a:rPr>
-              <a:t> </a:t>
-            </a:r>
-            <a:r>
-              <a:rPr lang="en-US" altLang="zh-CN" sz="2800" dirty="0" smtClean="0">
-                <a:solidFill>
-                  <a:prstClr val="black"/>
-                </a:solidFill>
-                <a:latin typeface="黑体" pitchFamily="49" charset="-122"/>
-                <a:ea typeface="黑体" pitchFamily="49" charset="-122"/>
-              </a:rPr>
-              <a:t>1.4 </a:t>
+              <a:t> 1.4 </a:t>
             </a:r>
             <a:r>
               <a:rPr lang="zh-CN" altLang="en-US" sz="2800" dirty="0">
@@ -15484,17 +14545,7 @@
                 <a:latin typeface="黑体" pitchFamily="49" charset="-122"/>
                 <a:ea typeface="黑体" pitchFamily="49" charset="-122"/>
               </a:rPr>
-              <a:t>问题</a:t>
-            </a:r>
-            <a:r>
-              <a:rPr lang="zh-CN" altLang="en-US" sz="2000" dirty="0" smtClean="0">
-                <a:solidFill>
-                  <a:prstClr val="black"/>
-                </a:solidFill>
-                <a:latin typeface="黑体" pitchFamily="49" charset="-122"/>
-                <a:ea typeface="黑体" pitchFamily="49" charset="-122"/>
-              </a:rPr>
-              <a:t>：谣言候选话题重复率过高。         改进方案：</a:t>
+              <a:t>问题：谣言候选话题重复率过高。         改进方案：</a:t>
             </a:r>
             <a:r>
               <a:rPr lang="zh-CN" altLang="en-US" sz="2000" dirty="0">
@@ -15716,8 +14767,8 @@
           <a:chExt cx="0" cy="0"/>
         </a:xfrm>
       </p:grpSpPr>
-      <mc:AlternateContent xmlns:mc="http://schemas.openxmlformats.org/markup-compatibility/2006">
-        <mc:Choice xmlns:a14="http://schemas.microsoft.com/office/drawing/2010/main" Requires="a14">
+      <mc:AlternateContent xmlns:mc="http://schemas.openxmlformats.org/markup-compatibility/2006" xmlns:a14="http://schemas.microsoft.com/office/drawing/2010/main">
+        <mc:Choice Requires="a14">
           <p:sp>
             <p:nvSpPr>
               <p:cNvPr id="21" name="TextBox 20"/>
@@ -16457,7 +15508,7 @@
             </p:txBody>
           </p:sp>
         </mc:Choice>
-        <mc:Fallback>
+        <mc:Fallback xmlns="">
           <p:sp>
             <p:nvSpPr>
               <p:cNvPr id="21" name="TextBox 20"/>
